--- a/documentation/seitenbau/praesentation.pptx
+++ b/documentation/seitenbau/praesentation.pptx
@@ -7,17 +7,24 @@
   <p:sldIdLst>
     <p:sldId id="256" r:id="rId2"/>
     <p:sldId id="257" r:id="rId3"/>
-    <p:sldId id="258" r:id="rId4"/>
-    <p:sldId id="259" r:id="rId5"/>
-    <p:sldId id="260" r:id="rId6"/>
-    <p:sldId id="261" r:id="rId7"/>
-    <p:sldId id="262" r:id="rId8"/>
-    <p:sldId id="263" r:id="rId9"/>
-    <p:sldId id="265" r:id="rId10"/>
-    <p:sldId id="266" r:id="rId11"/>
-    <p:sldId id="267" r:id="rId12"/>
-    <p:sldId id="268" r:id="rId13"/>
-    <p:sldId id="264" r:id="rId14"/>
+    <p:sldId id="269" r:id="rId4"/>
+    <p:sldId id="258" r:id="rId5"/>
+    <p:sldId id="259" r:id="rId6"/>
+    <p:sldId id="260" r:id="rId7"/>
+    <p:sldId id="270" r:id="rId8"/>
+    <p:sldId id="271" r:id="rId9"/>
+    <p:sldId id="273" r:id="rId10"/>
+    <p:sldId id="272" r:id="rId11"/>
+    <p:sldId id="274" r:id="rId12"/>
+    <p:sldId id="261" r:id="rId13"/>
+    <p:sldId id="275" r:id="rId14"/>
+    <p:sldId id="262" r:id="rId15"/>
+    <p:sldId id="263" r:id="rId16"/>
+    <p:sldId id="265" r:id="rId17"/>
+    <p:sldId id="266" r:id="rId18"/>
+    <p:sldId id="267" r:id="rId19"/>
+    <p:sldId id="268" r:id="rId20"/>
+    <p:sldId id="264" r:id="rId21"/>
   </p:sldIdLst>
   <p:sldSz cx="9144000" cy="6858000" type="screen4x3"/>
   <p:notesSz cx="6858000" cy="9144000"/>
@@ -116,6 +123,22 @@
       </a:defRPr>
     </a:lvl9pPr>
   </p:defaultTextStyle>
+  <p:extLst>
+    <p:ext uri="{EFAFB233-063F-42B5-8137-9DF3F51BA10A}">
+      <p15:sldGuideLst xmlns:p15="http://schemas.microsoft.com/office/powerpoint/2012/main">
+        <p15:guide id="1" orient="horz" pos="2160">
+          <p15:clr>
+            <a:srgbClr val="A4A3A4"/>
+          </p15:clr>
+        </p15:guide>
+        <p15:guide id="2" pos="2880">
+          <p15:clr>
+            <a:srgbClr val="A4A3A4"/>
+          </p15:clr>
+        </p15:guide>
+      </p15:sldGuideLst>
+    </p:ext>
+  </p:extLst>
 </p:presentation>
 </file>
 
@@ -300,7 +323,7 @@
           <a:p>
             <a:fld id="{3D3F076A-37B1-4513-9F6B-CFB0CEF8E9AA}" type="datetimeFigureOut">
               <a:rPr lang="de-DE" smtClean="0"/>
-              <a:t>05.12.2013</a:t>
+              <a:t>12.12.2013</a:t>
             </a:fld>
             <a:endParaRPr lang="de-DE"/>
           </a:p>
@@ -465,7 +488,7 @@
           <a:p>
             <a:fld id="{3D3F076A-37B1-4513-9F6B-CFB0CEF8E9AA}" type="datetimeFigureOut">
               <a:rPr lang="de-DE" smtClean="0"/>
-              <a:t>05.12.2013</a:t>
+              <a:t>12.12.2013</a:t>
             </a:fld>
             <a:endParaRPr lang="de-DE"/>
           </a:p>
@@ -640,7 +663,7 @@
           <a:p>
             <a:fld id="{3D3F076A-37B1-4513-9F6B-CFB0CEF8E9AA}" type="datetimeFigureOut">
               <a:rPr lang="de-DE" smtClean="0"/>
-              <a:t>05.12.2013</a:t>
+              <a:t>12.12.2013</a:t>
             </a:fld>
             <a:endParaRPr lang="de-DE"/>
           </a:p>
@@ -805,7 +828,7 @@
           <a:p>
             <a:fld id="{3D3F076A-37B1-4513-9F6B-CFB0CEF8E9AA}" type="datetimeFigureOut">
               <a:rPr lang="de-DE" smtClean="0"/>
-              <a:t>05.12.2013</a:t>
+              <a:t>12.12.2013</a:t>
             </a:fld>
             <a:endParaRPr lang="de-DE"/>
           </a:p>
@@ -1046,7 +1069,7 @@
           <a:p>
             <a:fld id="{3D3F076A-37B1-4513-9F6B-CFB0CEF8E9AA}" type="datetimeFigureOut">
               <a:rPr lang="de-DE" smtClean="0"/>
-              <a:t>05.12.2013</a:t>
+              <a:t>12.12.2013</a:t>
             </a:fld>
             <a:endParaRPr lang="de-DE"/>
           </a:p>
@@ -1329,7 +1352,7 @@
           <a:p>
             <a:fld id="{3D3F076A-37B1-4513-9F6B-CFB0CEF8E9AA}" type="datetimeFigureOut">
               <a:rPr lang="de-DE" smtClean="0"/>
-              <a:t>05.12.2013</a:t>
+              <a:t>12.12.2013</a:t>
             </a:fld>
             <a:endParaRPr lang="de-DE"/>
           </a:p>
@@ -1746,7 +1769,7 @@
           <a:p>
             <a:fld id="{3D3F076A-37B1-4513-9F6B-CFB0CEF8E9AA}" type="datetimeFigureOut">
               <a:rPr lang="de-DE" smtClean="0"/>
-              <a:t>05.12.2013</a:t>
+              <a:t>12.12.2013</a:t>
             </a:fld>
             <a:endParaRPr lang="de-DE"/>
           </a:p>
@@ -1859,7 +1882,7 @@
           <a:p>
             <a:fld id="{3D3F076A-37B1-4513-9F6B-CFB0CEF8E9AA}" type="datetimeFigureOut">
               <a:rPr lang="de-DE" smtClean="0"/>
-              <a:t>05.12.2013</a:t>
+              <a:t>12.12.2013</a:t>
             </a:fld>
             <a:endParaRPr lang="de-DE"/>
           </a:p>
@@ -1949,7 +1972,7 @@
           <a:p>
             <a:fld id="{3D3F076A-37B1-4513-9F6B-CFB0CEF8E9AA}" type="datetimeFigureOut">
               <a:rPr lang="de-DE" smtClean="0"/>
-              <a:t>05.12.2013</a:t>
+              <a:t>12.12.2013</a:t>
             </a:fld>
             <a:endParaRPr lang="de-DE"/>
           </a:p>
@@ -2221,7 +2244,7 @@
           <a:p>
             <a:fld id="{3D3F076A-37B1-4513-9F6B-CFB0CEF8E9AA}" type="datetimeFigureOut">
               <a:rPr lang="de-DE" smtClean="0"/>
-              <a:t>05.12.2013</a:t>
+              <a:t>12.12.2013</a:t>
             </a:fld>
             <a:endParaRPr lang="de-DE"/>
           </a:p>
@@ -2469,7 +2492,7 @@
           <a:p>
             <a:fld id="{3D3F076A-37B1-4513-9F6B-CFB0CEF8E9AA}" type="datetimeFigureOut">
               <a:rPr lang="de-DE" smtClean="0"/>
-              <a:t>05.12.2013</a:t>
+              <a:t>12.12.2013</a:t>
             </a:fld>
             <a:endParaRPr lang="de-DE"/>
           </a:p>
@@ -2677,7 +2700,7 @@
           <a:p>
             <a:fld id="{3D3F076A-37B1-4513-9F6B-CFB0CEF8E9AA}" type="datetimeFigureOut">
               <a:rPr lang="de-DE" smtClean="0"/>
-              <a:t>05.12.2013</a:t>
+              <a:t>12.12.2013</a:t>
             </a:fld>
             <a:endParaRPr lang="de-DE"/>
           </a:p>
@@ -3135,12 +3158,14 @@
         </p:nvSpPr>
         <p:spPr/>
         <p:txBody>
-          <a:bodyPr/>
+          <a:bodyPr>
+            <a:noAutofit/>
+          </a:bodyPr>
           <a:lstStyle/>
           <a:p>
             <a:r>
               <a:rPr lang="de-DE" dirty="0" smtClean="0"/>
-              <a:t>Kante Buch-Verlag</a:t>
+              <a:t>Features: Unterstützung bei Fehlern</a:t>
             </a:r>
             <a:endParaRPr lang="de-DE" dirty="0"/>
           </a:p>
@@ -3160,6 +3185,12 @@
         <p:txBody>
           <a:bodyPr/>
           <a:lstStyle/>
+          <a:p>
+            <a:endParaRPr lang="de-DE" dirty="0" smtClean="0"/>
+          </a:p>
+          <a:p>
+            <a:endParaRPr lang="de-DE" dirty="0" smtClean="0"/>
+          </a:p>
           <a:p>
             <a:endParaRPr lang="de-DE" dirty="0"/>
           </a:p>
@@ -3167,615 +3198,33 @@
       </p:sp>
       <p:pic>
         <p:nvPicPr>
-          <p:cNvPr id="5" name="Picture 2"/>
+          <p:cNvPr id="4" name="Grafik 3"/>
           <p:cNvPicPr>
-            <a:picLocks noChangeAspect="1" noChangeArrowheads="1"/>
+            <a:picLocks noChangeAspect="1"/>
           </p:cNvPicPr>
           <p:nvPr/>
         </p:nvPicPr>
-        <p:blipFill>
-          <a:blip r:embed="rId2" cstate="print"/>
-          <a:srcRect r="74020"/>
-          <a:stretch>
-            <a:fillRect/>
-          </a:stretch>
+        <p:blipFill rotWithShape="1">
+          <a:blip r:embed="rId2"/>
+          <a:srcRect l="1" r="7981"/>
+          <a:stretch/>
         </p:blipFill>
-        <p:spPr bwMode="auto">
+        <p:spPr>
           <a:xfrm>
-            <a:off x="7668344" y="1628800"/>
-            <a:ext cx="975415" cy="1366529"/>
+            <a:off x="323528" y="1763074"/>
+            <a:ext cx="8136000" cy="4200214"/>
           </a:xfrm>
           <a:prstGeom prst="rect">
             <a:avLst/>
           </a:prstGeom>
-          <a:noFill/>
-          <a:ln w="9525">
-            <a:noFill/>
-            <a:miter lim="800000"/>
-            <a:headEnd/>
-            <a:tailEnd/>
-          </a:ln>
-        </p:spPr>
-      </p:pic>
-      <p:graphicFrame>
-        <p:nvGraphicFramePr>
-          <p:cNvPr id="7" name="Tabelle 6"/>
-          <p:cNvGraphicFramePr>
-            <a:graphicFrameLocks noGrp="1"/>
-          </p:cNvGraphicFramePr>
-          <p:nvPr/>
-        </p:nvGraphicFramePr>
-        <p:xfrm>
-          <a:off x="7092280" y="4941168"/>
-          <a:ext cx="1584176" cy="1181100"/>
-        </p:xfrm>
-        <a:graphic>
-          <a:graphicData uri="http://schemas.openxmlformats.org/drawingml/2006/table">
-            <a:tbl>
-              <a:tblPr/>
-              <a:tblGrid>
-                <a:gridCol w="1152128"/>
-                <a:gridCol w="432048"/>
-              </a:tblGrid>
-              <a:tr h="295275">
-                <a:tc>
-                  <a:txBody>
-                    <a:bodyPr/>
-                    <a:lstStyle/>
-                    <a:p>
-                      <a:pPr algn="l" fontAlgn="b"/>
-                      <a:r>
-                        <a:rPr lang="de-DE" sz="1800" b="0" i="0" u="none" strike="noStrike" dirty="0" smtClean="0">
-                          <a:solidFill>
-                            <a:srgbClr val="000000"/>
-                          </a:solidFill>
-                          <a:latin typeface="Calibri"/>
-                        </a:rPr>
-                        <a:t> Autor</a:t>
-                      </a:r>
-                      <a:endParaRPr lang="de-DE" sz="1800" b="0" i="0" u="none" strike="noStrike" dirty="0">
-                        <a:solidFill>
-                          <a:srgbClr val="000000"/>
-                        </a:solidFill>
-                        <a:latin typeface="Calibri"/>
-                      </a:endParaRPr>
-                    </a:p>
-                  </a:txBody>
-                  <a:tcPr marL="9525" marR="9525" marT="9525" marB="0" anchor="b">
-                    <a:lnL w="6350" cap="flat" cmpd="sng" algn="ctr">
-                      <a:solidFill>
-                        <a:srgbClr val="000000"/>
-                      </a:solidFill>
-                      <a:prstDash val="solid"/>
-                      <a:round/>
-                      <a:headEnd type="none" w="med" len="med"/>
-                      <a:tailEnd type="none" w="med" len="med"/>
-                    </a:lnL>
-                    <a:lnR w="6350" cap="flat" cmpd="sng" algn="ctr">
-                      <a:solidFill>
-                        <a:srgbClr val="000000"/>
-                      </a:solidFill>
-                      <a:prstDash val="solid"/>
-                      <a:round/>
-                      <a:headEnd type="none" w="med" len="med"/>
-                      <a:tailEnd type="none" w="med" len="med"/>
-                    </a:lnR>
-                    <a:lnT w="6350" cap="flat" cmpd="sng" algn="ctr">
-                      <a:solidFill>
-                        <a:srgbClr val="000000"/>
-                      </a:solidFill>
-                      <a:prstDash val="solid"/>
-                      <a:round/>
-                      <a:headEnd type="none" w="med" len="med"/>
-                      <a:tailEnd type="none" w="med" len="med"/>
-                    </a:lnT>
-                    <a:lnB w="6350" cap="flat" cmpd="sng" algn="ctr">
-                      <a:solidFill>
-                        <a:srgbClr val="000000"/>
-                      </a:solidFill>
-                      <a:prstDash val="solid"/>
-                      <a:round/>
-                      <a:headEnd type="none" w="med" len="med"/>
-                      <a:tailEnd type="none" w="med" len="med"/>
-                    </a:lnB>
-                  </a:tcPr>
-                </a:tc>
-                <a:tc>
-                  <a:txBody>
-                    <a:bodyPr/>
-                    <a:lstStyle/>
-                    <a:p>
-                      <a:pPr algn="r" fontAlgn="b"/>
-                      <a:r>
-                        <a:rPr lang="de-DE" sz="1800" b="0" i="0" u="none" strike="noStrike" dirty="0" smtClean="0">
-                          <a:solidFill>
-                            <a:srgbClr val="000000"/>
-                          </a:solidFill>
-                          <a:latin typeface="Calibri"/>
-                        </a:rPr>
-                        <a:t> </a:t>
-                      </a:r>
-                      <a:endParaRPr lang="de-DE" sz="1800" b="0" i="0" u="none" strike="noStrike" dirty="0">
-                        <a:solidFill>
-                          <a:srgbClr val="000000"/>
-                        </a:solidFill>
-                        <a:latin typeface="Calibri"/>
-                      </a:endParaRPr>
-                    </a:p>
-                  </a:txBody>
-                  <a:tcPr marL="9525" marR="9525" marT="9525" marB="0" anchor="b">
-                    <a:lnL w="6350" cap="flat" cmpd="sng" algn="ctr">
-                      <a:solidFill>
-                        <a:srgbClr val="000000"/>
-                      </a:solidFill>
-                      <a:prstDash val="solid"/>
-                      <a:round/>
-                      <a:headEnd type="none" w="med" len="med"/>
-                      <a:tailEnd type="none" w="med" len="med"/>
-                    </a:lnL>
-                    <a:lnR w="6350" cap="flat" cmpd="sng" algn="ctr">
-                      <a:solidFill>
-                        <a:srgbClr val="000000"/>
-                      </a:solidFill>
-                      <a:prstDash val="solid"/>
-                      <a:round/>
-                      <a:headEnd type="none" w="med" len="med"/>
-                      <a:tailEnd type="none" w="med" len="med"/>
-                    </a:lnR>
-                    <a:lnT w="6350" cap="flat" cmpd="sng" algn="ctr">
-                      <a:solidFill>
-                        <a:srgbClr val="000000"/>
-                      </a:solidFill>
-                      <a:prstDash val="solid"/>
-                      <a:round/>
-                      <a:headEnd type="none" w="med" len="med"/>
-                      <a:tailEnd type="none" w="med" len="med"/>
-                    </a:lnT>
-                    <a:lnB w="6350" cap="flat" cmpd="sng" algn="ctr">
-                      <a:solidFill>
-                        <a:srgbClr val="000000"/>
-                      </a:solidFill>
-                      <a:prstDash val="solid"/>
-                      <a:round/>
-                      <a:headEnd type="none" w="med" len="med"/>
-                      <a:tailEnd type="none" w="med" len="med"/>
-                    </a:lnB>
-                  </a:tcPr>
-                </a:tc>
-              </a:tr>
-              <a:tr h="295275">
-                <a:tc>
-                  <a:txBody>
-                    <a:bodyPr/>
-                    <a:lstStyle/>
-                    <a:p>
-                      <a:pPr algn="l" fontAlgn="b"/>
-                      <a:r>
-                        <a:rPr lang="de-DE" sz="1800" b="0" i="0" u="none" strike="noStrike" dirty="0" smtClean="0">
-                          <a:solidFill>
-                            <a:srgbClr val="000000"/>
-                          </a:solidFill>
-                          <a:latin typeface="Calibri"/>
-                        </a:rPr>
-                        <a:t> Buch</a:t>
-                      </a:r>
-                      <a:endParaRPr lang="de-DE" sz="1800" b="0" i="0" u="none" strike="noStrike" dirty="0">
-                        <a:solidFill>
-                          <a:srgbClr val="000000"/>
-                        </a:solidFill>
-                        <a:latin typeface="Calibri"/>
-                      </a:endParaRPr>
-                    </a:p>
-                  </a:txBody>
-                  <a:tcPr marL="9525" marR="9525" marT="9525" marB="0" anchor="b">
-                    <a:lnL w="6350" cap="flat" cmpd="sng" algn="ctr">
-                      <a:solidFill>
-                        <a:srgbClr val="000000"/>
-                      </a:solidFill>
-                      <a:prstDash val="solid"/>
-                      <a:round/>
-                      <a:headEnd type="none" w="med" len="med"/>
-                      <a:tailEnd type="none" w="med" len="med"/>
-                    </a:lnL>
-                    <a:lnR w="6350" cap="flat" cmpd="sng" algn="ctr">
-                      <a:solidFill>
-                        <a:srgbClr val="000000"/>
-                      </a:solidFill>
-                      <a:prstDash val="solid"/>
-                      <a:round/>
-                      <a:headEnd type="none" w="med" len="med"/>
-                      <a:tailEnd type="none" w="med" len="med"/>
-                    </a:lnR>
-                    <a:lnT w="6350" cap="flat" cmpd="sng" algn="ctr">
-                      <a:solidFill>
-                        <a:srgbClr val="000000"/>
-                      </a:solidFill>
-                      <a:prstDash val="solid"/>
-                      <a:round/>
-                      <a:headEnd type="none" w="med" len="med"/>
-                      <a:tailEnd type="none" w="med" len="med"/>
-                    </a:lnT>
-                    <a:lnB w="6350" cap="flat" cmpd="sng" algn="ctr">
-                      <a:solidFill>
-                        <a:srgbClr val="000000"/>
-                      </a:solidFill>
-                      <a:prstDash val="solid"/>
-                      <a:round/>
-                      <a:headEnd type="none" w="med" len="med"/>
-                      <a:tailEnd type="none" w="med" len="med"/>
-                    </a:lnB>
-                  </a:tcPr>
-                </a:tc>
-                <a:tc>
-                  <a:txBody>
-                    <a:bodyPr/>
-                    <a:lstStyle/>
-                    <a:p>
-                      <a:pPr algn="r" fontAlgn="b"/>
-                      <a:r>
-                        <a:rPr lang="de-DE" sz="1800" b="0" i="0" u="none" strike="noStrike" dirty="0">
-                          <a:solidFill>
-                            <a:srgbClr val="000000"/>
-                          </a:solidFill>
-                          <a:latin typeface="Calibri"/>
-                        </a:rPr>
-                        <a:t> </a:t>
-                      </a:r>
-                      <a:r>
-                        <a:rPr lang="de-DE" sz="1800" b="0" i="0" u="none" strike="noStrike" dirty="0" smtClean="0">
-                          <a:solidFill>
-                            <a:srgbClr val="000000"/>
-                          </a:solidFill>
-                          <a:latin typeface="Calibri"/>
-                        </a:rPr>
-                        <a:t>6</a:t>
-                      </a:r>
-                      <a:endParaRPr lang="de-DE" sz="1800" b="0" i="0" u="none" strike="noStrike" dirty="0">
-                        <a:solidFill>
-                          <a:srgbClr val="000000"/>
-                        </a:solidFill>
-                        <a:latin typeface="Calibri"/>
-                      </a:endParaRPr>
-                    </a:p>
-                  </a:txBody>
-                  <a:tcPr marL="9525" marR="9525" marT="9525" marB="0" anchor="b">
-                    <a:lnL w="6350" cap="flat" cmpd="sng" algn="ctr">
-                      <a:solidFill>
-                        <a:srgbClr val="000000"/>
-                      </a:solidFill>
-                      <a:prstDash val="solid"/>
-                      <a:round/>
-                      <a:headEnd type="none" w="med" len="med"/>
-                      <a:tailEnd type="none" w="med" len="med"/>
-                    </a:lnL>
-                    <a:lnR w="6350" cap="flat" cmpd="sng" algn="ctr">
-                      <a:solidFill>
-                        <a:srgbClr val="000000"/>
-                      </a:solidFill>
-                      <a:prstDash val="solid"/>
-                      <a:round/>
-                      <a:headEnd type="none" w="med" len="med"/>
-                      <a:tailEnd type="none" w="med" len="med"/>
-                    </a:lnR>
-                    <a:lnT w="6350" cap="flat" cmpd="sng" algn="ctr">
-                      <a:solidFill>
-                        <a:srgbClr val="000000"/>
-                      </a:solidFill>
-                      <a:prstDash val="solid"/>
-                      <a:round/>
-                      <a:headEnd type="none" w="med" len="med"/>
-                      <a:tailEnd type="none" w="med" len="med"/>
-                    </a:lnT>
-                    <a:lnB w="6350" cap="flat" cmpd="sng" algn="ctr">
-                      <a:solidFill>
-                        <a:srgbClr val="000000"/>
-                      </a:solidFill>
-                      <a:prstDash val="solid"/>
-                      <a:round/>
-                      <a:headEnd type="none" w="med" len="med"/>
-                      <a:tailEnd type="none" w="med" len="med"/>
-                    </a:lnB>
-                  </a:tcPr>
-                </a:tc>
-              </a:tr>
-              <a:tr h="295275">
-                <a:tc>
-                  <a:txBody>
-                    <a:bodyPr/>
-                    <a:lstStyle/>
-                    <a:p>
-                      <a:pPr algn="l" fontAlgn="b"/>
-                      <a:r>
-                        <a:rPr lang="de-DE" sz="1800" b="0" i="0" u="none" strike="noStrike" dirty="0" smtClean="0">
-                          <a:solidFill>
-                            <a:srgbClr val="000000"/>
-                          </a:solidFill>
-                          <a:latin typeface="Calibri"/>
-                        </a:rPr>
-                        <a:t> BuchAutor</a:t>
-                      </a:r>
-                      <a:endParaRPr lang="de-DE" sz="1800" b="0" i="0" u="none" strike="noStrike" dirty="0">
-                        <a:solidFill>
-                          <a:srgbClr val="000000"/>
-                        </a:solidFill>
-                        <a:latin typeface="Calibri"/>
-                      </a:endParaRPr>
-                    </a:p>
-                  </a:txBody>
-                  <a:tcPr marL="9525" marR="9525" marT="9525" marB="0" anchor="b">
-                    <a:lnL w="6350" cap="flat" cmpd="sng" algn="ctr">
-                      <a:solidFill>
-                        <a:srgbClr val="000000"/>
-                      </a:solidFill>
-                      <a:prstDash val="solid"/>
-                      <a:round/>
-                      <a:headEnd type="none" w="med" len="med"/>
-                      <a:tailEnd type="none" w="med" len="med"/>
-                    </a:lnL>
-                    <a:lnR w="6350" cap="flat" cmpd="sng" algn="ctr">
-                      <a:solidFill>
-                        <a:srgbClr val="000000"/>
-                      </a:solidFill>
-                      <a:prstDash val="solid"/>
-                      <a:round/>
-                      <a:headEnd type="none" w="med" len="med"/>
-                      <a:tailEnd type="none" w="med" len="med"/>
-                    </a:lnR>
-                    <a:lnT w="6350" cap="flat" cmpd="sng" algn="ctr">
-                      <a:solidFill>
-                        <a:srgbClr val="000000"/>
-                      </a:solidFill>
-                      <a:prstDash val="solid"/>
-                      <a:round/>
-                      <a:headEnd type="none" w="med" len="med"/>
-                      <a:tailEnd type="none" w="med" len="med"/>
-                    </a:lnT>
-                    <a:lnB w="6350" cap="flat" cmpd="sng" algn="ctr">
-                      <a:solidFill>
-                        <a:srgbClr val="000000"/>
-                      </a:solidFill>
-                      <a:prstDash val="solid"/>
-                      <a:round/>
-                      <a:headEnd type="none" w="med" len="med"/>
-                      <a:tailEnd type="none" w="med" len="med"/>
-                    </a:lnB>
-                  </a:tcPr>
-                </a:tc>
-                <a:tc>
-                  <a:txBody>
-                    <a:bodyPr/>
-                    <a:lstStyle/>
-                    <a:p>
-                      <a:pPr algn="r" fontAlgn="b"/>
-                      <a:r>
-                        <a:rPr lang="de-DE" sz="1800" b="0" i="0" u="none" strike="noStrike" dirty="0" smtClean="0">
-                          <a:solidFill>
-                            <a:srgbClr val="000000"/>
-                          </a:solidFill>
-                          <a:latin typeface="Calibri"/>
-                        </a:rPr>
-                        <a:t> </a:t>
-                      </a:r>
-                      <a:endParaRPr lang="de-DE" sz="1800" b="0" i="0" u="none" strike="noStrike" dirty="0">
-                        <a:solidFill>
-                          <a:srgbClr val="000000"/>
-                        </a:solidFill>
-                        <a:latin typeface="Calibri"/>
-                      </a:endParaRPr>
-                    </a:p>
-                  </a:txBody>
-                  <a:tcPr marL="9525" marR="9525" marT="9525" marB="0" anchor="b">
-                    <a:lnL w="6350" cap="flat" cmpd="sng" algn="ctr">
-                      <a:solidFill>
-                        <a:srgbClr val="000000"/>
-                      </a:solidFill>
-                      <a:prstDash val="solid"/>
-                      <a:round/>
-                      <a:headEnd type="none" w="med" len="med"/>
-                      <a:tailEnd type="none" w="med" len="med"/>
-                    </a:lnL>
-                    <a:lnR w="6350" cap="flat" cmpd="sng" algn="ctr">
-                      <a:solidFill>
-                        <a:srgbClr val="000000"/>
-                      </a:solidFill>
-                      <a:prstDash val="solid"/>
-                      <a:round/>
-                      <a:headEnd type="none" w="med" len="med"/>
-                      <a:tailEnd type="none" w="med" len="med"/>
-                    </a:lnR>
-                    <a:lnT w="6350" cap="flat" cmpd="sng" algn="ctr">
-                      <a:solidFill>
-                        <a:srgbClr val="000000"/>
-                      </a:solidFill>
-                      <a:prstDash val="solid"/>
-                      <a:round/>
-                      <a:headEnd type="none" w="med" len="med"/>
-                      <a:tailEnd type="none" w="med" len="med"/>
-                    </a:lnT>
-                    <a:lnB w="6350" cap="flat" cmpd="sng" algn="ctr">
-                      <a:solidFill>
-                        <a:srgbClr val="000000"/>
-                      </a:solidFill>
-                      <a:prstDash val="solid"/>
-                      <a:round/>
-                      <a:headEnd type="none" w="med" len="med"/>
-                      <a:tailEnd type="none" w="med" len="med"/>
-                    </a:lnB>
-                  </a:tcPr>
-                </a:tc>
-              </a:tr>
-              <a:tr h="295275">
-                <a:tc>
-                  <a:txBody>
-                    <a:bodyPr/>
-                    <a:lstStyle/>
-                    <a:p>
-                      <a:pPr algn="l" fontAlgn="b"/>
-                      <a:r>
-                        <a:rPr lang="de-DE" sz="1800" b="0" i="0" u="none" strike="noStrike" dirty="0" smtClean="0">
-                          <a:solidFill>
-                            <a:srgbClr val="000000"/>
-                          </a:solidFill>
-                          <a:latin typeface="Calibri"/>
-                        </a:rPr>
-                        <a:t> Verlag</a:t>
-                      </a:r>
-                      <a:endParaRPr lang="de-DE" sz="1800" b="0" i="0" u="none" strike="noStrike" dirty="0">
-                        <a:solidFill>
-                          <a:srgbClr val="000000"/>
-                        </a:solidFill>
-                        <a:latin typeface="Calibri"/>
-                      </a:endParaRPr>
-                    </a:p>
-                  </a:txBody>
-                  <a:tcPr marL="9525" marR="9525" marT="9525" marB="0" anchor="b">
-                    <a:lnL w="6350" cap="flat" cmpd="sng" algn="ctr">
-                      <a:solidFill>
-                        <a:srgbClr val="000000"/>
-                      </a:solidFill>
-                      <a:prstDash val="solid"/>
-                      <a:round/>
-                      <a:headEnd type="none" w="med" len="med"/>
-                      <a:tailEnd type="none" w="med" len="med"/>
-                    </a:lnL>
-                    <a:lnR w="6350" cap="flat" cmpd="sng" algn="ctr">
-                      <a:solidFill>
-                        <a:srgbClr val="000000"/>
-                      </a:solidFill>
-                      <a:prstDash val="solid"/>
-                      <a:round/>
-                      <a:headEnd type="none" w="med" len="med"/>
-                      <a:tailEnd type="none" w="med" len="med"/>
-                    </a:lnR>
-                    <a:lnT w="6350" cap="flat" cmpd="sng" algn="ctr">
-                      <a:solidFill>
-                        <a:srgbClr val="000000"/>
-                      </a:solidFill>
-                      <a:prstDash val="solid"/>
-                      <a:round/>
-                      <a:headEnd type="none" w="med" len="med"/>
-                      <a:tailEnd type="none" w="med" len="med"/>
-                    </a:lnT>
-                    <a:lnB w="6350" cap="flat" cmpd="sng" algn="ctr">
-                      <a:solidFill>
-                        <a:srgbClr val="000000"/>
-                      </a:solidFill>
-                      <a:prstDash val="solid"/>
-                      <a:round/>
-                      <a:headEnd type="none" w="med" len="med"/>
-                      <a:tailEnd type="none" w="med" len="med"/>
-                    </a:lnB>
-                  </a:tcPr>
-                </a:tc>
-                <a:tc>
-                  <a:txBody>
-                    <a:bodyPr/>
-                    <a:lstStyle/>
-                    <a:p>
-                      <a:pPr algn="r" fontAlgn="b"/>
-                      <a:r>
-                        <a:rPr lang="de-DE" sz="1800" b="0" i="0" u="none" strike="noStrike" dirty="0">
-                          <a:solidFill>
-                            <a:srgbClr val="000000"/>
-                          </a:solidFill>
-                          <a:latin typeface="Calibri"/>
-                        </a:rPr>
-                        <a:t> </a:t>
-                      </a:r>
-                      <a:r>
-                        <a:rPr lang="de-DE" sz="1800" b="0" i="0" u="none" strike="noStrike" dirty="0" smtClean="0">
-                          <a:solidFill>
-                            <a:srgbClr val="000000"/>
-                          </a:solidFill>
-                          <a:latin typeface="Calibri"/>
-                        </a:rPr>
-                        <a:t>3</a:t>
-                      </a:r>
-                      <a:endParaRPr lang="de-DE" sz="1800" b="0" i="0" u="none" strike="noStrike" dirty="0">
-                        <a:solidFill>
-                          <a:srgbClr val="000000"/>
-                        </a:solidFill>
-                        <a:latin typeface="Calibri"/>
-                      </a:endParaRPr>
-                    </a:p>
-                  </a:txBody>
-                  <a:tcPr marL="9525" marR="9525" marT="9525" marB="0" anchor="b">
-                    <a:lnL w="6350" cap="flat" cmpd="sng" algn="ctr">
-                      <a:solidFill>
-                        <a:srgbClr val="000000"/>
-                      </a:solidFill>
-                      <a:prstDash val="solid"/>
-                      <a:round/>
-                      <a:headEnd type="none" w="med" len="med"/>
-                      <a:tailEnd type="none" w="med" len="med"/>
-                    </a:lnL>
-                    <a:lnR w="6350" cap="flat" cmpd="sng" algn="ctr">
-                      <a:solidFill>
-                        <a:srgbClr val="000000"/>
-                      </a:solidFill>
-                      <a:prstDash val="solid"/>
-                      <a:round/>
-                      <a:headEnd type="none" w="med" len="med"/>
-                      <a:tailEnd type="none" w="med" len="med"/>
-                    </a:lnR>
-                    <a:lnT w="6350" cap="flat" cmpd="sng" algn="ctr">
-                      <a:solidFill>
-                        <a:srgbClr val="000000"/>
-                      </a:solidFill>
-                      <a:prstDash val="solid"/>
-                      <a:round/>
-                      <a:headEnd type="none" w="med" len="med"/>
-                      <a:tailEnd type="none" w="med" len="med"/>
-                    </a:lnT>
-                    <a:lnB w="6350" cap="flat" cmpd="sng" algn="ctr">
-                      <a:solidFill>
-                        <a:srgbClr val="000000"/>
-                      </a:solidFill>
-                      <a:prstDash val="solid"/>
-                      <a:round/>
-                      <a:headEnd type="none" w="med" len="med"/>
-                      <a:tailEnd type="none" w="med" len="med"/>
-                    </a:lnB>
-                  </a:tcPr>
-                </a:tc>
-              </a:tr>
-            </a:tbl>
-          </a:graphicData>
-        </a:graphic>
-      </p:graphicFrame>
-      <p:pic>
-        <p:nvPicPr>
-          <p:cNvPr id="2051" name="Picture 3"/>
-          <p:cNvPicPr>
-            <a:picLocks noChangeAspect="1" noChangeArrowheads="1"/>
-          </p:cNvPicPr>
-          <p:nvPr/>
-        </p:nvPicPr>
-        <p:blipFill>
-          <a:blip r:embed="rId3" cstate="print"/>
-          <a:srcRect/>
-          <a:stretch>
-            <a:fillRect/>
-          </a:stretch>
-        </p:blipFill>
-        <p:spPr bwMode="auto">
-          <a:xfrm>
-            <a:off x="1080000" y="2159999"/>
-            <a:ext cx="3240000" cy="1873716"/>
-          </a:xfrm>
-          <a:prstGeom prst="rect">
-            <a:avLst/>
-          </a:prstGeom>
-          <a:noFill/>
-          <a:ln w="9525">
-            <a:noFill/>
-            <a:miter lim="800000"/>
-            <a:headEnd/>
-            <a:tailEnd/>
-          </a:ln>
         </p:spPr>
       </p:pic>
     </p:spTree>
+    <p:extLst>
+      <p:ext uri="{BB962C8B-B14F-4D97-AF65-F5344CB8AC3E}">
+        <p14:creationId xmlns:p14="http://schemas.microsoft.com/office/powerpoint/2010/main" val="3644208478"/>
+      </p:ext>
+    </p:extLst>
   </p:cSld>
   <p:clrMapOvr>
     <a:masterClrMapping/>
@@ -3819,12 +3268,18 @@
         </p:nvSpPr>
         <p:spPr/>
         <p:txBody>
-          <a:bodyPr/>
+          <a:bodyPr>
+            <a:noAutofit/>
+          </a:bodyPr>
           <a:lstStyle/>
           <a:p>
             <a:r>
               <a:rPr lang="de-DE" dirty="0" smtClean="0"/>
-              <a:t>Assoziative Tabelle BuchAutor</a:t>
+              <a:t>Features: </a:t>
+            </a:r>
+            <a:r>
+              <a:rPr lang="de-DE" dirty="0" err="1" smtClean="0"/>
+              <a:t>JavaDoc</a:t>
             </a:r>
             <a:endParaRPr lang="de-DE" dirty="0"/>
           </a:p>
@@ -3844,6 +3299,9 @@
         <p:txBody>
           <a:bodyPr/>
           <a:lstStyle/>
+          <a:p>
+            <a:endParaRPr lang="de-DE" dirty="0" smtClean="0"/>
+          </a:p>
           <a:p>
             <a:endParaRPr lang="de-DE" dirty="0"/>
           </a:p>
@@ -3851,615 +3309,34 @@
       </p:sp>
       <p:pic>
         <p:nvPicPr>
-          <p:cNvPr id="5" name="Picture 2"/>
+          <p:cNvPr id="4" name="Grafik 3"/>
           <p:cNvPicPr>
-            <a:picLocks noChangeAspect="1" noChangeArrowheads="1"/>
+            <a:picLocks noChangeAspect="1"/>
           </p:cNvPicPr>
           <p:nvPr/>
         </p:nvPicPr>
         <p:blipFill>
-          <a:blip r:embed="rId2" cstate="print"/>
-          <a:srcRect b="63589"/>
+          <a:blip r:embed="rId2"/>
           <a:stretch>
             <a:fillRect/>
           </a:stretch>
         </p:blipFill>
-        <p:spPr bwMode="auto">
+        <p:spPr>
           <a:xfrm>
-            <a:off x="4860032" y="1628800"/>
-            <a:ext cx="3754760" cy="497570"/>
+            <a:off x="1585912" y="1417638"/>
+            <a:ext cx="5972175" cy="4219575"/>
           </a:xfrm>
           <a:prstGeom prst="rect">
             <a:avLst/>
           </a:prstGeom>
-          <a:noFill/>
-          <a:ln w="9525">
-            <a:noFill/>
-            <a:miter lim="800000"/>
-            <a:headEnd/>
-            <a:tailEnd/>
-          </a:ln>
         </p:spPr>
       </p:pic>
-      <p:pic>
-        <p:nvPicPr>
-          <p:cNvPr id="3074" name="Picture 2"/>
-          <p:cNvPicPr>
-            <a:picLocks noChangeAspect="1" noChangeArrowheads="1"/>
-          </p:cNvPicPr>
-          <p:nvPr/>
-        </p:nvPicPr>
-        <p:blipFill>
-          <a:blip r:embed="rId3" cstate="print"/>
-          <a:srcRect/>
-          <a:stretch>
-            <a:fillRect/>
-          </a:stretch>
-        </p:blipFill>
-        <p:spPr bwMode="auto">
-          <a:xfrm>
-            <a:off x="1080000" y="2160000"/>
-            <a:ext cx="3240360" cy="3833953"/>
-          </a:xfrm>
-          <a:prstGeom prst="rect">
-            <a:avLst/>
-          </a:prstGeom>
-          <a:noFill/>
-          <a:ln w="9525">
-            <a:noFill/>
-            <a:miter lim="800000"/>
-            <a:headEnd/>
-            <a:tailEnd/>
-          </a:ln>
-        </p:spPr>
-      </p:pic>
-      <p:graphicFrame>
-        <p:nvGraphicFramePr>
-          <p:cNvPr id="7" name="Tabelle 6"/>
-          <p:cNvGraphicFramePr>
-            <a:graphicFrameLocks noGrp="1"/>
-          </p:cNvGraphicFramePr>
-          <p:nvPr/>
-        </p:nvGraphicFramePr>
-        <p:xfrm>
-          <a:off x="7092280" y="4941168"/>
-          <a:ext cx="1584176" cy="1181100"/>
-        </p:xfrm>
-        <a:graphic>
-          <a:graphicData uri="http://schemas.openxmlformats.org/drawingml/2006/table">
-            <a:tbl>
-              <a:tblPr/>
-              <a:tblGrid>
-                <a:gridCol w="1152128"/>
-                <a:gridCol w="432048"/>
-              </a:tblGrid>
-              <a:tr h="295275">
-                <a:tc>
-                  <a:txBody>
-                    <a:bodyPr/>
-                    <a:lstStyle/>
-                    <a:p>
-                      <a:pPr algn="l" fontAlgn="b"/>
-                      <a:r>
-                        <a:rPr lang="de-DE" sz="1800" b="0" i="0" u="none" strike="noStrike" dirty="0" smtClean="0">
-                          <a:solidFill>
-                            <a:srgbClr val="000000"/>
-                          </a:solidFill>
-                          <a:latin typeface="Calibri"/>
-                        </a:rPr>
-                        <a:t> Autor</a:t>
-                      </a:r>
-                      <a:endParaRPr lang="de-DE" sz="1800" b="0" i="0" u="none" strike="noStrike" dirty="0">
-                        <a:solidFill>
-                          <a:srgbClr val="000000"/>
-                        </a:solidFill>
-                        <a:latin typeface="Calibri"/>
-                      </a:endParaRPr>
-                    </a:p>
-                  </a:txBody>
-                  <a:tcPr marL="9525" marR="9525" marT="9525" marB="0" anchor="b">
-                    <a:lnL w="6350" cap="flat" cmpd="sng" algn="ctr">
-                      <a:solidFill>
-                        <a:srgbClr val="000000"/>
-                      </a:solidFill>
-                      <a:prstDash val="solid"/>
-                      <a:round/>
-                      <a:headEnd type="none" w="med" len="med"/>
-                      <a:tailEnd type="none" w="med" len="med"/>
-                    </a:lnL>
-                    <a:lnR w="6350" cap="flat" cmpd="sng" algn="ctr">
-                      <a:solidFill>
-                        <a:srgbClr val="000000"/>
-                      </a:solidFill>
-                      <a:prstDash val="solid"/>
-                      <a:round/>
-                      <a:headEnd type="none" w="med" len="med"/>
-                      <a:tailEnd type="none" w="med" len="med"/>
-                    </a:lnR>
-                    <a:lnT w="6350" cap="flat" cmpd="sng" algn="ctr">
-                      <a:solidFill>
-                        <a:srgbClr val="000000"/>
-                      </a:solidFill>
-                      <a:prstDash val="solid"/>
-                      <a:round/>
-                      <a:headEnd type="none" w="med" len="med"/>
-                      <a:tailEnd type="none" w="med" len="med"/>
-                    </a:lnT>
-                    <a:lnB w="6350" cap="flat" cmpd="sng" algn="ctr">
-                      <a:solidFill>
-                        <a:srgbClr val="000000"/>
-                      </a:solidFill>
-                      <a:prstDash val="solid"/>
-                      <a:round/>
-                      <a:headEnd type="none" w="med" len="med"/>
-                      <a:tailEnd type="none" w="med" len="med"/>
-                    </a:lnB>
-                  </a:tcPr>
-                </a:tc>
-                <a:tc>
-                  <a:txBody>
-                    <a:bodyPr/>
-                    <a:lstStyle/>
-                    <a:p>
-                      <a:pPr algn="r" fontAlgn="b"/>
-                      <a:r>
-                        <a:rPr lang="de-DE" sz="1800" b="0" i="0" u="none" strike="noStrike" dirty="0" smtClean="0">
-                          <a:solidFill>
-                            <a:srgbClr val="000000"/>
-                          </a:solidFill>
-                          <a:latin typeface="Calibri"/>
-                        </a:rPr>
-                        <a:t>13 </a:t>
-                      </a:r>
-                      <a:endParaRPr lang="de-DE" sz="1800" b="0" i="0" u="none" strike="noStrike" dirty="0">
-                        <a:solidFill>
-                          <a:srgbClr val="000000"/>
-                        </a:solidFill>
-                        <a:latin typeface="Calibri"/>
-                      </a:endParaRPr>
-                    </a:p>
-                  </a:txBody>
-                  <a:tcPr marL="9525" marR="9525" marT="9525" marB="0" anchor="b">
-                    <a:lnL w="6350" cap="flat" cmpd="sng" algn="ctr">
-                      <a:solidFill>
-                        <a:srgbClr val="000000"/>
-                      </a:solidFill>
-                      <a:prstDash val="solid"/>
-                      <a:round/>
-                      <a:headEnd type="none" w="med" len="med"/>
-                      <a:tailEnd type="none" w="med" len="med"/>
-                    </a:lnL>
-                    <a:lnR w="6350" cap="flat" cmpd="sng" algn="ctr">
-                      <a:solidFill>
-                        <a:srgbClr val="000000"/>
-                      </a:solidFill>
-                      <a:prstDash val="solid"/>
-                      <a:round/>
-                      <a:headEnd type="none" w="med" len="med"/>
-                      <a:tailEnd type="none" w="med" len="med"/>
-                    </a:lnR>
-                    <a:lnT w="6350" cap="flat" cmpd="sng" algn="ctr">
-                      <a:solidFill>
-                        <a:srgbClr val="000000"/>
-                      </a:solidFill>
-                      <a:prstDash val="solid"/>
-                      <a:round/>
-                      <a:headEnd type="none" w="med" len="med"/>
-                      <a:tailEnd type="none" w="med" len="med"/>
-                    </a:lnT>
-                    <a:lnB w="6350" cap="flat" cmpd="sng" algn="ctr">
-                      <a:solidFill>
-                        <a:srgbClr val="000000"/>
-                      </a:solidFill>
-                      <a:prstDash val="solid"/>
-                      <a:round/>
-                      <a:headEnd type="none" w="med" len="med"/>
-                      <a:tailEnd type="none" w="med" len="med"/>
-                    </a:lnB>
-                  </a:tcPr>
-                </a:tc>
-              </a:tr>
-              <a:tr h="295275">
-                <a:tc>
-                  <a:txBody>
-                    <a:bodyPr/>
-                    <a:lstStyle/>
-                    <a:p>
-                      <a:pPr algn="l" fontAlgn="b"/>
-                      <a:r>
-                        <a:rPr lang="de-DE" sz="1800" b="0" i="0" u="none" strike="noStrike" dirty="0" smtClean="0">
-                          <a:solidFill>
-                            <a:srgbClr val="000000"/>
-                          </a:solidFill>
-                          <a:latin typeface="Calibri"/>
-                        </a:rPr>
-                        <a:t> Buch</a:t>
-                      </a:r>
-                      <a:endParaRPr lang="de-DE" sz="1800" b="0" i="0" u="none" strike="noStrike" dirty="0">
-                        <a:solidFill>
-                          <a:srgbClr val="000000"/>
-                        </a:solidFill>
-                        <a:latin typeface="Calibri"/>
-                      </a:endParaRPr>
-                    </a:p>
-                  </a:txBody>
-                  <a:tcPr marL="9525" marR="9525" marT="9525" marB="0" anchor="b">
-                    <a:lnL w="6350" cap="flat" cmpd="sng" algn="ctr">
-                      <a:solidFill>
-                        <a:srgbClr val="000000"/>
-                      </a:solidFill>
-                      <a:prstDash val="solid"/>
-                      <a:round/>
-                      <a:headEnd type="none" w="med" len="med"/>
-                      <a:tailEnd type="none" w="med" len="med"/>
-                    </a:lnL>
-                    <a:lnR w="6350" cap="flat" cmpd="sng" algn="ctr">
-                      <a:solidFill>
-                        <a:srgbClr val="000000"/>
-                      </a:solidFill>
-                      <a:prstDash val="solid"/>
-                      <a:round/>
-                      <a:headEnd type="none" w="med" len="med"/>
-                      <a:tailEnd type="none" w="med" len="med"/>
-                    </a:lnR>
-                    <a:lnT w="6350" cap="flat" cmpd="sng" algn="ctr">
-                      <a:solidFill>
-                        <a:srgbClr val="000000"/>
-                      </a:solidFill>
-                      <a:prstDash val="solid"/>
-                      <a:round/>
-                      <a:headEnd type="none" w="med" len="med"/>
-                      <a:tailEnd type="none" w="med" len="med"/>
-                    </a:lnT>
-                    <a:lnB w="6350" cap="flat" cmpd="sng" algn="ctr">
-                      <a:solidFill>
-                        <a:srgbClr val="000000"/>
-                      </a:solidFill>
-                      <a:prstDash val="solid"/>
-                      <a:round/>
-                      <a:headEnd type="none" w="med" len="med"/>
-                      <a:tailEnd type="none" w="med" len="med"/>
-                    </a:lnB>
-                  </a:tcPr>
-                </a:tc>
-                <a:tc>
-                  <a:txBody>
-                    <a:bodyPr/>
-                    <a:lstStyle/>
-                    <a:p>
-                      <a:pPr algn="r" fontAlgn="b"/>
-                      <a:r>
-                        <a:rPr lang="de-DE" sz="1800" b="0" i="0" u="none" strike="noStrike" dirty="0">
-                          <a:solidFill>
-                            <a:srgbClr val="000000"/>
-                          </a:solidFill>
-                          <a:latin typeface="Calibri"/>
-                        </a:rPr>
-                        <a:t> </a:t>
-                      </a:r>
-                      <a:r>
-                        <a:rPr lang="de-DE" sz="1800" b="0" i="0" u="none" strike="noStrike" dirty="0" smtClean="0">
-                          <a:solidFill>
-                            <a:srgbClr val="000000"/>
-                          </a:solidFill>
-                          <a:latin typeface="Calibri"/>
-                        </a:rPr>
-                        <a:t>12</a:t>
-                      </a:r>
-                      <a:endParaRPr lang="de-DE" sz="1800" b="0" i="0" u="none" strike="noStrike" dirty="0">
-                        <a:solidFill>
-                          <a:srgbClr val="000000"/>
-                        </a:solidFill>
-                        <a:latin typeface="Calibri"/>
-                      </a:endParaRPr>
-                    </a:p>
-                  </a:txBody>
-                  <a:tcPr marL="9525" marR="9525" marT="9525" marB="0" anchor="b">
-                    <a:lnL w="6350" cap="flat" cmpd="sng" algn="ctr">
-                      <a:solidFill>
-                        <a:srgbClr val="000000"/>
-                      </a:solidFill>
-                      <a:prstDash val="solid"/>
-                      <a:round/>
-                      <a:headEnd type="none" w="med" len="med"/>
-                      <a:tailEnd type="none" w="med" len="med"/>
-                    </a:lnL>
-                    <a:lnR w="6350" cap="flat" cmpd="sng" algn="ctr">
-                      <a:solidFill>
-                        <a:srgbClr val="000000"/>
-                      </a:solidFill>
-                      <a:prstDash val="solid"/>
-                      <a:round/>
-                      <a:headEnd type="none" w="med" len="med"/>
-                      <a:tailEnd type="none" w="med" len="med"/>
-                    </a:lnR>
-                    <a:lnT w="6350" cap="flat" cmpd="sng" algn="ctr">
-                      <a:solidFill>
-                        <a:srgbClr val="000000"/>
-                      </a:solidFill>
-                      <a:prstDash val="solid"/>
-                      <a:round/>
-                      <a:headEnd type="none" w="med" len="med"/>
-                      <a:tailEnd type="none" w="med" len="med"/>
-                    </a:lnT>
-                    <a:lnB w="6350" cap="flat" cmpd="sng" algn="ctr">
-                      <a:solidFill>
-                        <a:srgbClr val="000000"/>
-                      </a:solidFill>
-                      <a:prstDash val="solid"/>
-                      <a:round/>
-                      <a:headEnd type="none" w="med" len="med"/>
-                      <a:tailEnd type="none" w="med" len="med"/>
-                    </a:lnB>
-                  </a:tcPr>
-                </a:tc>
-              </a:tr>
-              <a:tr h="295275">
-                <a:tc>
-                  <a:txBody>
-                    <a:bodyPr/>
-                    <a:lstStyle/>
-                    <a:p>
-                      <a:pPr algn="l" fontAlgn="b"/>
-                      <a:r>
-                        <a:rPr lang="de-DE" sz="1800" b="0" i="0" u="none" strike="noStrike" dirty="0" smtClean="0">
-                          <a:solidFill>
-                            <a:srgbClr val="000000"/>
-                          </a:solidFill>
-                          <a:latin typeface="Calibri"/>
-                        </a:rPr>
-                        <a:t> BuchAutor</a:t>
-                      </a:r>
-                      <a:endParaRPr lang="de-DE" sz="1800" b="0" i="0" u="none" strike="noStrike" dirty="0">
-                        <a:solidFill>
-                          <a:srgbClr val="000000"/>
-                        </a:solidFill>
-                        <a:latin typeface="Calibri"/>
-                      </a:endParaRPr>
-                    </a:p>
-                  </a:txBody>
-                  <a:tcPr marL="9525" marR="9525" marT="9525" marB="0" anchor="b">
-                    <a:lnL w="6350" cap="flat" cmpd="sng" algn="ctr">
-                      <a:solidFill>
-                        <a:srgbClr val="000000"/>
-                      </a:solidFill>
-                      <a:prstDash val="solid"/>
-                      <a:round/>
-                      <a:headEnd type="none" w="med" len="med"/>
-                      <a:tailEnd type="none" w="med" len="med"/>
-                    </a:lnL>
-                    <a:lnR w="6350" cap="flat" cmpd="sng" algn="ctr">
-                      <a:solidFill>
-                        <a:srgbClr val="000000"/>
-                      </a:solidFill>
-                      <a:prstDash val="solid"/>
-                      <a:round/>
-                      <a:headEnd type="none" w="med" len="med"/>
-                      <a:tailEnd type="none" w="med" len="med"/>
-                    </a:lnR>
-                    <a:lnT w="6350" cap="flat" cmpd="sng" algn="ctr">
-                      <a:solidFill>
-                        <a:srgbClr val="000000"/>
-                      </a:solidFill>
-                      <a:prstDash val="solid"/>
-                      <a:round/>
-                      <a:headEnd type="none" w="med" len="med"/>
-                      <a:tailEnd type="none" w="med" len="med"/>
-                    </a:lnT>
-                    <a:lnB w="6350" cap="flat" cmpd="sng" algn="ctr">
-                      <a:solidFill>
-                        <a:srgbClr val="000000"/>
-                      </a:solidFill>
-                      <a:prstDash val="solid"/>
-                      <a:round/>
-                      <a:headEnd type="none" w="med" len="med"/>
-                      <a:tailEnd type="none" w="med" len="med"/>
-                    </a:lnB>
-                  </a:tcPr>
-                </a:tc>
-                <a:tc>
-                  <a:txBody>
-                    <a:bodyPr/>
-                    <a:lstStyle/>
-                    <a:p>
-                      <a:pPr algn="r" fontAlgn="b"/>
-                      <a:r>
-                        <a:rPr lang="de-DE" sz="1800" b="0" i="0" u="none" strike="noStrike" dirty="0" smtClean="0">
-                          <a:solidFill>
-                            <a:srgbClr val="000000"/>
-                          </a:solidFill>
-                          <a:latin typeface="Calibri"/>
-                        </a:rPr>
-                        <a:t>36 </a:t>
-                      </a:r>
-                      <a:endParaRPr lang="de-DE" sz="1800" b="0" i="0" u="none" strike="noStrike" dirty="0">
-                        <a:solidFill>
-                          <a:srgbClr val="000000"/>
-                        </a:solidFill>
-                        <a:latin typeface="Calibri"/>
-                      </a:endParaRPr>
-                    </a:p>
-                  </a:txBody>
-                  <a:tcPr marL="9525" marR="9525" marT="9525" marB="0" anchor="b">
-                    <a:lnL w="6350" cap="flat" cmpd="sng" algn="ctr">
-                      <a:solidFill>
-                        <a:srgbClr val="000000"/>
-                      </a:solidFill>
-                      <a:prstDash val="solid"/>
-                      <a:round/>
-                      <a:headEnd type="none" w="med" len="med"/>
-                      <a:tailEnd type="none" w="med" len="med"/>
-                    </a:lnL>
-                    <a:lnR w="6350" cap="flat" cmpd="sng" algn="ctr">
-                      <a:solidFill>
-                        <a:srgbClr val="000000"/>
-                      </a:solidFill>
-                      <a:prstDash val="solid"/>
-                      <a:round/>
-                      <a:headEnd type="none" w="med" len="med"/>
-                      <a:tailEnd type="none" w="med" len="med"/>
-                    </a:lnR>
-                    <a:lnT w="6350" cap="flat" cmpd="sng" algn="ctr">
-                      <a:solidFill>
-                        <a:srgbClr val="000000"/>
-                      </a:solidFill>
-                      <a:prstDash val="solid"/>
-                      <a:round/>
-                      <a:headEnd type="none" w="med" len="med"/>
-                      <a:tailEnd type="none" w="med" len="med"/>
-                    </a:lnT>
-                    <a:lnB w="6350" cap="flat" cmpd="sng" algn="ctr">
-                      <a:solidFill>
-                        <a:srgbClr val="000000"/>
-                      </a:solidFill>
-                      <a:prstDash val="solid"/>
-                      <a:round/>
-                      <a:headEnd type="none" w="med" len="med"/>
-                      <a:tailEnd type="none" w="med" len="med"/>
-                    </a:lnB>
-                  </a:tcPr>
-                </a:tc>
-              </a:tr>
-              <a:tr h="295275">
-                <a:tc>
-                  <a:txBody>
-                    <a:bodyPr/>
-                    <a:lstStyle/>
-                    <a:p>
-                      <a:pPr algn="l" fontAlgn="b"/>
-                      <a:r>
-                        <a:rPr lang="de-DE" sz="1800" b="0" i="0" u="none" strike="noStrike" dirty="0" smtClean="0">
-                          <a:solidFill>
-                            <a:srgbClr val="000000"/>
-                          </a:solidFill>
-                          <a:latin typeface="Calibri"/>
-                        </a:rPr>
-                        <a:t> Verlag</a:t>
-                      </a:r>
-                      <a:endParaRPr lang="de-DE" sz="1800" b="0" i="0" u="none" strike="noStrike" dirty="0">
-                        <a:solidFill>
-                          <a:srgbClr val="000000"/>
-                        </a:solidFill>
-                        <a:latin typeface="Calibri"/>
-                      </a:endParaRPr>
-                    </a:p>
-                  </a:txBody>
-                  <a:tcPr marL="9525" marR="9525" marT="9525" marB="0" anchor="b">
-                    <a:lnL w="6350" cap="flat" cmpd="sng" algn="ctr">
-                      <a:solidFill>
-                        <a:srgbClr val="000000"/>
-                      </a:solidFill>
-                      <a:prstDash val="solid"/>
-                      <a:round/>
-                      <a:headEnd type="none" w="med" len="med"/>
-                      <a:tailEnd type="none" w="med" len="med"/>
-                    </a:lnL>
-                    <a:lnR w="6350" cap="flat" cmpd="sng" algn="ctr">
-                      <a:solidFill>
-                        <a:srgbClr val="000000"/>
-                      </a:solidFill>
-                      <a:prstDash val="solid"/>
-                      <a:round/>
-                      <a:headEnd type="none" w="med" len="med"/>
-                      <a:tailEnd type="none" w="med" len="med"/>
-                    </a:lnR>
-                    <a:lnT w="6350" cap="flat" cmpd="sng" algn="ctr">
-                      <a:solidFill>
-                        <a:srgbClr val="000000"/>
-                      </a:solidFill>
-                      <a:prstDash val="solid"/>
-                      <a:round/>
-                      <a:headEnd type="none" w="med" len="med"/>
-                      <a:tailEnd type="none" w="med" len="med"/>
-                    </a:lnT>
-                    <a:lnB w="6350" cap="flat" cmpd="sng" algn="ctr">
-                      <a:solidFill>
-                        <a:srgbClr val="000000"/>
-                      </a:solidFill>
-                      <a:prstDash val="solid"/>
-                      <a:round/>
-                      <a:headEnd type="none" w="med" len="med"/>
-                      <a:tailEnd type="none" w="med" len="med"/>
-                    </a:lnB>
-                  </a:tcPr>
-                </a:tc>
-                <a:tc>
-                  <a:txBody>
-                    <a:bodyPr/>
-                    <a:lstStyle/>
-                    <a:p>
-                      <a:pPr algn="r" fontAlgn="b"/>
-                      <a:r>
-                        <a:rPr lang="de-DE" sz="1800" b="0" i="0" u="none" strike="noStrike" dirty="0">
-                          <a:solidFill>
-                            <a:srgbClr val="000000"/>
-                          </a:solidFill>
-                          <a:latin typeface="Calibri"/>
-                        </a:rPr>
-                        <a:t> </a:t>
-                      </a:r>
-                      <a:r>
-                        <a:rPr lang="de-DE" sz="1800" b="0" i="0" u="none" strike="noStrike" dirty="0" smtClean="0">
-                          <a:solidFill>
-                            <a:srgbClr val="000000"/>
-                          </a:solidFill>
-                          <a:latin typeface="Calibri"/>
-                        </a:rPr>
-                        <a:t>3</a:t>
-                      </a:r>
-                      <a:endParaRPr lang="de-DE" sz="1800" b="0" i="0" u="none" strike="noStrike" dirty="0">
-                        <a:solidFill>
-                          <a:srgbClr val="000000"/>
-                        </a:solidFill>
-                        <a:latin typeface="Calibri"/>
-                      </a:endParaRPr>
-                    </a:p>
-                  </a:txBody>
-                  <a:tcPr marL="9525" marR="9525" marT="9525" marB="0" anchor="b">
-                    <a:lnL w="6350" cap="flat" cmpd="sng" algn="ctr">
-                      <a:solidFill>
-                        <a:srgbClr val="000000"/>
-                      </a:solidFill>
-                      <a:prstDash val="solid"/>
-                      <a:round/>
-                      <a:headEnd type="none" w="med" len="med"/>
-                      <a:tailEnd type="none" w="med" len="med"/>
-                    </a:lnL>
-                    <a:lnR w="6350" cap="flat" cmpd="sng" algn="ctr">
-                      <a:solidFill>
-                        <a:srgbClr val="000000"/>
-                      </a:solidFill>
-                      <a:prstDash val="solid"/>
-                      <a:round/>
-                      <a:headEnd type="none" w="med" len="med"/>
-                      <a:tailEnd type="none" w="med" len="med"/>
-                    </a:lnR>
-                    <a:lnT w="6350" cap="flat" cmpd="sng" algn="ctr">
-                      <a:solidFill>
-                        <a:srgbClr val="000000"/>
-                      </a:solidFill>
-                      <a:prstDash val="solid"/>
-                      <a:round/>
-                      <a:headEnd type="none" w="med" len="med"/>
-                      <a:tailEnd type="none" w="med" len="med"/>
-                    </a:lnT>
-                    <a:lnB w="6350" cap="flat" cmpd="sng" algn="ctr">
-                      <a:solidFill>
-                        <a:srgbClr val="000000"/>
-                      </a:solidFill>
-                      <a:prstDash val="solid"/>
-                      <a:round/>
-                      <a:headEnd type="none" w="med" len="med"/>
-                      <a:tailEnd type="none" w="med" len="med"/>
-                    </a:lnB>
-                  </a:tcPr>
-                </a:tc>
-              </a:tr>
-            </a:tbl>
-          </a:graphicData>
-        </a:graphic>
-      </p:graphicFrame>
     </p:spTree>
+    <p:extLst>
+      <p:ext uri="{BB962C8B-B14F-4D97-AF65-F5344CB8AC3E}">
+        <p14:creationId xmlns:p14="http://schemas.microsoft.com/office/powerpoint/2010/main" val="890586270"/>
+      </p:ext>
+    </p:extLst>
   </p:cSld>
   <p:clrMapOvr>
     <a:masterClrMapping/>
@@ -4508,7 +3385,7 @@
           <a:p>
             <a:r>
               <a:rPr lang="de-DE" dirty="0" smtClean="0"/>
-              <a:t>Validierung des Ergebnisses</a:t>
+              <a:t>Realisierung der DSL</a:t>
             </a:r>
             <a:endParaRPr lang="de-DE" dirty="0"/>
           </a:p>
@@ -4529,42 +3406,31 @@
           <a:bodyPr/>
           <a:lstStyle/>
           <a:p>
+            <a:r>
+              <a:rPr lang="de-DE" dirty="0" smtClean="0"/>
+              <a:t>Interne Groovy-DSL</a:t>
+            </a:r>
+          </a:p>
+          <a:p>
+            <a:r>
+              <a:rPr lang="de-DE" dirty="0" smtClean="0"/>
+              <a:t>Verwendet Operator-Überladen</a:t>
+            </a:r>
+          </a:p>
+          <a:p>
+            <a:r>
+              <a:rPr lang="de-DE" dirty="0" smtClean="0"/>
+              <a:t>Wird passend zu einem Datenbank-Schema erzeugt</a:t>
+            </a:r>
+          </a:p>
+          <a:p>
+            <a:pPr marL="0" indent="0">
+              <a:buNone/>
+            </a:pPr>
             <a:endParaRPr lang="de-DE" dirty="0"/>
           </a:p>
         </p:txBody>
       </p:sp>
-      <p:pic>
-        <p:nvPicPr>
-          <p:cNvPr id="5" name="Picture 2"/>
-          <p:cNvPicPr>
-            <a:picLocks noChangeAspect="1" noChangeArrowheads="1"/>
-          </p:cNvPicPr>
-          <p:nvPr/>
-        </p:nvPicPr>
-        <p:blipFill>
-          <a:blip r:embed="rId2" cstate="print"/>
-          <a:srcRect/>
-          <a:stretch>
-            <a:fillRect/>
-          </a:stretch>
-        </p:blipFill>
-        <p:spPr bwMode="auto">
-          <a:xfrm>
-            <a:off x="4860032" y="1628800"/>
-            <a:ext cx="3754760" cy="1366452"/>
-          </a:xfrm>
-          <a:prstGeom prst="rect">
-            <a:avLst/>
-          </a:prstGeom>
-          <a:noFill/>
-          <a:ln w="9525">
-            <a:noFill/>
-            <a:miter lim="800000"/>
-            <a:headEnd/>
-            <a:tailEnd/>
-          </a:ln>
-        </p:spPr>
-      </p:pic>
     </p:spTree>
   </p:cSld>
   <p:clrMapOvr>
@@ -4614,6 +3480,92 @@
           <a:p>
             <a:r>
               <a:rPr lang="de-DE" dirty="0" smtClean="0"/>
+              <a:t>Wie wird die Sprache verwendet?</a:t>
+            </a:r>
+            <a:endParaRPr lang="de-DE" dirty="0"/>
+          </a:p>
+        </p:txBody>
+      </p:sp>
+      <p:pic>
+        <p:nvPicPr>
+          <p:cNvPr id="4" name="Inhaltsplatzhalter 3"/>
+          <p:cNvPicPr>
+            <a:picLocks noGrp="1" noChangeAspect="1"/>
+          </p:cNvPicPr>
+          <p:nvPr>
+            <p:ph idx="1"/>
+          </p:nvPr>
+        </p:nvPicPr>
+        <p:blipFill>
+          <a:blip r:embed="rId2"/>
+          <a:stretch>
+            <a:fillRect/>
+          </a:stretch>
+        </p:blipFill>
+        <p:spPr>
+          <a:xfrm>
+            <a:off x="1056879" y="1600200"/>
+            <a:ext cx="7030242" cy="4525963"/>
+          </a:xfrm>
+          <a:prstGeom prst="rect">
+            <a:avLst/>
+          </a:prstGeom>
+        </p:spPr>
+      </p:pic>
+    </p:spTree>
+    <p:extLst>
+      <p:ext uri="{BB962C8B-B14F-4D97-AF65-F5344CB8AC3E}">
+        <p14:creationId xmlns:p14="http://schemas.microsoft.com/office/powerpoint/2010/main" val="2055892630"/>
+      </p:ext>
+    </p:extLst>
+  </p:cSld>
+  <p:clrMapOvr>
+    <a:masterClrMapping/>
+  </p:clrMapOvr>
+  <p:timing>
+    <p:tnLst>
+      <p:par>
+        <p:cTn id="1" dur="indefinite" restart="never" nodeType="tmRoot"/>
+      </p:par>
+    </p:tnLst>
+  </p:timing>
+</p:sld>
+</file>
+
+<file path=ppt/slides/slide14.xml><?xml version="1.0" encoding="utf-8"?>
+<p:sld xmlns:a="http://schemas.openxmlformats.org/drawingml/2006/main" xmlns:r="http://schemas.openxmlformats.org/officeDocument/2006/relationships" xmlns:p="http://schemas.openxmlformats.org/presentationml/2006/main">
+  <p:cSld>
+    <p:spTree>
+      <p:nvGrpSpPr>
+        <p:cNvPr id="1" name=""/>
+        <p:cNvGrpSpPr/>
+        <p:nvPr/>
+      </p:nvGrpSpPr>
+      <p:grpSpPr>
+        <a:xfrm>
+          <a:off x="0" y="0"/>
+          <a:ext cx="0" cy="0"/>
+          <a:chOff x="0" y="0"/>
+          <a:chExt cx="0" cy="0"/>
+        </a:xfrm>
+      </p:grpSpPr>
+      <p:sp>
+        <p:nvSpPr>
+          <p:cNvPr id="2" name="Titel 1"/>
+          <p:cNvSpPr>
+            <a:spLocks noGrp="1"/>
+          </p:cNvSpPr>
+          <p:nvPr>
+            <p:ph type="title"/>
+          </p:nvPr>
+        </p:nvSpPr>
+        <p:spPr/>
+        <p:txBody>
+          <a:bodyPr/>
+          <a:lstStyle/>
+          <a:p>
+            <a:r>
+              <a:rPr lang="de-DE" dirty="0" smtClean="0"/>
               <a:t>Live Demo</a:t>
             </a:r>
             <a:endParaRPr lang="de-DE" dirty="0"/>
@@ -4639,6 +3591,493 @@
           </a:p>
         </p:txBody>
       </p:sp>
+    </p:spTree>
+  </p:cSld>
+  <p:clrMapOvr>
+    <a:masterClrMapping/>
+  </p:clrMapOvr>
+  <p:timing>
+    <p:tnLst>
+      <p:par>
+        <p:cTn id="1" dur="indefinite" restart="never" nodeType="tmRoot"/>
+      </p:par>
+    </p:tnLst>
+  </p:timing>
+</p:sld>
+</file>
+
+<file path=ppt/slides/slide15.xml><?xml version="1.0" encoding="utf-8"?>
+<p:sld xmlns:a="http://schemas.openxmlformats.org/drawingml/2006/main" xmlns:r="http://schemas.openxmlformats.org/officeDocument/2006/relationships" xmlns:p="http://schemas.openxmlformats.org/presentationml/2006/main">
+  <p:cSld>
+    <p:spTree>
+      <p:nvGrpSpPr>
+        <p:cNvPr id="1" name=""/>
+        <p:cNvGrpSpPr/>
+        <p:nvPr/>
+      </p:nvGrpSpPr>
+      <p:grpSpPr>
+        <a:xfrm>
+          <a:off x="0" y="0"/>
+          <a:ext cx="0" cy="0"/>
+          <a:chOff x="0" y="0"/>
+          <a:chExt cx="0" cy="0"/>
+        </a:xfrm>
+      </p:grpSpPr>
+      <p:sp>
+        <p:nvSpPr>
+          <p:cNvPr id="2" name="Titel 1"/>
+          <p:cNvSpPr>
+            <a:spLocks noGrp="1"/>
+          </p:cNvSpPr>
+          <p:nvPr>
+            <p:ph type="title"/>
+          </p:nvPr>
+        </p:nvSpPr>
+        <p:spPr/>
+        <p:txBody>
+          <a:bodyPr/>
+          <a:lstStyle/>
+          <a:p>
+            <a:r>
+              <a:rPr lang="de-DE" dirty="0" smtClean="0"/>
+              <a:t>Generieren von Test-Daten</a:t>
+            </a:r>
+            <a:endParaRPr lang="de-DE" dirty="0"/>
+          </a:p>
+        </p:txBody>
+      </p:sp>
+      <p:sp>
+        <p:nvSpPr>
+          <p:cNvPr id="3" name="Inhaltsplatzhalter 2"/>
+          <p:cNvSpPr>
+            <a:spLocks noGrp="1"/>
+          </p:cNvSpPr>
+          <p:nvPr>
+            <p:ph idx="1"/>
+          </p:nvPr>
+        </p:nvSpPr>
+        <p:spPr/>
+        <p:txBody>
+          <a:bodyPr/>
+          <a:lstStyle/>
+          <a:p>
+            <a:endParaRPr lang="de-DE" dirty="0"/>
+          </a:p>
+        </p:txBody>
+      </p:sp>
+    </p:spTree>
+  </p:cSld>
+  <p:clrMapOvr>
+    <a:masterClrMapping/>
+  </p:clrMapOvr>
+  <p:timing>
+    <p:tnLst>
+      <p:par>
+        <p:cTn id="1" dur="indefinite" restart="never" nodeType="tmRoot"/>
+      </p:par>
+    </p:tnLst>
+  </p:timing>
+</p:sld>
+</file>
+
+<file path=ppt/slides/slide16.xml><?xml version="1.0" encoding="utf-8"?>
+<p:sld xmlns:a="http://schemas.openxmlformats.org/drawingml/2006/main" xmlns:r="http://schemas.openxmlformats.org/officeDocument/2006/relationships" xmlns:p="http://schemas.openxmlformats.org/presentationml/2006/main">
+  <p:cSld>
+    <p:spTree>
+      <p:nvGrpSpPr>
+        <p:cNvPr id="1" name=""/>
+        <p:cNvGrpSpPr/>
+        <p:nvPr/>
+      </p:nvGrpSpPr>
+      <p:grpSpPr>
+        <a:xfrm>
+          <a:off x="0" y="0"/>
+          <a:ext cx="0" cy="0"/>
+          <a:chOff x="0" y="0"/>
+          <a:chExt cx="0" cy="0"/>
+        </a:xfrm>
+      </p:grpSpPr>
+      <p:sp>
+        <p:nvSpPr>
+          <p:cNvPr id="2" name="Titel 1"/>
+          <p:cNvSpPr>
+            <a:spLocks noGrp="1"/>
+          </p:cNvSpPr>
+          <p:nvPr>
+            <p:ph type="title"/>
+          </p:nvPr>
+        </p:nvSpPr>
+        <p:spPr/>
+        <p:txBody>
+          <a:bodyPr/>
+          <a:lstStyle/>
+          <a:p>
+            <a:r>
+              <a:rPr lang="de-DE" dirty="0" smtClean="0"/>
+              <a:t>Einfaches Modell</a:t>
+            </a:r>
+            <a:endParaRPr lang="de-DE" dirty="0"/>
+          </a:p>
+        </p:txBody>
+      </p:sp>
+      <p:pic>
+        <p:nvPicPr>
+          <p:cNvPr id="1026" name="Picture 2"/>
+          <p:cNvPicPr>
+            <a:picLocks noGrp="1" noChangeAspect="1" noChangeArrowheads="1"/>
+          </p:cNvPicPr>
+          <p:nvPr>
+            <p:ph idx="1"/>
+          </p:nvPr>
+        </p:nvPicPr>
+        <p:blipFill>
+          <a:blip r:embed="rId2" cstate="print"/>
+          <a:srcRect/>
+          <a:stretch>
+            <a:fillRect/>
+          </a:stretch>
+        </p:blipFill>
+        <p:spPr bwMode="auto">
+          <a:xfrm>
+            <a:off x="2146010" y="4293096"/>
+            <a:ext cx="4851979" cy="1765856"/>
+          </a:xfrm>
+          <a:prstGeom prst="rect">
+            <a:avLst/>
+          </a:prstGeom>
+          <a:noFill/>
+          <a:ln w="9525">
+            <a:noFill/>
+            <a:miter lim="800000"/>
+            <a:headEnd/>
+            <a:tailEnd/>
+          </a:ln>
+        </p:spPr>
+      </p:pic>
+      <p:pic>
+        <p:nvPicPr>
+          <p:cNvPr id="3" name="Grafik 2"/>
+          <p:cNvPicPr>
+            <a:picLocks noChangeAspect="1"/>
+          </p:cNvPicPr>
+          <p:nvPr/>
+        </p:nvPicPr>
+        <p:blipFill>
+          <a:blip r:embed="rId3" cstate="print">
+            <a:extLst>
+              <a:ext uri="{28A0092B-C50C-407E-A947-70E740481C1C}">
+                <a14:useLocalDpi xmlns:a14="http://schemas.microsoft.com/office/drawing/2010/main" val="0"/>
+              </a:ext>
+            </a:extLst>
+          </a:blip>
+          <a:stretch>
+            <a:fillRect/>
+          </a:stretch>
+        </p:blipFill>
+        <p:spPr>
+          <a:xfrm>
+            <a:off x="2860850" y="1628800"/>
+            <a:ext cx="3422300" cy="1737757"/>
+          </a:xfrm>
+          <a:prstGeom prst="rect">
+            <a:avLst/>
+          </a:prstGeom>
+        </p:spPr>
+      </p:pic>
+    </p:spTree>
+  </p:cSld>
+  <p:clrMapOvr>
+    <a:masterClrMapping/>
+  </p:clrMapOvr>
+  <p:timing>
+    <p:tnLst>
+      <p:par>
+        <p:cTn id="1" dur="indefinite" restart="never" nodeType="tmRoot"/>
+      </p:par>
+    </p:tnLst>
+  </p:timing>
+</p:sld>
+</file>
+
+<file path=ppt/slides/slide17.xml><?xml version="1.0" encoding="utf-8"?>
+<p:sld xmlns:a="http://schemas.openxmlformats.org/drawingml/2006/main" xmlns:r="http://schemas.openxmlformats.org/officeDocument/2006/relationships" xmlns:p="http://schemas.openxmlformats.org/presentationml/2006/main">
+  <p:cSld>
+    <p:spTree>
+      <p:nvGrpSpPr>
+        <p:cNvPr id="1" name=""/>
+        <p:cNvGrpSpPr/>
+        <p:nvPr/>
+      </p:nvGrpSpPr>
+      <p:grpSpPr>
+        <a:xfrm>
+          <a:off x="0" y="0"/>
+          <a:ext cx="0" cy="0"/>
+          <a:chOff x="0" y="0"/>
+          <a:chExt cx="0" cy="0"/>
+        </a:xfrm>
+      </p:grpSpPr>
+      <p:sp>
+        <p:nvSpPr>
+          <p:cNvPr id="2" name="Titel 1"/>
+          <p:cNvSpPr>
+            <a:spLocks noGrp="1"/>
+          </p:cNvSpPr>
+          <p:nvPr>
+            <p:ph type="title"/>
+          </p:nvPr>
+        </p:nvSpPr>
+        <p:spPr/>
+        <p:txBody>
+          <a:bodyPr/>
+          <a:lstStyle/>
+          <a:p>
+            <a:r>
+              <a:rPr lang="de-DE" dirty="0" smtClean="0"/>
+              <a:t>Kante Buch-Verlag</a:t>
+            </a:r>
+            <a:endParaRPr lang="de-DE" dirty="0"/>
+          </a:p>
+        </p:txBody>
+      </p:sp>
+      <p:sp>
+        <p:nvSpPr>
+          <p:cNvPr id="3" name="Inhaltsplatzhalter 2"/>
+          <p:cNvSpPr>
+            <a:spLocks noGrp="1"/>
+          </p:cNvSpPr>
+          <p:nvPr>
+            <p:ph idx="1"/>
+          </p:nvPr>
+        </p:nvSpPr>
+        <p:spPr/>
+        <p:txBody>
+          <a:bodyPr/>
+          <a:lstStyle/>
+          <a:p>
+            <a:endParaRPr lang="de-DE" dirty="0"/>
+          </a:p>
+        </p:txBody>
+      </p:sp>
+      <p:pic>
+        <p:nvPicPr>
+          <p:cNvPr id="4" name="Grafik 3"/>
+          <p:cNvPicPr>
+            <a:picLocks noChangeAspect="1"/>
+          </p:cNvPicPr>
+          <p:nvPr/>
+        </p:nvPicPr>
+        <p:blipFill>
+          <a:blip r:embed="rId2"/>
+          <a:stretch>
+            <a:fillRect/>
+          </a:stretch>
+        </p:blipFill>
+        <p:spPr>
+          <a:xfrm>
+            <a:off x="1144905" y="1752917"/>
+            <a:ext cx="6854190" cy="4220528"/>
+          </a:xfrm>
+          <a:prstGeom prst="rect">
+            <a:avLst/>
+          </a:prstGeom>
+        </p:spPr>
+      </p:pic>
+    </p:spTree>
+  </p:cSld>
+  <p:clrMapOvr>
+    <a:masterClrMapping/>
+  </p:clrMapOvr>
+  <p:timing>
+    <p:tnLst>
+      <p:par>
+        <p:cTn id="1" dur="indefinite" restart="never" nodeType="tmRoot"/>
+      </p:par>
+    </p:tnLst>
+  </p:timing>
+</p:sld>
+</file>
+
+<file path=ppt/slides/slide18.xml><?xml version="1.0" encoding="utf-8"?>
+<p:sld xmlns:a="http://schemas.openxmlformats.org/drawingml/2006/main" xmlns:r="http://schemas.openxmlformats.org/officeDocument/2006/relationships" xmlns:p="http://schemas.openxmlformats.org/presentationml/2006/main">
+  <p:cSld>
+    <p:spTree>
+      <p:nvGrpSpPr>
+        <p:cNvPr id="1" name=""/>
+        <p:cNvGrpSpPr/>
+        <p:nvPr/>
+      </p:nvGrpSpPr>
+      <p:grpSpPr>
+        <a:xfrm>
+          <a:off x="0" y="0"/>
+          <a:ext cx="0" cy="0"/>
+          <a:chOff x="0" y="0"/>
+          <a:chExt cx="0" cy="0"/>
+        </a:xfrm>
+      </p:grpSpPr>
+      <p:sp>
+        <p:nvSpPr>
+          <p:cNvPr id="2" name="Titel 1"/>
+          <p:cNvSpPr>
+            <a:spLocks noGrp="1"/>
+          </p:cNvSpPr>
+          <p:nvPr>
+            <p:ph type="title"/>
+          </p:nvPr>
+        </p:nvSpPr>
+        <p:spPr/>
+        <p:txBody>
+          <a:bodyPr/>
+          <a:lstStyle/>
+          <a:p>
+            <a:r>
+              <a:rPr lang="de-DE" dirty="0" smtClean="0"/>
+              <a:t>Assoziative Tabelle BuchAutor</a:t>
+            </a:r>
+            <a:endParaRPr lang="de-DE" dirty="0"/>
+          </a:p>
+        </p:txBody>
+      </p:sp>
+      <p:sp>
+        <p:nvSpPr>
+          <p:cNvPr id="3" name="Inhaltsplatzhalter 2"/>
+          <p:cNvSpPr>
+            <a:spLocks noGrp="1"/>
+          </p:cNvSpPr>
+          <p:nvPr>
+            <p:ph idx="1"/>
+          </p:nvPr>
+        </p:nvSpPr>
+        <p:spPr/>
+        <p:txBody>
+          <a:bodyPr/>
+          <a:lstStyle/>
+          <a:p>
+            <a:endParaRPr lang="de-DE" dirty="0"/>
+          </a:p>
+        </p:txBody>
+      </p:sp>
+      <p:pic>
+        <p:nvPicPr>
+          <p:cNvPr id="4" name="Grafik 3"/>
+          <p:cNvPicPr>
+            <a:picLocks noChangeAspect="1"/>
+          </p:cNvPicPr>
+          <p:nvPr/>
+        </p:nvPicPr>
+        <p:blipFill>
+          <a:blip r:embed="rId2"/>
+          <a:stretch>
+            <a:fillRect/>
+          </a:stretch>
+        </p:blipFill>
+        <p:spPr>
+          <a:xfrm>
+            <a:off x="1144905" y="1752917"/>
+            <a:ext cx="6854190" cy="4220528"/>
+          </a:xfrm>
+          <a:prstGeom prst="rect">
+            <a:avLst/>
+          </a:prstGeom>
+        </p:spPr>
+      </p:pic>
+    </p:spTree>
+  </p:cSld>
+  <p:clrMapOvr>
+    <a:masterClrMapping/>
+  </p:clrMapOvr>
+  <p:timing>
+    <p:tnLst>
+      <p:par>
+        <p:cTn id="1" dur="indefinite" restart="never" nodeType="tmRoot"/>
+      </p:par>
+    </p:tnLst>
+  </p:timing>
+</p:sld>
+</file>
+
+<file path=ppt/slides/slide19.xml><?xml version="1.0" encoding="utf-8"?>
+<p:sld xmlns:a="http://schemas.openxmlformats.org/drawingml/2006/main" xmlns:r="http://schemas.openxmlformats.org/officeDocument/2006/relationships" xmlns:p="http://schemas.openxmlformats.org/presentationml/2006/main">
+  <p:cSld>
+    <p:spTree>
+      <p:nvGrpSpPr>
+        <p:cNvPr id="1" name=""/>
+        <p:cNvGrpSpPr/>
+        <p:nvPr/>
+      </p:nvGrpSpPr>
+      <p:grpSpPr>
+        <a:xfrm>
+          <a:off x="0" y="0"/>
+          <a:ext cx="0" cy="0"/>
+          <a:chOff x="0" y="0"/>
+          <a:chExt cx="0" cy="0"/>
+        </a:xfrm>
+      </p:grpSpPr>
+      <p:sp>
+        <p:nvSpPr>
+          <p:cNvPr id="2" name="Titel 1"/>
+          <p:cNvSpPr>
+            <a:spLocks noGrp="1"/>
+          </p:cNvSpPr>
+          <p:nvPr>
+            <p:ph type="title"/>
+          </p:nvPr>
+        </p:nvSpPr>
+        <p:spPr/>
+        <p:txBody>
+          <a:bodyPr/>
+          <a:lstStyle/>
+          <a:p>
+            <a:r>
+              <a:rPr lang="de-DE" dirty="0" smtClean="0"/>
+              <a:t>Validierung des Ergebnisses</a:t>
+            </a:r>
+            <a:endParaRPr lang="de-DE" dirty="0"/>
+          </a:p>
+        </p:txBody>
+      </p:sp>
+      <p:sp>
+        <p:nvSpPr>
+          <p:cNvPr id="6" name="Inhaltsplatzhalter 5"/>
+          <p:cNvSpPr>
+            <a:spLocks noGrp="1"/>
+          </p:cNvSpPr>
+          <p:nvPr>
+            <p:ph idx="1"/>
+          </p:nvPr>
+        </p:nvSpPr>
+        <p:spPr/>
+        <p:txBody>
+          <a:bodyPr/>
+          <a:lstStyle/>
+          <a:p>
+            <a:endParaRPr lang="de-DE"/>
+          </a:p>
+        </p:txBody>
+      </p:sp>
+      <p:pic>
+        <p:nvPicPr>
+          <p:cNvPr id="7" name="Grafik 6"/>
+          <p:cNvPicPr>
+            <a:picLocks noChangeAspect="1"/>
+          </p:cNvPicPr>
+          <p:nvPr/>
+        </p:nvPicPr>
+        <p:blipFill>
+          <a:blip r:embed="rId2"/>
+          <a:stretch>
+            <a:fillRect/>
+          </a:stretch>
+        </p:blipFill>
+        <p:spPr>
+          <a:xfrm>
+            <a:off x="1144905" y="1752917"/>
+            <a:ext cx="6854190" cy="4220528"/>
+          </a:xfrm>
+          <a:prstGeom prst="rect">
+            <a:avLst/>
+          </a:prstGeom>
+        </p:spPr>
+      </p:pic>
     </p:spTree>
   </p:cSld>
   <p:clrMapOvr>
@@ -4765,6 +4204,80 @@
 </p:sld>
 </file>
 
+<file path=ppt/slides/slide20.xml><?xml version="1.0" encoding="utf-8"?>
+<p:sld xmlns:a="http://schemas.openxmlformats.org/drawingml/2006/main" xmlns:r="http://schemas.openxmlformats.org/officeDocument/2006/relationships" xmlns:p="http://schemas.openxmlformats.org/presentationml/2006/main">
+  <p:cSld>
+    <p:spTree>
+      <p:nvGrpSpPr>
+        <p:cNvPr id="1" name=""/>
+        <p:cNvGrpSpPr/>
+        <p:nvPr/>
+      </p:nvGrpSpPr>
+      <p:grpSpPr>
+        <a:xfrm>
+          <a:off x="0" y="0"/>
+          <a:ext cx="0" cy="0"/>
+          <a:chOff x="0" y="0"/>
+          <a:chExt cx="0" cy="0"/>
+        </a:xfrm>
+      </p:grpSpPr>
+      <p:sp>
+        <p:nvSpPr>
+          <p:cNvPr id="2" name="Titel 1"/>
+          <p:cNvSpPr>
+            <a:spLocks noGrp="1"/>
+          </p:cNvSpPr>
+          <p:nvPr>
+            <p:ph type="title"/>
+          </p:nvPr>
+        </p:nvSpPr>
+        <p:spPr/>
+        <p:txBody>
+          <a:bodyPr/>
+          <a:lstStyle/>
+          <a:p>
+            <a:r>
+              <a:rPr lang="de-DE" dirty="0" smtClean="0"/>
+              <a:t>Live Demo</a:t>
+            </a:r>
+            <a:endParaRPr lang="de-DE" dirty="0"/>
+          </a:p>
+        </p:txBody>
+      </p:sp>
+      <p:sp>
+        <p:nvSpPr>
+          <p:cNvPr id="3" name="Inhaltsplatzhalter 2"/>
+          <p:cNvSpPr>
+            <a:spLocks noGrp="1"/>
+          </p:cNvSpPr>
+          <p:nvPr>
+            <p:ph idx="1"/>
+          </p:nvPr>
+        </p:nvSpPr>
+        <p:spPr/>
+        <p:txBody>
+          <a:bodyPr/>
+          <a:lstStyle/>
+          <a:p>
+            <a:endParaRPr lang="de-DE"/>
+          </a:p>
+        </p:txBody>
+      </p:sp>
+    </p:spTree>
+  </p:cSld>
+  <p:clrMapOvr>
+    <a:masterClrMapping/>
+  </p:clrMapOvr>
+  <p:timing>
+    <p:tnLst>
+      <p:par>
+        <p:cTn id="1" dur="indefinite" restart="never" nodeType="tmRoot"/>
+      </p:par>
+    </p:tnLst>
+  </p:timing>
+</p:sld>
+</file>
+
 <file path=ppt/slides/slide3.xml><?xml version="1.0" encoding="utf-8"?>
 <p:sld xmlns:a="http://schemas.openxmlformats.org/drawingml/2006/main" xmlns:r="http://schemas.openxmlformats.org/officeDocument/2006/relationships" xmlns:p="http://schemas.openxmlformats.org/presentationml/2006/main">
   <p:cSld>
@@ -4799,7 +4312,15 @@
           <a:p>
             <a:r>
               <a:rPr lang="de-DE" dirty="0" smtClean="0"/>
-              <a:t>Was wünschen sich Tester?</a:t>
+              <a:t>SB </a:t>
+            </a:r>
+            <a:r>
+              <a:rPr lang="de-DE" dirty="0" err="1" smtClean="0"/>
+              <a:t>Testing</a:t>
+            </a:r>
+            <a:r>
+              <a:rPr lang="de-DE" dirty="0" smtClean="0"/>
+              <a:t> DB API</a:t>
             </a:r>
             <a:endParaRPr lang="de-DE" dirty="0"/>
           </a:p>
@@ -4807,46 +4328,1012 @@
       </p:sp>
       <p:sp>
         <p:nvSpPr>
-          <p:cNvPr id="3" name="Inhaltsplatzhalter 2"/>
-          <p:cNvSpPr>
-            <a:spLocks noGrp="1"/>
-          </p:cNvSpPr>
-          <p:nvPr>
-            <p:ph idx="1"/>
-          </p:nvPr>
-        </p:nvSpPr>
-        <p:spPr/>
-        <p:txBody>
-          <a:bodyPr/>
-          <a:lstStyle/>
-          <a:p>
-            <a:r>
-              <a:rPr lang="de-DE" dirty="0" smtClean="0"/>
-              <a:t>IDE-Unterstützung</a:t>
-            </a:r>
-          </a:p>
-          <a:p>
-            <a:r>
-              <a:rPr lang="de-DE" dirty="0" smtClean="0"/>
-              <a:t>Übersichtliche Darstellung</a:t>
-            </a:r>
-          </a:p>
-          <a:p>
-            <a:r>
-              <a:rPr lang="de-DE" dirty="0" smtClean="0"/>
-              <a:t>Beziehungen übersichtlich modellieren</a:t>
-            </a:r>
-          </a:p>
-          <a:p>
-            <a:r>
-              <a:rPr lang="de-DE" dirty="0" smtClean="0"/>
-              <a:t>Generieren von (überschaubaren) Test-Daten</a:t>
-            </a:r>
-            <a:endParaRPr lang="de-DE" dirty="0"/>
+          <p:cNvPr id="4" name="Rechteck 3"/>
+          <p:cNvSpPr/>
+          <p:nvPr/>
+        </p:nvSpPr>
+        <p:spPr>
+          <a:xfrm>
+            <a:off x="827584" y="1600200"/>
+            <a:ext cx="7488832" cy="4524315"/>
+          </a:xfrm>
+          <a:prstGeom prst="rect">
+            <a:avLst/>
+          </a:prstGeom>
+        </p:spPr>
+        <p:txBody>
+          <a:bodyPr wrap="square">
+            <a:spAutoFit/>
+          </a:bodyPr>
+          <a:lstStyle/>
+          <a:p>
+            <a:r>
+              <a:rPr lang="de-DE" dirty="0" err="1" smtClean="0">
+                <a:solidFill>
+                  <a:srgbClr val="2A00FF"/>
+                </a:solidFill>
+                <a:latin typeface="Consolas" panose="020B0609020204030204" pitchFamily="49" charset="0"/>
+              </a:rPr>
+              <a:t>table_Persons</a:t>
+            </a:r>
+            <a:endParaRPr lang="de-DE" dirty="0">
+              <a:solidFill>
+                <a:srgbClr val="2A00FF"/>
+              </a:solidFill>
+              <a:latin typeface="Consolas" panose="020B0609020204030204" pitchFamily="49" charset="0"/>
+            </a:endParaRPr>
+          </a:p>
+          <a:p>
+            <a:r>
+              <a:rPr lang="de-DE" dirty="0">
+                <a:solidFill>
+                  <a:srgbClr val="000000"/>
+                </a:solidFill>
+                <a:latin typeface="Consolas" panose="020B0609020204030204" pitchFamily="49" charset="0"/>
+              </a:rPr>
+              <a:t> </a:t>
+            </a:r>
+            <a:r>
+              <a:rPr lang="de-DE" dirty="0" smtClean="0">
+                <a:solidFill>
+                  <a:srgbClr val="000000"/>
+                </a:solidFill>
+                <a:latin typeface="Consolas" panose="020B0609020204030204" pitchFamily="49" charset="0"/>
+              </a:rPr>
+              <a:t> .</a:t>
+            </a:r>
+            <a:r>
+              <a:rPr lang="de-DE" dirty="0" err="1">
+                <a:solidFill>
+                  <a:srgbClr val="000000"/>
+                </a:solidFill>
+                <a:latin typeface="Consolas" panose="020B0609020204030204" pitchFamily="49" charset="0"/>
+              </a:rPr>
+              <a:t>insertRow</a:t>
+            </a:r>
+            <a:r>
+              <a:rPr lang="de-DE" dirty="0">
+                <a:solidFill>
+                  <a:srgbClr val="000000"/>
+                </a:solidFill>
+                <a:latin typeface="Consolas" panose="020B0609020204030204" pitchFamily="49" charset="0"/>
+              </a:rPr>
+              <a:t>()</a:t>
+            </a:r>
+          </a:p>
+          <a:p>
+            <a:r>
+              <a:rPr lang="de-DE" dirty="0">
+                <a:solidFill>
+                  <a:srgbClr val="000000"/>
+                </a:solidFill>
+                <a:latin typeface="Consolas" panose="020B0609020204030204" pitchFamily="49" charset="0"/>
+              </a:rPr>
+              <a:t>  </a:t>
+            </a:r>
+            <a:r>
+              <a:rPr lang="de-DE" dirty="0" smtClean="0">
+                <a:solidFill>
+                  <a:srgbClr val="000000"/>
+                </a:solidFill>
+                <a:latin typeface="Consolas" panose="020B0609020204030204" pitchFamily="49" charset="0"/>
+              </a:rPr>
+              <a:t>  .</a:t>
+            </a:r>
+            <a:r>
+              <a:rPr lang="de-DE" dirty="0" err="1">
+                <a:solidFill>
+                  <a:srgbClr val="000000"/>
+                </a:solidFill>
+                <a:latin typeface="Consolas" panose="020B0609020204030204" pitchFamily="49" charset="0"/>
+              </a:rPr>
+              <a:t>setId</a:t>
+            </a:r>
+            <a:r>
+              <a:rPr lang="de-DE" dirty="0">
+                <a:solidFill>
+                  <a:srgbClr val="000000"/>
+                </a:solidFill>
+                <a:latin typeface="Consolas" panose="020B0609020204030204" pitchFamily="49" charset="0"/>
+              </a:rPr>
+              <a:t>(</a:t>
+            </a:r>
+            <a:r>
+              <a:rPr lang="de-DE" i="1" dirty="0">
+                <a:solidFill>
+                  <a:srgbClr val="0000C0"/>
+                </a:solidFill>
+                <a:latin typeface="Consolas" panose="020B0609020204030204" pitchFamily="49" charset="0"/>
+              </a:rPr>
+              <a:t>KAULBERSCH</a:t>
+            </a:r>
+            <a:r>
+              <a:rPr lang="de-DE" dirty="0" smtClean="0">
+                <a:solidFill>
+                  <a:srgbClr val="000000"/>
+                </a:solidFill>
+                <a:latin typeface="Consolas" panose="020B0609020204030204" pitchFamily="49" charset="0"/>
+              </a:rPr>
+              <a:t>)            </a:t>
+            </a:r>
+            <a:r>
+              <a:rPr lang="de-DE" dirty="0" smtClean="0">
+                <a:solidFill>
+                  <a:srgbClr val="3F7F5F"/>
+                </a:solidFill>
+                <a:latin typeface="Consolas" panose="020B0609020204030204" pitchFamily="49" charset="0"/>
+              </a:rPr>
+              <a:t>// </a:t>
+            </a:r>
+            <a:r>
+              <a:rPr lang="de-DE" dirty="0">
+                <a:solidFill>
+                  <a:srgbClr val="3F7F5F"/>
+                </a:solidFill>
+                <a:latin typeface="Consolas" panose="020B0609020204030204" pitchFamily="49" charset="0"/>
+              </a:rPr>
+              <a:t>Primary Key</a:t>
+            </a:r>
+            <a:endParaRPr lang="de-DE" dirty="0">
+              <a:solidFill>
+                <a:srgbClr val="000000"/>
+              </a:solidFill>
+              <a:latin typeface="Consolas" panose="020B0609020204030204" pitchFamily="49" charset="0"/>
+            </a:endParaRPr>
+          </a:p>
+          <a:p>
+            <a:r>
+              <a:rPr lang="de-DE" dirty="0">
+                <a:solidFill>
+                  <a:srgbClr val="000000"/>
+                </a:solidFill>
+                <a:latin typeface="Consolas" panose="020B0609020204030204" pitchFamily="49" charset="0"/>
+              </a:rPr>
+              <a:t>  </a:t>
+            </a:r>
+            <a:r>
+              <a:rPr lang="de-DE" dirty="0" smtClean="0">
+                <a:solidFill>
+                  <a:srgbClr val="000000"/>
+                </a:solidFill>
+                <a:latin typeface="Consolas" panose="020B0609020204030204" pitchFamily="49" charset="0"/>
+              </a:rPr>
+              <a:t>  .</a:t>
+            </a:r>
+            <a:r>
+              <a:rPr lang="de-DE" dirty="0" err="1">
+                <a:solidFill>
+                  <a:srgbClr val="000000"/>
+                </a:solidFill>
+                <a:latin typeface="Consolas" panose="020B0609020204030204" pitchFamily="49" charset="0"/>
+              </a:rPr>
+              <a:t>setFirstName</a:t>
+            </a:r>
+            <a:r>
+              <a:rPr lang="de-DE" dirty="0">
+                <a:solidFill>
+                  <a:srgbClr val="000000"/>
+                </a:solidFill>
+                <a:latin typeface="Consolas" panose="020B0609020204030204" pitchFamily="49" charset="0"/>
+              </a:rPr>
+              <a:t>(</a:t>
+            </a:r>
+            <a:r>
+              <a:rPr lang="de-DE" dirty="0">
+                <a:solidFill>
+                  <a:srgbClr val="2A00FF"/>
+                </a:solidFill>
+                <a:latin typeface="Consolas" panose="020B0609020204030204" pitchFamily="49" charset="0"/>
+              </a:rPr>
+              <a:t>"Dennis"</a:t>
+            </a:r>
+            <a:r>
+              <a:rPr lang="de-DE" dirty="0">
+                <a:solidFill>
+                  <a:srgbClr val="000000"/>
+                </a:solidFill>
+                <a:latin typeface="Consolas" panose="020B0609020204030204" pitchFamily="49" charset="0"/>
+              </a:rPr>
+              <a:t>)</a:t>
+            </a:r>
+          </a:p>
+          <a:p>
+            <a:r>
+              <a:rPr lang="de-DE" dirty="0">
+                <a:solidFill>
+                  <a:srgbClr val="000000"/>
+                </a:solidFill>
+                <a:latin typeface="Consolas" panose="020B0609020204030204" pitchFamily="49" charset="0"/>
+              </a:rPr>
+              <a:t>  </a:t>
+            </a:r>
+            <a:r>
+              <a:rPr lang="de-DE" dirty="0" smtClean="0">
+                <a:solidFill>
+                  <a:srgbClr val="000000"/>
+                </a:solidFill>
+                <a:latin typeface="Consolas" panose="020B0609020204030204" pitchFamily="49" charset="0"/>
+              </a:rPr>
+              <a:t>  .</a:t>
+            </a:r>
+            <a:r>
+              <a:rPr lang="de-DE" dirty="0" err="1">
+                <a:solidFill>
+                  <a:srgbClr val="000000"/>
+                </a:solidFill>
+                <a:latin typeface="Consolas" panose="020B0609020204030204" pitchFamily="49" charset="0"/>
+              </a:rPr>
+              <a:t>setName</a:t>
+            </a:r>
+            <a:r>
+              <a:rPr lang="de-DE" dirty="0">
+                <a:solidFill>
+                  <a:srgbClr val="000000"/>
+                </a:solidFill>
+                <a:latin typeface="Consolas" panose="020B0609020204030204" pitchFamily="49" charset="0"/>
+              </a:rPr>
+              <a:t>(</a:t>
+            </a:r>
+            <a:r>
+              <a:rPr lang="de-DE" dirty="0">
+                <a:solidFill>
+                  <a:srgbClr val="2A00FF"/>
+                </a:solidFill>
+                <a:latin typeface="Consolas" panose="020B0609020204030204" pitchFamily="49" charset="0"/>
+              </a:rPr>
+              <a:t>"</a:t>
+            </a:r>
+            <a:r>
+              <a:rPr lang="de-DE" dirty="0" err="1">
+                <a:solidFill>
+                  <a:srgbClr val="2A00FF"/>
+                </a:solidFill>
+                <a:latin typeface="Consolas" panose="020B0609020204030204" pitchFamily="49" charset="0"/>
+              </a:rPr>
+              <a:t>Kaulbersch</a:t>
+            </a:r>
+            <a:r>
+              <a:rPr lang="de-DE" dirty="0">
+                <a:solidFill>
+                  <a:srgbClr val="2A00FF"/>
+                </a:solidFill>
+                <a:latin typeface="Consolas" panose="020B0609020204030204" pitchFamily="49" charset="0"/>
+              </a:rPr>
+              <a:t>"</a:t>
+            </a:r>
+            <a:r>
+              <a:rPr lang="de-DE" dirty="0">
+                <a:solidFill>
+                  <a:srgbClr val="000000"/>
+                </a:solidFill>
+                <a:latin typeface="Consolas" panose="020B0609020204030204" pitchFamily="49" charset="0"/>
+              </a:rPr>
+              <a:t>)</a:t>
+            </a:r>
+          </a:p>
+          <a:p>
+            <a:r>
+              <a:rPr lang="de-DE" dirty="0">
+                <a:solidFill>
+                  <a:srgbClr val="000000"/>
+                </a:solidFill>
+                <a:latin typeface="Consolas" panose="020B0609020204030204" pitchFamily="49" charset="0"/>
+              </a:rPr>
+              <a:t>  </a:t>
+            </a:r>
+            <a:r>
+              <a:rPr lang="de-DE" dirty="0" smtClean="0">
+                <a:solidFill>
+                  <a:srgbClr val="000000"/>
+                </a:solidFill>
+                <a:latin typeface="Consolas" panose="020B0609020204030204" pitchFamily="49" charset="0"/>
+              </a:rPr>
+              <a:t>  .</a:t>
+            </a:r>
+            <a:r>
+              <a:rPr lang="de-DE" dirty="0" err="1" smtClean="0">
+                <a:solidFill>
+                  <a:srgbClr val="000000"/>
+                </a:solidFill>
+                <a:latin typeface="Consolas" panose="020B0609020204030204" pitchFamily="49" charset="0"/>
+              </a:rPr>
+              <a:t>setTeamId</a:t>
+            </a:r>
+            <a:r>
+              <a:rPr lang="de-DE" dirty="0" smtClean="0">
+                <a:solidFill>
+                  <a:srgbClr val="000000"/>
+                </a:solidFill>
+                <a:latin typeface="Consolas" panose="020B0609020204030204" pitchFamily="49" charset="0"/>
+              </a:rPr>
+              <a:t>(</a:t>
+            </a:r>
+            <a:r>
+              <a:rPr lang="de-DE" i="1" dirty="0" smtClean="0">
+                <a:solidFill>
+                  <a:srgbClr val="0000C0"/>
+                </a:solidFill>
+                <a:latin typeface="Consolas" panose="020B0609020204030204" pitchFamily="49" charset="0"/>
+              </a:rPr>
+              <a:t>QA</a:t>
+            </a:r>
+            <a:r>
+              <a:rPr lang="de-DE" dirty="0" smtClean="0">
+                <a:solidFill>
+                  <a:srgbClr val="000000"/>
+                </a:solidFill>
+                <a:latin typeface="Consolas" panose="020B0609020204030204" pitchFamily="49" charset="0"/>
+              </a:rPr>
+              <a:t>)                </a:t>
+            </a:r>
+            <a:r>
+              <a:rPr lang="de-DE" dirty="0" smtClean="0">
+                <a:solidFill>
+                  <a:srgbClr val="3F7F5F"/>
+                </a:solidFill>
+                <a:latin typeface="Consolas" panose="020B0609020204030204" pitchFamily="49" charset="0"/>
+              </a:rPr>
+              <a:t>// </a:t>
+            </a:r>
+            <a:r>
+              <a:rPr lang="de-DE" dirty="0" err="1" smtClean="0">
+                <a:solidFill>
+                  <a:srgbClr val="3F7F5F"/>
+                </a:solidFill>
+                <a:latin typeface="Consolas" panose="020B0609020204030204" pitchFamily="49" charset="0"/>
+              </a:rPr>
+              <a:t>Foreign</a:t>
+            </a:r>
+            <a:r>
+              <a:rPr lang="de-DE" dirty="0" smtClean="0">
+                <a:solidFill>
+                  <a:srgbClr val="3F7F5F"/>
+                </a:solidFill>
+                <a:latin typeface="Consolas" panose="020B0609020204030204" pitchFamily="49" charset="0"/>
+              </a:rPr>
+              <a:t> Key</a:t>
+            </a:r>
+            <a:endParaRPr lang="de-DE" dirty="0" smtClean="0">
+              <a:solidFill>
+                <a:srgbClr val="000000"/>
+              </a:solidFill>
+              <a:latin typeface="Consolas" panose="020B0609020204030204" pitchFamily="49" charset="0"/>
+            </a:endParaRPr>
+          </a:p>
+          <a:p>
+            <a:r>
+              <a:rPr lang="de-DE" dirty="0">
+                <a:solidFill>
+                  <a:srgbClr val="000000"/>
+                </a:solidFill>
+                <a:latin typeface="Consolas" panose="020B0609020204030204" pitchFamily="49" charset="0"/>
+              </a:rPr>
+              <a:t> </a:t>
+            </a:r>
+            <a:r>
+              <a:rPr lang="de-DE" dirty="0" smtClean="0">
+                <a:solidFill>
+                  <a:srgbClr val="000000"/>
+                </a:solidFill>
+                <a:latin typeface="Consolas" panose="020B0609020204030204" pitchFamily="49" charset="0"/>
+              </a:rPr>
+              <a:t> .</a:t>
+            </a:r>
+            <a:r>
+              <a:rPr lang="de-DE" dirty="0" err="1">
+                <a:solidFill>
+                  <a:srgbClr val="000000"/>
+                </a:solidFill>
+                <a:latin typeface="Consolas" panose="020B0609020204030204" pitchFamily="49" charset="0"/>
+              </a:rPr>
+              <a:t>insertRow</a:t>
+            </a:r>
+            <a:r>
+              <a:rPr lang="de-DE" dirty="0">
+                <a:solidFill>
+                  <a:srgbClr val="000000"/>
+                </a:solidFill>
+                <a:latin typeface="Consolas" panose="020B0609020204030204" pitchFamily="49" charset="0"/>
+              </a:rPr>
+              <a:t>()</a:t>
+            </a:r>
+          </a:p>
+          <a:p>
+            <a:r>
+              <a:rPr lang="de-DE" dirty="0" smtClean="0">
+                <a:solidFill>
+                  <a:srgbClr val="000000"/>
+                </a:solidFill>
+                <a:latin typeface="Consolas" panose="020B0609020204030204" pitchFamily="49" charset="0"/>
+              </a:rPr>
+              <a:t>    </a:t>
+            </a:r>
+            <a:r>
+              <a:rPr lang="de-DE" dirty="0">
+                <a:solidFill>
+                  <a:srgbClr val="000000"/>
+                </a:solidFill>
+                <a:latin typeface="Consolas" panose="020B0609020204030204" pitchFamily="49" charset="0"/>
+              </a:rPr>
+              <a:t>.</a:t>
+            </a:r>
+            <a:r>
+              <a:rPr lang="de-DE" dirty="0" err="1" smtClean="0">
+                <a:solidFill>
+                  <a:srgbClr val="000000"/>
+                </a:solidFill>
+                <a:latin typeface="Consolas" panose="020B0609020204030204" pitchFamily="49" charset="0"/>
+              </a:rPr>
+              <a:t>setId</a:t>
+            </a:r>
+            <a:r>
+              <a:rPr lang="de-DE" dirty="0" smtClean="0">
+                <a:solidFill>
+                  <a:srgbClr val="000000"/>
+                </a:solidFill>
+                <a:latin typeface="Consolas" panose="020B0609020204030204" pitchFamily="49" charset="0"/>
+              </a:rPr>
+              <a:t>(</a:t>
+            </a:r>
+            <a:r>
+              <a:rPr lang="de-DE" i="1" dirty="0" smtClean="0">
+                <a:solidFill>
+                  <a:srgbClr val="0000C0"/>
+                </a:solidFill>
+                <a:latin typeface="Consolas" panose="020B0609020204030204" pitchFamily="49" charset="0"/>
+              </a:rPr>
+              <a:t>GUITTON</a:t>
+            </a:r>
+            <a:r>
+              <a:rPr lang="de-DE" dirty="0" smtClean="0">
+                <a:solidFill>
+                  <a:srgbClr val="000000"/>
+                </a:solidFill>
+                <a:latin typeface="Consolas" panose="020B0609020204030204" pitchFamily="49" charset="0"/>
+              </a:rPr>
+              <a:t>)               </a:t>
+            </a:r>
+            <a:r>
+              <a:rPr lang="de-DE" dirty="0">
+                <a:solidFill>
+                  <a:srgbClr val="3F7F5F"/>
+                </a:solidFill>
+                <a:latin typeface="Consolas" panose="020B0609020204030204" pitchFamily="49" charset="0"/>
+              </a:rPr>
+              <a:t>// Primary Key</a:t>
+            </a:r>
+            <a:endParaRPr lang="de-DE" i="1" dirty="0" smtClean="0">
+              <a:solidFill>
+                <a:srgbClr val="000000"/>
+              </a:solidFill>
+              <a:latin typeface="Consolas" panose="020B0609020204030204" pitchFamily="49" charset="0"/>
+            </a:endParaRPr>
+          </a:p>
+          <a:p>
+            <a:r>
+              <a:rPr lang="de-DE" dirty="0" smtClean="0">
+                <a:solidFill>
+                  <a:srgbClr val="000000"/>
+                </a:solidFill>
+                <a:latin typeface="Consolas" panose="020B0609020204030204" pitchFamily="49" charset="0"/>
+              </a:rPr>
+              <a:t>    .</a:t>
+            </a:r>
+            <a:r>
+              <a:rPr lang="de-DE" dirty="0" err="1" smtClean="0">
+                <a:solidFill>
+                  <a:srgbClr val="000000"/>
+                </a:solidFill>
+                <a:latin typeface="Consolas" panose="020B0609020204030204" pitchFamily="49" charset="0"/>
+              </a:rPr>
+              <a:t>setFirstName</a:t>
+            </a:r>
+            <a:r>
+              <a:rPr lang="de-DE" dirty="0" smtClean="0">
+                <a:solidFill>
+                  <a:srgbClr val="000000"/>
+                </a:solidFill>
+                <a:latin typeface="Consolas" panose="020B0609020204030204" pitchFamily="49" charset="0"/>
+              </a:rPr>
+              <a:t>(</a:t>
+            </a:r>
+            <a:r>
+              <a:rPr lang="de-DE" dirty="0" smtClean="0">
+                <a:solidFill>
+                  <a:srgbClr val="2A00FF"/>
+                </a:solidFill>
+                <a:latin typeface="Consolas" panose="020B0609020204030204" pitchFamily="49" charset="0"/>
+              </a:rPr>
+              <a:t>"Julien"</a:t>
+            </a:r>
+            <a:r>
+              <a:rPr lang="de-DE" dirty="0" smtClean="0">
+                <a:solidFill>
+                  <a:srgbClr val="000000"/>
+                </a:solidFill>
+                <a:latin typeface="Consolas" panose="020B0609020204030204" pitchFamily="49" charset="0"/>
+              </a:rPr>
+              <a:t>)</a:t>
+            </a:r>
+          </a:p>
+          <a:p>
+            <a:r>
+              <a:rPr lang="de-DE" dirty="0" smtClean="0">
+                <a:solidFill>
+                  <a:srgbClr val="000000"/>
+                </a:solidFill>
+                <a:latin typeface="Consolas" panose="020B0609020204030204" pitchFamily="49" charset="0"/>
+              </a:rPr>
+              <a:t>    </a:t>
+            </a:r>
+            <a:r>
+              <a:rPr lang="de-DE" dirty="0">
+                <a:solidFill>
+                  <a:srgbClr val="000000"/>
+                </a:solidFill>
+                <a:latin typeface="Consolas" panose="020B0609020204030204" pitchFamily="49" charset="0"/>
+              </a:rPr>
+              <a:t>.</a:t>
+            </a:r>
+            <a:r>
+              <a:rPr lang="de-DE" dirty="0" err="1">
+                <a:solidFill>
+                  <a:srgbClr val="000000"/>
+                </a:solidFill>
+                <a:latin typeface="Consolas" panose="020B0609020204030204" pitchFamily="49" charset="0"/>
+              </a:rPr>
+              <a:t>setName</a:t>
+            </a:r>
+            <a:r>
+              <a:rPr lang="de-DE" dirty="0">
+                <a:solidFill>
+                  <a:srgbClr val="000000"/>
+                </a:solidFill>
+                <a:latin typeface="Consolas" panose="020B0609020204030204" pitchFamily="49" charset="0"/>
+              </a:rPr>
+              <a:t>(</a:t>
+            </a:r>
+            <a:r>
+              <a:rPr lang="de-DE" dirty="0">
+                <a:solidFill>
+                  <a:srgbClr val="2A00FF"/>
+                </a:solidFill>
+                <a:latin typeface="Consolas" panose="020B0609020204030204" pitchFamily="49" charset="0"/>
+              </a:rPr>
+              <a:t>"Guitton"</a:t>
+            </a:r>
+            <a:r>
+              <a:rPr lang="de-DE" dirty="0">
+                <a:solidFill>
+                  <a:srgbClr val="000000"/>
+                </a:solidFill>
+                <a:latin typeface="Consolas" panose="020B0609020204030204" pitchFamily="49" charset="0"/>
+              </a:rPr>
+              <a:t>)</a:t>
+            </a:r>
+          </a:p>
+          <a:p>
+            <a:r>
+              <a:rPr lang="de-DE" dirty="0" smtClean="0">
+                <a:solidFill>
+                  <a:srgbClr val="000000"/>
+                </a:solidFill>
+                <a:latin typeface="Consolas" panose="020B0609020204030204" pitchFamily="49" charset="0"/>
+              </a:rPr>
+              <a:t>    </a:t>
+            </a:r>
+            <a:r>
+              <a:rPr lang="de-DE" dirty="0">
+                <a:solidFill>
+                  <a:srgbClr val="000000"/>
+                </a:solidFill>
+                <a:latin typeface="Consolas" panose="020B0609020204030204" pitchFamily="49" charset="0"/>
+              </a:rPr>
+              <a:t>.</a:t>
+            </a:r>
+            <a:r>
+              <a:rPr lang="de-DE" dirty="0" err="1" smtClean="0">
+                <a:solidFill>
+                  <a:srgbClr val="000000"/>
+                </a:solidFill>
+                <a:latin typeface="Consolas" panose="020B0609020204030204" pitchFamily="49" charset="0"/>
+              </a:rPr>
+              <a:t>setTeamId</a:t>
+            </a:r>
+            <a:r>
+              <a:rPr lang="de-DE" dirty="0" smtClean="0">
+                <a:solidFill>
+                  <a:srgbClr val="000000"/>
+                </a:solidFill>
+                <a:latin typeface="Consolas" panose="020B0609020204030204" pitchFamily="49" charset="0"/>
+              </a:rPr>
+              <a:t>(</a:t>
+            </a:r>
+            <a:r>
+              <a:rPr lang="de-DE" i="1" dirty="0" smtClean="0">
+                <a:solidFill>
+                  <a:srgbClr val="0000C0"/>
+                </a:solidFill>
+                <a:latin typeface="Consolas" panose="020B0609020204030204" pitchFamily="49" charset="0"/>
+              </a:rPr>
+              <a:t>QA</a:t>
+            </a:r>
+            <a:r>
+              <a:rPr lang="de-DE" dirty="0" smtClean="0">
+                <a:solidFill>
+                  <a:srgbClr val="000000"/>
+                </a:solidFill>
+                <a:latin typeface="Consolas" panose="020B0609020204030204" pitchFamily="49" charset="0"/>
+              </a:rPr>
+              <a:t>)                </a:t>
+            </a:r>
+            <a:r>
+              <a:rPr lang="de-DE" dirty="0">
+                <a:solidFill>
+                  <a:srgbClr val="3F7F5F"/>
+                </a:solidFill>
+                <a:latin typeface="Consolas" panose="020B0609020204030204" pitchFamily="49" charset="0"/>
+              </a:rPr>
+              <a:t>// </a:t>
+            </a:r>
+            <a:r>
+              <a:rPr lang="de-DE" dirty="0" err="1">
+                <a:solidFill>
+                  <a:srgbClr val="3F7F5F"/>
+                </a:solidFill>
+                <a:latin typeface="Consolas" panose="020B0609020204030204" pitchFamily="49" charset="0"/>
+              </a:rPr>
+              <a:t>Foreign</a:t>
+            </a:r>
+            <a:r>
+              <a:rPr lang="de-DE" dirty="0">
+                <a:solidFill>
+                  <a:srgbClr val="3F7F5F"/>
+                </a:solidFill>
+                <a:latin typeface="Consolas" panose="020B0609020204030204" pitchFamily="49" charset="0"/>
+              </a:rPr>
+              <a:t> Key</a:t>
+            </a:r>
+            <a:endParaRPr lang="de-DE" i="1" dirty="0" smtClean="0">
+              <a:solidFill>
+                <a:srgbClr val="000000"/>
+              </a:solidFill>
+              <a:latin typeface="Consolas" panose="020B0609020204030204" pitchFamily="49" charset="0"/>
+            </a:endParaRPr>
+          </a:p>
+          <a:p>
+            <a:r>
+              <a:rPr lang="de-DE" dirty="0" smtClean="0">
+                <a:solidFill>
+                  <a:srgbClr val="000000"/>
+                </a:solidFill>
+                <a:latin typeface="Consolas" panose="020B0609020204030204" pitchFamily="49" charset="0"/>
+              </a:rPr>
+              <a:t>  .</a:t>
+            </a:r>
+            <a:r>
+              <a:rPr lang="de-DE" dirty="0" err="1">
+                <a:solidFill>
+                  <a:srgbClr val="000000"/>
+                </a:solidFill>
+                <a:latin typeface="Consolas" panose="020B0609020204030204" pitchFamily="49" charset="0"/>
+              </a:rPr>
+              <a:t>insertRow</a:t>
+            </a:r>
+            <a:r>
+              <a:rPr lang="de-DE" dirty="0">
+                <a:solidFill>
+                  <a:srgbClr val="000000"/>
+                </a:solidFill>
+                <a:latin typeface="Consolas" panose="020B0609020204030204" pitchFamily="49" charset="0"/>
+              </a:rPr>
+              <a:t>()</a:t>
+            </a:r>
+          </a:p>
+          <a:p>
+            <a:r>
+              <a:rPr lang="de-DE" dirty="0">
+                <a:solidFill>
+                  <a:srgbClr val="000000"/>
+                </a:solidFill>
+                <a:latin typeface="Consolas" panose="020B0609020204030204" pitchFamily="49" charset="0"/>
+              </a:rPr>
+              <a:t>  </a:t>
+            </a:r>
+            <a:r>
+              <a:rPr lang="de-DE" dirty="0" smtClean="0">
+                <a:solidFill>
+                  <a:srgbClr val="000000"/>
+                </a:solidFill>
+                <a:latin typeface="Consolas" panose="020B0609020204030204" pitchFamily="49" charset="0"/>
+              </a:rPr>
+              <a:t>  </a:t>
+            </a:r>
+            <a:r>
+              <a:rPr lang="de-DE" dirty="0">
+                <a:solidFill>
+                  <a:srgbClr val="000000"/>
+                </a:solidFill>
+                <a:latin typeface="Consolas" panose="020B0609020204030204" pitchFamily="49" charset="0"/>
+              </a:rPr>
+              <a:t>.</a:t>
+            </a:r>
+            <a:r>
+              <a:rPr lang="de-DE" dirty="0" err="1" smtClean="0">
+                <a:solidFill>
+                  <a:srgbClr val="000000"/>
+                </a:solidFill>
+                <a:latin typeface="Consolas" panose="020B0609020204030204" pitchFamily="49" charset="0"/>
+              </a:rPr>
+              <a:t>setId</a:t>
+            </a:r>
+            <a:r>
+              <a:rPr lang="de-DE" dirty="0" smtClean="0">
+                <a:solidFill>
+                  <a:srgbClr val="000000"/>
+                </a:solidFill>
+                <a:latin typeface="Consolas" panose="020B0609020204030204" pitchFamily="49" charset="0"/>
+              </a:rPr>
+              <a:t>(</a:t>
+            </a:r>
+            <a:r>
+              <a:rPr lang="de-DE" i="1" dirty="0" smtClean="0">
+                <a:solidFill>
+                  <a:srgbClr val="0000C0"/>
+                </a:solidFill>
+                <a:latin typeface="Consolas" panose="020B0609020204030204" pitchFamily="49" charset="0"/>
+              </a:rPr>
+              <a:t>BARANOWSKI</a:t>
+            </a:r>
+            <a:r>
+              <a:rPr lang="de-DE" dirty="0" smtClean="0">
+                <a:solidFill>
+                  <a:srgbClr val="000000"/>
+                </a:solidFill>
+                <a:latin typeface="Consolas" panose="020B0609020204030204" pitchFamily="49" charset="0"/>
+              </a:rPr>
+              <a:t>)            </a:t>
+            </a:r>
+            <a:r>
+              <a:rPr lang="de-DE" dirty="0">
+                <a:solidFill>
+                  <a:srgbClr val="3F7F5F"/>
+                </a:solidFill>
+                <a:latin typeface="Consolas" panose="020B0609020204030204" pitchFamily="49" charset="0"/>
+              </a:rPr>
+              <a:t>// Primary Key</a:t>
+            </a:r>
+            <a:endParaRPr lang="de-DE" i="1" dirty="0">
+              <a:solidFill>
+                <a:srgbClr val="000000"/>
+              </a:solidFill>
+              <a:latin typeface="Consolas" panose="020B0609020204030204" pitchFamily="49" charset="0"/>
+            </a:endParaRPr>
+          </a:p>
+          <a:p>
+            <a:r>
+              <a:rPr lang="de-DE" dirty="0">
+                <a:solidFill>
+                  <a:srgbClr val="000000"/>
+                </a:solidFill>
+                <a:latin typeface="Consolas" panose="020B0609020204030204" pitchFamily="49" charset="0"/>
+              </a:rPr>
+              <a:t>  </a:t>
+            </a:r>
+            <a:r>
+              <a:rPr lang="de-DE" dirty="0" smtClean="0">
+                <a:solidFill>
+                  <a:srgbClr val="000000"/>
+                </a:solidFill>
+                <a:latin typeface="Consolas" panose="020B0609020204030204" pitchFamily="49" charset="0"/>
+              </a:rPr>
+              <a:t>  </a:t>
+            </a:r>
+            <a:r>
+              <a:rPr lang="de-DE" dirty="0">
+                <a:solidFill>
+                  <a:srgbClr val="000000"/>
+                </a:solidFill>
+                <a:latin typeface="Consolas" panose="020B0609020204030204" pitchFamily="49" charset="0"/>
+              </a:rPr>
+              <a:t>.</a:t>
+            </a:r>
+            <a:r>
+              <a:rPr lang="de-DE" dirty="0" err="1">
+                <a:solidFill>
+                  <a:srgbClr val="000000"/>
+                </a:solidFill>
+                <a:latin typeface="Consolas" panose="020B0609020204030204" pitchFamily="49" charset="0"/>
+              </a:rPr>
+              <a:t>setFirstName</a:t>
+            </a:r>
+            <a:r>
+              <a:rPr lang="de-DE" dirty="0">
+                <a:solidFill>
+                  <a:srgbClr val="000000"/>
+                </a:solidFill>
+                <a:latin typeface="Consolas" panose="020B0609020204030204" pitchFamily="49" charset="0"/>
+              </a:rPr>
+              <a:t>(</a:t>
+            </a:r>
+            <a:r>
+              <a:rPr lang="de-DE" dirty="0">
+                <a:solidFill>
+                  <a:srgbClr val="2A00FF"/>
+                </a:solidFill>
+                <a:latin typeface="Consolas" panose="020B0609020204030204" pitchFamily="49" charset="0"/>
+              </a:rPr>
+              <a:t>"Christian"</a:t>
+            </a:r>
+            <a:r>
+              <a:rPr lang="de-DE" dirty="0">
+                <a:solidFill>
+                  <a:srgbClr val="000000"/>
+                </a:solidFill>
+                <a:latin typeface="Consolas" panose="020B0609020204030204" pitchFamily="49" charset="0"/>
+              </a:rPr>
+              <a:t>)</a:t>
+            </a:r>
+          </a:p>
+          <a:p>
+            <a:r>
+              <a:rPr lang="de-DE" dirty="0">
+                <a:solidFill>
+                  <a:srgbClr val="000000"/>
+                </a:solidFill>
+                <a:latin typeface="Consolas" panose="020B0609020204030204" pitchFamily="49" charset="0"/>
+              </a:rPr>
+              <a:t>  </a:t>
+            </a:r>
+            <a:r>
+              <a:rPr lang="de-DE" dirty="0" smtClean="0">
+                <a:solidFill>
+                  <a:srgbClr val="000000"/>
+                </a:solidFill>
+                <a:latin typeface="Consolas" panose="020B0609020204030204" pitchFamily="49" charset="0"/>
+              </a:rPr>
+              <a:t>  </a:t>
+            </a:r>
+            <a:r>
+              <a:rPr lang="de-DE" dirty="0">
+                <a:solidFill>
+                  <a:srgbClr val="000000"/>
+                </a:solidFill>
+                <a:latin typeface="Consolas" panose="020B0609020204030204" pitchFamily="49" charset="0"/>
+              </a:rPr>
+              <a:t>.</a:t>
+            </a:r>
+            <a:r>
+              <a:rPr lang="de-DE" dirty="0" err="1">
+                <a:solidFill>
+                  <a:srgbClr val="000000"/>
+                </a:solidFill>
+                <a:latin typeface="Consolas" panose="020B0609020204030204" pitchFamily="49" charset="0"/>
+              </a:rPr>
+              <a:t>setName</a:t>
+            </a:r>
+            <a:r>
+              <a:rPr lang="de-DE" dirty="0">
+                <a:solidFill>
+                  <a:srgbClr val="000000"/>
+                </a:solidFill>
+                <a:latin typeface="Consolas" panose="020B0609020204030204" pitchFamily="49" charset="0"/>
+              </a:rPr>
+              <a:t>(</a:t>
+            </a:r>
+            <a:r>
+              <a:rPr lang="de-DE" dirty="0">
+                <a:solidFill>
+                  <a:srgbClr val="2A00FF"/>
+                </a:solidFill>
+                <a:latin typeface="Consolas" panose="020B0609020204030204" pitchFamily="49" charset="0"/>
+              </a:rPr>
+              <a:t>"Baranowski"</a:t>
+            </a:r>
+            <a:r>
+              <a:rPr lang="de-DE" dirty="0">
+                <a:solidFill>
+                  <a:srgbClr val="000000"/>
+                </a:solidFill>
+                <a:latin typeface="Consolas" panose="020B0609020204030204" pitchFamily="49" charset="0"/>
+              </a:rPr>
+              <a:t>)</a:t>
+            </a:r>
+          </a:p>
+          <a:p>
+            <a:r>
+              <a:rPr lang="de-DE" dirty="0" smtClean="0">
+                <a:solidFill>
+                  <a:srgbClr val="000000"/>
+                </a:solidFill>
+                <a:latin typeface="Consolas" panose="020B0609020204030204" pitchFamily="49" charset="0"/>
+              </a:rPr>
+              <a:t>    .</a:t>
+            </a:r>
+            <a:r>
+              <a:rPr lang="de-DE" dirty="0" err="1" smtClean="0">
+                <a:solidFill>
+                  <a:srgbClr val="000000"/>
+                </a:solidFill>
+                <a:latin typeface="Consolas" panose="020B0609020204030204" pitchFamily="49" charset="0"/>
+              </a:rPr>
+              <a:t>setTeamId</a:t>
+            </a:r>
+            <a:r>
+              <a:rPr lang="de-DE" dirty="0" smtClean="0">
+                <a:solidFill>
+                  <a:srgbClr val="000000"/>
+                </a:solidFill>
+                <a:latin typeface="Consolas" panose="020B0609020204030204" pitchFamily="49" charset="0"/>
+              </a:rPr>
+              <a:t>(</a:t>
+            </a:r>
+            <a:r>
+              <a:rPr lang="de-DE" i="1" dirty="0" smtClean="0">
+                <a:solidFill>
+                  <a:srgbClr val="0000C0"/>
+                </a:solidFill>
+                <a:latin typeface="Consolas" panose="020B0609020204030204" pitchFamily="49" charset="0"/>
+              </a:rPr>
+              <a:t>QA</a:t>
+            </a:r>
+            <a:r>
+              <a:rPr lang="de-DE" i="1" dirty="0" smtClean="0">
+                <a:solidFill>
+                  <a:srgbClr val="000000"/>
+                </a:solidFill>
+                <a:latin typeface="Consolas" panose="020B0609020204030204" pitchFamily="49" charset="0"/>
+              </a:rPr>
+              <a:t>);</a:t>
+            </a:r>
+            <a:r>
+              <a:rPr lang="de-DE" dirty="0" smtClean="0">
+                <a:solidFill>
+                  <a:srgbClr val="000000"/>
+                </a:solidFill>
+                <a:latin typeface="Consolas" panose="020B0609020204030204" pitchFamily="49" charset="0"/>
+              </a:rPr>
+              <a:t>               </a:t>
+            </a:r>
+            <a:r>
+              <a:rPr lang="de-DE" dirty="0">
+                <a:solidFill>
+                  <a:srgbClr val="3F7F5F"/>
+                </a:solidFill>
+                <a:latin typeface="Consolas" panose="020B0609020204030204" pitchFamily="49" charset="0"/>
+              </a:rPr>
+              <a:t>// </a:t>
+            </a:r>
+            <a:r>
+              <a:rPr lang="de-DE" dirty="0" err="1">
+                <a:solidFill>
+                  <a:srgbClr val="3F7F5F"/>
+                </a:solidFill>
+                <a:latin typeface="Consolas" panose="020B0609020204030204" pitchFamily="49" charset="0"/>
+              </a:rPr>
+              <a:t>Foreign</a:t>
+            </a:r>
+            <a:r>
+              <a:rPr lang="de-DE" dirty="0">
+                <a:solidFill>
+                  <a:srgbClr val="3F7F5F"/>
+                </a:solidFill>
+                <a:latin typeface="Consolas" panose="020B0609020204030204" pitchFamily="49" charset="0"/>
+              </a:rPr>
+              <a:t> Key</a:t>
+            </a:r>
+            <a:endParaRPr lang="de-DE" dirty="0">
+              <a:latin typeface="Consolas" panose="020B0609020204030204" pitchFamily="49" charset="0"/>
+            </a:endParaRPr>
           </a:p>
         </p:txBody>
       </p:sp>
     </p:spTree>
+    <p:extLst>
+      <p:ext uri="{BB962C8B-B14F-4D97-AF65-F5344CB8AC3E}">
+        <p14:creationId xmlns:p14="http://schemas.microsoft.com/office/powerpoint/2010/main" val="1523372494"/>
+      </p:ext>
+    </p:extLst>
   </p:cSld>
   <p:clrMapOvr>
     <a:masterClrMapping/>
@@ -4895,762 +5382,43 @@
           <a:p>
             <a:r>
               <a:rPr lang="de-DE" dirty="0" smtClean="0"/>
-              <a:t>STU Table </a:t>
-            </a:r>
-            <a:r>
-              <a:rPr lang="de-DE" dirty="0" err="1" smtClean="0"/>
-              <a:t>Builder</a:t>
-            </a:r>
+              <a:t>Was wünschen sich Tester?</a:t>
+            </a:r>
+            <a:endParaRPr lang="de-DE" dirty="0"/>
+          </a:p>
+        </p:txBody>
+      </p:sp>
+      <p:sp>
+        <p:nvSpPr>
+          <p:cNvPr id="3" name="Inhaltsplatzhalter 2"/>
+          <p:cNvSpPr>
+            <a:spLocks noGrp="1"/>
+          </p:cNvSpPr>
+          <p:nvPr>
+            <p:ph idx="1"/>
+          </p:nvPr>
+        </p:nvSpPr>
+        <p:spPr/>
+        <p:txBody>
+          <a:bodyPr/>
+          <a:lstStyle/>
+          <a:p>
             <a:r>
               <a:rPr lang="de-DE" dirty="0" smtClean="0"/>
-              <a:t> DSL</a:t>
-            </a:r>
-            <a:endParaRPr lang="de-DE" dirty="0"/>
-          </a:p>
-        </p:txBody>
-      </p:sp>
-      <p:sp>
-        <p:nvSpPr>
-          <p:cNvPr id="3" name="Inhaltsplatzhalter 2"/>
-          <p:cNvSpPr>
-            <a:spLocks noGrp="1"/>
-          </p:cNvSpPr>
-          <p:nvPr>
-            <p:ph idx="1"/>
-          </p:nvPr>
-        </p:nvSpPr>
-        <p:spPr/>
-        <p:txBody>
-          <a:bodyPr/>
-          <a:lstStyle/>
+              <a:t>IDE-Unterstützung</a:t>
+            </a:r>
+          </a:p>
           <a:p>
             <a:r>
               <a:rPr lang="de-DE" dirty="0" smtClean="0"/>
-              <a:t>Inspiriert von Spock</a:t>
-            </a:r>
-          </a:p>
-        </p:txBody>
-      </p:sp>
-      <p:sp>
-        <p:nvSpPr>
-          <p:cNvPr id="4" name="Rechteck 3"/>
-          <p:cNvSpPr/>
-          <p:nvPr/>
-        </p:nvSpPr>
-        <p:spPr>
-          <a:xfrm>
-            <a:off x="899592" y="2327969"/>
-            <a:ext cx="7488832" cy="3693319"/>
-          </a:xfrm>
-          <a:prstGeom prst="rect">
-            <a:avLst/>
-          </a:prstGeom>
-        </p:spPr>
-        <p:txBody>
-          <a:bodyPr wrap="square">
-            <a:spAutoFit/>
-          </a:bodyPr>
-          <a:lstStyle/>
-          <a:p>
-            <a:r>
-              <a:rPr lang="de-DE" dirty="0" err="1" smtClean="0">
-                <a:solidFill>
-                  <a:srgbClr val="0000C0"/>
-                </a:solidFill>
-                <a:latin typeface="Consolas" pitchFamily="49" charset="0"/>
-              </a:rPr>
-              <a:t>jobsTable</a:t>
-            </a:r>
-            <a:r>
-              <a:rPr lang="de-DE" dirty="0" err="1" smtClean="0">
-                <a:solidFill>
-                  <a:srgbClr val="000000"/>
-                </a:solidFill>
-                <a:latin typeface="Consolas" pitchFamily="49" charset="0"/>
-              </a:rPr>
-              <a:t>.rows</a:t>
-            </a:r>
-            <a:r>
-              <a:rPr lang="de-DE" dirty="0" smtClean="0">
-                <a:solidFill>
-                  <a:srgbClr val="000000"/>
-                </a:solidFill>
-                <a:latin typeface="Consolas" pitchFamily="49" charset="0"/>
-              </a:rPr>
-              <a:t> {</a:t>
-            </a:r>
-          </a:p>
-          <a:p>
-            <a:r>
-              <a:rPr lang="de-DE" dirty="0" smtClean="0">
-                <a:solidFill>
-                  <a:srgbClr val="0000C0"/>
-                </a:solidFill>
-                <a:latin typeface="Consolas" pitchFamily="49" charset="0"/>
-              </a:rPr>
-              <a:t>  REF</a:t>
-            </a:r>
-            <a:r>
-              <a:rPr lang="de-DE" dirty="0" smtClean="0">
-                <a:solidFill>
-                  <a:srgbClr val="000000"/>
-                </a:solidFill>
-                <a:latin typeface="Consolas" pitchFamily="49" charset="0"/>
-              </a:rPr>
-              <a:t> | </a:t>
-            </a:r>
-            <a:r>
-              <a:rPr lang="de-DE" dirty="0" smtClean="0">
-                <a:solidFill>
-                  <a:srgbClr val="0000C0"/>
-                </a:solidFill>
-                <a:latin typeface="Consolas" pitchFamily="49" charset="0"/>
-              </a:rPr>
-              <a:t>title</a:t>
-            </a:r>
-            <a:r>
-              <a:rPr lang="de-DE" dirty="0" smtClean="0">
-                <a:solidFill>
-                  <a:srgbClr val="000000"/>
-                </a:solidFill>
-                <a:latin typeface="Consolas" pitchFamily="49" charset="0"/>
-              </a:rPr>
-              <a:t>                 | </a:t>
-            </a:r>
-            <a:r>
-              <a:rPr lang="de-DE" dirty="0" err="1" smtClean="0">
-                <a:solidFill>
-                  <a:srgbClr val="0000C0"/>
-                </a:solidFill>
-                <a:latin typeface="Consolas" pitchFamily="49" charset="0"/>
-              </a:rPr>
-              <a:t>description</a:t>
-            </a:r>
-            <a:endParaRPr lang="de-DE" dirty="0" smtClean="0">
-              <a:solidFill>
-                <a:srgbClr val="0000C0"/>
-              </a:solidFill>
-              <a:latin typeface="Consolas" pitchFamily="49" charset="0"/>
-            </a:endParaRPr>
-          </a:p>
-          <a:p>
-            <a:r>
-              <a:rPr lang="en-US" dirty="0" smtClean="0">
-                <a:solidFill>
-                  <a:srgbClr val="000000"/>
-                </a:solidFill>
-                <a:latin typeface="Consolas" pitchFamily="49" charset="0"/>
-              </a:rPr>
-              <a:t>  </a:t>
-            </a:r>
-            <a:r>
-              <a:rPr lang="en-US" i="1" dirty="0" smtClean="0">
-                <a:solidFill>
-                  <a:srgbClr val="0000C0"/>
-                </a:solidFill>
-                <a:latin typeface="Consolas" pitchFamily="49" charset="0"/>
-              </a:rPr>
-              <a:t>SWD</a:t>
-            </a:r>
-            <a:r>
-              <a:rPr lang="en-US" i="1" dirty="0" smtClean="0">
-                <a:solidFill>
-                  <a:srgbClr val="000000"/>
-                </a:solidFill>
-                <a:latin typeface="Consolas" pitchFamily="49" charset="0"/>
-              </a:rPr>
-              <a:t> </a:t>
-            </a:r>
-            <a:r>
-              <a:rPr lang="en-US" dirty="0" smtClean="0">
-                <a:solidFill>
-                  <a:srgbClr val="000000"/>
-                </a:solidFill>
-                <a:latin typeface="Consolas" pitchFamily="49" charset="0"/>
-              </a:rPr>
-              <a:t>| </a:t>
-            </a:r>
-            <a:r>
-              <a:rPr lang="en-US" dirty="0" smtClean="0">
-                <a:solidFill>
-                  <a:srgbClr val="FF00CC"/>
-                </a:solidFill>
-                <a:latin typeface="Consolas" pitchFamily="49" charset="0"/>
-              </a:rPr>
-              <a:t>"Software Developer"</a:t>
-            </a:r>
-            <a:r>
-              <a:rPr lang="en-US" dirty="0" smtClean="0">
-                <a:solidFill>
-                  <a:srgbClr val="000000"/>
-                </a:solidFill>
-                <a:latin typeface="Consolas" pitchFamily="49" charset="0"/>
-              </a:rPr>
-              <a:t>  | </a:t>
-            </a:r>
-            <a:r>
-              <a:rPr lang="en-US" dirty="0" smtClean="0">
-                <a:solidFill>
-                  <a:srgbClr val="FF00CC"/>
-                </a:solidFill>
-                <a:latin typeface="Consolas" pitchFamily="49" charset="0"/>
-              </a:rPr>
-              <a:t>"Creating software</a:t>
-            </a:r>
-            <a:r>
-              <a:rPr lang="de-DE" dirty="0" smtClean="0">
-                <a:solidFill>
-                  <a:srgbClr val="FF00CC"/>
-                </a:solidFill>
-                <a:latin typeface="Consolas" pitchFamily="49" charset="0"/>
-              </a:rPr>
-              <a:t>"</a:t>
-            </a:r>
-            <a:endParaRPr lang="en-US" dirty="0" smtClean="0">
-              <a:solidFill>
-                <a:srgbClr val="FF00CC"/>
-              </a:solidFill>
-              <a:latin typeface="Consolas" pitchFamily="49" charset="0"/>
-            </a:endParaRPr>
-          </a:p>
-          <a:p>
-            <a:r>
-              <a:rPr lang="en-US" dirty="0" smtClean="0">
-                <a:solidFill>
-                  <a:srgbClr val="000000"/>
-                </a:solidFill>
-                <a:latin typeface="Consolas" pitchFamily="49" charset="0"/>
-              </a:rPr>
-              <a:t>  </a:t>
-            </a:r>
-            <a:r>
-              <a:rPr lang="en-US" i="1" dirty="0" smtClean="0">
-                <a:solidFill>
-                  <a:srgbClr val="0000C0"/>
-                </a:solidFill>
-                <a:latin typeface="Consolas" pitchFamily="49" charset="0"/>
-              </a:rPr>
-              <a:t>SWT</a:t>
-            </a:r>
-            <a:r>
-              <a:rPr lang="en-US" i="1" dirty="0" smtClean="0">
-                <a:solidFill>
-                  <a:srgbClr val="000000"/>
-                </a:solidFill>
-                <a:latin typeface="Consolas" pitchFamily="49" charset="0"/>
-              </a:rPr>
-              <a:t> </a:t>
-            </a:r>
-            <a:r>
-              <a:rPr lang="en-US" dirty="0" smtClean="0">
-                <a:solidFill>
-                  <a:srgbClr val="000000"/>
-                </a:solidFill>
-                <a:latin typeface="Consolas" pitchFamily="49" charset="0"/>
-              </a:rPr>
-              <a:t>| </a:t>
-            </a:r>
-            <a:r>
-              <a:rPr lang="en-US" dirty="0" smtClean="0">
-                <a:solidFill>
-                  <a:srgbClr val="FF00CC"/>
-                </a:solidFill>
-                <a:latin typeface="Consolas" pitchFamily="49" charset="0"/>
-              </a:rPr>
-              <a:t>"Software Tester"</a:t>
-            </a:r>
-            <a:r>
-              <a:rPr lang="en-US" dirty="0" smtClean="0">
-                <a:solidFill>
-                  <a:srgbClr val="000000"/>
-                </a:solidFill>
-                <a:latin typeface="Consolas" pitchFamily="49" charset="0"/>
-              </a:rPr>
-              <a:t>     | </a:t>
-            </a:r>
-            <a:r>
-              <a:rPr lang="en-US" dirty="0" smtClean="0">
-                <a:solidFill>
-                  <a:srgbClr val="FF00CC"/>
-                </a:solidFill>
-                <a:latin typeface="Consolas" pitchFamily="49" charset="0"/>
-              </a:rPr>
-              <a:t>"Testing software</a:t>
-            </a:r>
-            <a:r>
-              <a:rPr lang="de-DE" dirty="0" smtClean="0">
-                <a:solidFill>
-                  <a:srgbClr val="FF00CC"/>
-                </a:solidFill>
-                <a:latin typeface="Consolas" pitchFamily="49" charset="0"/>
-              </a:rPr>
-              <a:t>"</a:t>
-            </a:r>
-            <a:endParaRPr lang="en-US" dirty="0" smtClean="0">
-              <a:solidFill>
-                <a:srgbClr val="FF00CC"/>
-              </a:solidFill>
-              <a:latin typeface="Consolas" pitchFamily="49" charset="0"/>
-            </a:endParaRPr>
-          </a:p>
-          <a:p>
-            <a:r>
-              <a:rPr lang="en-US" dirty="0" smtClean="0">
-                <a:solidFill>
-                  <a:srgbClr val="000000"/>
-                </a:solidFill>
-                <a:latin typeface="Consolas" pitchFamily="49" charset="0"/>
-              </a:rPr>
-              <a:t>  </a:t>
-            </a:r>
-            <a:r>
-              <a:rPr lang="en-US" i="1" dirty="0" smtClean="0">
-                <a:solidFill>
-                  <a:srgbClr val="0000C0"/>
-                </a:solidFill>
-                <a:latin typeface="Consolas" pitchFamily="49" charset="0"/>
-              </a:rPr>
-              <a:t>TM</a:t>
-            </a:r>
-            <a:r>
-              <a:rPr lang="en-US" i="1" dirty="0" smtClean="0">
-                <a:solidFill>
-                  <a:srgbClr val="000000"/>
-                </a:solidFill>
-                <a:latin typeface="Consolas" pitchFamily="49" charset="0"/>
-              </a:rPr>
-              <a:t>  </a:t>
-            </a:r>
-            <a:r>
-              <a:rPr lang="en-US" dirty="0" smtClean="0">
-                <a:solidFill>
-                  <a:srgbClr val="000000"/>
-                </a:solidFill>
-                <a:latin typeface="Consolas" pitchFamily="49" charset="0"/>
-              </a:rPr>
-              <a:t>| </a:t>
-            </a:r>
-            <a:r>
-              <a:rPr lang="en-US" dirty="0" smtClean="0">
-                <a:solidFill>
-                  <a:srgbClr val="FF00CC"/>
-                </a:solidFill>
-                <a:latin typeface="Consolas" pitchFamily="49" charset="0"/>
-              </a:rPr>
-              <a:t>"Team Manager"</a:t>
-            </a:r>
-            <a:r>
-              <a:rPr lang="en-US" dirty="0" smtClean="0">
-                <a:solidFill>
-                  <a:srgbClr val="000000"/>
-                </a:solidFill>
-                <a:latin typeface="Consolas" pitchFamily="49" charset="0"/>
-              </a:rPr>
-              <a:t>        | </a:t>
-            </a:r>
-            <a:r>
-              <a:rPr lang="en-US" dirty="0" smtClean="0">
-                <a:solidFill>
-                  <a:srgbClr val="FF00CC"/>
-                </a:solidFill>
-                <a:latin typeface="Consolas" pitchFamily="49" charset="0"/>
-              </a:rPr>
-              <a:t>"Makes the world go round</a:t>
-            </a:r>
-            <a:r>
-              <a:rPr lang="de-DE" dirty="0" smtClean="0">
-                <a:solidFill>
-                  <a:srgbClr val="FF00CC"/>
-                </a:solidFill>
-                <a:latin typeface="Consolas" pitchFamily="49" charset="0"/>
-              </a:rPr>
-              <a:t>"</a:t>
-            </a:r>
-            <a:endParaRPr lang="en-US" dirty="0" smtClean="0">
-              <a:solidFill>
-                <a:srgbClr val="FF00CC"/>
-              </a:solidFill>
-              <a:latin typeface="Consolas" pitchFamily="49" charset="0"/>
-            </a:endParaRPr>
-          </a:p>
-          <a:p>
-            <a:r>
-              <a:rPr lang="de-DE" dirty="0" smtClean="0">
-                <a:solidFill>
-                  <a:srgbClr val="000000"/>
-                </a:solidFill>
-                <a:latin typeface="Consolas" pitchFamily="49" charset="0"/>
-              </a:rPr>
-              <a:t>}</a:t>
-            </a:r>
-          </a:p>
-          <a:p>
-            <a:endParaRPr lang="de-DE" dirty="0" smtClean="0">
-              <a:latin typeface="Consolas" pitchFamily="49" charset="0"/>
-            </a:endParaRPr>
-          </a:p>
-          <a:p>
-            <a:r>
-              <a:rPr lang="de-DE" dirty="0" err="1" smtClean="0">
-                <a:solidFill>
-                  <a:srgbClr val="0000C0"/>
-                </a:solidFill>
-                <a:latin typeface="Consolas" pitchFamily="49" charset="0"/>
-              </a:rPr>
-              <a:t>personsTable</a:t>
-            </a:r>
-            <a:r>
-              <a:rPr lang="de-DE" dirty="0" err="1" smtClean="0">
-                <a:solidFill>
-                  <a:srgbClr val="000000"/>
-                </a:solidFill>
-                <a:latin typeface="Consolas" pitchFamily="49" charset="0"/>
-              </a:rPr>
-              <a:t>.rows</a:t>
-            </a:r>
-            <a:r>
-              <a:rPr lang="de-DE" dirty="0" smtClean="0">
-                <a:solidFill>
-                  <a:srgbClr val="000000"/>
-                </a:solidFill>
-                <a:latin typeface="Consolas" pitchFamily="49" charset="0"/>
-              </a:rPr>
-              <a:t> {</a:t>
-            </a:r>
-          </a:p>
-          <a:p>
-            <a:r>
-              <a:rPr lang="de-DE" dirty="0" smtClean="0">
-                <a:solidFill>
-                  <a:srgbClr val="000000"/>
-                </a:solidFill>
-                <a:latin typeface="Consolas" pitchFamily="49" charset="0"/>
-              </a:rPr>
-              <a:t>  </a:t>
-            </a:r>
-            <a:r>
-              <a:rPr lang="de-DE" dirty="0" smtClean="0">
-                <a:solidFill>
-                  <a:srgbClr val="0000C0"/>
-                </a:solidFill>
-                <a:latin typeface="Consolas" pitchFamily="49" charset="0"/>
-              </a:rPr>
-              <a:t>REF</a:t>
-            </a:r>
-            <a:r>
-              <a:rPr lang="de-DE" dirty="0" smtClean="0">
-                <a:solidFill>
-                  <a:srgbClr val="000000"/>
-                </a:solidFill>
-                <a:latin typeface="Consolas" pitchFamily="49" charset="0"/>
-              </a:rPr>
-              <a:t>        | </a:t>
-            </a:r>
-            <a:r>
-              <a:rPr lang="de-DE" dirty="0" err="1" smtClean="0">
-                <a:solidFill>
-                  <a:srgbClr val="0000C0"/>
-                </a:solidFill>
-                <a:latin typeface="Consolas" pitchFamily="49" charset="0"/>
-              </a:rPr>
-              <a:t>first_name</a:t>
-            </a:r>
-            <a:r>
-              <a:rPr lang="de-DE" dirty="0" smtClean="0">
-                <a:solidFill>
-                  <a:srgbClr val="000000"/>
-                </a:solidFill>
-                <a:latin typeface="Consolas" pitchFamily="49" charset="0"/>
-              </a:rPr>
-              <a:t>   | </a:t>
-            </a:r>
-            <a:r>
-              <a:rPr lang="de-DE" dirty="0" err="1" smtClean="0">
-                <a:solidFill>
-                  <a:srgbClr val="0000C0"/>
-                </a:solidFill>
-                <a:latin typeface="Consolas" pitchFamily="49" charset="0"/>
-              </a:rPr>
-              <a:t>name</a:t>
-            </a:r>
-            <a:endParaRPr lang="de-DE" dirty="0" smtClean="0">
-              <a:solidFill>
-                <a:srgbClr val="0000C0"/>
-              </a:solidFill>
-              <a:latin typeface="Consolas" pitchFamily="49" charset="0"/>
-            </a:endParaRPr>
-          </a:p>
-          <a:p>
-            <a:r>
-              <a:rPr lang="de-DE" dirty="0" smtClean="0">
-                <a:solidFill>
-                  <a:srgbClr val="000000"/>
-                </a:solidFill>
-                <a:latin typeface="Consolas" pitchFamily="49" charset="0"/>
-              </a:rPr>
-              <a:t>  </a:t>
-            </a:r>
-            <a:r>
-              <a:rPr lang="de-DE" i="1" dirty="0" smtClean="0">
-                <a:solidFill>
-                  <a:srgbClr val="0000C0"/>
-                </a:solidFill>
-                <a:latin typeface="Consolas" pitchFamily="49" charset="0"/>
-              </a:rPr>
-              <a:t>KAULBERSCH</a:t>
-            </a:r>
-            <a:r>
-              <a:rPr lang="de-DE" i="1" dirty="0" smtClean="0">
-                <a:solidFill>
-                  <a:srgbClr val="000000"/>
-                </a:solidFill>
-                <a:latin typeface="Consolas" pitchFamily="49" charset="0"/>
-              </a:rPr>
-              <a:t> </a:t>
-            </a:r>
-            <a:r>
-              <a:rPr lang="de-DE" dirty="0" smtClean="0">
-                <a:solidFill>
-                  <a:srgbClr val="000000"/>
-                </a:solidFill>
-                <a:latin typeface="Consolas" pitchFamily="49" charset="0"/>
-              </a:rPr>
-              <a:t>| </a:t>
-            </a:r>
-            <a:r>
-              <a:rPr lang="de-DE" dirty="0" smtClean="0">
-                <a:solidFill>
-                  <a:srgbClr val="FF00CC"/>
-                </a:solidFill>
-                <a:latin typeface="Consolas" pitchFamily="49" charset="0"/>
-              </a:rPr>
-              <a:t>"Dennis"</a:t>
-            </a:r>
-            <a:r>
-              <a:rPr lang="de-DE" dirty="0" smtClean="0">
-                <a:solidFill>
-                  <a:srgbClr val="000000"/>
-                </a:solidFill>
-                <a:latin typeface="Consolas" pitchFamily="49" charset="0"/>
-              </a:rPr>
-              <a:t>     | </a:t>
-            </a:r>
-            <a:r>
-              <a:rPr lang="de-DE" dirty="0" smtClean="0">
-                <a:solidFill>
-                  <a:srgbClr val="FF00CC"/>
-                </a:solidFill>
-                <a:latin typeface="Consolas" pitchFamily="49" charset="0"/>
-              </a:rPr>
-              <a:t>"</a:t>
-            </a:r>
-            <a:r>
-              <a:rPr lang="de-DE" dirty="0" err="1" smtClean="0">
-                <a:solidFill>
-                  <a:srgbClr val="FF00CC"/>
-                </a:solidFill>
-                <a:latin typeface="Consolas" pitchFamily="49" charset="0"/>
-              </a:rPr>
-              <a:t>Kaulbersch</a:t>
-            </a:r>
-            <a:r>
-              <a:rPr lang="de-DE" dirty="0" smtClean="0">
-                <a:solidFill>
-                  <a:srgbClr val="FF00CC"/>
-                </a:solidFill>
-                <a:latin typeface="Consolas" pitchFamily="49" charset="0"/>
-              </a:rPr>
-              <a:t>"</a:t>
-            </a:r>
-            <a:endParaRPr lang="de-DE" dirty="0" smtClean="0">
-              <a:solidFill>
-                <a:srgbClr val="FF00CC"/>
-              </a:solidFill>
-              <a:latin typeface="Consolas" pitchFamily="49" charset="0"/>
-            </a:endParaRPr>
-          </a:p>
-          <a:p>
-            <a:r>
-              <a:rPr lang="de-DE" dirty="0" smtClean="0">
-                <a:solidFill>
-                  <a:srgbClr val="000000"/>
-                </a:solidFill>
-                <a:latin typeface="Consolas" pitchFamily="49" charset="0"/>
-              </a:rPr>
-              <a:t>  </a:t>
-            </a:r>
-            <a:r>
-              <a:rPr lang="de-DE" i="1" dirty="0" smtClean="0">
-                <a:solidFill>
-                  <a:srgbClr val="0000C0"/>
-                </a:solidFill>
-                <a:latin typeface="Consolas" pitchFamily="49" charset="0"/>
-              </a:rPr>
-              <a:t>GUITTON</a:t>
-            </a:r>
-            <a:r>
-              <a:rPr lang="de-DE" i="1" dirty="0" smtClean="0">
-                <a:solidFill>
-                  <a:srgbClr val="000000"/>
-                </a:solidFill>
-                <a:latin typeface="Consolas" pitchFamily="49" charset="0"/>
-              </a:rPr>
-              <a:t>    </a:t>
-            </a:r>
-            <a:r>
-              <a:rPr lang="de-DE" dirty="0" smtClean="0">
-                <a:solidFill>
-                  <a:srgbClr val="000000"/>
-                </a:solidFill>
-                <a:latin typeface="Consolas" pitchFamily="49" charset="0"/>
-              </a:rPr>
-              <a:t>| </a:t>
-            </a:r>
-            <a:r>
-              <a:rPr lang="de-DE" dirty="0" smtClean="0">
-                <a:solidFill>
-                  <a:srgbClr val="FF00CC"/>
-                </a:solidFill>
-                <a:latin typeface="Consolas" pitchFamily="49" charset="0"/>
-              </a:rPr>
-              <a:t>"Julien"</a:t>
-            </a:r>
-            <a:r>
-              <a:rPr lang="de-DE" dirty="0" smtClean="0">
-                <a:solidFill>
-                  <a:srgbClr val="000000"/>
-                </a:solidFill>
-                <a:latin typeface="Consolas" pitchFamily="49" charset="0"/>
-              </a:rPr>
-              <a:t>     | </a:t>
-            </a:r>
-            <a:r>
-              <a:rPr lang="de-DE" dirty="0" smtClean="0">
-                <a:solidFill>
-                  <a:srgbClr val="FF00CC"/>
-                </a:solidFill>
-                <a:latin typeface="Consolas" pitchFamily="49" charset="0"/>
-              </a:rPr>
-              <a:t>"Guitton</a:t>
-            </a:r>
-            <a:r>
-              <a:rPr lang="de-DE" dirty="0" smtClean="0">
-                <a:solidFill>
-                  <a:srgbClr val="FF00CC"/>
-                </a:solidFill>
-                <a:latin typeface="Consolas" pitchFamily="49" charset="0"/>
-              </a:rPr>
-              <a:t>"</a:t>
-            </a:r>
-            <a:endParaRPr lang="de-DE" dirty="0" smtClean="0">
-              <a:solidFill>
-                <a:srgbClr val="FF00CC"/>
-              </a:solidFill>
-              <a:latin typeface="Consolas" pitchFamily="49" charset="0"/>
-            </a:endParaRPr>
-          </a:p>
-          <a:p>
-            <a:r>
-              <a:rPr lang="de-DE" dirty="0" smtClean="0">
-                <a:solidFill>
-                  <a:srgbClr val="000000"/>
-                </a:solidFill>
-                <a:latin typeface="Consolas" pitchFamily="49" charset="0"/>
-              </a:rPr>
-              <a:t>  </a:t>
-            </a:r>
-            <a:r>
-              <a:rPr lang="de-DE" i="1" dirty="0" smtClean="0">
-                <a:solidFill>
-                  <a:srgbClr val="0000C0"/>
-                </a:solidFill>
-                <a:latin typeface="Consolas" pitchFamily="49" charset="0"/>
-              </a:rPr>
-              <a:t>BARANOWSKI</a:t>
-            </a:r>
-            <a:r>
-              <a:rPr lang="de-DE" i="1" dirty="0" smtClean="0">
-                <a:solidFill>
-                  <a:srgbClr val="000000"/>
-                </a:solidFill>
-                <a:latin typeface="Consolas" pitchFamily="49" charset="0"/>
-              </a:rPr>
-              <a:t> </a:t>
-            </a:r>
-            <a:r>
-              <a:rPr lang="de-DE" dirty="0" smtClean="0">
-                <a:solidFill>
-                  <a:srgbClr val="000000"/>
-                </a:solidFill>
-                <a:latin typeface="Consolas" pitchFamily="49" charset="0"/>
-              </a:rPr>
-              <a:t>| </a:t>
-            </a:r>
-            <a:r>
-              <a:rPr lang="de-DE" dirty="0" smtClean="0">
-                <a:solidFill>
-                  <a:srgbClr val="FF00CC"/>
-                </a:solidFill>
-                <a:latin typeface="Consolas" pitchFamily="49" charset="0"/>
-              </a:rPr>
-              <a:t>"Christian</a:t>
-            </a:r>
-            <a:r>
-              <a:rPr lang="de-DE" dirty="0" smtClean="0">
-                <a:solidFill>
-                  <a:srgbClr val="FF00CC"/>
-                </a:solidFill>
-                <a:latin typeface="Consolas" pitchFamily="49" charset="0"/>
-              </a:rPr>
-              <a:t>"</a:t>
-            </a:r>
-            <a:r>
-              <a:rPr lang="de-DE" dirty="0" smtClean="0">
-                <a:solidFill>
-                  <a:srgbClr val="000000"/>
-                </a:solidFill>
-                <a:latin typeface="Consolas" pitchFamily="49" charset="0"/>
-              </a:rPr>
-              <a:t>  | </a:t>
-            </a:r>
-            <a:r>
-              <a:rPr lang="de-DE" dirty="0" smtClean="0">
-                <a:solidFill>
-                  <a:srgbClr val="FF00CC"/>
-                </a:solidFill>
-                <a:latin typeface="Consolas" pitchFamily="49" charset="0"/>
-              </a:rPr>
-              <a:t>"Baranowski</a:t>
-            </a:r>
-            <a:r>
-              <a:rPr lang="de-DE" dirty="0" smtClean="0">
-                <a:solidFill>
-                  <a:srgbClr val="FF00CC"/>
-                </a:solidFill>
-                <a:latin typeface="Consolas" pitchFamily="49" charset="0"/>
-              </a:rPr>
-              <a:t>"</a:t>
-            </a:r>
-            <a:endParaRPr lang="de-DE" dirty="0" smtClean="0">
-              <a:solidFill>
-                <a:srgbClr val="FF00CC"/>
-              </a:solidFill>
-              <a:latin typeface="Consolas" pitchFamily="49" charset="0"/>
-            </a:endParaRPr>
-          </a:p>
-          <a:p>
-            <a:r>
-              <a:rPr lang="de-DE" dirty="0" smtClean="0">
-                <a:solidFill>
-                  <a:srgbClr val="000000"/>
-                </a:solidFill>
-                <a:latin typeface="Consolas" pitchFamily="49" charset="0"/>
-              </a:rPr>
-              <a:t>}</a:t>
-            </a:r>
-            <a:endParaRPr lang="de-DE" dirty="0">
-              <a:latin typeface="Consolas" pitchFamily="49" charset="0"/>
-            </a:endParaRPr>
+              <a:t>Übersichtliche Darstellung</a:t>
+            </a:r>
+          </a:p>
+          <a:p>
+            <a:r>
+              <a:rPr lang="de-DE" dirty="0" smtClean="0"/>
+              <a:t>Beziehungen übersichtlich modellieren</a:t>
+            </a:r>
           </a:p>
         </p:txBody>
       </p:sp>
@@ -5703,7 +5471,15 @@
           <a:p>
             <a:r>
               <a:rPr lang="de-DE" dirty="0" smtClean="0"/>
-              <a:t>Features der DSL</a:t>
+              <a:t>STU Table </a:t>
+            </a:r>
+            <a:r>
+              <a:rPr lang="de-DE" dirty="0" err="1" smtClean="0"/>
+              <a:t>Builder</a:t>
+            </a:r>
+            <a:r>
+              <a:rPr lang="de-DE" dirty="0" smtClean="0"/>
+              <a:t> DSL</a:t>
             </a:r>
             <a:endParaRPr lang="de-DE" dirty="0"/>
           </a:p>
@@ -5726,50 +5502,686 @@
           <a:p>
             <a:r>
               <a:rPr lang="de-DE" dirty="0" smtClean="0"/>
-              <a:t>IDE-Integration</a:t>
-            </a:r>
-          </a:p>
-          <a:p>
-            <a:r>
-              <a:rPr lang="de-DE" dirty="0" smtClean="0"/>
-              <a:t>Referenzen und Scopes</a:t>
-            </a:r>
-          </a:p>
-          <a:p>
-            <a:r>
-              <a:rPr lang="de-DE" dirty="0" smtClean="0"/>
-              <a:t>Komposition von </a:t>
-            </a:r>
-            <a:r>
-              <a:rPr lang="de-DE" dirty="0" err="1" smtClean="0"/>
-              <a:t>DataSets</a:t>
-            </a:r>
-            <a:endParaRPr lang="de-DE" dirty="0" smtClean="0"/>
-          </a:p>
-          <a:p>
-            <a:r>
-              <a:rPr lang="de-DE" dirty="0" smtClean="0"/>
-              <a:t>Automatische Typ-Konvertierungen</a:t>
-            </a:r>
-          </a:p>
-          <a:p>
-            <a:r>
-              <a:rPr lang="de-DE" dirty="0" smtClean="0"/>
-              <a:t>Unterstützung bei fehlerhaften Daten</a:t>
-            </a:r>
-          </a:p>
-          <a:p>
-            <a:r>
-              <a:rPr lang="de-DE" dirty="0" err="1" smtClean="0"/>
-              <a:t>JavaDoc</a:t>
-            </a:r>
-            <a:endParaRPr lang="de-DE" dirty="0" smtClean="0"/>
-          </a:p>
-          <a:p>
-            <a:endParaRPr lang="de-DE" dirty="0" smtClean="0"/>
-          </a:p>
-          <a:p>
-            <a:endParaRPr lang="de-DE" dirty="0"/>
+              <a:t>Inspiriert von Spock</a:t>
+            </a:r>
+          </a:p>
+        </p:txBody>
+      </p:sp>
+      <p:sp>
+        <p:nvSpPr>
+          <p:cNvPr id="4" name="Rechteck 3"/>
+          <p:cNvSpPr/>
+          <p:nvPr/>
+        </p:nvSpPr>
+        <p:spPr>
+          <a:xfrm>
+            <a:off x="899592" y="2327969"/>
+            <a:ext cx="7488832" cy="3693319"/>
+          </a:xfrm>
+          <a:prstGeom prst="rect">
+            <a:avLst/>
+          </a:prstGeom>
+        </p:spPr>
+        <p:txBody>
+          <a:bodyPr wrap="square">
+            <a:spAutoFit/>
+          </a:bodyPr>
+          <a:lstStyle/>
+          <a:p>
+            <a:r>
+              <a:rPr lang="de-DE" dirty="0" err="1" smtClean="0">
+                <a:solidFill>
+                  <a:srgbClr val="0000C0"/>
+                </a:solidFill>
+                <a:latin typeface="Consolas" pitchFamily="49" charset="0"/>
+              </a:rPr>
+              <a:t>jobsTable</a:t>
+            </a:r>
+            <a:r>
+              <a:rPr lang="de-DE" dirty="0" err="1" smtClean="0">
+                <a:solidFill>
+                  <a:srgbClr val="000000"/>
+                </a:solidFill>
+                <a:latin typeface="Consolas" pitchFamily="49" charset="0"/>
+              </a:rPr>
+              <a:t>.rows</a:t>
+            </a:r>
+            <a:r>
+              <a:rPr lang="de-DE" dirty="0" smtClean="0">
+                <a:solidFill>
+                  <a:srgbClr val="000000"/>
+                </a:solidFill>
+                <a:latin typeface="Consolas" pitchFamily="49" charset="0"/>
+              </a:rPr>
+              <a:t> {</a:t>
+            </a:r>
+          </a:p>
+          <a:p>
+            <a:r>
+              <a:rPr lang="de-DE" dirty="0" smtClean="0">
+                <a:solidFill>
+                  <a:srgbClr val="0000C0"/>
+                </a:solidFill>
+                <a:latin typeface="Consolas" pitchFamily="49" charset="0"/>
+              </a:rPr>
+              <a:t>  REF</a:t>
+            </a:r>
+            <a:r>
+              <a:rPr lang="de-DE" dirty="0" smtClean="0">
+                <a:solidFill>
+                  <a:srgbClr val="000000"/>
+                </a:solidFill>
+                <a:latin typeface="Consolas" pitchFamily="49" charset="0"/>
+              </a:rPr>
+              <a:t> | </a:t>
+            </a:r>
+            <a:r>
+              <a:rPr lang="de-DE" dirty="0" smtClean="0">
+                <a:solidFill>
+                  <a:srgbClr val="0000C0"/>
+                </a:solidFill>
+                <a:latin typeface="Consolas" pitchFamily="49" charset="0"/>
+              </a:rPr>
+              <a:t>title</a:t>
+            </a:r>
+            <a:r>
+              <a:rPr lang="de-DE" dirty="0" smtClean="0">
+                <a:solidFill>
+                  <a:srgbClr val="000000"/>
+                </a:solidFill>
+                <a:latin typeface="Consolas" pitchFamily="49" charset="0"/>
+              </a:rPr>
+              <a:t>                 | </a:t>
+            </a:r>
+            <a:r>
+              <a:rPr lang="de-DE" dirty="0" err="1" smtClean="0">
+                <a:solidFill>
+                  <a:srgbClr val="0000C0"/>
+                </a:solidFill>
+                <a:latin typeface="Consolas" pitchFamily="49" charset="0"/>
+              </a:rPr>
+              <a:t>description</a:t>
+            </a:r>
+            <a:endParaRPr lang="de-DE" dirty="0" smtClean="0">
+              <a:solidFill>
+                <a:srgbClr val="0000C0"/>
+              </a:solidFill>
+              <a:latin typeface="Consolas" pitchFamily="49" charset="0"/>
+            </a:endParaRPr>
+          </a:p>
+          <a:p>
+            <a:r>
+              <a:rPr lang="en-US" dirty="0" smtClean="0">
+                <a:solidFill>
+                  <a:srgbClr val="000000"/>
+                </a:solidFill>
+                <a:latin typeface="Consolas" pitchFamily="49" charset="0"/>
+              </a:rPr>
+              <a:t>  </a:t>
+            </a:r>
+            <a:r>
+              <a:rPr lang="en-US" i="1" dirty="0" smtClean="0">
+                <a:solidFill>
+                  <a:srgbClr val="0000C0"/>
+                </a:solidFill>
+                <a:latin typeface="Consolas" pitchFamily="49" charset="0"/>
+              </a:rPr>
+              <a:t>SWD</a:t>
+            </a:r>
+            <a:r>
+              <a:rPr lang="en-US" i="1" dirty="0" smtClean="0">
+                <a:solidFill>
+                  <a:srgbClr val="000000"/>
+                </a:solidFill>
+                <a:latin typeface="Consolas" pitchFamily="49" charset="0"/>
+              </a:rPr>
+              <a:t> </a:t>
+            </a:r>
+            <a:r>
+              <a:rPr lang="en-US" dirty="0" smtClean="0">
+                <a:solidFill>
+                  <a:srgbClr val="000000"/>
+                </a:solidFill>
+                <a:latin typeface="Consolas" pitchFamily="49" charset="0"/>
+              </a:rPr>
+              <a:t>| </a:t>
+            </a:r>
+            <a:r>
+              <a:rPr lang="en-US" dirty="0" smtClean="0">
+                <a:solidFill>
+                  <a:srgbClr val="FF00CC"/>
+                </a:solidFill>
+                <a:latin typeface="Consolas" pitchFamily="49" charset="0"/>
+              </a:rPr>
+              <a:t>"Software Developer"</a:t>
+            </a:r>
+            <a:r>
+              <a:rPr lang="en-US" dirty="0" smtClean="0">
+                <a:solidFill>
+                  <a:srgbClr val="000000"/>
+                </a:solidFill>
+                <a:latin typeface="Consolas" pitchFamily="49" charset="0"/>
+              </a:rPr>
+              <a:t>  | </a:t>
+            </a:r>
+            <a:r>
+              <a:rPr lang="en-US" dirty="0" smtClean="0">
+                <a:solidFill>
+                  <a:srgbClr val="FF00CC"/>
+                </a:solidFill>
+                <a:latin typeface="Consolas" pitchFamily="49" charset="0"/>
+              </a:rPr>
+              <a:t>"Creating software</a:t>
+            </a:r>
+            <a:r>
+              <a:rPr lang="de-DE" dirty="0" smtClean="0">
+                <a:solidFill>
+                  <a:srgbClr val="FF00CC"/>
+                </a:solidFill>
+                <a:latin typeface="Consolas" pitchFamily="49" charset="0"/>
+              </a:rPr>
+              <a:t>"</a:t>
+            </a:r>
+            <a:endParaRPr lang="en-US" dirty="0" smtClean="0">
+              <a:solidFill>
+                <a:srgbClr val="FF00CC"/>
+              </a:solidFill>
+              <a:latin typeface="Consolas" pitchFamily="49" charset="0"/>
+            </a:endParaRPr>
+          </a:p>
+          <a:p>
+            <a:r>
+              <a:rPr lang="en-US" dirty="0" smtClean="0">
+                <a:solidFill>
+                  <a:srgbClr val="000000"/>
+                </a:solidFill>
+                <a:latin typeface="Consolas" pitchFamily="49" charset="0"/>
+              </a:rPr>
+              <a:t>  </a:t>
+            </a:r>
+            <a:r>
+              <a:rPr lang="en-US" i="1" dirty="0" smtClean="0">
+                <a:solidFill>
+                  <a:srgbClr val="0000C0"/>
+                </a:solidFill>
+                <a:latin typeface="Consolas" pitchFamily="49" charset="0"/>
+              </a:rPr>
+              <a:t>SWT</a:t>
+            </a:r>
+            <a:r>
+              <a:rPr lang="en-US" i="1" dirty="0" smtClean="0">
+                <a:solidFill>
+                  <a:srgbClr val="000000"/>
+                </a:solidFill>
+                <a:latin typeface="Consolas" pitchFamily="49" charset="0"/>
+              </a:rPr>
+              <a:t> </a:t>
+            </a:r>
+            <a:r>
+              <a:rPr lang="en-US" dirty="0" smtClean="0">
+                <a:solidFill>
+                  <a:srgbClr val="000000"/>
+                </a:solidFill>
+                <a:latin typeface="Consolas" pitchFamily="49" charset="0"/>
+              </a:rPr>
+              <a:t>| </a:t>
+            </a:r>
+            <a:r>
+              <a:rPr lang="en-US" dirty="0" smtClean="0">
+                <a:solidFill>
+                  <a:srgbClr val="FF00CC"/>
+                </a:solidFill>
+                <a:latin typeface="Consolas" pitchFamily="49" charset="0"/>
+              </a:rPr>
+              <a:t>"Software Tester"</a:t>
+            </a:r>
+            <a:r>
+              <a:rPr lang="en-US" dirty="0" smtClean="0">
+                <a:solidFill>
+                  <a:srgbClr val="000000"/>
+                </a:solidFill>
+                <a:latin typeface="Consolas" pitchFamily="49" charset="0"/>
+              </a:rPr>
+              <a:t>     | </a:t>
+            </a:r>
+            <a:r>
+              <a:rPr lang="en-US" dirty="0" smtClean="0">
+                <a:solidFill>
+                  <a:srgbClr val="FF00CC"/>
+                </a:solidFill>
+                <a:latin typeface="Consolas" pitchFamily="49" charset="0"/>
+              </a:rPr>
+              <a:t>"Testing software</a:t>
+            </a:r>
+            <a:r>
+              <a:rPr lang="de-DE" dirty="0" smtClean="0">
+                <a:solidFill>
+                  <a:srgbClr val="FF00CC"/>
+                </a:solidFill>
+                <a:latin typeface="Consolas" pitchFamily="49" charset="0"/>
+              </a:rPr>
+              <a:t>"</a:t>
+            </a:r>
+            <a:endParaRPr lang="en-US" dirty="0" smtClean="0">
+              <a:solidFill>
+                <a:srgbClr val="FF00CC"/>
+              </a:solidFill>
+              <a:latin typeface="Consolas" pitchFamily="49" charset="0"/>
+            </a:endParaRPr>
+          </a:p>
+          <a:p>
+            <a:r>
+              <a:rPr lang="en-US" dirty="0" smtClean="0">
+                <a:solidFill>
+                  <a:srgbClr val="000000"/>
+                </a:solidFill>
+                <a:latin typeface="Consolas" pitchFamily="49" charset="0"/>
+              </a:rPr>
+              <a:t>  </a:t>
+            </a:r>
+            <a:r>
+              <a:rPr lang="en-US" i="1" dirty="0" smtClean="0">
+                <a:solidFill>
+                  <a:srgbClr val="0000C0"/>
+                </a:solidFill>
+                <a:latin typeface="Consolas" pitchFamily="49" charset="0"/>
+              </a:rPr>
+              <a:t>TM</a:t>
+            </a:r>
+            <a:r>
+              <a:rPr lang="en-US" i="1" dirty="0" smtClean="0">
+                <a:solidFill>
+                  <a:srgbClr val="000000"/>
+                </a:solidFill>
+                <a:latin typeface="Consolas" pitchFamily="49" charset="0"/>
+              </a:rPr>
+              <a:t>  </a:t>
+            </a:r>
+            <a:r>
+              <a:rPr lang="en-US" dirty="0" smtClean="0">
+                <a:solidFill>
+                  <a:srgbClr val="000000"/>
+                </a:solidFill>
+                <a:latin typeface="Consolas" pitchFamily="49" charset="0"/>
+              </a:rPr>
+              <a:t>| </a:t>
+            </a:r>
+            <a:r>
+              <a:rPr lang="en-US" dirty="0" smtClean="0">
+                <a:solidFill>
+                  <a:srgbClr val="FF00CC"/>
+                </a:solidFill>
+                <a:latin typeface="Consolas" pitchFamily="49" charset="0"/>
+              </a:rPr>
+              <a:t>"Team Manager"</a:t>
+            </a:r>
+            <a:r>
+              <a:rPr lang="en-US" dirty="0" smtClean="0">
+                <a:solidFill>
+                  <a:srgbClr val="000000"/>
+                </a:solidFill>
+                <a:latin typeface="Consolas" pitchFamily="49" charset="0"/>
+              </a:rPr>
+              <a:t>        | </a:t>
+            </a:r>
+            <a:r>
+              <a:rPr lang="en-US" dirty="0" smtClean="0">
+                <a:solidFill>
+                  <a:srgbClr val="FF00CC"/>
+                </a:solidFill>
+                <a:latin typeface="Consolas" pitchFamily="49" charset="0"/>
+              </a:rPr>
+              <a:t>"Makes the world go round</a:t>
+            </a:r>
+            <a:r>
+              <a:rPr lang="de-DE" dirty="0" smtClean="0">
+                <a:solidFill>
+                  <a:srgbClr val="FF00CC"/>
+                </a:solidFill>
+                <a:latin typeface="Consolas" pitchFamily="49" charset="0"/>
+              </a:rPr>
+              <a:t>"</a:t>
+            </a:r>
+            <a:endParaRPr lang="en-US" dirty="0" smtClean="0">
+              <a:solidFill>
+                <a:srgbClr val="FF00CC"/>
+              </a:solidFill>
+              <a:latin typeface="Consolas" pitchFamily="49" charset="0"/>
+            </a:endParaRPr>
+          </a:p>
+          <a:p>
+            <a:r>
+              <a:rPr lang="de-DE" dirty="0" smtClean="0">
+                <a:solidFill>
+                  <a:srgbClr val="000000"/>
+                </a:solidFill>
+                <a:latin typeface="Consolas" pitchFamily="49" charset="0"/>
+              </a:rPr>
+              <a:t>}</a:t>
+            </a:r>
+          </a:p>
+          <a:p>
+            <a:endParaRPr lang="de-DE" dirty="0" smtClean="0">
+              <a:latin typeface="Consolas" pitchFamily="49" charset="0"/>
+            </a:endParaRPr>
+          </a:p>
+          <a:p>
+            <a:r>
+              <a:rPr lang="de-DE" dirty="0" err="1" smtClean="0">
+                <a:solidFill>
+                  <a:srgbClr val="0000C0"/>
+                </a:solidFill>
+                <a:latin typeface="Consolas" pitchFamily="49" charset="0"/>
+              </a:rPr>
+              <a:t>personsTable</a:t>
+            </a:r>
+            <a:r>
+              <a:rPr lang="de-DE" dirty="0" err="1" smtClean="0">
+                <a:solidFill>
+                  <a:srgbClr val="000000"/>
+                </a:solidFill>
+                <a:latin typeface="Consolas" pitchFamily="49" charset="0"/>
+              </a:rPr>
+              <a:t>.rows</a:t>
+            </a:r>
+            <a:r>
+              <a:rPr lang="de-DE" dirty="0" smtClean="0">
+                <a:solidFill>
+                  <a:srgbClr val="000000"/>
+                </a:solidFill>
+                <a:latin typeface="Consolas" pitchFamily="49" charset="0"/>
+              </a:rPr>
+              <a:t> {</a:t>
+            </a:r>
+          </a:p>
+          <a:p>
+            <a:r>
+              <a:rPr lang="de-DE" dirty="0" smtClean="0">
+                <a:solidFill>
+                  <a:srgbClr val="000000"/>
+                </a:solidFill>
+                <a:latin typeface="Consolas" pitchFamily="49" charset="0"/>
+              </a:rPr>
+              <a:t>  </a:t>
+            </a:r>
+            <a:r>
+              <a:rPr lang="de-DE" dirty="0" smtClean="0">
+                <a:solidFill>
+                  <a:srgbClr val="0000C0"/>
+                </a:solidFill>
+                <a:latin typeface="Consolas" pitchFamily="49" charset="0"/>
+              </a:rPr>
+              <a:t>REF</a:t>
+            </a:r>
+            <a:r>
+              <a:rPr lang="de-DE" dirty="0" smtClean="0">
+                <a:solidFill>
+                  <a:srgbClr val="000000"/>
+                </a:solidFill>
+                <a:latin typeface="Consolas" pitchFamily="49" charset="0"/>
+              </a:rPr>
+              <a:t>        | </a:t>
+            </a:r>
+            <a:r>
+              <a:rPr lang="de-DE" dirty="0" err="1" smtClean="0">
+                <a:solidFill>
+                  <a:srgbClr val="0000C0"/>
+                </a:solidFill>
+                <a:latin typeface="Consolas" pitchFamily="49" charset="0"/>
+              </a:rPr>
+              <a:t>first_name</a:t>
+            </a:r>
+            <a:r>
+              <a:rPr lang="de-DE" dirty="0" smtClean="0">
+                <a:solidFill>
+                  <a:srgbClr val="000000"/>
+                </a:solidFill>
+                <a:latin typeface="Consolas" pitchFamily="49" charset="0"/>
+              </a:rPr>
+              <a:t>   | </a:t>
+            </a:r>
+            <a:r>
+              <a:rPr lang="de-DE" dirty="0" err="1" smtClean="0">
+                <a:solidFill>
+                  <a:srgbClr val="0000C0"/>
+                </a:solidFill>
+                <a:latin typeface="Consolas" pitchFamily="49" charset="0"/>
+              </a:rPr>
+              <a:t>name</a:t>
+            </a:r>
+            <a:endParaRPr lang="de-DE" dirty="0" smtClean="0">
+              <a:solidFill>
+                <a:srgbClr val="0000C0"/>
+              </a:solidFill>
+              <a:latin typeface="Consolas" pitchFamily="49" charset="0"/>
+            </a:endParaRPr>
+          </a:p>
+          <a:p>
+            <a:r>
+              <a:rPr lang="de-DE" dirty="0" smtClean="0">
+                <a:solidFill>
+                  <a:srgbClr val="000000"/>
+                </a:solidFill>
+                <a:latin typeface="Consolas" pitchFamily="49" charset="0"/>
+              </a:rPr>
+              <a:t>  </a:t>
+            </a:r>
+            <a:r>
+              <a:rPr lang="de-DE" i="1" dirty="0" smtClean="0">
+                <a:solidFill>
+                  <a:srgbClr val="0000C0"/>
+                </a:solidFill>
+                <a:latin typeface="Consolas" pitchFamily="49" charset="0"/>
+              </a:rPr>
+              <a:t>KAULBERSCH</a:t>
+            </a:r>
+            <a:r>
+              <a:rPr lang="de-DE" i="1" dirty="0" smtClean="0">
+                <a:solidFill>
+                  <a:srgbClr val="000000"/>
+                </a:solidFill>
+                <a:latin typeface="Consolas" pitchFamily="49" charset="0"/>
+              </a:rPr>
+              <a:t> </a:t>
+            </a:r>
+            <a:r>
+              <a:rPr lang="de-DE" dirty="0" smtClean="0">
+                <a:solidFill>
+                  <a:srgbClr val="000000"/>
+                </a:solidFill>
+                <a:latin typeface="Consolas" pitchFamily="49" charset="0"/>
+              </a:rPr>
+              <a:t>| </a:t>
+            </a:r>
+            <a:r>
+              <a:rPr lang="de-DE" dirty="0" smtClean="0">
+                <a:solidFill>
+                  <a:srgbClr val="FF00CC"/>
+                </a:solidFill>
+                <a:latin typeface="Consolas" pitchFamily="49" charset="0"/>
+              </a:rPr>
+              <a:t>"Dennis"</a:t>
+            </a:r>
+            <a:r>
+              <a:rPr lang="de-DE" dirty="0" smtClean="0">
+                <a:solidFill>
+                  <a:srgbClr val="000000"/>
+                </a:solidFill>
+                <a:latin typeface="Consolas" pitchFamily="49" charset="0"/>
+              </a:rPr>
+              <a:t>     | </a:t>
+            </a:r>
+            <a:r>
+              <a:rPr lang="de-DE" dirty="0" smtClean="0">
+                <a:solidFill>
+                  <a:srgbClr val="FF00CC"/>
+                </a:solidFill>
+                <a:latin typeface="Consolas" pitchFamily="49" charset="0"/>
+              </a:rPr>
+              <a:t>"</a:t>
+            </a:r>
+            <a:r>
+              <a:rPr lang="de-DE" dirty="0" err="1" smtClean="0">
+                <a:solidFill>
+                  <a:srgbClr val="FF00CC"/>
+                </a:solidFill>
+                <a:latin typeface="Consolas" pitchFamily="49" charset="0"/>
+              </a:rPr>
+              <a:t>Kaulbersch</a:t>
+            </a:r>
+            <a:r>
+              <a:rPr lang="de-DE" dirty="0" smtClean="0">
+                <a:solidFill>
+                  <a:srgbClr val="FF00CC"/>
+                </a:solidFill>
+                <a:latin typeface="Consolas" pitchFamily="49" charset="0"/>
+              </a:rPr>
+              <a:t>"</a:t>
+            </a:r>
+          </a:p>
+          <a:p>
+            <a:r>
+              <a:rPr lang="de-DE" dirty="0" smtClean="0">
+                <a:solidFill>
+                  <a:srgbClr val="000000"/>
+                </a:solidFill>
+                <a:latin typeface="Consolas" pitchFamily="49" charset="0"/>
+              </a:rPr>
+              <a:t>  </a:t>
+            </a:r>
+            <a:r>
+              <a:rPr lang="de-DE" i="1" dirty="0" smtClean="0">
+                <a:solidFill>
+                  <a:srgbClr val="0000C0"/>
+                </a:solidFill>
+                <a:latin typeface="Consolas" pitchFamily="49" charset="0"/>
+              </a:rPr>
+              <a:t>GUITTON</a:t>
+            </a:r>
+            <a:r>
+              <a:rPr lang="de-DE" i="1" dirty="0" smtClean="0">
+                <a:solidFill>
+                  <a:srgbClr val="000000"/>
+                </a:solidFill>
+                <a:latin typeface="Consolas" pitchFamily="49" charset="0"/>
+              </a:rPr>
+              <a:t>    </a:t>
+            </a:r>
+            <a:r>
+              <a:rPr lang="de-DE" dirty="0" smtClean="0">
+                <a:solidFill>
+                  <a:srgbClr val="000000"/>
+                </a:solidFill>
+                <a:latin typeface="Consolas" pitchFamily="49" charset="0"/>
+              </a:rPr>
+              <a:t>| </a:t>
+            </a:r>
+            <a:r>
+              <a:rPr lang="de-DE" dirty="0" smtClean="0">
+                <a:solidFill>
+                  <a:srgbClr val="FF00CC"/>
+                </a:solidFill>
+                <a:latin typeface="Consolas" pitchFamily="49" charset="0"/>
+              </a:rPr>
+              <a:t>"Julien"</a:t>
+            </a:r>
+            <a:r>
+              <a:rPr lang="de-DE" dirty="0" smtClean="0">
+                <a:solidFill>
+                  <a:srgbClr val="000000"/>
+                </a:solidFill>
+                <a:latin typeface="Consolas" pitchFamily="49" charset="0"/>
+              </a:rPr>
+              <a:t>     | </a:t>
+            </a:r>
+            <a:r>
+              <a:rPr lang="de-DE" dirty="0" smtClean="0">
+                <a:solidFill>
+                  <a:srgbClr val="FF00CC"/>
+                </a:solidFill>
+                <a:latin typeface="Consolas" pitchFamily="49" charset="0"/>
+              </a:rPr>
+              <a:t>"Guitton"</a:t>
+            </a:r>
+          </a:p>
+          <a:p>
+            <a:r>
+              <a:rPr lang="de-DE" dirty="0" smtClean="0">
+                <a:solidFill>
+                  <a:srgbClr val="000000"/>
+                </a:solidFill>
+                <a:latin typeface="Consolas" pitchFamily="49" charset="0"/>
+              </a:rPr>
+              <a:t>  </a:t>
+            </a:r>
+            <a:r>
+              <a:rPr lang="de-DE" i="1" dirty="0" smtClean="0">
+                <a:solidFill>
+                  <a:srgbClr val="0000C0"/>
+                </a:solidFill>
+                <a:latin typeface="Consolas" pitchFamily="49" charset="0"/>
+              </a:rPr>
+              <a:t>BARANOWSKI</a:t>
+            </a:r>
+            <a:r>
+              <a:rPr lang="de-DE" i="1" dirty="0" smtClean="0">
+                <a:solidFill>
+                  <a:srgbClr val="000000"/>
+                </a:solidFill>
+                <a:latin typeface="Consolas" pitchFamily="49" charset="0"/>
+              </a:rPr>
+              <a:t> </a:t>
+            </a:r>
+            <a:r>
+              <a:rPr lang="de-DE" dirty="0" smtClean="0">
+                <a:solidFill>
+                  <a:srgbClr val="000000"/>
+                </a:solidFill>
+                <a:latin typeface="Consolas" pitchFamily="49" charset="0"/>
+              </a:rPr>
+              <a:t>| </a:t>
+            </a:r>
+            <a:r>
+              <a:rPr lang="de-DE" dirty="0" smtClean="0">
+                <a:solidFill>
+                  <a:srgbClr val="FF00CC"/>
+                </a:solidFill>
+                <a:latin typeface="Consolas" pitchFamily="49" charset="0"/>
+              </a:rPr>
+              <a:t>"Christian"</a:t>
+            </a:r>
+            <a:r>
+              <a:rPr lang="de-DE" dirty="0" smtClean="0">
+                <a:solidFill>
+                  <a:srgbClr val="000000"/>
+                </a:solidFill>
+                <a:latin typeface="Consolas" pitchFamily="49" charset="0"/>
+              </a:rPr>
+              <a:t>  | </a:t>
+            </a:r>
+            <a:r>
+              <a:rPr lang="de-DE" dirty="0" smtClean="0">
+                <a:solidFill>
+                  <a:srgbClr val="FF00CC"/>
+                </a:solidFill>
+                <a:latin typeface="Consolas" pitchFamily="49" charset="0"/>
+              </a:rPr>
+              <a:t>"Baranowski"</a:t>
+            </a:r>
+          </a:p>
+          <a:p>
+            <a:r>
+              <a:rPr lang="de-DE" dirty="0" smtClean="0">
+                <a:solidFill>
+                  <a:srgbClr val="000000"/>
+                </a:solidFill>
+                <a:latin typeface="Consolas" pitchFamily="49" charset="0"/>
+              </a:rPr>
+              <a:t>}</a:t>
+            </a:r>
+            <a:endParaRPr lang="de-DE" dirty="0">
+              <a:latin typeface="Consolas" pitchFamily="49" charset="0"/>
+            </a:endParaRPr>
           </a:p>
         </p:txBody>
       </p:sp>
@@ -5822,56 +6234,61 @@
           <a:p>
             <a:r>
               <a:rPr lang="de-DE" dirty="0" smtClean="0"/>
-              <a:t>Realisierung der DSL</a:t>
-            </a:r>
+              <a:t>Features</a:t>
+            </a:r>
+            <a:r>
+              <a:rPr lang="de-DE" dirty="0"/>
+              <a:t>: IDE-Integration</a:t>
+            </a:r>
+          </a:p>
+        </p:txBody>
+      </p:sp>
+      <p:sp>
+        <p:nvSpPr>
+          <p:cNvPr id="3" name="Inhaltsplatzhalter 2"/>
+          <p:cNvSpPr>
+            <a:spLocks noGrp="1"/>
+          </p:cNvSpPr>
+          <p:nvPr>
+            <p:ph idx="1"/>
+          </p:nvPr>
+        </p:nvSpPr>
+        <p:spPr/>
+        <p:txBody>
+          <a:bodyPr/>
+          <a:lstStyle/>
+          <a:p>
+            <a:endParaRPr lang="de-DE" dirty="0" smtClean="0"/>
+          </a:p>
+          <a:p>
             <a:endParaRPr lang="de-DE" dirty="0"/>
           </a:p>
         </p:txBody>
       </p:sp>
-      <p:sp>
-        <p:nvSpPr>
-          <p:cNvPr id="3" name="Inhaltsplatzhalter 2"/>
-          <p:cNvSpPr>
-            <a:spLocks noGrp="1"/>
-          </p:cNvSpPr>
-          <p:nvPr>
-            <p:ph idx="1"/>
-          </p:nvPr>
-        </p:nvSpPr>
-        <p:spPr/>
-        <p:txBody>
-          <a:bodyPr/>
-          <a:lstStyle/>
-          <a:p>
-            <a:r>
-              <a:rPr lang="de-DE" dirty="0" smtClean="0"/>
-              <a:t>Interne Groovy-DSL</a:t>
-            </a:r>
-          </a:p>
-          <a:p>
-            <a:r>
-              <a:rPr lang="de-DE" dirty="0" smtClean="0"/>
-              <a:t>Verwendet Operator-Überladen</a:t>
-            </a:r>
-          </a:p>
-          <a:p>
-            <a:r>
-              <a:rPr lang="de-DE" dirty="0" smtClean="0"/>
-              <a:t>Wird passend zu einem Datenbank-Schema erzeugt</a:t>
-            </a:r>
-          </a:p>
-          <a:p>
-            <a:endParaRPr lang="de-DE" dirty="0"/>
-          </a:p>
-          <a:p>
-            <a:r>
-              <a:rPr lang="de-DE" dirty="0" smtClean="0"/>
-              <a:t>Wie nutzt man es?</a:t>
-            </a:r>
-            <a:endParaRPr lang="de-DE" dirty="0"/>
-          </a:p>
-        </p:txBody>
-      </p:sp>
+      <p:pic>
+        <p:nvPicPr>
+          <p:cNvPr id="5" name="Grafik 4"/>
+          <p:cNvPicPr>
+            <a:picLocks noChangeAspect="1"/>
+          </p:cNvPicPr>
+          <p:nvPr/>
+        </p:nvPicPr>
+        <p:blipFill>
+          <a:blip r:embed="rId2"/>
+          <a:stretch>
+            <a:fillRect/>
+          </a:stretch>
+        </p:blipFill>
+        <p:spPr>
+          <a:xfrm>
+            <a:off x="1057275" y="1196752"/>
+            <a:ext cx="7029450" cy="5048250"/>
+          </a:xfrm>
+          <a:prstGeom prst="rect">
+            <a:avLst/>
+          </a:prstGeom>
+        </p:spPr>
+      </p:pic>
     </p:spTree>
   </p:cSld>
   <p:clrMapOvr>
@@ -5916,12 +6333,18 @@
         </p:nvSpPr>
         <p:spPr/>
         <p:txBody>
-          <a:bodyPr/>
-          <a:lstStyle/>
-          <a:p>
+          <a:bodyPr>
+            <a:normAutofit/>
+          </a:bodyPr>
+          <a:lstStyle/>
+          <a:p>
+            <a:r>
+              <a:rPr lang="de-DE" dirty="0"/>
+              <a:t>Features: Referenzen und </a:t>
+            </a:r>
             <a:r>
               <a:rPr lang="de-DE" dirty="0" smtClean="0"/>
-              <a:t>Live Demo</a:t>
+              <a:t>Scopes</a:t>
             </a:r>
             <a:endParaRPr lang="de-DE" dirty="0"/>
           </a:p>
@@ -5942,11 +6365,67 @@
           <a:bodyPr/>
           <a:lstStyle/>
           <a:p>
-            <a:endParaRPr lang="de-DE"/>
-          </a:p>
-        </p:txBody>
-      </p:sp>
+            <a:endParaRPr lang="de-DE" dirty="0" smtClean="0"/>
+          </a:p>
+          <a:p>
+            <a:endParaRPr lang="de-DE" dirty="0"/>
+          </a:p>
+        </p:txBody>
+      </p:sp>
+      <p:pic>
+        <p:nvPicPr>
+          <p:cNvPr id="4" name="Grafik 3"/>
+          <p:cNvPicPr>
+            <a:picLocks noChangeAspect="1"/>
+          </p:cNvPicPr>
+          <p:nvPr/>
+        </p:nvPicPr>
+        <p:blipFill>
+          <a:blip r:embed="rId2"/>
+          <a:stretch>
+            <a:fillRect/>
+          </a:stretch>
+        </p:blipFill>
+        <p:spPr>
+          <a:xfrm>
+            <a:off x="457200" y="1417638"/>
+            <a:ext cx="5362575" cy="581025"/>
+          </a:xfrm>
+          <a:prstGeom prst="rect">
+            <a:avLst/>
+          </a:prstGeom>
+        </p:spPr>
+      </p:pic>
+      <p:pic>
+        <p:nvPicPr>
+          <p:cNvPr id="6" name="Grafik 5"/>
+          <p:cNvPicPr>
+            <a:picLocks noChangeAspect="1"/>
+          </p:cNvPicPr>
+          <p:nvPr/>
+        </p:nvPicPr>
+        <p:blipFill>
+          <a:blip r:embed="rId3"/>
+          <a:stretch>
+            <a:fillRect/>
+          </a:stretch>
+        </p:blipFill>
+        <p:spPr>
+          <a:xfrm>
+            <a:off x="457200" y="2181225"/>
+            <a:ext cx="4476750" cy="2076450"/>
+          </a:xfrm>
+          <a:prstGeom prst="rect">
+            <a:avLst/>
+          </a:prstGeom>
+        </p:spPr>
+      </p:pic>
     </p:spTree>
+    <p:extLst>
+      <p:ext uri="{BB962C8B-B14F-4D97-AF65-F5344CB8AC3E}">
+        <p14:creationId xmlns:p14="http://schemas.microsoft.com/office/powerpoint/2010/main" val="1787581415"/>
+      </p:ext>
+    </p:extLst>
   </p:cSld>
   <p:clrMapOvr>
     <a:masterClrMapping/>
@@ -5990,12 +6469,22 @@
         </p:nvSpPr>
         <p:spPr/>
         <p:txBody>
-          <a:bodyPr/>
+          <a:bodyPr>
+            <a:noAutofit/>
+          </a:bodyPr>
           <a:lstStyle/>
           <a:p>
             <a:r>
               <a:rPr lang="de-DE" dirty="0" smtClean="0"/>
-              <a:t>Generieren von Test-Daten</a:t>
+              <a:t>Features: </a:t>
+            </a:r>
+            <a:r>
+              <a:rPr lang="de-DE" dirty="0" err="1" smtClean="0"/>
+              <a:t>DataSet</a:t>
+            </a:r>
+            <a:r>
+              <a:rPr lang="de-DE" dirty="0" smtClean="0"/>
+              <a:t>-Komposition</a:t>
             </a:r>
             <a:endParaRPr lang="de-DE" dirty="0"/>
           </a:p>
@@ -6016,11 +6505,43 @@
           <a:bodyPr/>
           <a:lstStyle/>
           <a:p>
+            <a:endParaRPr lang="de-DE" dirty="0" smtClean="0"/>
+          </a:p>
+          <a:p>
             <a:endParaRPr lang="de-DE" dirty="0"/>
           </a:p>
         </p:txBody>
       </p:sp>
+      <p:pic>
+        <p:nvPicPr>
+          <p:cNvPr id="4" name="Grafik 3"/>
+          <p:cNvPicPr>
+            <a:picLocks noChangeAspect="1"/>
+          </p:cNvPicPr>
+          <p:nvPr/>
+        </p:nvPicPr>
+        <p:blipFill>
+          <a:blip r:embed="rId2"/>
+          <a:stretch>
+            <a:fillRect/>
+          </a:stretch>
+        </p:blipFill>
+        <p:spPr>
+          <a:xfrm>
+            <a:off x="457200" y="1600200"/>
+            <a:ext cx="4695825" cy="1800225"/>
+          </a:xfrm>
+          <a:prstGeom prst="rect">
+            <a:avLst/>
+          </a:prstGeom>
+        </p:spPr>
+      </p:pic>
     </p:spTree>
+    <p:extLst>
+      <p:ext uri="{BB962C8B-B14F-4D97-AF65-F5344CB8AC3E}">
+        <p14:creationId xmlns:p14="http://schemas.microsoft.com/office/powerpoint/2010/main" val="311227683"/>
+      </p:ext>
+    </p:extLst>
   </p:cSld>
   <p:clrMapOvr>
     <a:masterClrMapping/>
@@ -6064,52 +6585,71 @@
         </p:nvSpPr>
         <p:spPr/>
         <p:txBody>
-          <a:bodyPr/>
+          <a:bodyPr>
+            <a:noAutofit/>
+          </a:bodyPr>
           <a:lstStyle/>
           <a:p>
             <a:r>
               <a:rPr lang="de-DE" dirty="0" smtClean="0"/>
-              <a:t>Einfaches Datenbank-Schema</a:t>
-            </a:r>
+              <a:t>Features: Auto-Typ-Konvertierung</a:t>
+            </a:r>
+            <a:endParaRPr lang="de-DE" dirty="0"/>
+          </a:p>
+        </p:txBody>
+      </p:sp>
+      <p:sp>
+        <p:nvSpPr>
+          <p:cNvPr id="3" name="Inhaltsplatzhalter 2"/>
+          <p:cNvSpPr>
+            <a:spLocks noGrp="1"/>
+          </p:cNvSpPr>
+          <p:nvPr>
+            <p:ph idx="1"/>
+          </p:nvPr>
+        </p:nvSpPr>
+        <p:spPr/>
+        <p:txBody>
+          <a:bodyPr/>
+          <a:lstStyle/>
+          <a:p>
+            <a:endParaRPr lang="de-DE" dirty="0" smtClean="0"/>
+          </a:p>
+          <a:p>
             <a:endParaRPr lang="de-DE" dirty="0"/>
           </a:p>
         </p:txBody>
       </p:sp>
       <p:pic>
         <p:nvPicPr>
-          <p:cNvPr id="1026" name="Picture 2"/>
+          <p:cNvPr id="4" name="Grafik 3"/>
           <p:cNvPicPr>
-            <a:picLocks noGrp="1" noChangeAspect="1" noChangeArrowheads="1"/>
+            <a:picLocks noChangeAspect="1"/>
           </p:cNvPicPr>
-          <p:nvPr>
-            <p:ph idx="1"/>
-          </p:nvPr>
+          <p:nvPr/>
         </p:nvPicPr>
         <p:blipFill>
-          <a:blip r:embed="rId2" cstate="print"/>
-          <a:srcRect/>
+          <a:blip r:embed="rId2"/>
           <a:stretch>
             <a:fillRect/>
           </a:stretch>
         </p:blipFill>
-        <p:spPr bwMode="auto">
+        <p:spPr>
           <a:xfrm>
-            <a:off x="457200" y="2365618"/>
-            <a:ext cx="8229600" cy="2995127"/>
+            <a:off x="539552" y="1600200"/>
+            <a:ext cx="3219450" cy="1362075"/>
           </a:xfrm>
           <a:prstGeom prst="rect">
             <a:avLst/>
           </a:prstGeom>
-          <a:noFill/>
-          <a:ln w="9525">
-            <a:noFill/>
-            <a:miter lim="800000"/>
-            <a:headEnd/>
-            <a:tailEnd/>
-          </a:ln>
         </p:spPr>
       </p:pic>
     </p:spTree>
+    <p:extLst>
+      <p:ext uri="{BB962C8B-B14F-4D97-AF65-F5344CB8AC3E}">
+        <p14:creationId xmlns:p14="http://schemas.microsoft.com/office/powerpoint/2010/main" val="1441127023"/>
+      </p:ext>
+    </p:extLst>
   </p:cSld>
   <p:clrMapOvr>
     <a:masterClrMapping/>

--- a/documentation/seitenbau/praesentation.pptx
+++ b/documentation/seitenbau/praesentation.pptx
@@ -4,27 +4,38 @@
   <p:sldMasterIdLst>
     <p:sldMasterId id="2147483648" r:id="rId1"/>
   </p:sldMasterIdLst>
+  <p:notesMasterIdLst>
+    <p:notesMasterId r:id="rId30"/>
+  </p:notesMasterIdLst>
   <p:sldIdLst>
     <p:sldId id="256" r:id="rId2"/>
     <p:sldId id="257" r:id="rId3"/>
     <p:sldId id="269" r:id="rId4"/>
     <p:sldId id="258" r:id="rId5"/>
     <p:sldId id="259" r:id="rId6"/>
-    <p:sldId id="260" r:id="rId7"/>
-    <p:sldId id="270" r:id="rId8"/>
-    <p:sldId id="271" r:id="rId9"/>
-    <p:sldId id="273" r:id="rId10"/>
-    <p:sldId id="272" r:id="rId11"/>
-    <p:sldId id="274" r:id="rId12"/>
-    <p:sldId id="261" r:id="rId13"/>
-    <p:sldId id="275" r:id="rId14"/>
-    <p:sldId id="262" r:id="rId15"/>
-    <p:sldId id="263" r:id="rId16"/>
-    <p:sldId id="265" r:id="rId17"/>
-    <p:sldId id="266" r:id="rId18"/>
-    <p:sldId id="267" r:id="rId19"/>
-    <p:sldId id="268" r:id="rId20"/>
-    <p:sldId id="264" r:id="rId21"/>
+    <p:sldId id="276" r:id="rId7"/>
+    <p:sldId id="260" r:id="rId8"/>
+    <p:sldId id="270" r:id="rId9"/>
+    <p:sldId id="271" r:id="rId10"/>
+    <p:sldId id="273" r:id="rId11"/>
+    <p:sldId id="272" r:id="rId12"/>
+    <p:sldId id="274" r:id="rId13"/>
+    <p:sldId id="261" r:id="rId14"/>
+    <p:sldId id="275" r:id="rId15"/>
+    <p:sldId id="277" r:id="rId16"/>
+    <p:sldId id="262" r:id="rId17"/>
+    <p:sldId id="263" r:id="rId18"/>
+    <p:sldId id="265" r:id="rId19"/>
+    <p:sldId id="280" r:id="rId20"/>
+    <p:sldId id="266" r:id="rId21"/>
+    <p:sldId id="267" r:id="rId22"/>
+    <p:sldId id="268" r:id="rId23"/>
+    <p:sldId id="264" r:id="rId24"/>
+    <p:sldId id="279" r:id="rId25"/>
+    <p:sldId id="278" r:id="rId26"/>
+    <p:sldId id="281" r:id="rId27"/>
+    <p:sldId id="282" r:id="rId28"/>
+    <p:sldId id="283" r:id="rId29"/>
   </p:sldIdLst>
   <p:sldSz cx="9144000" cy="6858000" type="screen4x3"/>
   <p:notesSz cx="6858000" cy="9144000"/>
@@ -142,6 +153,635 @@
 </p:presentation>
 </file>
 
+<file path=ppt/notesMasters/notesMaster1.xml><?xml version="1.0" encoding="utf-8"?>
+<p:notesMaster xmlns:a="http://schemas.openxmlformats.org/drawingml/2006/main" xmlns:r="http://schemas.openxmlformats.org/officeDocument/2006/relationships" xmlns:p="http://schemas.openxmlformats.org/presentationml/2006/main">
+  <p:cSld>
+    <p:bg>
+      <p:bgRef idx="1001">
+        <a:schemeClr val="bg1"/>
+      </p:bgRef>
+    </p:bg>
+    <p:spTree>
+      <p:nvGrpSpPr>
+        <p:cNvPr id="1" name=""/>
+        <p:cNvGrpSpPr/>
+        <p:nvPr/>
+      </p:nvGrpSpPr>
+      <p:grpSpPr>
+        <a:xfrm>
+          <a:off x="0" y="0"/>
+          <a:ext cx="0" cy="0"/>
+          <a:chOff x="0" y="0"/>
+          <a:chExt cx="0" cy="0"/>
+        </a:xfrm>
+      </p:grpSpPr>
+      <p:sp>
+        <p:nvSpPr>
+          <p:cNvPr id="2" name="Kopfzeilenplatzhalter 1"/>
+          <p:cNvSpPr>
+            <a:spLocks noGrp="1"/>
+          </p:cNvSpPr>
+          <p:nvPr>
+            <p:ph type="hdr" sz="quarter"/>
+          </p:nvPr>
+        </p:nvSpPr>
+        <p:spPr>
+          <a:xfrm>
+            <a:off x="0" y="0"/>
+            <a:ext cx="2971800" cy="458788"/>
+          </a:xfrm>
+          <a:prstGeom prst="rect">
+            <a:avLst/>
+          </a:prstGeom>
+        </p:spPr>
+        <p:txBody>
+          <a:bodyPr vert="horz" lIns="91440" tIns="45720" rIns="91440" bIns="45720" rtlCol="0"/>
+          <a:lstStyle>
+            <a:lvl1pPr algn="l">
+              <a:defRPr sz="1200"/>
+            </a:lvl1pPr>
+          </a:lstStyle>
+          <a:p>
+            <a:endParaRPr lang="de-DE"/>
+          </a:p>
+        </p:txBody>
+      </p:sp>
+      <p:sp>
+        <p:nvSpPr>
+          <p:cNvPr id="3" name="Datumsplatzhalter 2"/>
+          <p:cNvSpPr>
+            <a:spLocks noGrp="1"/>
+          </p:cNvSpPr>
+          <p:nvPr>
+            <p:ph type="dt" idx="1"/>
+          </p:nvPr>
+        </p:nvSpPr>
+        <p:spPr>
+          <a:xfrm>
+            <a:off x="3884613" y="0"/>
+            <a:ext cx="2971800" cy="458788"/>
+          </a:xfrm>
+          <a:prstGeom prst="rect">
+            <a:avLst/>
+          </a:prstGeom>
+        </p:spPr>
+        <p:txBody>
+          <a:bodyPr vert="horz" lIns="91440" tIns="45720" rIns="91440" bIns="45720" rtlCol="0"/>
+          <a:lstStyle>
+            <a:lvl1pPr algn="r">
+              <a:defRPr sz="1200"/>
+            </a:lvl1pPr>
+          </a:lstStyle>
+          <a:p>
+            <a:fld id="{43C08B2D-10D7-454A-8AB6-5BBBD7142FDB}" type="datetimeFigureOut">
+              <a:rPr lang="de-DE" smtClean="0"/>
+              <a:t>17.12.2013</a:t>
+            </a:fld>
+            <a:endParaRPr lang="de-DE"/>
+          </a:p>
+        </p:txBody>
+      </p:sp>
+      <p:sp>
+        <p:nvSpPr>
+          <p:cNvPr id="4" name="Folienbildplatzhalter 3"/>
+          <p:cNvSpPr>
+            <a:spLocks noGrp="1" noRot="1" noChangeAspect="1"/>
+          </p:cNvSpPr>
+          <p:nvPr>
+            <p:ph type="sldImg" idx="2"/>
+          </p:nvPr>
+        </p:nvSpPr>
+        <p:spPr>
+          <a:xfrm>
+            <a:off x="1371600" y="1143000"/>
+            <a:ext cx="4114800" cy="3086100"/>
+          </a:xfrm>
+          <a:prstGeom prst="rect">
+            <a:avLst/>
+          </a:prstGeom>
+          <a:noFill/>
+          <a:ln w="12700">
+            <a:solidFill>
+              <a:prstClr val="black"/>
+            </a:solidFill>
+          </a:ln>
+        </p:spPr>
+        <p:txBody>
+          <a:bodyPr vert="horz" lIns="91440" tIns="45720" rIns="91440" bIns="45720" rtlCol="0" anchor="ctr"/>
+          <a:lstStyle/>
+          <a:p>
+            <a:endParaRPr lang="de-DE"/>
+          </a:p>
+        </p:txBody>
+      </p:sp>
+      <p:sp>
+        <p:nvSpPr>
+          <p:cNvPr id="5" name="Notizenplatzhalter 4"/>
+          <p:cNvSpPr>
+            <a:spLocks noGrp="1"/>
+          </p:cNvSpPr>
+          <p:nvPr>
+            <p:ph type="body" sz="quarter" idx="3"/>
+          </p:nvPr>
+        </p:nvSpPr>
+        <p:spPr>
+          <a:xfrm>
+            <a:off x="685800" y="4400550"/>
+            <a:ext cx="5486400" cy="3600450"/>
+          </a:xfrm>
+          <a:prstGeom prst="rect">
+            <a:avLst/>
+          </a:prstGeom>
+        </p:spPr>
+        <p:txBody>
+          <a:bodyPr vert="horz" lIns="91440" tIns="45720" rIns="91440" bIns="45720" rtlCol="0"/>
+          <a:lstStyle/>
+          <a:p>
+            <a:pPr lvl="0"/>
+            <a:r>
+              <a:rPr lang="de-DE" smtClean="0"/>
+              <a:t>Textmasterformat bearbeiten</a:t>
+            </a:r>
+          </a:p>
+          <a:p>
+            <a:pPr lvl="1"/>
+            <a:r>
+              <a:rPr lang="de-DE" smtClean="0"/>
+              <a:t>Zweite Ebene</a:t>
+            </a:r>
+          </a:p>
+          <a:p>
+            <a:pPr lvl="2"/>
+            <a:r>
+              <a:rPr lang="de-DE" smtClean="0"/>
+              <a:t>Dritte Ebene</a:t>
+            </a:r>
+          </a:p>
+          <a:p>
+            <a:pPr lvl="3"/>
+            <a:r>
+              <a:rPr lang="de-DE" smtClean="0"/>
+              <a:t>Vierte Ebene</a:t>
+            </a:r>
+          </a:p>
+          <a:p>
+            <a:pPr lvl="4"/>
+            <a:r>
+              <a:rPr lang="de-DE" smtClean="0"/>
+              <a:t>Fünfte Ebene</a:t>
+            </a:r>
+            <a:endParaRPr lang="de-DE"/>
+          </a:p>
+        </p:txBody>
+      </p:sp>
+      <p:sp>
+        <p:nvSpPr>
+          <p:cNvPr id="6" name="Fußzeilenplatzhalter 5"/>
+          <p:cNvSpPr>
+            <a:spLocks noGrp="1"/>
+          </p:cNvSpPr>
+          <p:nvPr>
+            <p:ph type="ftr" sz="quarter" idx="4"/>
+          </p:nvPr>
+        </p:nvSpPr>
+        <p:spPr>
+          <a:xfrm>
+            <a:off x="0" y="8685213"/>
+            <a:ext cx="2971800" cy="458787"/>
+          </a:xfrm>
+          <a:prstGeom prst="rect">
+            <a:avLst/>
+          </a:prstGeom>
+        </p:spPr>
+        <p:txBody>
+          <a:bodyPr vert="horz" lIns="91440" tIns="45720" rIns="91440" bIns="45720" rtlCol="0" anchor="b"/>
+          <a:lstStyle>
+            <a:lvl1pPr algn="l">
+              <a:defRPr sz="1200"/>
+            </a:lvl1pPr>
+          </a:lstStyle>
+          <a:p>
+            <a:endParaRPr lang="de-DE"/>
+          </a:p>
+        </p:txBody>
+      </p:sp>
+      <p:sp>
+        <p:nvSpPr>
+          <p:cNvPr id="7" name="Foliennummernplatzhalter 6"/>
+          <p:cNvSpPr>
+            <a:spLocks noGrp="1"/>
+          </p:cNvSpPr>
+          <p:nvPr>
+            <p:ph type="sldNum" sz="quarter" idx="5"/>
+          </p:nvPr>
+        </p:nvSpPr>
+        <p:spPr>
+          <a:xfrm>
+            <a:off x="3884613" y="8685213"/>
+            <a:ext cx="2971800" cy="458787"/>
+          </a:xfrm>
+          <a:prstGeom prst="rect">
+            <a:avLst/>
+          </a:prstGeom>
+        </p:spPr>
+        <p:txBody>
+          <a:bodyPr vert="horz" lIns="91440" tIns="45720" rIns="91440" bIns="45720" rtlCol="0" anchor="b"/>
+          <a:lstStyle>
+            <a:lvl1pPr algn="r">
+              <a:defRPr sz="1200"/>
+            </a:lvl1pPr>
+          </a:lstStyle>
+          <a:p>
+            <a:fld id="{F681B938-1D02-4746-A681-047B6BA98D88}" type="slidenum">
+              <a:rPr lang="de-DE" smtClean="0"/>
+              <a:t>‹Nr.›</a:t>
+            </a:fld>
+            <a:endParaRPr lang="de-DE"/>
+          </a:p>
+        </p:txBody>
+      </p:sp>
+    </p:spTree>
+    <p:extLst>
+      <p:ext uri="{BB962C8B-B14F-4D97-AF65-F5344CB8AC3E}">
+        <p14:creationId xmlns:p14="http://schemas.microsoft.com/office/powerpoint/2010/main" val="1668299166"/>
+      </p:ext>
+    </p:extLst>
+  </p:cSld>
+  <p:clrMap bg1="lt1" tx1="dk1" bg2="lt2" tx2="dk2" accent1="accent1" accent2="accent2" accent3="accent3" accent4="accent4" accent5="accent5" accent6="accent6" hlink="hlink" folHlink="folHlink"/>
+  <p:notesStyle>
+    <a:lvl1pPr marL="0" algn="l" defTabSz="914400" rtl="0" eaLnBrk="1" latinLnBrk="0" hangingPunct="1">
+      <a:defRPr sz="1200" kern="1200">
+        <a:solidFill>
+          <a:schemeClr val="tx1"/>
+        </a:solidFill>
+        <a:latin typeface="+mn-lt"/>
+        <a:ea typeface="+mn-ea"/>
+        <a:cs typeface="+mn-cs"/>
+      </a:defRPr>
+    </a:lvl1pPr>
+    <a:lvl2pPr marL="457200" algn="l" defTabSz="914400" rtl="0" eaLnBrk="1" latinLnBrk="0" hangingPunct="1">
+      <a:defRPr sz="1200" kern="1200">
+        <a:solidFill>
+          <a:schemeClr val="tx1"/>
+        </a:solidFill>
+        <a:latin typeface="+mn-lt"/>
+        <a:ea typeface="+mn-ea"/>
+        <a:cs typeface="+mn-cs"/>
+      </a:defRPr>
+    </a:lvl2pPr>
+    <a:lvl3pPr marL="914400" algn="l" defTabSz="914400" rtl="0" eaLnBrk="1" latinLnBrk="0" hangingPunct="1">
+      <a:defRPr sz="1200" kern="1200">
+        <a:solidFill>
+          <a:schemeClr val="tx1"/>
+        </a:solidFill>
+        <a:latin typeface="+mn-lt"/>
+        <a:ea typeface="+mn-ea"/>
+        <a:cs typeface="+mn-cs"/>
+      </a:defRPr>
+    </a:lvl3pPr>
+    <a:lvl4pPr marL="1371600" algn="l" defTabSz="914400" rtl="0" eaLnBrk="1" latinLnBrk="0" hangingPunct="1">
+      <a:defRPr sz="1200" kern="1200">
+        <a:solidFill>
+          <a:schemeClr val="tx1"/>
+        </a:solidFill>
+        <a:latin typeface="+mn-lt"/>
+        <a:ea typeface="+mn-ea"/>
+        <a:cs typeface="+mn-cs"/>
+      </a:defRPr>
+    </a:lvl4pPr>
+    <a:lvl5pPr marL="1828800" algn="l" defTabSz="914400" rtl="0" eaLnBrk="1" latinLnBrk="0" hangingPunct="1">
+      <a:defRPr sz="1200" kern="1200">
+        <a:solidFill>
+          <a:schemeClr val="tx1"/>
+        </a:solidFill>
+        <a:latin typeface="+mn-lt"/>
+        <a:ea typeface="+mn-ea"/>
+        <a:cs typeface="+mn-cs"/>
+      </a:defRPr>
+    </a:lvl5pPr>
+    <a:lvl6pPr marL="2286000" algn="l" defTabSz="914400" rtl="0" eaLnBrk="1" latinLnBrk="0" hangingPunct="1">
+      <a:defRPr sz="1200" kern="1200">
+        <a:solidFill>
+          <a:schemeClr val="tx1"/>
+        </a:solidFill>
+        <a:latin typeface="+mn-lt"/>
+        <a:ea typeface="+mn-ea"/>
+        <a:cs typeface="+mn-cs"/>
+      </a:defRPr>
+    </a:lvl6pPr>
+    <a:lvl7pPr marL="2743200" algn="l" defTabSz="914400" rtl="0" eaLnBrk="1" latinLnBrk="0" hangingPunct="1">
+      <a:defRPr sz="1200" kern="1200">
+        <a:solidFill>
+          <a:schemeClr val="tx1"/>
+        </a:solidFill>
+        <a:latin typeface="+mn-lt"/>
+        <a:ea typeface="+mn-ea"/>
+        <a:cs typeface="+mn-cs"/>
+      </a:defRPr>
+    </a:lvl7pPr>
+    <a:lvl8pPr marL="3200400" algn="l" defTabSz="914400" rtl="0" eaLnBrk="1" latinLnBrk="0" hangingPunct="1">
+      <a:defRPr sz="1200" kern="1200">
+        <a:solidFill>
+          <a:schemeClr val="tx1"/>
+        </a:solidFill>
+        <a:latin typeface="+mn-lt"/>
+        <a:ea typeface="+mn-ea"/>
+        <a:cs typeface="+mn-cs"/>
+      </a:defRPr>
+    </a:lvl8pPr>
+    <a:lvl9pPr marL="3657600" algn="l" defTabSz="914400" rtl="0" eaLnBrk="1" latinLnBrk="0" hangingPunct="1">
+      <a:defRPr sz="1200" kern="1200">
+        <a:solidFill>
+          <a:schemeClr val="tx1"/>
+        </a:solidFill>
+        <a:latin typeface="+mn-lt"/>
+        <a:ea typeface="+mn-ea"/>
+        <a:cs typeface="+mn-cs"/>
+      </a:defRPr>
+    </a:lvl9pPr>
+  </p:notesStyle>
+</p:notesMaster>
+</file>
+
+<file path=ppt/notesSlides/notesSlide1.xml><?xml version="1.0" encoding="utf-8"?>
+<p:notes xmlns:a="http://schemas.openxmlformats.org/drawingml/2006/main" xmlns:r="http://schemas.openxmlformats.org/officeDocument/2006/relationships" xmlns:p="http://schemas.openxmlformats.org/presentationml/2006/main">
+  <p:cSld>
+    <p:spTree>
+      <p:nvGrpSpPr>
+        <p:cNvPr id="1" name=""/>
+        <p:cNvGrpSpPr/>
+        <p:nvPr/>
+      </p:nvGrpSpPr>
+      <p:grpSpPr>
+        <a:xfrm>
+          <a:off x="0" y="0"/>
+          <a:ext cx="0" cy="0"/>
+          <a:chOff x="0" y="0"/>
+          <a:chExt cx="0" cy="0"/>
+        </a:xfrm>
+      </p:grpSpPr>
+      <p:sp>
+        <p:nvSpPr>
+          <p:cNvPr id="2" name="Folienbildplatzhalter 1"/>
+          <p:cNvSpPr>
+            <a:spLocks noGrp="1" noRot="1" noChangeAspect="1"/>
+          </p:cNvSpPr>
+          <p:nvPr>
+            <p:ph type="sldImg"/>
+          </p:nvPr>
+        </p:nvSpPr>
+        <p:spPr/>
+      </p:sp>
+      <p:sp>
+        <p:nvSpPr>
+          <p:cNvPr id="3" name="Notizenplatzhalter 2"/>
+          <p:cNvSpPr>
+            <a:spLocks noGrp="1"/>
+          </p:cNvSpPr>
+          <p:nvPr>
+            <p:ph type="body" idx="1"/>
+          </p:nvPr>
+        </p:nvSpPr>
+        <p:spPr/>
+        <p:txBody>
+          <a:bodyPr/>
+          <a:lstStyle/>
+          <a:p>
+            <a:r>
+              <a:rPr lang="de-DE" dirty="0" smtClean="0"/>
+              <a:t>Technische DSL</a:t>
+            </a:r>
+            <a:r>
+              <a:rPr lang="de-DE" baseline="0" dirty="0" smtClean="0"/>
+              <a:t> mit </a:t>
+            </a:r>
+            <a:r>
+              <a:rPr lang="de-DE" baseline="0" dirty="0" err="1" smtClean="0"/>
+              <a:t>insertRow</a:t>
+            </a:r>
+            <a:r>
+              <a:rPr lang="de-DE" baseline="0" dirty="0" smtClean="0"/>
+              <a:t> und </a:t>
+            </a:r>
+            <a:r>
+              <a:rPr lang="de-DE" baseline="0" dirty="0" err="1" smtClean="0"/>
+              <a:t>settern</a:t>
+            </a:r>
+            <a:endParaRPr lang="de-DE" baseline="0" dirty="0" smtClean="0"/>
+          </a:p>
+          <a:p>
+            <a:r>
+              <a:rPr lang="de-DE" baseline="0" dirty="0" smtClean="0"/>
+              <a:t>Keine Typsicherheit für Konstanten, teilweise schwer auffindbare Fehler</a:t>
+            </a:r>
+            <a:endParaRPr lang="de-DE" dirty="0"/>
+          </a:p>
+        </p:txBody>
+      </p:sp>
+      <p:sp>
+        <p:nvSpPr>
+          <p:cNvPr id="4" name="Foliennummernplatzhalter 3"/>
+          <p:cNvSpPr>
+            <a:spLocks noGrp="1"/>
+          </p:cNvSpPr>
+          <p:nvPr>
+            <p:ph type="sldNum" sz="quarter" idx="10"/>
+          </p:nvPr>
+        </p:nvSpPr>
+        <p:spPr/>
+        <p:txBody>
+          <a:bodyPr/>
+          <a:lstStyle/>
+          <a:p>
+            <a:fld id="{F681B938-1D02-4746-A681-047B6BA98D88}" type="slidenum">
+              <a:rPr lang="de-DE" smtClean="0"/>
+              <a:t>3</a:t>
+            </a:fld>
+            <a:endParaRPr lang="de-DE"/>
+          </a:p>
+        </p:txBody>
+      </p:sp>
+    </p:spTree>
+    <p:extLst>
+      <p:ext uri="{BB962C8B-B14F-4D97-AF65-F5344CB8AC3E}">
+        <p14:creationId xmlns:p14="http://schemas.microsoft.com/office/powerpoint/2010/main" val="3817575706"/>
+      </p:ext>
+    </p:extLst>
+  </p:cSld>
+  <p:clrMapOvr>
+    <a:masterClrMapping/>
+  </p:clrMapOvr>
+</p:notes>
+</file>
+
+<file path=ppt/notesSlides/notesSlide2.xml><?xml version="1.0" encoding="utf-8"?>
+<p:notes xmlns:a="http://schemas.openxmlformats.org/drawingml/2006/main" xmlns:r="http://schemas.openxmlformats.org/officeDocument/2006/relationships" xmlns:p="http://schemas.openxmlformats.org/presentationml/2006/main">
+  <p:cSld>
+    <p:spTree>
+      <p:nvGrpSpPr>
+        <p:cNvPr id="1" name=""/>
+        <p:cNvGrpSpPr/>
+        <p:nvPr/>
+      </p:nvGrpSpPr>
+      <p:grpSpPr>
+        <a:xfrm>
+          <a:off x="0" y="0"/>
+          <a:ext cx="0" cy="0"/>
+          <a:chOff x="0" y="0"/>
+          <a:chExt cx="0" cy="0"/>
+        </a:xfrm>
+      </p:grpSpPr>
+      <p:sp>
+        <p:nvSpPr>
+          <p:cNvPr id="2" name="Folienbildplatzhalter 1"/>
+          <p:cNvSpPr>
+            <a:spLocks noGrp="1" noRot="1" noChangeAspect="1"/>
+          </p:cNvSpPr>
+          <p:nvPr>
+            <p:ph type="sldImg"/>
+          </p:nvPr>
+        </p:nvSpPr>
+        <p:spPr/>
+      </p:sp>
+      <p:sp>
+        <p:nvSpPr>
+          <p:cNvPr id="3" name="Notizenplatzhalter 2"/>
+          <p:cNvSpPr>
+            <a:spLocks noGrp="1"/>
+          </p:cNvSpPr>
+          <p:nvPr>
+            <p:ph type="body" idx="1"/>
+          </p:nvPr>
+        </p:nvSpPr>
+        <p:spPr/>
+        <p:txBody>
+          <a:bodyPr/>
+          <a:lstStyle/>
+          <a:p>
+            <a:endParaRPr lang="de-DE" dirty="0"/>
+          </a:p>
+        </p:txBody>
+      </p:sp>
+      <p:sp>
+        <p:nvSpPr>
+          <p:cNvPr id="4" name="Foliennummernplatzhalter 3"/>
+          <p:cNvSpPr>
+            <a:spLocks noGrp="1"/>
+          </p:cNvSpPr>
+          <p:nvPr>
+            <p:ph type="sldNum" sz="quarter" idx="10"/>
+          </p:nvPr>
+        </p:nvSpPr>
+        <p:spPr/>
+        <p:txBody>
+          <a:bodyPr/>
+          <a:lstStyle/>
+          <a:p>
+            <a:fld id="{F681B938-1D02-4746-A681-047B6BA98D88}" type="slidenum">
+              <a:rPr lang="de-DE" smtClean="0"/>
+              <a:t>14</a:t>
+            </a:fld>
+            <a:endParaRPr lang="de-DE"/>
+          </a:p>
+        </p:txBody>
+      </p:sp>
+    </p:spTree>
+    <p:extLst>
+      <p:ext uri="{BB962C8B-B14F-4D97-AF65-F5344CB8AC3E}">
+        <p14:creationId xmlns:p14="http://schemas.microsoft.com/office/powerpoint/2010/main" val="679568698"/>
+      </p:ext>
+    </p:extLst>
+  </p:cSld>
+  <p:clrMapOvr>
+    <a:masterClrMapping/>
+  </p:clrMapOvr>
+</p:notes>
+</file>
+
+<file path=ppt/notesSlides/notesSlide3.xml><?xml version="1.0" encoding="utf-8"?>
+<p:notes xmlns:a="http://schemas.openxmlformats.org/drawingml/2006/main" xmlns:r="http://schemas.openxmlformats.org/officeDocument/2006/relationships" xmlns:p="http://schemas.openxmlformats.org/presentationml/2006/main">
+  <p:cSld>
+    <p:spTree>
+      <p:nvGrpSpPr>
+        <p:cNvPr id="1" name=""/>
+        <p:cNvGrpSpPr/>
+        <p:nvPr/>
+      </p:nvGrpSpPr>
+      <p:grpSpPr>
+        <a:xfrm>
+          <a:off x="0" y="0"/>
+          <a:ext cx="0" cy="0"/>
+          <a:chOff x="0" y="0"/>
+          <a:chExt cx="0" cy="0"/>
+        </a:xfrm>
+      </p:grpSpPr>
+      <p:sp>
+        <p:nvSpPr>
+          <p:cNvPr id="2" name="Folienbildplatzhalter 1"/>
+          <p:cNvSpPr>
+            <a:spLocks noGrp="1" noRot="1" noChangeAspect="1"/>
+          </p:cNvSpPr>
+          <p:nvPr>
+            <p:ph type="sldImg"/>
+          </p:nvPr>
+        </p:nvSpPr>
+        <p:spPr/>
+      </p:sp>
+      <p:sp>
+        <p:nvSpPr>
+          <p:cNvPr id="3" name="Notizenplatzhalter 2"/>
+          <p:cNvSpPr>
+            <a:spLocks noGrp="1"/>
+          </p:cNvSpPr>
+          <p:nvPr>
+            <p:ph type="body" idx="1"/>
+          </p:nvPr>
+        </p:nvSpPr>
+        <p:spPr/>
+        <p:txBody>
+          <a:bodyPr/>
+          <a:lstStyle/>
+          <a:p>
+            <a:endParaRPr lang="de-DE" dirty="0"/>
+          </a:p>
+        </p:txBody>
+      </p:sp>
+      <p:sp>
+        <p:nvSpPr>
+          <p:cNvPr id="4" name="Foliennummernplatzhalter 3"/>
+          <p:cNvSpPr>
+            <a:spLocks noGrp="1"/>
+          </p:cNvSpPr>
+          <p:nvPr>
+            <p:ph type="sldNum" sz="quarter" idx="10"/>
+          </p:nvPr>
+        </p:nvSpPr>
+        <p:spPr/>
+        <p:txBody>
+          <a:bodyPr/>
+          <a:lstStyle/>
+          <a:p>
+            <a:fld id="{F681B938-1D02-4746-A681-047B6BA98D88}" type="slidenum">
+              <a:rPr lang="de-DE" smtClean="0"/>
+              <a:t>18</a:t>
+            </a:fld>
+            <a:endParaRPr lang="de-DE"/>
+          </a:p>
+        </p:txBody>
+      </p:sp>
+    </p:spTree>
+    <p:extLst>
+      <p:ext uri="{BB962C8B-B14F-4D97-AF65-F5344CB8AC3E}">
+        <p14:creationId xmlns:p14="http://schemas.microsoft.com/office/powerpoint/2010/main" val="4247017077"/>
+      </p:ext>
+    </p:extLst>
+  </p:cSld>
+  <p:clrMapOvr>
+    <a:masterClrMapping/>
+  </p:clrMapOvr>
+</p:notes>
+</file>
+
 <file path=ppt/slideLayouts/slideLayout1.xml><?xml version="1.0" encoding="utf-8"?>
 <p:sldLayout xmlns:a="http://schemas.openxmlformats.org/drawingml/2006/main" xmlns:r="http://schemas.openxmlformats.org/officeDocument/2006/relationships" xmlns:p="http://schemas.openxmlformats.org/presentationml/2006/main" type="title" preserve="1">
   <p:cSld name="Titelfolie">
@@ -323,7 +963,7 @@
           <a:p>
             <a:fld id="{3D3F076A-37B1-4513-9F6B-CFB0CEF8E9AA}" type="datetimeFigureOut">
               <a:rPr lang="de-DE" smtClean="0"/>
-              <a:t>12.12.2013</a:t>
+              <a:t>17.12.2013</a:t>
             </a:fld>
             <a:endParaRPr lang="de-DE"/>
           </a:p>
@@ -488,7 +1128,7 @@
           <a:p>
             <a:fld id="{3D3F076A-37B1-4513-9F6B-CFB0CEF8E9AA}" type="datetimeFigureOut">
               <a:rPr lang="de-DE" smtClean="0"/>
-              <a:t>12.12.2013</a:t>
+              <a:t>17.12.2013</a:t>
             </a:fld>
             <a:endParaRPr lang="de-DE"/>
           </a:p>
@@ -663,7 +1303,7 @@
           <a:p>
             <a:fld id="{3D3F076A-37B1-4513-9F6B-CFB0CEF8E9AA}" type="datetimeFigureOut">
               <a:rPr lang="de-DE" smtClean="0"/>
-              <a:t>12.12.2013</a:t>
+              <a:t>17.12.2013</a:t>
             </a:fld>
             <a:endParaRPr lang="de-DE"/>
           </a:p>
@@ -828,7 +1468,7 @@
           <a:p>
             <a:fld id="{3D3F076A-37B1-4513-9F6B-CFB0CEF8E9AA}" type="datetimeFigureOut">
               <a:rPr lang="de-DE" smtClean="0"/>
-              <a:t>12.12.2013</a:t>
+              <a:t>17.12.2013</a:t>
             </a:fld>
             <a:endParaRPr lang="de-DE"/>
           </a:p>
@@ -1069,7 +1709,7 @@
           <a:p>
             <a:fld id="{3D3F076A-37B1-4513-9F6B-CFB0CEF8E9AA}" type="datetimeFigureOut">
               <a:rPr lang="de-DE" smtClean="0"/>
-              <a:t>12.12.2013</a:t>
+              <a:t>17.12.2013</a:t>
             </a:fld>
             <a:endParaRPr lang="de-DE"/>
           </a:p>
@@ -1352,7 +1992,7 @@
           <a:p>
             <a:fld id="{3D3F076A-37B1-4513-9F6B-CFB0CEF8E9AA}" type="datetimeFigureOut">
               <a:rPr lang="de-DE" smtClean="0"/>
-              <a:t>12.12.2013</a:t>
+              <a:t>17.12.2013</a:t>
             </a:fld>
             <a:endParaRPr lang="de-DE"/>
           </a:p>
@@ -1769,7 +2409,7 @@
           <a:p>
             <a:fld id="{3D3F076A-37B1-4513-9F6B-CFB0CEF8E9AA}" type="datetimeFigureOut">
               <a:rPr lang="de-DE" smtClean="0"/>
-              <a:t>12.12.2013</a:t>
+              <a:t>17.12.2013</a:t>
             </a:fld>
             <a:endParaRPr lang="de-DE"/>
           </a:p>
@@ -1882,7 +2522,7 @@
           <a:p>
             <a:fld id="{3D3F076A-37B1-4513-9F6B-CFB0CEF8E9AA}" type="datetimeFigureOut">
               <a:rPr lang="de-DE" smtClean="0"/>
-              <a:t>12.12.2013</a:t>
+              <a:t>17.12.2013</a:t>
             </a:fld>
             <a:endParaRPr lang="de-DE"/>
           </a:p>
@@ -1972,7 +2612,7 @@
           <a:p>
             <a:fld id="{3D3F076A-37B1-4513-9F6B-CFB0CEF8E9AA}" type="datetimeFigureOut">
               <a:rPr lang="de-DE" smtClean="0"/>
-              <a:t>12.12.2013</a:t>
+              <a:t>17.12.2013</a:t>
             </a:fld>
             <a:endParaRPr lang="de-DE"/>
           </a:p>
@@ -2244,7 +2884,7 @@
           <a:p>
             <a:fld id="{3D3F076A-37B1-4513-9F6B-CFB0CEF8E9AA}" type="datetimeFigureOut">
               <a:rPr lang="de-DE" smtClean="0"/>
-              <a:t>12.12.2013</a:t>
+              <a:t>17.12.2013</a:t>
             </a:fld>
             <a:endParaRPr lang="de-DE"/>
           </a:p>
@@ -2492,7 +3132,7 @@
           <a:p>
             <a:fld id="{3D3F076A-37B1-4513-9F6B-CFB0CEF8E9AA}" type="datetimeFigureOut">
               <a:rPr lang="de-DE" smtClean="0"/>
-              <a:t>12.12.2013</a:t>
+              <a:t>17.12.2013</a:t>
             </a:fld>
             <a:endParaRPr lang="de-DE"/>
           </a:p>
@@ -2700,7 +3340,7 @@
           <a:p>
             <a:fld id="{3D3F076A-37B1-4513-9F6B-CFB0CEF8E9AA}" type="datetimeFigureOut">
               <a:rPr lang="de-DE" smtClean="0"/>
-              <a:t>12.12.2013</a:t>
+              <a:t>17.12.2013</a:t>
             </a:fld>
             <a:endParaRPr lang="de-DE"/>
           </a:p>
@@ -3165,6 +3805,114 @@
           <a:p>
             <a:r>
               <a:rPr lang="de-DE" dirty="0" smtClean="0"/>
+              <a:t>Features: Auto-Typ-Konvertierung</a:t>
+            </a:r>
+            <a:endParaRPr lang="de-DE" dirty="0"/>
+          </a:p>
+        </p:txBody>
+      </p:sp>
+      <p:sp>
+        <p:nvSpPr>
+          <p:cNvPr id="3" name="Inhaltsplatzhalter 2"/>
+          <p:cNvSpPr>
+            <a:spLocks noGrp="1"/>
+          </p:cNvSpPr>
+          <p:nvPr>
+            <p:ph idx="1"/>
+          </p:nvPr>
+        </p:nvSpPr>
+        <p:spPr/>
+        <p:txBody>
+          <a:bodyPr/>
+          <a:lstStyle/>
+          <a:p>
+            <a:endParaRPr lang="de-DE" dirty="0" smtClean="0"/>
+          </a:p>
+          <a:p>
+            <a:endParaRPr lang="de-DE" dirty="0"/>
+          </a:p>
+        </p:txBody>
+      </p:sp>
+      <p:pic>
+        <p:nvPicPr>
+          <p:cNvPr id="4" name="Grafik 3"/>
+          <p:cNvPicPr>
+            <a:picLocks noChangeAspect="1"/>
+          </p:cNvPicPr>
+          <p:nvPr/>
+        </p:nvPicPr>
+        <p:blipFill>
+          <a:blip r:embed="rId2"/>
+          <a:stretch>
+            <a:fillRect/>
+          </a:stretch>
+        </p:blipFill>
+        <p:spPr>
+          <a:xfrm>
+            <a:off x="539552" y="1600200"/>
+            <a:ext cx="3219450" cy="1362075"/>
+          </a:xfrm>
+          <a:prstGeom prst="rect">
+            <a:avLst/>
+          </a:prstGeom>
+        </p:spPr>
+      </p:pic>
+    </p:spTree>
+    <p:extLst>
+      <p:ext uri="{BB962C8B-B14F-4D97-AF65-F5344CB8AC3E}">
+        <p14:creationId xmlns:p14="http://schemas.microsoft.com/office/powerpoint/2010/main" val="1441127023"/>
+      </p:ext>
+    </p:extLst>
+  </p:cSld>
+  <p:clrMapOvr>
+    <a:masterClrMapping/>
+  </p:clrMapOvr>
+  <p:timing>
+    <p:tnLst>
+      <p:par>
+        <p:cTn id="1" dur="indefinite" restart="never" nodeType="tmRoot"/>
+      </p:par>
+    </p:tnLst>
+  </p:timing>
+</p:sld>
+</file>
+
+<file path=ppt/slides/slide11.xml><?xml version="1.0" encoding="utf-8"?>
+<p:sld xmlns:a="http://schemas.openxmlformats.org/drawingml/2006/main" xmlns:r="http://schemas.openxmlformats.org/officeDocument/2006/relationships" xmlns:p="http://schemas.openxmlformats.org/presentationml/2006/main">
+  <p:cSld>
+    <p:spTree>
+      <p:nvGrpSpPr>
+        <p:cNvPr id="1" name=""/>
+        <p:cNvGrpSpPr/>
+        <p:nvPr/>
+      </p:nvGrpSpPr>
+      <p:grpSpPr>
+        <a:xfrm>
+          <a:off x="0" y="0"/>
+          <a:ext cx="0" cy="0"/>
+          <a:chOff x="0" y="0"/>
+          <a:chExt cx="0" cy="0"/>
+        </a:xfrm>
+      </p:grpSpPr>
+      <p:sp>
+        <p:nvSpPr>
+          <p:cNvPr id="2" name="Titel 1"/>
+          <p:cNvSpPr>
+            <a:spLocks noGrp="1"/>
+          </p:cNvSpPr>
+          <p:nvPr>
+            <p:ph type="title"/>
+          </p:nvPr>
+        </p:nvSpPr>
+        <p:spPr/>
+        <p:txBody>
+          <a:bodyPr>
+            <a:noAutofit/>
+          </a:bodyPr>
+          <a:lstStyle/>
+          <a:p>
+            <a:r>
+              <a:rPr lang="de-DE" dirty="0" smtClean="0"/>
               <a:t>Features: Unterstützung bei Fehlern</a:t>
             </a:r>
             <a:endParaRPr lang="de-DE" dirty="0"/>
@@ -3239,7 +3987,7 @@
 </p:sld>
 </file>
 
-<file path=ppt/slides/slide11.xml><?xml version="1.0" encoding="utf-8"?>
+<file path=ppt/slides/slide12.xml><?xml version="1.0" encoding="utf-8"?>
 <p:sld xmlns:a="http://schemas.openxmlformats.org/drawingml/2006/main" xmlns:r="http://schemas.openxmlformats.org/officeDocument/2006/relationships" xmlns:p="http://schemas.openxmlformats.org/presentationml/2006/main">
   <p:cSld>
     <p:spTree>
@@ -3351,101 +4099,6 @@
 </p:sld>
 </file>
 
-<file path=ppt/slides/slide12.xml><?xml version="1.0" encoding="utf-8"?>
-<p:sld xmlns:a="http://schemas.openxmlformats.org/drawingml/2006/main" xmlns:r="http://schemas.openxmlformats.org/officeDocument/2006/relationships" xmlns:p="http://schemas.openxmlformats.org/presentationml/2006/main">
-  <p:cSld>
-    <p:spTree>
-      <p:nvGrpSpPr>
-        <p:cNvPr id="1" name=""/>
-        <p:cNvGrpSpPr/>
-        <p:nvPr/>
-      </p:nvGrpSpPr>
-      <p:grpSpPr>
-        <a:xfrm>
-          <a:off x="0" y="0"/>
-          <a:ext cx="0" cy="0"/>
-          <a:chOff x="0" y="0"/>
-          <a:chExt cx="0" cy="0"/>
-        </a:xfrm>
-      </p:grpSpPr>
-      <p:sp>
-        <p:nvSpPr>
-          <p:cNvPr id="2" name="Titel 1"/>
-          <p:cNvSpPr>
-            <a:spLocks noGrp="1"/>
-          </p:cNvSpPr>
-          <p:nvPr>
-            <p:ph type="title"/>
-          </p:nvPr>
-        </p:nvSpPr>
-        <p:spPr/>
-        <p:txBody>
-          <a:bodyPr/>
-          <a:lstStyle/>
-          <a:p>
-            <a:r>
-              <a:rPr lang="de-DE" dirty="0" smtClean="0"/>
-              <a:t>Realisierung der DSL</a:t>
-            </a:r>
-            <a:endParaRPr lang="de-DE" dirty="0"/>
-          </a:p>
-        </p:txBody>
-      </p:sp>
-      <p:sp>
-        <p:nvSpPr>
-          <p:cNvPr id="3" name="Inhaltsplatzhalter 2"/>
-          <p:cNvSpPr>
-            <a:spLocks noGrp="1"/>
-          </p:cNvSpPr>
-          <p:nvPr>
-            <p:ph idx="1"/>
-          </p:nvPr>
-        </p:nvSpPr>
-        <p:spPr/>
-        <p:txBody>
-          <a:bodyPr/>
-          <a:lstStyle/>
-          <a:p>
-            <a:r>
-              <a:rPr lang="de-DE" dirty="0" smtClean="0"/>
-              <a:t>Interne Groovy-DSL</a:t>
-            </a:r>
-          </a:p>
-          <a:p>
-            <a:r>
-              <a:rPr lang="de-DE" dirty="0" smtClean="0"/>
-              <a:t>Verwendet Operator-Überladen</a:t>
-            </a:r>
-          </a:p>
-          <a:p>
-            <a:r>
-              <a:rPr lang="de-DE" dirty="0" smtClean="0"/>
-              <a:t>Wird passend zu einem Datenbank-Schema erzeugt</a:t>
-            </a:r>
-          </a:p>
-          <a:p>
-            <a:pPr marL="0" indent="0">
-              <a:buNone/>
-            </a:pPr>
-            <a:endParaRPr lang="de-DE" dirty="0"/>
-          </a:p>
-        </p:txBody>
-      </p:sp>
-    </p:spTree>
-  </p:cSld>
-  <p:clrMapOvr>
-    <a:masterClrMapping/>
-  </p:clrMapOvr>
-  <p:timing>
-    <p:tnLst>
-      <p:par>
-        <p:cTn id="1" dur="indefinite" restart="never" nodeType="tmRoot"/>
-      </p:par>
-    </p:tnLst>
-  </p:timing>
-</p:sld>
-</file>
-
 <file path=ppt/slides/slide13.xml><?xml version="1.0" encoding="utf-8"?>
 <p:sld xmlns:a="http://schemas.openxmlformats.org/drawingml/2006/main" xmlns:r="http://schemas.openxmlformats.org/officeDocument/2006/relationships" xmlns:p="http://schemas.openxmlformats.org/presentationml/2006/main">
   <p:cSld>
@@ -3480,44 +4133,72 @@
           <a:p>
             <a:r>
               <a:rPr lang="de-DE" dirty="0" smtClean="0"/>
-              <a:t>Wie wird die Sprache verwendet?</a:t>
+              <a:t>Realisierung der DSL</a:t>
             </a:r>
             <a:endParaRPr lang="de-DE" dirty="0"/>
           </a:p>
         </p:txBody>
       </p:sp>
-      <p:pic>
-        <p:nvPicPr>
-          <p:cNvPr id="4" name="Inhaltsplatzhalter 3"/>
-          <p:cNvPicPr>
-            <a:picLocks noGrp="1" noChangeAspect="1"/>
-          </p:cNvPicPr>
+      <p:sp>
+        <p:nvSpPr>
+          <p:cNvPr id="3" name="Inhaltsplatzhalter 2"/>
+          <p:cNvSpPr>
+            <a:spLocks noGrp="1"/>
+          </p:cNvSpPr>
           <p:nvPr>
             <p:ph idx="1"/>
           </p:nvPr>
-        </p:nvPicPr>
-        <p:blipFill>
-          <a:blip r:embed="rId2"/>
-          <a:stretch>
-            <a:fillRect/>
-          </a:stretch>
-        </p:blipFill>
-        <p:spPr>
-          <a:xfrm>
-            <a:off x="1056879" y="1600200"/>
-            <a:ext cx="7030242" cy="4525963"/>
-          </a:xfrm>
-          <a:prstGeom prst="rect">
-            <a:avLst/>
-          </a:prstGeom>
-        </p:spPr>
-      </p:pic>
+        </p:nvSpPr>
+        <p:spPr/>
+        <p:txBody>
+          <a:bodyPr/>
+          <a:lstStyle/>
+          <a:p>
+            <a:r>
+              <a:rPr lang="de-DE" dirty="0" smtClean="0"/>
+              <a:t>Interne Groovy-DSL</a:t>
+            </a:r>
+          </a:p>
+          <a:p>
+            <a:r>
+              <a:rPr lang="de-DE" dirty="0" smtClean="0"/>
+              <a:t>Verwendet Operator-Überladen</a:t>
+            </a:r>
+          </a:p>
+          <a:p>
+            <a:r>
+              <a:rPr lang="de-DE" dirty="0" smtClean="0"/>
+              <a:t>Wird passend zu einem Datenbank-Schema </a:t>
+            </a:r>
+            <a:r>
+              <a:rPr lang="de-DE" dirty="0" smtClean="0"/>
+              <a:t>erzeugt</a:t>
+            </a:r>
+          </a:p>
+          <a:p>
+            <a:r>
+              <a:rPr lang="de-DE" dirty="0" smtClean="0"/>
+              <a:t>Gradle als </a:t>
+            </a:r>
+            <a:r>
+              <a:rPr lang="de-DE" dirty="0" err="1" smtClean="0"/>
+              <a:t>Build</a:t>
+            </a:r>
+            <a:r>
+              <a:rPr lang="de-DE" dirty="0" smtClean="0"/>
+              <a:t>-System</a:t>
+            </a:r>
+            <a:endParaRPr lang="de-DE" dirty="0" smtClean="0"/>
+          </a:p>
+          <a:p>
+            <a:pPr marL="0" indent="0">
+              <a:buNone/>
+            </a:pPr>
+            <a:endParaRPr lang="de-DE" dirty="0"/>
+          </a:p>
+        </p:txBody>
+      </p:sp>
     </p:spTree>
-    <p:extLst>
-      <p:ext uri="{BB962C8B-B14F-4D97-AF65-F5344CB8AC3E}">
-        <p14:creationId xmlns:p14="http://schemas.microsoft.com/office/powerpoint/2010/main" val="2055892630"/>
-      </p:ext>
-    </p:extLst>
   </p:cSld>
   <p:clrMapOvr>
     <a:masterClrMapping/>
@@ -3566,7 +4247,7 @@
           <a:p>
             <a:r>
               <a:rPr lang="de-DE" dirty="0" smtClean="0"/>
-              <a:t>Live Demo</a:t>
+              <a:t>Wie wird die Sprache verwendet?</a:t>
             </a:r>
             <a:endParaRPr lang="de-DE" dirty="0"/>
           </a:p>
@@ -3591,7 +4272,36 @@
           </a:p>
         </p:txBody>
       </p:sp>
+      <p:pic>
+        <p:nvPicPr>
+          <p:cNvPr id="5" name="Grafik 4"/>
+          <p:cNvPicPr>
+            <a:picLocks noChangeAspect="1"/>
+          </p:cNvPicPr>
+          <p:nvPr/>
+        </p:nvPicPr>
+        <p:blipFill>
+          <a:blip r:embed="rId3"/>
+          <a:stretch>
+            <a:fillRect/>
+          </a:stretch>
+        </p:blipFill>
+        <p:spPr>
+          <a:xfrm>
+            <a:off x="1632000" y="3126038"/>
+            <a:ext cx="5880000" cy="1474286"/>
+          </a:xfrm>
+          <a:prstGeom prst="rect">
+            <a:avLst/>
+          </a:prstGeom>
+        </p:spPr>
+      </p:pic>
     </p:spTree>
+    <p:extLst>
+      <p:ext uri="{BB962C8B-B14F-4D97-AF65-F5344CB8AC3E}">
+        <p14:creationId xmlns:p14="http://schemas.microsoft.com/office/powerpoint/2010/main" val="2055892630"/>
+      </p:ext>
+    </p:extLst>
   </p:cSld>
   <p:clrMapOvr>
     <a:masterClrMapping/>
@@ -3640,7 +4350,7 @@
           <a:p>
             <a:r>
               <a:rPr lang="de-DE" dirty="0" smtClean="0"/>
-              <a:t>Generieren von Test-Daten</a:t>
+              <a:t>STU-Modell</a:t>
             </a:r>
             <a:endParaRPr lang="de-DE" dirty="0"/>
           </a:p>
@@ -3658,14 +4368,1094 @@
         </p:nvSpPr>
         <p:spPr/>
         <p:txBody>
-          <a:bodyPr/>
-          <a:lstStyle/>
-          <a:p>
+          <a:bodyPr>
+            <a:normAutofit fontScale="47500" lnSpcReduction="20000"/>
+          </a:bodyPr>
+          <a:lstStyle/>
+          <a:p>
+            <a:pPr marL="0" indent="0">
+              <a:buNone/>
+            </a:pPr>
+            <a:r>
+              <a:rPr lang="de-DE" dirty="0">
+                <a:solidFill>
+                  <a:srgbClr val="000000"/>
+                </a:solidFill>
+                <a:latin typeface="Consolas" panose="020B0609020204030204" pitchFamily="49" charset="0"/>
+              </a:rPr>
+              <a:t>Table </a:t>
+            </a:r>
+            <a:r>
+              <a:rPr lang="de-DE" dirty="0" err="1">
+                <a:solidFill>
+                  <a:srgbClr val="000000"/>
+                </a:solidFill>
+                <a:latin typeface="Consolas" panose="020B0609020204030204" pitchFamily="49" charset="0"/>
+              </a:rPr>
+              <a:t>persons</a:t>
+            </a:r>
+            <a:r>
+              <a:rPr lang="de-DE" dirty="0">
+                <a:solidFill>
+                  <a:srgbClr val="000000"/>
+                </a:solidFill>
+                <a:latin typeface="Consolas" panose="020B0609020204030204" pitchFamily="49" charset="0"/>
+              </a:rPr>
+              <a:t> = </a:t>
+            </a:r>
+            <a:r>
+              <a:rPr lang="de-DE" dirty="0" err="1">
+                <a:solidFill>
+                  <a:srgbClr val="000000"/>
+                </a:solidFill>
+                <a:latin typeface="Consolas" panose="020B0609020204030204" pitchFamily="49" charset="0"/>
+              </a:rPr>
+              <a:t>table</a:t>
+            </a:r>
+            <a:r>
+              <a:rPr lang="de-DE" dirty="0">
+                <a:solidFill>
+                  <a:srgbClr val="000000"/>
+                </a:solidFill>
+                <a:latin typeface="Consolas" panose="020B0609020204030204" pitchFamily="49" charset="0"/>
+              </a:rPr>
+              <a:t>(</a:t>
+            </a:r>
+            <a:r>
+              <a:rPr lang="de-DE" dirty="0">
+                <a:solidFill>
+                  <a:srgbClr val="2A00FF"/>
+                </a:solidFill>
+                <a:latin typeface="Consolas" panose="020B0609020204030204" pitchFamily="49" charset="0"/>
+              </a:rPr>
+              <a:t>"</a:t>
+            </a:r>
+            <a:r>
+              <a:rPr lang="de-DE" dirty="0" err="1">
+                <a:solidFill>
+                  <a:srgbClr val="2A00FF"/>
+                </a:solidFill>
+                <a:latin typeface="Consolas" panose="020B0609020204030204" pitchFamily="49" charset="0"/>
+              </a:rPr>
+              <a:t>persons</a:t>
+            </a:r>
+            <a:r>
+              <a:rPr lang="de-DE" dirty="0" smtClean="0">
+                <a:solidFill>
+                  <a:srgbClr val="2A00FF"/>
+                </a:solidFill>
+                <a:latin typeface="Consolas" panose="020B0609020204030204" pitchFamily="49" charset="0"/>
+              </a:rPr>
+              <a:t>"</a:t>
+            </a:r>
+            <a:r>
+              <a:rPr lang="de-DE" dirty="0" smtClean="0">
+                <a:solidFill>
+                  <a:srgbClr val="000000"/>
+                </a:solidFill>
+                <a:latin typeface="Consolas" panose="020B0609020204030204" pitchFamily="49" charset="0"/>
+              </a:rPr>
+              <a:t>)</a:t>
+            </a:r>
+            <a:endParaRPr lang="de-DE" dirty="0">
+              <a:solidFill>
+                <a:srgbClr val="3F7F5F"/>
+              </a:solidFill>
+              <a:latin typeface="Consolas" panose="020B0609020204030204" pitchFamily="49" charset="0"/>
+            </a:endParaRPr>
+          </a:p>
+          <a:p>
+            <a:pPr marL="0" indent="0">
+              <a:buNone/>
+            </a:pPr>
+            <a:r>
+              <a:rPr lang="en-US" dirty="0" smtClean="0">
+                <a:solidFill>
+                  <a:srgbClr val="000000"/>
+                </a:solidFill>
+                <a:latin typeface="Consolas" panose="020B0609020204030204" pitchFamily="49" charset="0"/>
+              </a:rPr>
+              <a:t>    .</a:t>
+            </a:r>
+            <a:r>
+              <a:rPr lang="en-US" dirty="0">
+                <a:solidFill>
+                  <a:srgbClr val="000000"/>
+                </a:solidFill>
+                <a:latin typeface="Consolas" panose="020B0609020204030204" pitchFamily="49" charset="0"/>
+              </a:rPr>
+              <a:t>description(</a:t>
+            </a:r>
+            <a:r>
+              <a:rPr lang="en-US" dirty="0">
+                <a:solidFill>
+                  <a:srgbClr val="2A00FF"/>
+                </a:solidFill>
+                <a:latin typeface="Consolas" panose="020B0609020204030204" pitchFamily="49" charset="0"/>
+              </a:rPr>
+              <a:t>"The table containing the staff of a great company"</a:t>
+            </a:r>
+            <a:r>
+              <a:rPr lang="en-US" dirty="0">
+                <a:solidFill>
+                  <a:srgbClr val="000000"/>
+                </a:solidFill>
+                <a:latin typeface="Consolas" panose="020B0609020204030204" pitchFamily="49" charset="0"/>
+              </a:rPr>
+              <a:t>)</a:t>
+            </a:r>
+          </a:p>
+          <a:p>
+            <a:pPr marL="0" indent="0">
+              <a:buNone/>
+            </a:pPr>
+            <a:r>
+              <a:rPr lang="de-DE" dirty="0" smtClean="0">
+                <a:solidFill>
+                  <a:srgbClr val="000000"/>
+                </a:solidFill>
+                <a:latin typeface="Consolas" panose="020B0609020204030204" pitchFamily="49" charset="0"/>
+              </a:rPr>
+              <a:t>      .</a:t>
+            </a:r>
+            <a:r>
+              <a:rPr lang="de-DE" dirty="0" err="1">
+                <a:solidFill>
+                  <a:srgbClr val="000000"/>
+                </a:solidFill>
+                <a:latin typeface="Consolas" panose="020B0609020204030204" pitchFamily="49" charset="0"/>
+              </a:rPr>
+              <a:t>column</a:t>
+            </a:r>
+            <a:r>
+              <a:rPr lang="de-DE" dirty="0">
+                <a:solidFill>
+                  <a:srgbClr val="000000"/>
+                </a:solidFill>
+                <a:latin typeface="Consolas" panose="020B0609020204030204" pitchFamily="49" charset="0"/>
+              </a:rPr>
+              <a:t>(</a:t>
+            </a:r>
+            <a:r>
+              <a:rPr lang="de-DE" dirty="0">
+                <a:solidFill>
+                  <a:srgbClr val="2A00FF"/>
+                </a:solidFill>
+                <a:latin typeface="Consolas" panose="020B0609020204030204" pitchFamily="49" charset="0"/>
+              </a:rPr>
+              <a:t>"</a:t>
+            </a:r>
+            <a:r>
+              <a:rPr lang="de-DE" dirty="0" err="1">
+                <a:solidFill>
+                  <a:srgbClr val="2A00FF"/>
+                </a:solidFill>
+                <a:latin typeface="Consolas" panose="020B0609020204030204" pitchFamily="49" charset="0"/>
+              </a:rPr>
+              <a:t>id</a:t>
+            </a:r>
+            <a:r>
+              <a:rPr lang="de-DE" dirty="0">
+                <a:solidFill>
+                  <a:srgbClr val="2A00FF"/>
+                </a:solidFill>
+                <a:latin typeface="Consolas" panose="020B0609020204030204" pitchFamily="49" charset="0"/>
+              </a:rPr>
+              <a:t>"</a:t>
+            </a:r>
+            <a:r>
+              <a:rPr lang="de-DE" dirty="0">
+                <a:solidFill>
+                  <a:srgbClr val="000000"/>
+                </a:solidFill>
+                <a:latin typeface="Consolas" panose="020B0609020204030204" pitchFamily="49" charset="0"/>
+              </a:rPr>
+              <a:t>, </a:t>
+            </a:r>
+            <a:r>
+              <a:rPr lang="de-DE" dirty="0" err="1">
+                <a:solidFill>
+                  <a:srgbClr val="000000"/>
+                </a:solidFill>
+                <a:latin typeface="Consolas" panose="020B0609020204030204" pitchFamily="49" charset="0"/>
+              </a:rPr>
+              <a:t>DataType.</a:t>
+            </a:r>
+            <a:r>
+              <a:rPr lang="de-DE" i="1" dirty="0" err="1">
+                <a:solidFill>
+                  <a:srgbClr val="0000C0"/>
+                </a:solidFill>
+                <a:latin typeface="Consolas" panose="020B0609020204030204" pitchFamily="49" charset="0"/>
+              </a:rPr>
+              <a:t>BIGINT</a:t>
+            </a:r>
+            <a:r>
+              <a:rPr lang="de-DE" dirty="0" smtClean="0">
+                <a:solidFill>
+                  <a:srgbClr val="000000"/>
+                </a:solidFill>
+                <a:latin typeface="Consolas" panose="020B0609020204030204" pitchFamily="49" charset="0"/>
+              </a:rPr>
+              <a:t>)</a:t>
+            </a:r>
+            <a:endParaRPr lang="de-DE" dirty="0">
+              <a:solidFill>
+                <a:srgbClr val="3F7F5F"/>
+              </a:solidFill>
+              <a:latin typeface="Consolas" panose="020B0609020204030204" pitchFamily="49" charset="0"/>
+            </a:endParaRPr>
+          </a:p>
+          <a:p>
+            <a:pPr marL="0" indent="0">
+              <a:buNone/>
+            </a:pPr>
+            <a:r>
+              <a:rPr lang="de-DE" dirty="0" smtClean="0">
+                <a:solidFill>
+                  <a:srgbClr val="000000"/>
+                </a:solidFill>
+                <a:latin typeface="Consolas" panose="020B0609020204030204" pitchFamily="49" charset="0"/>
+              </a:rPr>
+              <a:t>        .</a:t>
+            </a:r>
+            <a:r>
+              <a:rPr lang="de-DE" dirty="0" err="1">
+                <a:solidFill>
+                  <a:srgbClr val="000000"/>
+                </a:solidFill>
+                <a:latin typeface="Consolas" panose="020B0609020204030204" pitchFamily="49" charset="0"/>
+              </a:rPr>
+              <a:t>defaultIdentifier</a:t>
+            </a:r>
+            <a:r>
+              <a:rPr lang="de-DE" dirty="0" smtClean="0">
+                <a:solidFill>
+                  <a:srgbClr val="000000"/>
+                </a:solidFill>
+                <a:latin typeface="Consolas" panose="020B0609020204030204" pitchFamily="49" charset="0"/>
+              </a:rPr>
+              <a:t>()</a:t>
+            </a:r>
+            <a:endParaRPr lang="de-DE" dirty="0">
+              <a:solidFill>
+                <a:srgbClr val="3F7F5F"/>
+              </a:solidFill>
+              <a:latin typeface="Consolas" panose="020B0609020204030204" pitchFamily="49" charset="0"/>
+            </a:endParaRPr>
+          </a:p>
+          <a:p>
+            <a:pPr marL="0" indent="0">
+              <a:buNone/>
+            </a:pPr>
+            <a:r>
+              <a:rPr lang="de-DE" dirty="0" smtClean="0">
+                <a:solidFill>
+                  <a:srgbClr val="000000"/>
+                </a:solidFill>
+                <a:latin typeface="Consolas" panose="020B0609020204030204" pitchFamily="49" charset="0"/>
+              </a:rPr>
+              <a:t>        </a:t>
+            </a:r>
+            <a:r>
+              <a:rPr lang="de-DE" dirty="0">
+                <a:solidFill>
+                  <a:srgbClr val="000000"/>
+                </a:solidFill>
+                <a:latin typeface="Consolas" panose="020B0609020204030204" pitchFamily="49" charset="0"/>
+              </a:rPr>
+              <a:t>.</a:t>
+            </a:r>
+            <a:r>
+              <a:rPr lang="de-DE" dirty="0" err="1">
+                <a:solidFill>
+                  <a:srgbClr val="000000"/>
+                </a:solidFill>
+                <a:latin typeface="Consolas" panose="020B0609020204030204" pitchFamily="49" charset="0"/>
+              </a:rPr>
+              <a:t>autoInvokeNext</a:t>
+            </a:r>
+            <a:r>
+              <a:rPr lang="de-DE" dirty="0">
+                <a:solidFill>
+                  <a:srgbClr val="000000"/>
+                </a:solidFill>
+                <a:latin typeface="Consolas" panose="020B0609020204030204" pitchFamily="49" charset="0"/>
+              </a:rPr>
+              <a:t>()</a:t>
+            </a:r>
+            <a:endParaRPr lang="de-DE" dirty="0">
+              <a:solidFill>
+                <a:srgbClr val="000000"/>
+              </a:solidFill>
+              <a:latin typeface="Consolas" panose="020B0609020204030204" pitchFamily="49" charset="0"/>
+            </a:endParaRPr>
+          </a:p>
+          <a:p>
+            <a:pPr marL="0" indent="0">
+              <a:buNone/>
+            </a:pPr>
+            <a:r>
+              <a:rPr lang="de-DE" dirty="0" smtClean="0">
+                <a:solidFill>
+                  <a:srgbClr val="000000"/>
+                </a:solidFill>
+                <a:latin typeface="Consolas" panose="020B0609020204030204" pitchFamily="49" charset="0"/>
+              </a:rPr>
+              <a:t>      </a:t>
+            </a:r>
+            <a:r>
+              <a:rPr lang="de-DE" dirty="0">
+                <a:solidFill>
+                  <a:srgbClr val="000000"/>
+                </a:solidFill>
+                <a:latin typeface="Consolas" panose="020B0609020204030204" pitchFamily="49" charset="0"/>
+              </a:rPr>
+              <a:t>.</a:t>
+            </a:r>
+            <a:r>
+              <a:rPr lang="de-DE" dirty="0" err="1">
+                <a:solidFill>
+                  <a:srgbClr val="000000"/>
+                </a:solidFill>
+                <a:latin typeface="Consolas" panose="020B0609020204030204" pitchFamily="49" charset="0"/>
+              </a:rPr>
+              <a:t>column</a:t>
+            </a:r>
+            <a:r>
+              <a:rPr lang="de-DE" dirty="0">
+                <a:solidFill>
+                  <a:srgbClr val="000000"/>
+                </a:solidFill>
+                <a:latin typeface="Consolas" panose="020B0609020204030204" pitchFamily="49" charset="0"/>
+              </a:rPr>
+              <a:t>(</a:t>
+            </a:r>
+            <a:r>
+              <a:rPr lang="de-DE" dirty="0">
+                <a:solidFill>
+                  <a:srgbClr val="2A00FF"/>
+                </a:solidFill>
+                <a:latin typeface="Consolas" panose="020B0609020204030204" pitchFamily="49" charset="0"/>
+              </a:rPr>
+              <a:t>"</a:t>
+            </a:r>
+            <a:r>
+              <a:rPr lang="de-DE" dirty="0" err="1">
+                <a:solidFill>
+                  <a:srgbClr val="2A00FF"/>
+                </a:solidFill>
+                <a:latin typeface="Consolas" panose="020B0609020204030204" pitchFamily="49" charset="0"/>
+              </a:rPr>
+              <a:t>first_name</a:t>
+            </a:r>
+            <a:r>
+              <a:rPr lang="de-DE" dirty="0">
+                <a:solidFill>
+                  <a:srgbClr val="2A00FF"/>
+                </a:solidFill>
+                <a:latin typeface="Consolas" panose="020B0609020204030204" pitchFamily="49" charset="0"/>
+              </a:rPr>
+              <a:t>"</a:t>
+            </a:r>
+            <a:r>
+              <a:rPr lang="de-DE" dirty="0">
+                <a:solidFill>
+                  <a:srgbClr val="000000"/>
+                </a:solidFill>
+                <a:latin typeface="Consolas" panose="020B0609020204030204" pitchFamily="49" charset="0"/>
+              </a:rPr>
+              <a:t>, </a:t>
+            </a:r>
+            <a:r>
+              <a:rPr lang="de-DE" dirty="0" err="1">
+                <a:solidFill>
+                  <a:srgbClr val="000000"/>
+                </a:solidFill>
+                <a:latin typeface="Consolas" panose="020B0609020204030204" pitchFamily="49" charset="0"/>
+              </a:rPr>
+              <a:t>DataType.</a:t>
+            </a:r>
+            <a:r>
+              <a:rPr lang="de-DE" i="1" dirty="0" err="1">
+                <a:solidFill>
+                  <a:srgbClr val="0000C0"/>
+                </a:solidFill>
+                <a:latin typeface="Consolas" panose="020B0609020204030204" pitchFamily="49" charset="0"/>
+              </a:rPr>
+              <a:t>VARCHAR</a:t>
+            </a:r>
+            <a:r>
+              <a:rPr lang="de-DE" dirty="0" smtClean="0">
+                <a:solidFill>
+                  <a:srgbClr val="000000"/>
+                </a:solidFill>
+                <a:latin typeface="Consolas" panose="020B0609020204030204" pitchFamily="49" charset="0"/>
+              </a:rPr>
+              <a:t>)</a:t>
+            </a:r>
+            <a:endParaRPr lang="de-DE" dirty="0">
+              <a:solidFill>
+                <a:srgbClr val="3F7F5F"/>
+              </a:solidFill>
+              <a:latin typeface="Consolas" panose="020B0609020204030204" pitchFamily="49" charset="0"/>
+            </a:endParaRPr>
+          </a:p>
+          <a:p>
+            <a:pPr marL="0" indent="0">
+              <a:buNone/>
+            </a:pPr>
+            <a:r>
+              <a:rPr lang="de-DE" dirty="0" smtClean="0">
+                <a:solidFill>
+                  <a:srgbClr val="000000"/>
+                </a:solidFill>
+                <a:latin typeface="Consolas" panose="020B0609020204030204" pitchFamily="49" charset="0"/>
+              </a:rPr>
+              <a:t>      </a:t>
+            </a:r>
+            <a:r>
+              <a:rPr lang="de-DE" dirty="0">
+                <a:solidFill>
+                  <a:srgbClr val="000000"/>
+                </a:solidFill>
+                <a:latin typeface="Consolas" panose="020B0609020204030204" pitchFamily="49" charset="0"/>
+              </a:rPr>
+              <a:t>.</a:t>
+            </a:r>
+            <a:r>
+              <a:rPr lang="de-DE" dirty="0" err="1">
+                <a:solidFill>
+                  <a:srgbClr val="000000"/>
+                </a:solidFill>
+                <a:latin typeface="Consolas" panose="020B0609020204030204" pitchFamily="49" charset="0"/>
+              </a:rPr>
+              <a:t>column</a:t>
+            </a:r>
+            <a:r>
+              <a:rPr lang="de-DE" dirty="0">
+                <a:solidFill>
+                  <a:srgbClr val="000000"/>
+                </a:solidFill>
+                <a:latin typeface="Consolas" panose="020B0609020204030204" pitchFamily="49" charset="0"/>
+              </a:rPr>
+              <a:t>(</a:t>
+            </a:r>
+            <a:r>
+              <a:rPr lang="de-DE" dirty="0">
+                <a:solidFill>
+                  <a:srgbClr val="2A00FF"/>
+                </a:solidFill>
+                <a:latin typeface="Consolas" panose="020B0609020204030204" pitchFamily="49" charset="0"/>
+              </a:rPr>
+              <a:t>"name"</a:t>
+            </a:r>
+            <a:r>
+              <a:rPr lang="de-DE" dirty="0">
+                <a:solidFill>
+                  <a:srgbClr val="000000"/>
+                </a:solidFill>
+                <a:latin typeface="Consolas" panose="020B0609020204030204" pitchFamily="49" charset="0"/>
+              </a:rPr>
+              <a:t>, </a:t>
+            </a:r>
+            <a:r>
+              <a:rPr lang="de-DE" dirty="0" err="1">
+                <a:solidFill>
+                  <a:srgbClr val="000000"/>
+                </a:solidFill>
+                <a:latin typeface="Consolas" panose="020B0609020204030204" pitchFamily="49" charset="0"/>
+              </a:rPr>
+              <a:t>DataType.</a:t>
+            </a:r>
+            <a:r>
+              <a:rPr lang="de-DE" i="1" dirty="0" err="1">
+                <a:solidFill>
+                  <a:srgbClr val="0000C0"/>
+                </a:solidFill>
+                <a:latin typeface="Consolas" panose="020B0609020204030204" pitchFamily="49" charset="0"/>
+              </a:rPr>
+              <a:t>VARCHAR</a:t>
+            </a:r>
+            <a:r>
+              <a:rPr lang="de-DE" dirty="0" smtClean="0">
+                <a:solidFill>
+                  <a:srgbClr val="000000"/>
+                </a:solidFill>
+                <a:latin typeface="Consolas" panose="020B0609020204030204" pitchFamily="49" charset="0"/>
+              </a:rPr>
+              <a:t>)</a:t>
+            </a:r>
+            <a:endParaRPr lang="de-DE" dirty="0">
+              <a:solidFill>
+                <a:srgbClr val="3F7F5F"/>
+              </a:solidFill>
+              <a:latin typeface="Consolas" panose="020B0609020204030204" pitchFamily="49" charset="0"/>
+            </a:endParaRPr>
+          </a:p>
+          <a:p>
+            <a:pPr marL="0" indent="0">
+              <a:buNone/>
+            </a:pPr>
+            <a:r>
+              <a:rPr lang="en-US" dirty="0" smtClean="0">
+                <a:solidFill>
+                  <a:srgbClr val="000000"/>
+                </a:solidFill>
+                <a:latin typeface="Consolas" panose="020B0609020204030204" pitchFamily="49" charset="0"/>
+              </a:rPr>
+              <a:t>        .</a:t>
+            </a:r>
+            <a:r>
+              <a:rPr lang="en-US" dirty="0">
+                <a:solidFill>
+                  <a:srgbClr val="000000"/>
+                </a:solidFill>
+                <a:latin typeface="Consolas" panose="020B0609020204030204" pitchFamily="49" charset="0"/>
+              </a:rPr>
+              <a:t>description</a:t>
+            </a:r>
+            <a:r>
+              <a:rPr lang="en-US" dirty="0" smtClean="0">
+                <a:solidFill>
+                  <a:srgbClr val="000000"/>
+                </a:solidFill>
+                <a:latin typeface="Consolas" panose="020B0609020204030204" pitchFamily="49" charset="0"/>
+              </a:rPr>
+              <a:t>(</a:t>
+            </a:r>
+            <a:r>
+              <a:rPr lang="en-US" dirty="0" smtClean="0">
+                <a:solidFill>
+                  <a:srgbClr val="2A00FF"/>
+                </a:solidFill>
+                <a:latin typeface="Consolas" panose="020B0609020204030204" pitchFamily="49" charset="0"/>
+              </a:rPr>
+              <a:t>“Represents </a:t>
+            </a:r>
+            <a:r>
+              <a:rPr lang="en-US" dirty="0">
+                <a:solidFill>
+                  <a:srgbClr val="2A00FF"/>
+                </a:solidFill>
+                <a:latin typeface="Consolas" panose="020B0609020204030204" pitchFamily="49" charset="0"/>
+              </a:rPr>
+              <a:t>the last name of a person"</a:t>
+            </a:r>
+            <a:r>
+              <a:rPr lang="en-US" dirty="0">
+                <a:solidFill>
+                  <a:srgbClr val="000000"/>
+                </a:solidFill>
+                <a:latin typeface="Consolas" panose="020B0609020204030204" pitchFamily="49" charset="0"/>
+              </a:rPr>
+              <a:t>)</a:t>
+            </a:r>
+          </a:p>
+          <a:p>
+            <a:pPr marL="0" indent="0">
+              <a:buNone/>
+            </a:pPr>
+            <a:r>
+              <a:rPr lang="de-DE" dirty="0">
+                <a:solidFill>
+                  <a:srgbClr val="000000"/>
+                </a:solidFill>
+                <a:latin typeface="Consolas" panose="020B0609020204030204" pitchFamily="49" charset="0"/>
+              </a:rPr>
+              <a:t>  </a:t>
+            </a:r>
+            <a:r>
+              <a:rPr lang="de-DE" dirty="0" smtClean="0">
+                <a:solidFill>
+                  <a:srgbClr val="000000"/>
+                </a:solidFill>
+                <a:latin typeface="Consolas" panose="020B0609020204030204" pitchFamily="49" charset="0"/>
+              </a:rPr>
+              <a:t>      </a:t>
+            </a:r>
+            <a:r>
+              <a:rPr lang="de-DE" dirty="0">
+                <a:solidFill>
+                  <a:srgbClr val="000000"/>
+                </a:solidFill>
+                <a:latin typeface="Consolas" panose="020B0609020204030204" pitchFamily="49" charset="0"/>
+              </a:rPr>
+              <a:t>.</a:t>
+            </a:r>
+            <a:r>
+              <a:rPr lang="de-DE" dirty="0" err="1">
+                <a:solidFill>
+                  <a:srgbClr val="000000"/>
+                </a:solidFill>
+                <a:latin typeface="Consolas" panose="020B0609020204030204" pitchFamily="49" charset="0"/>
+              </a:rPr>
+              <a:t>column</a:t>
+            </a:r>
+            <a:r>
+              <a:rPr lang="de-DE" dirty="0">
+                <a:solidFill>
+                  <a:srgbClr val="000000"/>
+                </a:solidFill>
+                <a:latin typeface="Consolas" panose="020B0609020204030204" pitchFamily="49" charset="0"/>
+              </a:rPr>
+              <a:t>(</a:t>
+            </a:r>
+            <a:r>
+              <a:rPr lang="de-DE" dirty="0">
+                <a:solidFill>
+                  <a:srgbClr val="2A00FF"/>
+                </a:solidFill>
+                <a:latin typeface="Consolas" panose="020B0609020204030204" pitchFamily="49" charset="0"/>
+              </a:rPr>
+              <a:t>"</a:t>
+            </a:r>
+            <a:r>
+              <a:rPr lang="de-DE" dirty="0" err="1">
+                <a:solidFill>
+                  <a:srgbClr val="2A00FF"/>
+                </a:solidFill>
+                <a:latin typeface="Consolas" panose="020B0609020204030204" pitchFamily="49" charset="0"/>
+              </a:rPr>
+              <a:t>team_id</a:t>
+            </a:r>
+            <a:r>
+              <a:rPr lang="de-DE" dirty="0">
+                <a:solidFill>
+                  <a:srgbClr val="2A00FF"/>
+                </a:solidFill>
+                <a:latin typeface="Consolas" panose="020B0609020204030204" pitchFamily="49" charset="0"/>
+              </a:rPr>
+              <a:t>"</a:t>
+            </a:r>
+            <a:r>
+              <a:rPr lang="de-DE" dirty="0">
+                <a:solidFill>
+                  <a:srgbClr val="000000"/>
+                </a:solidFill>
+                <a:latin typeface="Consolas" panose="020B0609020204030204" pitchFamily="49" charset="0"/>
+              </a:rPr>
+              <a:t>, </a:t>
+            </a:r>
+            <a:r>
+              <a:rPr lang="de-DE" dirty="0" err="1">
+                <a:solidFill>
+                  <a:srgbClr val="000000"/>
+                </a:solidFill>
+                <a:latin typeface="Consolas" panose="020B0609020204030204" pitchFamily="49" charset="0"/>
+              </a:rPr>
+              <a:t>DataType.</a:t>
+            </a:r>
+            <a:r>
+              <a:rPr lang="de-DE" i="1" dirty="0" err="1">
+                <a:solidFill>
+                  <a:srgbClr val="0000C0"/>
+                </a:solidFill>
+                <a:latin typeface="Consolas" panose="020B0609020204030204" pitchFamily="49" charset="0"/>
+              </a:rPr>
+              <a:t>BIGINT</a:t>
+            </a:r>
+            <a:r>
+              <a:rPr lang="de-DE" dirty="0" smtClean="0">
+                <a:solidFill>
+                  <a:srgbClr val="000000"/>
+                </a:solidFill>
+                <a:latin typeface="Consolas" panose="020B0609020204030204" pitchFamily="49" charset="0"/>
+              </a:rPr>
+              <a:t>)</a:t>
+            </a:r>
+            <a:endParaRPr lang="de-DE" dirty="0">
+              <a:solidFill>
+                <a:srgbClr val="3F7F5F"/>
+              </a:solidFill>
+              <a:latin typeface="Consolas" panose="020B0609020204030204" pitchFamily="49" charset="0"/>
+            </a:endParaRPr>
+          </a:p>
+          <a:p>
+            <a:pPr marL="0" indent="0">
+              <a:buNone/>
+            </a:pPr>
+            <a:r>
+              <a:rPr lang="de-DE" dirty="0">
+                <a:solidFill>
+                  <a:srgbClr val="000000"/>
+                </a:solidFill>
+                <a:latin typeface="Consolas" panose="020B0609020204030204" pitchFamily="49" charset="0"/>
+              </a:rPr>
+              <a:t>  </a:t>
+            </a:r>
+            <a:r>
+              <a:rPr lang="de-DE" dirty="0" smtClean="0">
+                <a:solidFill>
+                  <a:srgbClr val="000000"/>
+                </a:solidFill>
+                <a:latin typeface="Consolas" panose="020B0609020204030204" pitchFamily="49" charset="0"/>
+              </a:rPr>
+              <a:t>        </a:t>
+            </a:r>
+            <a:r>
+              <a:rPr lang="de-DE" dirty="0">
+                <a:solidFill>
+                  <a:srgbClr val="000000"/>
+                </a:solidFill>
+                <a:latin typeface="Consolas" panose="020B0609020204030204" pitchFamily="49" charset="0"/>
+              </a:rPr>
+              <a:t>.</a:t>
+            </a:r>
+            <a:r>
+              <a:rPr lang="de-DE" dirty="0" err="1" smtClean="0">
+                <a:solidFill>
+                  <a:srgbClr val="0000C0"/>
+                </a:solidFill>
+                <a:latin typeface="Consolas" panose="020B0609020204030204" pitchFamily="49" charset="0"/>
+              </a:rPr>
+              <a:t>reference</a:t>
+            </a:r>
+            <a:endParaRPr lang="de-DE" dirty="0">
+              <a:solidFill>
+                <a:srgbClr val="3F7F5F"/>
+              </a:solidFill>
+              <a:latin typeface="Consolas" panose="020B0609020204030204" pitchFamily="49" charset="0"/>
+            </a:endParaRPr>
+          </a:p>
+          <a:p>
+            <a:pPr marL="0" indent="0">
+              <a:buNone/>
+            </a:pPr>
+            <a:r>
+              <a:rPr lang="de-DE" dirty="0" smtClean="0">
+                <a:solidFill>
+                  <a:srgbClr val="000000"/>
+                </a:solidFill>
+                <a:latin typeface="Consolas" panose="020B0609020204030204" pitchFamily="49" charset="0"/>
+              </a:rPr>
+              <a:t>            </a:t>
+            </a:r>
+            <a:r>
+              <a:rPr lang="de-DE" dirty="0">
+                <a:solidFill>
+                  <a:srgbClr val="000000"/>
+                </a:solidFill>
+                <a:latin typeface="Consolas" panose="020B0609020204030204" pitchFamily="49" charset="0"/>
+              </a:rPr>
+              <a:t>.</a:t>
+            </a:r>
+            <a:r>
+              <a:rPr lang="de-DE" dirty="0" err="1">
+                <a:solidFill>
+                  <a:srgbClr val="0000C0"/>
+                </a:solidFill>
+                <a:latin typeface="Consolas" panose="020B0609020204030204" pitchFamily="49" charset="0"/>
+              </a:rPr>
+              <a:t>local</a:t>
+            </a:r>
+            <a:endParaRPr lang="de-DE" dirty="0">
+              <a:solidFill>
+                <a:srgbClr val="0000C0"/>
+              </a:solidFill>
+              <a:latin typeface="Consolas" panose="020B0609020204030204" pitchFamily="49" charset="0"/>
+            </a:endParaRPr>
+          </a:p>
+          <a:p>
+            <a:pPr marL="0" indent="0">
+              <a:buNone/>
+            </a:pPr>
+            <a:r>
+              <a:rPr lang="de-DE" dirty="0" smtClean="0">
+                <a:solidFill>
+                  <a:srgbClr val="000000"/>
+                </a:solidFill>
+                <a:latin typeface="Consolas" panose="020B0609020204030204" pitchFamily="49" charset="0"/>
+              </a:rPr>
+              <a:t>              </a:t>
+            </a:r>
+            <a:r>
+              <a:rPr lang="de-DE" dirty="0">
+                <a:solidFill>
+                  <a:srgbClr val="000000"/>
+                </a:solidFill>
+                <a:latin typeface="Consolas" panose="020B0609020204030204" pitchFamily="49" charset="0"/>
+              </a:rPr>
+              <a:t>.name(</a:t>
+            </a:r>
+            <a:r>
+              <a:rPr lang="de-DE" dirty="0">
+                <a:solidFill>
+                  <a:srgbClr val="2A00FF"/>
+                </a:solidFill>
+                <a:latin typeface="Consolas" panose="020B0609020204030204" pitchFamily="49" charset="0"/>
+              </a:rPr>
+              <a:t>"</a:t>
+            </a:r>
+            <a:r>
+              <a:rPr lang="de-DE" dirty="0" err="1">
+                <a:solidFill>
+                  <a:srgbClr val="2A00FF"/>
+                </a:solidFill>
+                <a:latin typeface="Consolas" panose="020B0609020204030204" pitchFamily="49" charset="0"/>
+              </a:rPr>
+              <a:t>belongsTo</a:t>
+            </a:r>
+            <a:r>
+              <a:rPr lang="de-DE" dirty="0">
+                <a:solidFill>
+                  <a:srgbClr val="2A00FF"/>
+                </a:solidFill>
+                <a:latin typeface="Consolas" panose="020B0609020204030204" pitchFamily="49" charset="0"/>
+              </a:rPr>
+              <a:t>"</a:t>
+            </a:r>
+            <a:r>
+              <a:rPr lang="de-DE" dirty="0">
+                <a:solidFill>
+                  <a:srgbClr val="000000"/>
+                </a:solidFill>
+                <a:latin typeface="Consolas" panose="020B0609020204030204" pitchFamily="49" charset="0"/>
+              </a:rPr>
+              <a:t>)</a:t>
+            </a:r>
+          </a:p>
+          <a:p>
+            <a:pPr marL="0" indent="0">
+              <a:buNone/>
+            </a:pPr>
+            <a:r>
+              <a:rPr lang="en-US" dirty="0" smtClean="0">
+                <a:solidFill>
+                  <a:srgbClr val="000000"/>
+                </a:solidFill>
+                <a:latin typeface="Consolas" panose="020B0609020204030204" pitchFamily="49" charset="0"/>
+              </a:rPr>
+              <a:t>              </a:t>
+            </a:r>
+            <a:r>
+              <a:rPr lang="en-US" dirty="0">
+                <a:solidFill>
+                  <a:srgbClr val="000000"/>
+                </a:solidFill>
+                <a:latin typeface="Consolas" panose="020B0609020204030204" pitchFamily="49" charset="0"/>
+              </a:rPr>
+              <a:t>.description(</a:t>
+            </a:r>
+            <a:r>
+              <a:rPr lang="en-US" dirty="0">
+                <a:solidFill>
+                  <a:srgbClr val="2A00FF"/>
+                </a:solidFill>
+                <a:latin typeface="Consolas" panose="020B0609020204030204" pitchFamily="49" charset="0"/>
+              </a:rPr>
+              <a:t>"Assigns the person to a team"</a:t>
+            </a:r>
+            <a:r>
+              <a:rPr lang="en-US" dirty="0">
+                <a:solidFill>
+                  <a:srgbClr val="000000"/>
+                </a:solidFill>
+                <a:latin typeface="Consolas" panose="020B0609020204030204" pitchFamily="49" charset="0"/>
+              </a:rPr>
+              <a:t>)</a:t>
+            </a:r>
+          </a:p>
+          <a:p>
+            <a:pPr marL="0" indent="0">
+              <a:buNone/>
+            </a:pPr>
+            <a:r>
+              <a:rPr lang="de-DE" dirty="0" smtClean="0">
+                <a:solidFill>
+                  <a:srgbClr val="000000"/>
+                </a:solidFill>
+                <a:latin typeface="Consolas" panose="020B0609020204030204" pitchFamily="49" charset="0"/>
+              </a:rPr>
+              <a:t>            </a:t>
+            </a:r>
+            <a:r>
+              <a:rPr lang="de-DE" dirty="0">
+                <a:solidFill>
+                  <a:srgbClr val="000000"/>
+                </a:solidFill>
+                <a:latin typeface="Consolas" panose="020B0609020204030204" pitchFamily="49" charset="0"/>
+              </a:rPr>
+              <a:t>.</a:t>
+            </a:r>
+            <a:r>
+              <a:rPr lang="de-DE" dirty="0" err="1">
+                <a:solidFill>
+                  <a:srgbClr val="000000"/>
+                </a:solidFill>
+                <a:latin typeface="Consolas" panose="020B0609020204030204" pitchFamily="49" charset="0"/>
+              </a:rPr>
+              <a:t>foreign</a:t>
+            </a:r>
+            <a:r>
+              <a:rPr lang="de-DE" dirty="0">
+                <a:solidFill>
+                  <a:srgbClr val="000000"/>
+                </a:solidFill>
+                <a:latin typeface="Consolas" panose="020B0609020204030204" pitchFamily="49" charset="0"/>
+              </a:rPr>
+              <a:t>(</a:t>
+            </a:r>
+            <a:r>
+              <a:rPr lang="de-DE" dirty="0" err="1">
+                <a:solidFill>
+                  <a:srgbClr val="000000"/>
+                </a:solidFill>
+                <a:latin typeface="Consolas" panose="020B0609020204030204" pitchFamily="49" charset="0"/>
+              </a:rPr>
+              <a:t>teams</a:t>
+            </a:r>
+            <a:r>
+              <a:rPr lang="de-DE" dirty="0">
+                <a:solidFill>
+                  <a:srgbClr val="000000"/>
+                </a:solidFill>
+                <a:latin typeface="Consolas" panose="020B0609020204030204" pitchFamily="49" charset="0"/>
+              </a:rPr>
+              <a:t>)</a:t>
+            </a:r>
+          </a:p>
+          <a:p>
+            <a:pPr marL="0" indent="0">
+              <a:buNone/>
+            </a:pPr>
+            <a:r>
+              <a:rPr lang="de-DE" dirty="0" smtClean="0">
+                <a:solidFill>
+                  <a:srgbClr val="000000"/>
+                </a:solidFill>
+                <a:latin typeface="Consolas" panose="020B0609020204030204" pitchFamily="49" charset="0"/>
+              </a:rPr>
+              <a:t>              </a:t>
+            </a:r>
+            <a:r>
+              <a:rPr lang="de-DE" dirty="0">
+                <a:solidFill>
+                  <a:srgbClr val="000000"/>
+                </a:solidFill>
+                <a:latin typeface="Consolas" panose="020B0609020204030204" pitchFamily="49" charset="0"/>
+              </a:rPr>
+              <a:t>.name(</a:t>
+            </a:r>
+            <a:r>
+              <a:rPr lang="de-DE" dirty="0">
+                <a:solidFill>
+                  <a:srgbClr val="2A00FF"/>
+                </a:solidFill>
+                <a:latin typeface="Consolas" panose="020B0609020204030204" pitchFamily="49" charset="0"/>
+              </a:rPr>
+              <a:t>"</a:t>
+            </a:r>
+            <a:r>
+              <a:rPr lang="de-DE" dirty="0" err="1">
+                <a:solidFill>
+                  <a:srgbClr val="2A00FF"/>
+                </a:solidFill>
+                <a:latin typeface="Consolas" panose="020B0609020204030204" pitchFamily="49" charset="0"/>
+              </a:rPr>
+              <a:t>hasMembers</a:t>
+            </a:r>
+            <a:r>
+              <a:rPr lang="de-DE" dirty="0">
+                <a:solidFill>
+                  <a:srgbClr val="2A00FF"/>
+                </a:solidFill>
+                <a:latin typeface="Consolas" panose="020B0609020204030204" pitchFamily="49" charset="0"/>
+              </a:rPr>
+              <a:t>"</a:t>
+            </a:r>
+            <a:r>
+              <a:rPr lang="de-DE" dirty="0">
+                <a:solidFill>
+                  <a:srgbClr val="000000"/>
+                </a:solidFill>
+                <a:latin typeface="Consolas" panose="020B0609020204030204" pitchFamily="49" charset="0"/>
+              </a:rPr>
+              <a:t>)</a:t>
+            </a:r>
+          </a:p>
+          <a:p>
+            <a:pPr marL="0" indent="0">
+              <a:buNone/>
+            </a:pPr>
+            <a:r>
+              <a:rPr lang="en-US" dirty="0" smtClean="0">
+                <a:solidFill>
+                  <a:srgbClr val="000000"/>
+                </a:solidFill>
+                <a:latin typeface="Consolas" panose="020B0609020204030204" pitchFamily="49" charset="0"/>
+              </a:rPr>
+              <a:t>              </a:t>
+            </a:r>
+            <a:r>
+              <a:rPr lang="en-US" dirty="0">
+                <a:solidFill>
+                  <a:srgbClr val="000000"/>
+                </a:solidFill>
+                <a:latin typeface="Consolas" panose="020B0609020204030204" pitchFamily="49" charset="0"/>
+              </a:rPr>
+              <a:t>.description(</a:t>
+            </a:r>
+            <a:r>
+              <a:rPr lang="en-US" dirty="0">
+                <a:solidFill>
+                  <a:srgbClr val="2A00FF"/>
+                </a:solidFill>
+                <a:latin typeface="Consolas" panose="020B0609020204030204" pitchFamily="49" charset="0"/>
+              </a:rPr>
+              <a:t>"Assigns the team to one or more persons"</a:t>
+            </a:r>
+            <a:r>
+              <a:rPr lang="en-US" dirty="0">
+                <a:solidFill>
+                  <a:srgbClr val="000000"/>
+                </a:solidFill>
+                <a:latin typeface="Consolas" panose="020B0609020204030204" pitchFamily="49" charset="0"/>
+              </a:rPr>
+              <a:t>)</a:t>
+            </a:r>
+          </a:p>
+          <a:p>
+            <a:pPr marL="0" indent="0">
+              <a:buNone/>
+            </a:pPr>
+            <a:r>
+              <a:rPr lang="de-DE" dirty="0" smtClean="0">
+                <a:solidFill>
+                  <a:srgbClr val="000000"/>
+                </a:solidFill>
+                <a:latin typeface="Consolas" panose="020B0609020204030204" pitchFamily="49" charset="0"/>
+              </a:rPr>
+              <a:t>  .</a:t>
+            </a:r>
+            <a:r>
+              <a:rPr lang="de-DE" dirty="0" err="1">
+                <a:solidFill>
+                  <a:srgbClr val="000000"/>
+                </a:solidFill>
+                <a:latin typeface="Consolas" panose="020B0609020204030204" pitchFamily="49" charset="0"/>
+              </a:rPr>
+              <a:t>build</a:t>
+            </a:r>
+            <a:r>
+              <a:rPr lang="de-DE" dirty="0" smtClean="0">
+                <a:solidFill>
+                  <a:srgbClr val="000000"/>
+                </a:solidFill>
+                <a:latin typeface="Consolas" panose="020B0609020204030204" pitchFamily="49" charset="0"/>
+              </a:rPr>
+              <a:t>();</a:t>
+            </a:r>
             <a:endParaRPr lang="de-DE" dirty="0"/>
           </a:p>
         </p:txBody>
       </p:sp>
     </p:spTree>
+    <p:extLst>
+      <p:ext uri="{BB962C8B-B14F-4D97-AF65-F5344CB8AC3E}">
+        <p14:creationId xmlns:p14="http://schemas.microsoft.com/office/powerpoint/2010/main" val="4173374469"/>
+      </p:ext>
+    </p:extLst>
   </p:cSld>
   <p:clrMapOvr>
     <a:masterClrMapping/>
@@ -3714,7 +5504,136 @@
           <a:p>
             <a:r>
               <a:rPr lang="de-DE" dirty="0" smtClean="0"/>
-              <a:t>Einfaches Modell</a:t>
+              <a:t>Live Demo</a:t>
+            </a:r>
+            <a:endParaRPr lang="de-DE" dirty="0"/>
+          </a:p>
+        </p:txBody>
+      </p:sp>
+      <p:sp>
+        <p:nvSpPr>
+          <p:cNvPr id="3" name="Inhaltsplatzhalter 2"/>
+          <p:cNvSpPr>
+            <a:spLocks noGrp="1"/>
+          </p:cNvSpPr>
+          <p:nvPr>
+            <p:ph idx="1"/>
+          </p:nvPr>
+        </p:nvSpPr>
+        <p:spPr/>
+        <p:txBody>
+          <a:bodyPr/>
+          <a:lstStyle/>
+          <a:p>
+            <a:endParaRPr lang="de-DE"/>
+          </a:p>
+        </p:txBody>
+      </p:sp>
+    </p:spTree>
+  </p:cSld>
+  <p:clrMapOvr>
+    <a:masterClrMapping/>
+  </p:clrMapOvr>
+  <p:timing>
+    <p:tnLst>
+      <p:par>
+        <p:cTn id="1" dur="indefinite" restart="never" nodeType="tmRoot"/>
+      </p:par>
+    </p:tnLst>
+  </p:timing>
+</p:sld>
+</file>
+
+<file path=ppt/slides/slide17.xml><?xml version="1.0" encoding="utf-8"?>
+<p:sld xmlns:a="http://schemas.openxmlformats.org/drawingml/2006/main" xmlns:r="http://schemas.openxmlformats.org/officeDocument/2006/relationships" xmlns:p="http://schemas.openxmlformats.org/presentationml/2006/main">
+  <p:cSld>
+    <p:spTree>
+      <p:nvGrpSpPr>
+        <p:cNvPr id="1" name=""/>
+        <p:cNvGrpSpPr/>
+        <p:nvPr/>
+      </p:nvGrpSpPr>
+      <p:grpSpPr>
+        <a:xfrm>
+          <a:off x="0" y="0"/>
+          <a:ext cx="0" cy="0"/>
+          <a:chOff x="0" y="0"/>
+          <a:chExt cx="0" cy="0"/>
+        </a:xfrm>
+      </p:grpSpPr>
+      <p:sp>
+        <p:nvSpPr>
+          <p:cNvPr id="2" name="Titel 1"/>
+          <p:cNvSpPr>
+            <a:spLocks noGrp="1"/>
+          </p:cNvSpPr>
+          <p:nvPr>
+            <p:ph type="title"/>
+          </p:nvPr>
+        </p:nvSpPr>
+        <p:spPr/>
+        <p:txBody>
+          <a:bodyPr/>
+          <a:lstStyle/>
+          <a:p>
+            <a:r>
+              <a:rPr lang="de-DE" dirty="0" smtClean="0"/>
+              <a:t>Generieren von Test-Daten</a:t>
+            </a:r>
+            <a:endParaRPr lang="de-DE" dirty="0"/>
+          </a:p>
+        </p:txBody>
+      </p:sp>
+      <p:sp>
+        <p:nvSpPr>
+          <p:cNvPr id="3" name="Inhaltsplatzhalter 2"/>
+          <p:cNvSpPr>
+            <a:spLocks noGrp="1"/>
+          </p:cNvSpPr>
+          <p:nvPr>
+            <p:ph idx="1"/>
+          </p:nvPr>
+        </p:nvSpPr>
+        <p:spPr/>
+        <p:txBody>
+          <a:bodyPr/>
+          <a:lstStyle/>
+          <a:p>
+            <a:r>
+              <a:rPr lang="de-DE" dirty="0" smtClean="0"/>
+              <a:t>Motivation:</a:t>
+            </a:r>
+          </a:p>
+          <a:p>
+            <a:endParaRPr lang="de-DE" dirty="0" smtClean="0"/>
+          </a:p>
+          <a:p>
+            <a:endParaRPr lang="de-DE" dirty="0" smtClean="0"/>
+          </a:p>
+          <a:p>
+            <a:r>
+              <a:rPr lang="de-DE" dirty="0" smtClean="0"/>
+              <a:t>Erzeugen von </a:t>
+            </a:r>
+            <a:r>
+              <a:rPr lang="de-DE" dirty="0" err="1" smtClean="0"/>
+              <a:t>DataSets</a:t>
+            </a:r>
+            <a:r>
+              <a:rPr lang="de-DE" dirty="0" smtClean="0"/>
+              <a:t>, die für möglichst alle Tests nutzbar sind</a:t>
+            </a:r>
+          </a:p>
+          <a:p>
+            <a:r>
+              <a:rPr lang="de-DE" dirty="0" smtClean="0"/>
+              <a:t>Besonderer Fokus auf Beziehungen</a:t>
+            </a:r>
+          </a:p>
+          <a:p>
+            <a:r>
+              <a:rPr lang="de-DE" dirty="0" smtClean="0"/>
+              <a:t>Angelehnt an Grenzwertanalyse</a:t>
             </a:r>
             <a:endParaRPr lang="de-DE" dirty="0"/>
           </a:p>
@@ -3722,62 +5641,21 @@
       </p:sp>
       <p:pic>
         <p:nvPicPr>
-          <p:cNvPr id="1026" name="Picture 2"/>
-          <p:cNvPicPr>
-            <a:picLocks noGrp="1" noChangeAspect="1" noChangeArrowheads="1"/>
-          </p:cNvPicPr>
-          <p:nvPr>
-            <p:ph idx="1"/>
-          </p:nvPr>
-        </p:nvPicPr>
-        <p:blipFill>
-          <a:blip r:embed="rId2" cstate="print"/>
-          <a:srcRect/>
-          <a:stretch>
-            <a:fillRect/>
-          </a:stretch>
-        </p:blipFill>
-        <p:spPr bwMode="auto">
-          <a:xfrm>
-            <a:off x="2146010" y="4293096"/>
-            <a:ext cx="4851979" cy="1765856"/>
-          </a:xfrm>
-          <a:prstGeom prst="rect">
-            <a:avLst/>
-          </a:prstGeom>
-          <a:noFill/>
-          <a:ln w="9525">
-            <a:noFill/>
-            <a:miter lim="800000"/>
-            <a:headEnd/>
-            <a:tailEnd/>
-          </a:ln>
-        </p:spPr>
-      </p:pic>
-      <p:pic>
-        <p:nvPicPr>
-          <p:cNvPr id="3" name="Grafik 2"/>
+          <p:cNvPr id="5" name="Grafik 4"/>
           <p:cNvPicPr>
             <a:picLocks noChangeAspect="1"/>
           </p:cNvPicPr>
           <p:nvPr/>
         </p:nvPicPr>
-        <p:blipFill>
-          <a:blip r:embed="rId3" cstate="print">
-            <a:extLst>
-              <a:ext uri="{28A0092B-C50C-407E-A947-70E740481C1C}">
-                <a14:useLocalDpi xmlns:a14="http://schemas.microsoft.com/office/drawing/2010/main" val="0"/>
-              </a:ext>
-            </a:extLst>
-          </a:blip>
-          <a:stretch>
-            <a:fillRect/>
-          </a:stretch>
+        <p:blipFill rotWithShape="1">
+          <a:blip r:embed="rId2"/>
+          <a:srcRect t="-3" b="56050"/>
+          <a:stretch/>
         </p:blipFill>
         <p:spPr>
           <a:xfrm>
-            <a:off x="2860850" y="1628800"/>
-            <a:ext cx="3422300" cy="1737757"/>
+            <a:off x="1632000" y="2348952"/>
+            <a:ext cx="5880000" cy="648000"/>
           </a:xfrm>
           <a:prstGeom prst="rect">
             <a:avLst/>
@@ -3799,7 +5677,376 @@
 </p:sld>
 </file>
 
-<file path=ppt/slides/slide17.xml><?xml version="1.0" encoding="utf-8"?>
+<file path=ppt/slides/slide18.xml><?xml version="1.0" encoding="utf-8"?>
+<p:sld xmlns:a="http://schemas.openxmlformats.org/drawingml/2006/main" xmlns:r="http://schemas.openxmlformats.org/officeDocument/2006/relationships" xmlns:p="http://schemas.openxmlformats.org/presentationml/2006/main">
+  <p:cSld>
+    <p:spTree>
+      <p:nvGrpSpPr>
+        <p:cNvPr id="1" name=""/>
+        <p:cNvGrpSpPr/>
+        <p:nvPr/>
+      </p:nvGrpSpPr>
+      <p:grpSpPr>
+        <a:xfrm>
+          <a:off x="0" y="0"/>
+          <a:ext cx="0" cy="0"/>
+          <a:chOff x="0" y="0"/>
+          <a:chExt cx="0" cy="0"/>
+        </a:xfrm>
+      </p:grpSpPr>
+      <p:sp>
+        <p:nvSpPr>
+          <p:cNvPr id="4" name="Inhaltsplatzhalter 3"/>
+          <p:cNvSpPr>
+            <a:spLocks noGrp="1"/>
+          </p:cNvSpPr>
+          <p:nvPr>
+            <p:ph idx="1"/>
+          </p:nvPr>
+        </p:nvSpPr>
+        <p:spPr/>
+        <p:txBody>
+          <a:bodyPr/>
+          <a:lstStyle/>
+          <a:p>
+            <a:r>
+              <a:rPr lang="de-DE" dirty="0" smtClean="0"/>
+              <a:t>ER-Modell:</a:t>
+            </a:r>
+          </a:p>
+          <a:p>
+            <a:endParaRPr lang="de-DE" dirty="0"/>
+          </a:p>
+          <a:p>
+            <a:endParaRPr lang="de-DE" dirty="0" smtClean="0"/>
+          </a:p>
+          <a:p>
+            <a:endParaRPr lang="de-DE" dirty="0"/>
+          </a:p>
+          <a:p>
+            <a:r>
+              <a:rPr lang="de-DE" dirty="0" smtClean="0"/>
+              <a:t>Datenbank-Schema:</a:t>
+            </a:r>
+            <a:endParaRPr lang="de-DE" dirty="0"/>
+          </a:p>
+        </p:txBody>
+      </p:sp>
+      <p:sp>
+        <p:nvSpPr>
+          <p:cNvPr id="2" name="Titel 1"/>
+          <p:cNvSpPr>
+            <a:spLocks noGrp="1"/>
+          </p:cNvSpPr>
+          <p:nvPr>
+            <p:ph type="title"/>
+          </p:nvPr>
+        </p:nvSpPr>
+        <p:spPr/>
+        <p:txBody>
+          <a:bodyPr/>
+          <a:lstStyle/>
+          <a:p>
+            <a:r>
+              <a:rPr lang="de-DE" dirty="0" smtClean="0"/>
+              <a:t>Einfaches </a:t>
+            </a:r>
+            <a:r>
+              <a:rPr lang="de-DE" dirty="0" smtClean="0"/>
+              <a:t>Beispiel-Modell</a:t>
+            </a:r>
+            <a:endParaRPr lang="de-DE" dirty="0"/>
+          </a:p>
+        </p:txBody>
+      </p:sp>
+      <p:pic>
+        <p:nvPicPr>
+          <p:cNvPr id="6" name="Grafik 5"/>
+          <p:cNvPicPr>
+            <a:picLocks noChangeAspect="1"/>
+          </p:cNvPicPr>
+          <p:nvPr/>
+        </p:nvPicPr>
+        <p:blipFill>
+          <a:blip r:embed="rId3"/>
+          <a:stretch>
+            <a:fillRect/>
+          </a:stretch>
+        </p:blipFill>
+        <p:spPr>
+          <a:xfrm>
+            <a:off x="1709143" y="2204864"/>
+            <a:ext cx="5725714" cy="803810"/>
+          </a:xfrm>
+          <a:prstGeom prst="rect">
+            <a:avLst/>
+          </a:prstGeom>
+        </p:spPr>
+      </p:pic>
+      <p:pic>
+        <p:nvPicPr>
+          <p:cNvPr id="7" name="Grafik 6"/>
+          <p:cNvPicPr>
+            <a:picLocks noChangeAspect="1"/>
+          </p:cNvPicPr>
+          <p:nvPr/>
+        </p:nvPicPr>
+        <p:blipFill>
+          <a:blip r:embed="rId4"/>
+          <a:stretch>
+            <a:fillRect/>
+          </a:stretch>
+        </p:blipFill>
+        <p:spPr>
+          <a:xfrm>
+            <a:off x="652000" y="4573216"/>
+            <a:ext cx="7840000" cy="800000"/>
+          </a:xfrm>
+          <a:prstGeom prst="rect">
+            <a:avLst/>
+          </a:prstGeom>
+        </p:spPr>
+      </p:pic>
+    </p:spTree>
+  </p:cSld>
+  <p:clrMapOvr>
+    <a:masterClrMapping/>
+  </p:clrMapOvr>
+  <p:timing>
+    <p:tnLst>
+      <p:par>
+        <p:cTn id="1" dur="indefinite" restart="never" nodeType="tmRoot"/>
+      </p:par>
+    </p:tnLst>
+  </p:timing>
+</p:sld>
+</file>
+
+<file path=ppt/slides/slide19.xml><?xml version="1.0" encoding="utf-8"?>
+<p:sld xmlns:a="http://schemas.openxmlformats.org/drawingml/2006/main" xmlns:r="http://schemas.openxmlformats.org/officeDocument/2006/relationships" xmlns:p="http://schemas.openxmlformats.org/presentationml/2006/main">
+  <p:cSld>
+    <p:spTree>
+      <p:nvGrpSpPr>
+        <p:cNvPr id="1" name=""/>
+        <p:cNvGrpSpPr/>
+        <p:nvPr/>
+      </p:nvGrpSpPr>
+      <p:grpSpPr>
+        <a:xfrm>
+          <a:off x="0" y="0"/>
+          <a:ext cx="0" cy="0"/>
+          <a:chOff x="0" y="0"/>
+          <a:chExt cx="0" cy="0"/>
+        </a:xfrm>
+      </p:grpSpPr>
+      <p:sp>
+        <p:nvSpPr>
+          <p:cNvPr id="2" name="Titel 1"/>
+          <p:cNvSpPr>
+            <a:spLocks noGrp="1"/>
+          </p:cNvSpPr>
+          <p:nvPr>
+            <p:ph type="title"/>
+          </p:nvPr>
+        </p:nvSpPr>
+        <p:spPr/>
+        <p:txBody>
+          <a:bodyPr/>
+          <a:lstStyle/>
+          <a:p>
+            <a:r>
+              <a:rPr lang="de-DE" dirty="0" smtClean="0"/>
+              <a:t>Der Algorithmus</a:t>
+            </a:r>
+            <a:endParaRPr lang="de-DE" dirty="0"/>
+          </a:p>
+        </p:txBody>
+      </p:sp>
+      <p:sp>
+        <p:nvSpPr>
+          <p:cNvPr id="3" name="Inhaltsplatzhalter 2"/>
+          <p:cNvSpPr>
+            <a:spLocks noGrp="1"/>
+          </p:cNvSpPr>
+          <p:nvPr>
+            <p:ph idx="1"/>
+          </p:nvPr>
+        </p:nvSpPr>
+        <p:spPr/>
+        <p:txBody>
+          <a:bodyPr/>
+          <a:lstStyle/>
+          <a:p>
+            <a:r>
+              <a:rPr lang="de-DE" dirty="0" smtClean="0"/>
+              <a:t>Betrachtet Datenbank-Schema als Graphen</a:t>
+            </a:r>
+          </a:p>
+          <a:p>
+            <a:pPr lvl="1"/>
+            <a:r>
+              <a:rPr lang="de-DE" dirty="0" smtClean="0"/>
+              <a:t>Tabellen sind Knoten</a:t>
+            </a:r>
+          </a:p>
+          <a:p>
+            <a:pPr lvl="1"/>
+            <a:r>
+              <a:rPr lang="de-DE" dirty="0" smtClean="0"/>
+              <a:t>Beziehungen sind Kanten</a:t>
+            </a:r>
+          </a:p>
+          <a:p>
+            <a:pPr lvl="1"/>
+            <a:r>
+              <a:rPr lang="de-DE" dirty="0" smtClean="0"/>
+              <a:t>Assoziative Tabellen werden als Kante betrachtet</a:t>
+            </a:r>
+          </a:p>
+          <a:p>
+            <a:r>
+              <a:rPr lang="de-DE" dirty="0" smtClean="0"/>
+              <a:t>Traversierung des Graphen entlang der Kanten</a:t>
+            </a:r>
+          </a:p>
+          <a:p>
+            <a:r>
+              <a:rPr lang="de-DE" dirty="0" smtClean="0"/>
+              <a:t>Datengenerierung für Kanten</a:t>
+            </a:r>
+            <a:endParaRPr lang="de-DE" dirty="0"/>
+          </a:p>
+        </p:txBody>
+      </p:sp>
+    </p:spTree>
+    <p:extLst>
+      <p:ext uri="{BB962C8B-B14F-4D97-AF65-F5344CB8AC3E}">
+        <p14:creationId xmlns:p14="http://schemas.microsoft.com/office/powerpoint/2010/main" val="3660273565"/>
+      </p:ext>
+    </p:extLst>
+  </p:cSld>
+  <p:clrMapOvr>
+    <a:masterClrMapping/>
+  </p:clrMapOvr>
+</p:sld>
+</file>
+
+<file path=ppt/slides/slide2.xml><?xml version="1.0" encoding="utf-8"?>
+<p:sld xmlns:a="http://schemas.openxmlformats.org/drawingml/2006/main" xmlns:r="http://schemas.openxmlformats.org/officeDocument/2006/relationships" xmlns:p="http://schemas.openxmlformats.org/presentationml/2006/main">
+  <p:cSld>
+    <p:spTree>
+      <p:nvGrpSpPr>
+        <p:cNvPr id="1" name=""/>
+        <p:cNvGrpSpPr/>
+        <p:nvPr/>
+      </p:nvGrpSpPr>
+      <p:grpSpPr>
+        <a:xfrm>
+          <a:off x="0" y="0"/>
+          <a:ext cx="0" cy="0"/>
+          <a:chOff x="0" y="0"/>
+          <a:chExt cx="0" cy="0"/>
+        </a:xfrm>
+      </p:grpSpPr>
+      <p:sp>
+        <p:nvSpPr>
+          <p:cNvPr id="2" name="Titel 1"/>
+          <p:cNvSpPr>
+            <a:spLocks noGrp="1"/>
+          </p:cNvSpPr>
+          <p:nvPr>
+            <p:ph type="title"/>
+          </p:nvPr>
+        </p:nvSpPr>
+        <p:spPr/>
+        <p:txBody>
+          <a:bodyPr/>
+          <a:lstStyle/>
+          <a:p>
+            <a:r>
+              <a:rPr lang="de-DE" dirty="0" smtClean="0"/>
+              <a:t>Motivation</a:t>
+            </a:r>
+            <a:endParaRPr lang="de-DE" dirty="0"/>
+          </a:p>
+        </p:txBody>
+      </p:sp>
+      <p:sp>
+        <p:nvSpPr>
+          <p:cNvPr id="3" name="Inhaltsplatzhalter 2"/>
+          <p:cNvSpPr>
+            <a:spLocks noGrp="1"/>
+          </p:cNvSpPr>
+          <p:nvPr>
+            <p:ph idx="1"/>
+          </p:nvPr>
+        </p:nvSpPr>
+        <p:spPr/>
+        <p:txBody>
+          <a:bodyPr/>
+          <a:lstStyle/>
+          <a:p>
+            <a:r>
+              <a:rPr lang="de-DE" dirty="0" smtClean="0"/>
+              <a:t>Datenbank-Tests benötigen Test-Daten (</a:t>
+            </a:r>
+            <a:r>
+              <a:rPr lang="de-DE" dirty="0" err="1" smtClean="0"/>
+              <a:t>DataSets</a:t>
+            </a:r>
+            <a:r>
+              <a:rPr lang="de-DE" dirty="0" smtClean="0"/>
+              <a:t>)</a:t>
+            </a:r>
+          </a:p>
+          <a:p>
+            <a:r>
+              <a:rPr lang="de-DE" dirty="0" smtClean="0"/>
+              <a:t>Varianten bei </a:t>
+            </a:r>
+            <a:r>
+              <a:rPr lang="de-DE" dirty="0" smtClean="0"/>
+              <a:t>der Modellierung der Daten</a:t>
+            </a:r>
+          </a:p>
+          <a:p>
+            <a:pPr lvl="1"/>
+            <a:r>
+              <a:rPr lang="de-DE" dirty="0" smtClean="0"/>
+              <a:t>Extern</a:t>
+            </a:r>
+          </a:p>
+          <a:p>
+            <a:pPr lvl="1"/>
+            <a:r>
+              <a:rPr lang="de-DE" dirty="0" smtClean="0"/>
+              <a:t>Intern</a:t>
+            </a:r>
+          </a:p>
+          <a:p>
+            <a:r>
+              <a:rPr lang="de-DE" dirty="0" smtClean="0"/>
+              <a:t>Beziehungen meist unübersichtlich</a:t>
+            </a:r>
+          </a:p>
+        </p:txBody>
+      </p:sp>
+    </p:spTree>
+  </p:cSld>
+  <p:clrMapOvr>
+    <a:masterClrMapping/>
+  </p:clrMapOvr>
+  <p:timing>
+    <p:tnLst>
+      <p:par>
+        <p:cTn id="1" dur="indefinite" restart="never" nodeType="tmRoot"/>
+      </p:par>
+    </p:tnLst>
+  </p:timing>
+</p:sld>
+</file>
+
+<file path=ppt/slides/slide20.xml><?xml version="1.0" encoding="utf-8"?>
 <p:sld xmlns:a="http://schemas.openxmlformats.org/drawingml/2006/main" xmlns:r="http://schemas.openxmlformats.org/officeDocument/2006/relationships" xmlns:p="http://schemas.openxmlformats.org/presentationml/2006/main">
   <p:cSld>
     <p:spTree>
@@ -3897,7 +6144,7 @@
 </p:sld>
 </file>
 
-<file path=ppt/slides/slide18.xml><?xml version="1.0" encoding="utf-8"?>
+<file path=ppt/slides/slide21.xml><?xml version="1.0" encoding="utf-8"?>
 <p:sld xmlns:a="http://schemas.openxmlformats.org/drawingml/2006/main" xmlns:r="http://schemas.openxmlformats.org/officeDocument/2006/relationships" xmlns:p="http://schemas.openxmlformats.org/presentationml/2006/main">
   <p:cSld>
     <p:spTree>
@@ -3995,7 +6242,7 @@
 </p:sld>
 </file>
 
-<file path=ppt/slides/slide19.xml><?xml version="1.0" encoding="utf-8"?>
+<file path=ppt/slides/slide22.xml><?xml version="1.0" encoding="utf-8"?>
 <p:sld xmlns:a="http://schemas.openxmlformats.org/drawingml/2006/main" xmlns:r="http://schemas.openxmlformats.org/officeDocument/2006/relationships" xmlns:p="http://schemas.openxmlformats.org/presentationml/2006/main">
   <p:cSld>
     <p:spTree>
@@ -4093,7 +6340,7 @@
 </p:sld>
 </file>
 
-<file path=ppt/slides/slide2.xml><?xml version="1.0" encoding="utf-8"?>
+<file path=ppt/slides/slide23.xml><?xml version="1.0" encoding="utf-8"?>
 <p:sld xmlns:a="http://schemas.openxmlformats.org/drawingml/2006/main" xmlns:r="http://schemas.openxmlformats.org/officeDocument/2006/relationships" xmlns:p="http://schemas.openxmlformats.org/presentationml/2006/main">
   <p:cSld>
     <p:spTree>
@@ -4127,7 +6374,7 @@
           <a:p>
             <a:r>
               <a:rPr lang="de-DE" dirty="0" smtClean="0"/>
-              <a:t>Motivation</a:t>
+              <a:t>Live Demo</a:t>
             </a:r>
             <a:endParaRPr lang="de-DE" dirty="0"/>
           </a:p>
@@ -4148,44 +6395,7 @@
           <a:bodyPr/>
           <a:lstStyle/>
           <a:p>
-            <a:r>
-              <a:rPr lang="de-DE" dirty="0" smtClean="0"/>
-              <a:t>Datenbank-Tests benötigen Test-Daten (</a:t>
-            </a:r>
-            <a:r>
-              <a:rPr lang="de-DE" dirty="0" err="1" smtClean="0"/>
-              <a:t>DataSets</a:t>
-            </a:r>
-            <a:r>
-              <a:rPr lang="de-DE" dirty="0" smtClean="0"/>
-              <a:t>)</a:t>
-            </a:r>
-          </a:p>
-          <a:p>
-            <a:r>
-              <a:rPr lang="de-DE" dirty="0" smtClean="0"/>
-              <a:t>Probleme bei der Modellierung der Daten</a:t>
-            </a:r>
-          </a:p>
-          <a:p>
-            <a:pPr lvl="1"/>
-            <a:r>
-              <a:rPr lang="de-DE" dirty="0" smtClean="0"/>
-              <a:t>Extern</a:t>
-            </a:r>
-          </a:p>
-          <a:p>
-            <a:pPr lvl="1"/>
-            <a:r>
-              <a:rPr lang="de-DE" dirty="0" smtClean="0"/>
-              <a:t>Intern</a:t>
-            </a:r>
-          </a:p>
-          <a:p>
-            <a:r>
-              <a:rPr lang="de-DE" dirty="0" smtClean="0"/>
-              <a:t>Beziehungen meist unübersichtlich</a:t>
-            </a:r>
+            <a:endParaRPr lang="de-DE"/>
           </a:p>
         </p:txBody>
       </p:sp>
@@ -4204,7 +6414,7 @@
 </p:sld>
 </file>
 
-<file path=ppt/slides/slide20.xml><?xml version="1.0" encoding="utf-8"?>
+<file path=ppt/slides/slide24.xml><?xml version="1.0" encoding="utf-8"?>
 <p:sld xmlns:a="http://schemas.openxmlformats.org/drawingml/2006/main" xmlns:r="http://schemas.openxmlformats.org/officeDocument/2006/relationships" xmlns:p="http://schemas.openxmlformats.org/presentationml/2006/main">
   <p:cSld>
     <p:spTree>
@@ -4238,6 +6448,102 @@
           <a:p>
             <a:r>
               <a:rPr lang="de-DE" dirty="0" smtClean="0"/>
+              <a:t>STU Database Tool</a:t>
+            </a:r>
+            <a:endParaRPr lang="de-DE" dirty="0"/>
+          </a:p>
+        </p:txBody>
+      </p:sp>
+      <p:sp>
+        <p:nvSpPr>
+          <p:cNvPr id="3" name="Inhaltsplatzhalter 2"/>
+          <p:cNvSpPr>
+            <a:spLocks noGrp="1"/>
+          </p:cNvSpPr>
+          <p:nvPr>
+            <p:ph idx="1"/>
+          </p:nvPr>
+        </p:nvSpPr>
+        <p:spPr/>
+        <p:txBody>
+          <a:bodyPr/>
+          <a:lstStyle/>
+          <a:p>
+            <a:endParaRPr lang="de-DE" dirty="0"/>
+          </a:p>
+        </p:txBody>
+      </p:sp>
+      <p:pic>
+        <p:nvPicPr>
+          <p:cNvPr id="4" name="Grafik 3"/>
+          <p:cNvPicPr>
+            <a:picLocks noChangeAspect="1"/>
+          </p:cNvPicPr>
+          <p:nvPr/>
+        </p:nvPicPr>
+        <p:blipFill>
+          <a:blip r:embed="rId2"/>
+          <a:stretch>
+            <a:fillRect/>
+          </a:stretch>
+        </p:blipFill>
+        <p:spPr>
+          <a:xfrm>
+            <a:off x="1632000" y="3126038"/>
+            <a:ext cx="5880000" cy="1474286"/>
+          </a:xfrm>
+          <a:prstGeom prst="rect">
+            <a:avLst/>
+          </a:prstGeom>
+        </p:spPr>
+      </p:pic>
+    </p:spTree>
+    <p:extLst>
+      <p:ext uri="{BB962C8B-B14F-4D97-AF65-F5344CB8AC3E}">
+        <p14:creationId xmlns:p14="http://schemas.microsoft.com/office/powerpoint/2010/main" val="81175283"/>
+      </p:ext>
+    </p:extLst>
+  </p:cSld>
+  <p:clrMapOvr>
+    <a:masterClrMapping/>
+  </p:clrMapOvr>
+</p:sld>
+</file>
+
+<file path=ppt/slides/slide25.xml><?xml version="1.0" encoding="utf-8"?>
+<p:sld xmlns:a="http://schemas.openxmlformats.org/drawingml/2006/main" xmlns:r="http://schemas.openxmlformats.org/officeDocument/2006/relationships" xmlns:p="http://schemas.openxmlformats.org/presentationml/2006/main">
+  <p:cSld>
+    <p:spTree>
+      <p:nvGrpSpPr>
+        <p:cNvPr id="1" name=""/>
+        <p:cNvGrpSpPr/>
+        <p:nvPr/>
+      </p:nvGrpSpPr>
+      <p:grpSpPr>
+        <a:xfrm>
+          <a:off x="0" y="0"/>
+          <a:ext cx="0" cy="0"/>
+          <a:chOff x="0" y="0"/>
+          <a:chExt cx="0" cy="0"/>
+        </a:xfrm>
+      </p:grpSpPr>
+      <p:sp>
+        <p:nvSpPr>
+          <p:cNvPr id="2" name="Titel 1"/>
+          <p:cNvSpPr>
+            <a:spLocks noGrp="1"/>
+          </p:cNvSpPr>
+          <p:nvPr>
+            <p:ph type="title"/>
+          </p:nvPr>
+        </p:nvSpPr>
+        <p:spPr/>
+        <p:txBody>
+          <a:bodyPr/>
+          <a:lstStyle/>
+          <a:p>
+            <a:r>
+              <a:rPr lang="de-DE" dirty="0" smtClean="0"/>
               <a:t>Live Demo</a:t>
             </a:r>
             <a:endParaRPr lang="de-DE" dirty="0"/>
@@ -4264,6 +6570,11 @@
         </p:txBody>
       </p:sp>
     </p:spTree>
+    <p:extLst>
+      <p:ext uri="{BB962C8B-B14F-4D97-AF65-F5344CB8AC3E}">
+        <p14:creationId xmlns:p14="http://schemas.microsoft.com/office/powerpoint/2010/main" val="2615722856"/>
+      </p:ext>
+    </p:extLst>
   </p:cSld>
   <p:clrMapOvr>
     <a:masterClrMapping/>
@@ -4275,6 +6586,323 @@
       </p:par>
     </p:tnLst>
   </p:timing>
+</p:sld>
+</file>
+
+<file path=ppt/slides/slide26.xml><?xml version="1.0" encoding="utf-8"?>
+<p:sld xmlns:a="http://schemas.openxmlformats.org/drawingml/2006/main" xmlns:r="http://schemas.openxmlformats.org/officeDocument/2006/relationships" xmlns:p="http://schemas.openxmlformats.org/presentationml/2006/main">
+  <p:cSld>
+    <p:spTree>
+      <p:nvGrpSpPr>
+        <p:cNvPr id="1" name=""/>
+        <p:cNvGrpSpPr/>
+        <p:nvPr/>
+      </p:nvGrpSpPr>
+      <p:grpSpPr>
+        <a:xfrm>
+          <a:off x="0" y="0"/>
+          <a:ext cx="0" cy="0"/>
+          <a:chOff x="0" y="0"/>
+          <a:chExt cx="0" cy="0"/>
+        </a:xfrm>
+      </p:grpSpPr>
+      <p:sp>
+        <p:nvSpPr>
+          <p:cNvPr id="2" name="Titel 1"/>
+          <p:cNvSpPr>
+            <a:spLocks noGrp="1"/>
+          </p:cNvSpPr>
+          <p:nvPr>
+            <p:ph type="title"/>
+          </p:nvPr>
+        </p:nvSpPr>
+        <p:spPr/>
+        <p:txBody>
+          <a:bodyPr/>
+          <a:lstStyle/>
+          <a:p>
+            <a:r>
+              <a:rPr lang="de-DE" dirty="0" smtClean="0"/>
+              <a:t>Ausblick</a:t>
+            </a:r>
+            <a:endParaRPr lang="de-DE" dirty="0"/>
+          </a:p>
+        </p:txBody>
+      </p:sp>
+      <p:sp>
+        <p:nvSpPr>
+          <p:cNvPr id="3" name="Inhaltsplatzhalter 2"/>
+          <p:cNvSpPr>
+            <a:spLocks noGrp="1"/>
+          </p:cNvSpPr>
+          <p:nvPr>
+            <p:ph idx="1"/>
+          </p:nvPr>
+        </p:nvSpPr>
+        <p:spPr>
+          <a:xfrm>
+            <a:off x="457200" y="1600200"/>
+            <a:ext cx="8229600" cy="4997152"/>
+          </a:xfrm>
+        </p:spPr>
+        <p:txBody>
+          <a:bodyPr>
+            <a:normAutofit/>
+          </a:bodyPr>
+          <a:lstStyle/>
+          <a:p>
+            <a:r>
+              <a:rPr lang="de-DE" dirty="0" smtClean="0"/>
+              <a:t>Berücksichtigung von Abhängigkeiten bei der Daten-Generierung</a:t>
+            </a:r>
+          </a:p>
+          <a:p>
+            <a:pPr lvl="1"/>
+            <a:r>
+              <a:rPr lang="de-DE" dirty="0" smtClean="0"/>
+              <a:t>Auf </a:t>
+            </a:r>
+            <a:r>
+              <a:rPr lang="de-DE" dirty="0"/>
+              <a:t>Werte-Ebene</a:t>
+            </a:r>
+          </a:p>
+          <a:p>
+            <a:pPr lvl="1"/>
+            <a:r>
+              <a:rPr lang="de-DE" dirty="0" smtClean="0"/>
+              <a:t>Auf Beziehungsebene</a:t>
+            </a:r>
+          </a:p>
+          <a:p>
+            <a:r>
+              <a:rPr lang="de-DE" dirty="0" smtClean="0"/>
+              <a:t>Mehr Zufall beim Erzeugen von Beziehungen</a:t>
+            </a:r>
+          </a:p>
+        </p:txBody>
+      </p:sp>
+    </p:spTree>
+    <p:extLst>
+      <p:ext uri="{BB962C8B-B14F-4D97-AF65-F5344CB8AC3E}">
+        <p14:creationId xmlns:p14="http://schemas.microsoft.com/office/powerpoint/2010/main" val="753877205"/>
+      </p:ext>
+    </p:extLst>
+  </p:cSld>
+  <p:clrMapOvr>
+    <a:masterClrMapping/>
+  </p:clrMapOvr>
+</p:sld>
+</file>
+
+<file path=ppt/slides/slide27.xml><?xml version="1.0" encoding="utf-8"?>
+<p:sld xmlns:a="http://schemas.openxmlformats.org/drawingml/2006/main" xmlns:r="http://schemas.openxmlformats.org/officeDocument/2006/relationships" xmlns:p="http://schemas.openxmlformats.org/presentationml/2006/main">
+  <p:cSld>
+    <p:spTree>
+      <p:nvGrpSpPr>
+        <p:cNvPr id="1" name=""/>
+        <p:cNvGrpSpPr/>
+        <p:nvPr/>
+      </p:nvGrpSpPr>
+      <p:grpSpPr>
+        <a:xfrm>
+          <a:off x="0" y="0"/>
+          <a:ext cx="0" cy="0"/>
+          <a:chOff x="0" y="0"/>
+          <a:chExt cx="0" cy="0"/>
+        </a:xfrm>
+      </p:grpSpPr>
+      <p:sp>
+        <p:nvSpPr>
+          <p:cNvPr id="2" name="Titel 1"/>
+          <p:cNvSpPr>
+            <a:spLocks noGrp="1"/>
+          </p:cNvSpPr>
+          <p:nvPr>
+            <p:ph type="title"/>
+          </p:nvPr>
+        </p:nvSpPr>
+        <p:spPr/>
+        <p:txBody>
+          <a:bodyPr/>
+          <a:lstStyle/>
+          <a:p>
+            <a:r>
+              <a:rPr lang="de-DE" dirty="0" smtClean="0"/>
+              <a:t>Ausblick STU Database Tool</a:t>
+            </a:r>
+            <a:endParaRPr lang="de-DE" dirty="0"/>
+          </a:p>
+        </p:txBody>
+      </p:sp>
+      <p:sp>
+        <p:nvSpPr>
+          <p:cNvPr id="3" name="Inhaltsplatzhalter 2"/>
+          <p:cNvSpPr>
+            <a:spLocks noGrp="1"/>
+          </p:cNvSpPr>
+          <p:nvPr>
+            <p:ph idx="1"/>
+          </p:nvPr>
+        </p:nvSpPr>
+        <p:spPr>
+          <a:xfrm>
+            <a:off x="457200" y="1600200"/>
+            <a:ext cx="8229600" cy="4997152"/>
+          </a:xfrm>
+        </p:spPr>
+        <p:txBody>
+          <a:bodyPr>
+            <a:normAutofit/>
+          </a:bodyPr>
+          <a:lstStyle/>
+          <a:p>
+            <a:r>
+              <a:rPr lang="de-DE" dirty="0" smtClean="0"/>
+              <a:t>Unterstützung weiterer Datenbanken</a:t>
+            </a:r>
+          </a:p>
+          <a:p>
+            <a:r>
+              <a:rPr lang="de-DE" dirty="0" smtClean="0"/>
+              <a:t>Nutzung bestehender Daten für Test-Daten-Generierung</a:t>
+            </a:r>
+          </a:p>
+          <a:p>
+            <a:r>
+              <a:rPr lang="de-DE" dirty="0" smtClean="0"/>
+              <a:t>Erzeugen </a:t>
+            </a:r>
+            <a:r>
+              <a:rPr lang="de-DE" dirty="0"/>
+              <a:t>der DSL-Klassen</a:t>
+            </a:r>
+          </a:p>
+          <a:p>
+            <a:r>
+              <a:rPr lang="de-DE" dirty="0"/>
+              <a:t>Einspielen der generieren Werte in Datenbank</a:t>
+            </a:r>
+          </a:p>
+          <a:p>
+            <a:r>
+              <a:rPr lang="de-DE" dirty="0" smtClean="0"/>
+              <a:t>Manuelle Modellierung </a:t>
+            </a:r>
+            <a:r>
+              <a:rPr lang="de-DE" dirty="0"/>
+              <a:t>des DB-Schema </a:t>
+            </a:r>
+            <a:r>
+              <a:rPr lang="de-DE" dirty="0" smtClean="0"/>
+              <a:t>ermöglichen</a:t>
+            </a:r>
+          </a:p>
+          <a:p>
+            <a:r>
+              <a:rPr lang="de-DE" dirty="0" smtClean="0"/>
+              <a:t>Grafische Darstellung der erzeugten Entitäten (bzw. Beziehungen)</a:t>
+            </a:r>
+            <a:endParaRPr lang="de-DE" dirty="0"/>
+          </a:p>
+        </p:txBody>
+      </p:sp>
+    </p:spTree>
+    <p:extLst>
+      <p:ext uri="{BB962C8B-B14F-4D97-AF65-F5344CB8AC3E}">
+        <p14:creationId xmlns:p14="http://schemas.microsoft.com/office/powerpoint/2010/main" val="3768460930"/>
+      </p:ext>
+    </p:extLst>
+  </p:cSld>
+  <p:clrMapOvr>
+    <a:masterClrMapping/>
+  </p:clrMapOvr>
+</p:sld>
+</file>
+
+<file path=ppt/slides/slide28.xml><?xml version="1.0" encoding="utf-8"?>
+<p:sld xmlns:a="http://schemas.openxmlformats.org/drawingml/2006/main" xmlns:r="http://schemas.openxmlformats.org/officeDocument/2006/relationships" xmlns:p="http://schemas.openxmlformats.org/presentationml/2006/main">
+  <p:cSld>
+    <p:spTree>
+      <p:nvGrpSpPr>
+        <p:cNvPr id="1" name=""/>
+        <p:cNvGrpSpPr/>
+        <p:nvPr/>
+      </p:nvGrpSpPr>
+      <p:grpSpPr>
+        <a:xfrm>
+          <a:off x="0" y="0"/>
+          <a:ext cx="0" cy="0"/>
+          <a:chOff x="0" y="0"/>
+          <a:chExt cx="0" cy="0"/>
+        </a:xfrm>
+      </p:grpSpPr>
+      <p:sp>
+        <p:nvSpPr>
+          <p:cNvPr id="2" name="Titel 1"/>
+          <p:cNvSpPr>
+            <a:spLocks noGrp="1"/>
+          </p:cNvSpPr>
+          <p:nvPr>
+            <p:ph type="title"/>
+          </p:nvPr>
+        </p:nvSpPr>
+        <p:spPr/>
+        <p:txBody>
+          <a:bodyPr/>
+          <a:lstStyle/>
+          <a:p>
+            <a:r>
+              <a:rPr lang="de-DE" dirty="0" smtClean="0"/>
+              <a:t>Fragen und Diskussion</a:t>
+            </a:r>
+            <a:endParaRPr lang="de-DE" dirty="0"/>
+          </a:p>
+        </p:txBody>
+      </p:sp>
+      <p:sp>
+        <p:nvSpPr>
+          <p:cNvPr id="3" name="Inhaltsplatzhalter 2"/>
+          <p:cNvSpPr>
+            <a:spLocks noGrp="1"/>
+          </p:cNvSpPr>
+          <p:nvPr>
+            <p:ph idx="1"/>
+          </p:nvPr>
+        </p:nvSpPr>
+        <p:spPr/>
+        <p:txBody>
+          <a:bodyPr>
+            <a:normAutofit/>
+          </a:bodyPr>
+          <a:lstStyle/>
+          <a:p>
+            <a:pPr marL="0" indent="0" algn="ctr">
+              <a:buNone/>
+            </a:pPr>
+            <a:endParaRPr lang="de-DE" dirty="0" smtClean="0"/>
+          </a:p>
+          <a:p>
+            <a:pPr marL="0" indent="0" algn="ctr">
+              <a:buNone/>
+            </a:pPr>
+            <a:r>
+              <a:rPr lang="de-DE" sz="6000" dirty="0" smtClean="0"/>
+              <a:t>Vielen Dank für die Aufmerksamkeit!</a:t>
+            </a:r>
+          </a:p>
+        </p:txBody>
+      </p:sp>
+    </p:spTree>
+    <p:extLst>
+      <p:ext uri="{BB962C8B-B14F-4D97-AF65-F5344CB8AC3E}">
+        <p14:creationId xmlns:p14="http://schemas.microsoft.com/office/powerpoint/2010/main" val="2234960054"/>
+      </p:ext>
+    </p:extLst>
+  </p:cSld>
+  <p:clrMapOvr>
+    <a:masterClrMapping/>
+  </p:clrMapOvr>
 </p:sld>
 </file>
 
@@ -5516,7 +8144,7 @@
         <p:spPr>
           <a:xfrm>
             <a:off x="899592" y="2327969"/>
-            <a:ext cx="7488832" cy="3693319"/>
+            <a:ext cx="7488832" cy="3139321"/>
           </a:xfrm>
           <a:prstGeom prst="rect">
             <a:avLst/>
@@ -5533,16 +8161,16 @@
                 <a:solidFill>
                   <a:srgbClr val="0000C0"/>
                 </a:solidFill>
-                <a:latin typeface="Consolas" pitchFamily="49" charset="0"/>
-              </a:rPr>
-              <a:t>jobsTable</a:t>
+                <a:latin typeface="Consolas" panose="020B0609020204030204" pitchFamily="49" charset="0"/>
+              </a:rPr>
+              <a:t>teamsTable</a:t>
             </a:r>
             <a:r>
               <a:rPr lang="de-DE" dirty="0" err="1" smtClean="0">
                 <a:solidFill>
                   <a:srgbClr val="000000"/>
                 </a:solidFill>
-                <a:latin typeface="Consolas" pitchFamily="49" charset="0"/>
+                <a:latin typeface="Consolas" panose="020B0609020204030204" pitchFamily="49" charset="0"/>
               </a:rPr>
               <a:t>.rows</a:t>
             </a:r>
@@ -5551,9 +8179,18 @@
                 <a:solidFill>
                   <a:srgbClr val="000000"/>
                 </a:solidFill>
-                <a:latin typeface="Consolas" pitchFamily="49" charset="0"/>
-              </a:rPr>
-              <a:t> {</a:t>
+                <a:latin typeface="Consolas" panose="020B0609020204030204" pitchFamily="49" charset="0"/>
+              </a:rPr>
+              <a:t> </a:t>
+            </a:r>
+            <a:r>
+              <a:rPr lang="de-DE" dirty="0">
+                <a:solidFill>
+                  <a:srgbClr val="000000"/>
+                </a:solidFill>
+                <a:latin typeface="Consolas" panose="020B0609020204030204" pitchFamily="49" charset="0"/>
+              </a:rPr>
+              <a:t>{</a:t>
             </a:r>
           </a:p>
           <a:p>
@@ -5562,7 +8199,7 @@
                 <a:solidFill>
                   <a:srgbClr val="0000C0"/>
                 </a:solidFill>
-                <a:latin typeface="Consolas" pitchFamily="49" charset="0"/>
+                <a:latin typeface="Consolas" panose="020B0609020204030204" pitchFamily="49" charset="0"/>
               </a:rPr>
               <a:t>  REF</a:t>
             </a:r>
@@ -5571,34 +8208,52 @@
                 <a:solidFill>
                   <a:srgbClr val="000000"/>
                 </a:solidFill>
-                <a:latin typeface="Consolas" pitchFamily="49" charset="0"/>
-              </a:rPr>
-              <a:t> | </a:t>
+                <a:latin typeface="Consolas" panose="020B0609020204030204" pitchFamily="49" charset="0"/>
+              </a:rPr>
+              <a:t>  </a:t>
+            </a:r>
+            <a:r>
+              <a:rPr lang="de-DE" dirty="0">
+                <a:solidFill>
+                  <a:srgbClr val="000000"/>
+                </a:solidFill>
+                <a:latin typeface="Consolas" panose="020B0609020204030204" pitchFamily="49" charset="0"/>
+              </a:rPr>
+              <a:t>| </a:t>
+            </a:r>
+            <a:r>
+              <a:rPr lang="de-DE" dirty="0">
+                <a:solidFill>
+                  <a:srgbClr val="0000C0"/>
+                </a:solidFill>
+                <a:latin typeface="Consolas" panose="020B0609020204030204" pitchFamily="49" charset="0"/>
+              </a:rPr>
+              <a:t>title</a:t>
+            </a:r>
+            <a:r>
+              <a:rPr lang="de-DE" dirty="0">
+                <a:solidFill>
+                  <a:srgbClr val="000000"/>
+                </a:solidFill>
+                <a:latin typeface="Consolas" panose="020B0609020204030204" pitchFamily="49" charset="0"/>
+              </a:rPr>
+              <a:t>               </a:t>
             </a:r>
             <a:r>
               <a:rPr lang="de-DE" dirty="0" smtClean="0">
                 <a:solidFill>
+                  <a:srgbClr val="000000"/>
+                </a:solidFill>
+                <a:latin typeface="Consolas" panose="020B0609020204030204" pitchFamily="49" charset="0"/>
+              </a:rPr>
+              <a:t>| </a:t>
+            </a:r>
+            <a:r>
+              <a:rPr lang="de-DE" dirty="0" err="1" smtClean="0">
+                <a:solidFill>
                   <a:srgbClr val="0000C0"/>
                 </a:solidFill>
-                <a:latin typeface="Consolas" pitchFamily="49" charset="0"/>
-              </a:rPr>
-              <a:t>title</a:t>
-            </a:r>
-            <a:r>
-              <a:rPr lang="de-DE" dirty="0" smtClean="0">
-                <a:solidFill>
-                  <a:srgbClr val="000000"/>
-                </a:solidFill>
-                <a:latin typeface="Consolas" pitchFamily="49" charset="0"/>
-              </a:rPr>
-              <a:t>                 | </a:t>
-            </a:r>
-            <a:r>
-              <a:rPr lang="de-DE" dirty="0" err="1" smtClean="0">
-                <a:solidFill>
-                  <a:srgbClr val="0000C0"/>
-                </a:solidFill>
-                <a:latin typeface="Consolas" pitchFamily="49" charset="0"/>
+                <a:latin typeface="Consolas" panose="020B0609020204030204" pitchFamily="49" charset="0"/>
               </a:rPr>
               <a:t>description</a:t>
             </a:r>
@@ -5606,7 +8261,7 @@
               <a:solidFill>
                 <a:srgbClr val="0000C0"/>
               </a:solidFill>
-              <a:latin typeface="Consolas" pitchFamily="49" charset="0"/>
+              <a:latin typeface="Consolas" panose="020B0609020204030204" pitchFamily="49" charset="0"/>
             </a:endParaRPr>
           </a:p>
           <a:p>
@@ -5615,7 +8270,7 @@
                 <a:solidFill>
                   <a:srgbClr val="000000"/>
                 </a:solidFill>
-                <a:latin typeface="Consolas" pitchFamily="49" charset="0"/>
+                <a:latin typeface="Consolas" panose="020B0609020204030204" pitchFamily="49" charset="0"/>
               </a:rPr>
               <a:t>  </a:t>
             </a:r>
@@ -5624,336 +8279,212 @@
                 <a:solidFill>
                   <a:srgbClr val="0000C0"/>
                 </a:solidFill>
-                <a:latin typeface="Consolas" pitchFamily="49" charset="0"/>
-              </a:rPr>
-              <a:t>SWD</a:t>
-            </a:r>
-            <a:r>
-              <a:rPr lang="en-US" i="1" dirty="0" smtClean="0">
-                <a:solidFill>
-                  <a:srgbClr val="000000"/>
-                </a:solidFill>
-                <a:latin typeface="Consolas" pitchFamily="49" charset="0"/>
+                <a:latin typeface="Consolas" panose="020B0609020204030204" pitchFamily="49" charset="0"/>
+              </a:rPr>
+              <a:t>QA</a:t>
+            </a:r>
+            <a:r>
+              <a:rPr lang="en-US" dirty="0" smtClean="0">
+                <a:solidFill>
+                  <a:srgbClr val="000000"/>
+                </a:solidFill>
+                <a:latin typeface="Consolas" panose="020B0609020204030204" pitchFamily="49" charset="0"/>
+              </a:rPr>
+              <a:t>   | </a:t>
+            </a:r>
+            <a:r>
+              <a:rPr lang="en-US" dirty="0" smtClean="0">
+                <a:solidFill>
+                  <a:srgbClr val="FF00CC"/>
+                </a:solidFill>
+                <a:latin typeface="Consolas" panose="020B0609020204030204" pitchFamily="49" charset="0"/>
+              </a:rPr>
+              <a:t>"Quality Assurance"</a:t>
+            </a:r>
+            <a:r>
+              <a:rPr lang="en-US" dirty="0" smtClean="0">
+                <a:solidFill>
+                  <a:srgbClr val="000000"/>
+                </a:solidFill>
+                <a:latin typeface="Consolas" panose="020B0609020204030204" pitchFamily="49" charset="0"/>
+              </a:rPr>
+              <a:t> | </a:t>
+            </a:r>
+            <a:r>
+              <a:rPr lang="en-US" dirty="0" smtClean="0">
+                <a:solidFill>
+                  <a:srgbClr val="FF00CC"/>
+                </a:solidFill>
+                <a:latin typeface="Consolas" panose="020B0609020204030204" pitchFamily="49" charset="0"/>
+              </a:rPr>
+              <a:t>"Verifies software"</a:t>
+            </a:r>
+            <a:endParaRPr lang="de-DE" dirty="0">
+              <a:solidFill>
+                <a:srgbClr val="000000"/>
+              </a:solidFill>
+              <a:latin typeface="Consolas" panose="020B0609020204030204" pitchFamily="49" charset="0"/>
+            </a:endParaRPr>
+          </a:p>
+          <a:p>
+            <a:r>
+              <a:rPr lang="de-DE" dirty="0" smtClean="0">
+                <a:solidFill>
+                  <a:srgbClr val="000000"/>
+                </a:solidFill>
+                <a:latin typeface="Consolas" panose="020B0609020204030204" pitchFamily="49" charset="0"/>
+              </a:rPr>
+              <a:t>}</a:t>
+            </a:r>
+          </a:p>
+          <a:p>
+            <a:endParaRPr lang="de-DE" dirty="0">
+              <a:latin typeface="Consolas" panose="020B0609020204030204" pitchFamily="49" charset="0"/>
+            </a:endParaRPr>
+          </a:p>
+          <a:p>
+            <a:r>
+              <a:rPr lang="de-DE" dirty="0" err="1" smtClean="0">
+                <a:solidFill>
+                  <a:srgbClr val="0000C0"/>
+                </a:solidFill>
+                <a:latin typeface="Consolas" panose="020B0609020204030204" pitchFamily="49" charset="0"/>
+              </a:rPr>
+              <a:t>personsTable</a:t>
+            </a:r>
+            <a:r>
+              <a:rPr lang="de-DE" dirty="0" err="1" smtClean="0">
+                <a:solidFill>
+                  <a:srgbClr val="000000"/>
+                </a:solidFill>
+                <a:latin typeface="Consolas" panose="020B0609020204030204" pitchFamily="49" charset="0"/>
+              </a:rPr>
+              <a:t>.rows</a:t>
+            </a:r>
+            <a:r>
+              <a:rPr lang="de-DE" dirty="0" smtClean="0">
+                <a:solidFill>
+                  <a:srgbClr val="000000"/>
+                </a:solidFill>
+                <a:latin typeface="Consolas" panose="020B0609020204030204" pitchFamily="49" charset="0"/>
               </a:rPr>
               <a:t> </a:t>
             </a:r>
             <a:r>
-              <a:rPr lang="en-US" dirty="0" smtClean="0">
-                <a:solidFill>
-                  <a:srgbClr val="000000"/>
-                </a:solidFill>
-                <a:latin typeface="Consolas" pitchFamily="49" charset="0"/>
+              <a:rPr lang="de-DE" dirty="0">
+                <a:solidFill>
+                  <a:srgbClr val="000000"/>
+                </a:solidFill>
+                <a:latin typeface="Consolas" panose="020B0609020204030204" pitchFamily="49" charset="0"/>
+              </a:rPr>
+              <a:t>{</a:t>
+            </a:r>
+          </a:p>
+          <a:p>
+            <a:r>
+              <a:rPr lang="de-DE" dirty="0" smtClean="0">
+                <a:solidFill>
+                  <a:srgbClr val="000000"/>
+                </a:solidFill>
+                <a:latin typeface="Consolas" panose="020B0609020204030204" pitchFamily="49" charset="0"/>
+              </a:rPr>
+              <a:t>  </a:t>
+            </a:r>
+            <a:r>
+              <a:rPr lang="de-DE" dirty="0">
+                <a:solidFill>
+                  <a:srgbClr val="0000C0"/>
+                </a:solidFill>
+                <a:latin typeface="Consolas" panose="020B0609020204030204" pitchFamily="49" charset="0"/>
+              </a:rPr>
+              <a:t>REF</a:t>
+            </a:r>
+            <a:r>
+              <a:rPr lang="de-DE" dirty="0">
+                <a:solidFill>
+                  <a:srgbClr val="000000"/>
+                </a:solidFill>
+                <a:latin typeface="Consolas" panose="020B0609020204030204" pitchFamily="49" charset="0"/>
+              </a:rPr>
+              <a:t>        </a:t>
+            </a:r>
+            <a:r>
+              <a:rPr lang="de-DE" dirty="0" smtClean="0">
+                <a:solidFill>
+                  <a:srgbClr val="000000"/>
+                </a:solidFill>
+                <a:latin typeface="Consolas" panose="020B0609020204030204" pitchFamily="49" charset="0"/>
+              </a:rPr>
+              <a:t> | </a:t>
+            </a:r>
+            <a:r>
+              <a:rPr lang="de-DE" dirty="0" err="1">
+                <a:solidFill>
+                  <a:srgbClr val="0000C0"/>
+                </a:solidFill>
+                <a:latin typeface="Consolas" panose="020B0609020204030204" pitchFamily="49" charset="0"/>
+              </a:rPr>
+              <a:t>first_name</a:t>
+            </a:r>
+            <a:r>
+              <a:rPr lang="de-DE" dirty="0">
+                <a:solidFill>
+                  <a:srgbClr val="000000"/>
+                </a:solidFill>
+                <a:latin typeface="Consolas" panose="020B0609020204030204" pitchFamily="49" charset="0"/>
+              </a:rPr>
+              <a:t>    </a:t>
+            </a:r>
+            <a:r>
+              <a:rPr lang="de-DE" dirty="0" smtClean="0">
+                <a:solidFill>
+                  <a:srgbClr val="000000"/>
+                </a:solidFill>
+                <a:latin typeface="Consolas" panose="020B0609020204030204" pitchFamily="49" charset="0"/>
               </a:rPr>
               <a:t>| </a:t>
             </a:r>
             <a:r>
-              <a:rPr lang="en-US" dirty="0" smtClean="0">
-                <a:solidFill>
-                  <a:srgbClr val="FF00CC"/>
-                </a:solidFill>
-                <a:latin typeface="Consolas" pitchFamily="49" charset="0"/>
-              </a:rPr>
-              <a:t>"Software Developer"</a:t>
-            </a:r>
-            <a:r>
-              <a:rPr lang="en-US" dirty="0" smtClean="0">
-                <a:solidFill>
-                  <a:srgbClr val="000000"/>
-                </a:solidFill>
-                <a:latin typeface="Consolas" pitchFamily="49" charset="0"/>
-              </a:rPr>
-              <a:t>  | </a:t>
-            </a:r>
-            <a:r>
-              <a:rPr lang="en-US" dirty="0" smtClean="0">
-                <a:solidFill>
-                  <a:srgbClr val="FF00CC"/>
-                </a:solidFill>
-                <a:latin typeface="Consolas" pitchFamily="49" charset="0"/>
-              </a:rPr>
-              <a:t>"Creating software</a:t>
+              <a:rPr lang="de-DE" dirty="0">
+                <a:solidFill>
+                  <a:srgbClr val="0000C0"/>
+                </a:solidFill>
+                <a:latin typeface="Consolas" panose="020B0609020204030204" pitchFamily="49" charset="0"/>
+              </a:rPr>
+              <a:t>name</a:t>
+            </a:r>
+            <a:r>
+              <a:rPr lang="de-DE" dirty="0">
+                <a:solidFill>
+                  <a:srgbClr val="000000"/>
+                </a:solidFill>
+                <a:latin typeface="Consolas" panose="020B0609020204030204" pitchFamily="49" charset="0"/>
+              </a:rPr>
+              <a:t>         </a:t>
             </a:r>
             <a:r>
               <a:rPr lang="de-DE" dirty="0" smtClean="0">
                 <a:solidFill>
-                  <a:srgbClr val="FF00CC"/>
-                </a:solidFill>
-                <a:latin typeface="Consolas" pitchFamily="49" charset="0"/>
-              </a:rPr>
-              <a:t>"</a:t>
-            </a:r>
-            <a:endParaRPr lang="en-US" dirty="0" smtClean="0">
-              <a:solidFill>
-                <a:srgbClr val="FF00CC"/>
-              </a:solidFill>
-              <a:latin typeface="Consolas" pitchFamily="49" charset="0"/>
-            </a:endParaRPr>
-          </a:p>
-          <a:p>
-            <a:r>
-              <a:rPr lang="en-US" dirty="0" smtClean="0">
-                <a:solidFill>
-                  <a:srgbClr val="000000"/>
-                </a:solidFill>
-                <a:latin typeface="Consolas" pitchFamily="49" charset="0"/>
-              </a:rPr>
-              <a:t>  </a:t>
-            </a:r>
-            <a:r>
-              <a:rPr lang="en-US" i="1" dirty="0" smtClean="0">
+                  <a:srgbClr val="000000"/>
+                </a:solidFill>
+                <a:latin typeface="Consolas" panose="020B0609020204030204" pitchFamily="49" charset="0"/>
+              </a:rPr>
+              <a:t> | </a:t>
+            </a:r>
+            <a:r>
+              <a:rPr lang="de-DE" dirty="0" err="1">
                 <a:solidFill>
                   <a:srgbClr val="0000C0"/>
                 </a:solidFill>
-                <a:latin typeface="Consolas" pitchFamily="49" charset="0"/>
-              </a:rPr>
-              <a:t>SWT</a:t>
-            </a:r>
-            <a:r>
-              <a:rPr lang="en-US" i="1" dirty="0" smtClean="0">
-                <a:solidFill>
-                  <a:srgbClr val="000000"/>
-                </a:solidFill>
-                <a:latin typeface="Consolas" pitchFamily="49" charset="0"/>
-              </a:rPr>
-              <a:t> </a:t>
-            </a:r>
-            <a:r>
-              <a:rPr lang="en-US" dirty="0" smtClean="0">
-                <a:solidFill>
-                  <a:srgbClr val="000000"/>
-                </a:solidFill>
-                <a:latin typeface="Consolas" pitchFamily="49" charset="0"/>
-              </a:rPr>
-              <a:t>| </a:t>
-            </a:r>
-            <a:r>
-              <a:rPr lang="en-US" dirty="0" smtClean="0">
-                <a:solidFill>
-                  <a:srgbClr val="FF00CC"/>
-                </a:solidFill>
-                <a:latin typeface="Consolas" pitchFamily="49" charset="0"/>
-              </a:rPr>
-              <a:t>"Software Tester"</a:t>
-            </a:r>
-            <a:r>
-              <a:rPr lang="en-US" dirty="0" smtClean="0">
-                <a:solidFill>
-                  <a:srgbClr val="000000"/>
-                </a:solidFill>
-                <a:latin typeface="Consolas" pitchFamily="49" charset="0"/>
-              </a:rPr>
-              <a:t>     | </a:t>
-            </a:r>
-            <a:r>
-              <a:rPr lang="en-US" dirty="0" smtClean="0">
-                <a:solidFill>
-                  <a:srgbClr val="FF00CC"/>
-                </a:solidFill>
-                <a:latin typeface="Consolas" pitchFamily="49" charset="0"/>
-              </a:rPr>
-              <a:t>"Testing software</a:t>
-            </a:r>
-            <a:r>
-              <a:rPr lang="de-DE" dirty="0" smtClean="0">
-                <a:solidFill>
-                  <a:srgbClr val="FF00CC"/>
-                </a:solidFill>
-                <a:latin typeface="Consolas" pitchFamily="49" charset="0"/>
-              </a:rPr>
-              <a:t>"</a:t>
-            </a:r>
-            <a:endParaRPr lang="en-US" dirty="0" smtClean="0">
-              <a:solidFill>
-                <a:srgbClr val="FF00CC"/>
-              </a:solidFill>
-              <a:latin typeface="Consolas" pitchFamily="49" charset="0"/>
-            </a:endParaRPr>
-          </a:p>
-          <a:p>
-            <a:r>
-              <a:rPr lang="en-US" dirty="0" smtClean="0">
-                <a:solidFill>
-                  <a:srgbClr val="000000"/>
-                </a:solidFill>
-                <a:latin typeface="Consolas" pitchFamily="49" charset="0"/>
-              </a:rPr>
-              <a:t>  </a:t>
-            </a:r>
-            <a:r>
-              <a:rPr lang="en-US" i="1" dirty="0" smtClean="0">
-                <a:solidFill>
-                  <a:srgbClr val="0000C0"/>
-                </a:solidFill>
-                <a:latin typeface="Consolas" pitchFamily="49" charset="0"/>
-              </a:rPr>
-              <a:t>TM</a:t>
-            </a:r>
-            <a:r>
-              <a:rPr lang="en-US" i="1" dirty="0" smtClean="0">
-                <a:solidFill>
-                  <a:srgbClr val="000000"/>
-                </a:solidFill>
-                <a:latin typeface="Consolas" pitchFamily="49" charset="0"/>
-              </a:rPr>
-              <a:t>  </a:t>
-            </a:r>
-            <a:r>
-              <a:rPr lang="en-US" dirty="0" smtClean="0">
-                <a:solidFill>
-                  <a:srgbClr val="000000"/>
-                </a:solidFill>
-                <a:latin typeface="Consolas" pitchFamily="49" charset="0"/>
-              </a:rPr>
-              <a:t>| </a:t>
-            </a:r>
-            <a:r>
-              <a:rPr lang="en-US" dirty="0" smtClean="0">
-                <a:solidFill>
-                  <a:srgbClr val="FF00CC"/>
-                </a:solidFill>
-                <a:latin typeface="Consolas" pitchFamily="49" charset="0"/>
-              </a:rPr>
-              <a:t>"Team Manager"</a:t>
-            </a:r>
-            <a:r>
-              <a:rPr lang="en-US" dirty="0" smtClean="0">
-                <a:solidFill>
-                  <a:srgbClr val="000000"/>
-                </a:solidFill>
-                <a:latin typeface="Consolas" pitchFamily="49" charset="0"/>
-              </a:rPr>
-              <a:t>        | </a:t>
-            </a:r>
-            <a:r>
-              <a:rPr lang="en-US" dirty="0" smtClean="0">
-                <a:solidFill>
-                  <a:srgbClr val="FF00CC"/>
-                </a:solidFill>
-                <a:latin typeface="Consolas" pitchFamily="49" charset="0"/>
-              </a:rPr>
-              <a:t>"Makes the world go round</a:t>
-            </a:r>
-            <a:r>
-              <a:rPr lang="de-DE" dirty="0" smtClean="0">
-                <a:solidFill>
-                  <a:srgbClr val="FF00CC"/>
-                </a:solidFill>
-                <a:latin typeface="Consolas" pitchFamily="49" charset="0"/>
-              </a:rPr>
-              <a:t>"</a:t>
-            </a:r>
-            <a:endParaRPr lang="en-US" dirty="0" smtClean="0">
-              <a:solidFill>
-                <a:srgbClr val="FF00CC"/>
-              </a:solidFill>
-              <a:latin typeface="Consolas" pitchFamily="49" charset="0"/>
-            </a:endParaRPr>
-          </a:p>
-          <a:p>
-            <a:r>
-              <a:rPr lang="de-DE" dirty="0" smtClean="0">
-                <a:solidFill>
-                  <a:srgbClr val="000000"/>
-                </a:solidFill>
-                <a:latin typeface="Consolas" pitchFamily="49" charset="0"/>
-              </a:rPr>
-              <a:t>}</a:t>
-            </a:r>
-          </a:p>
-          <a:p>
-            <a:endParaRPr lang="de-DE" dirty="0" smtClean="0">
-              <a:latin typeface="Consolas" pitchFamily="49" charset="0"/>
-            </a:endParaRPr>
-          </a:p>
-          <a:p>
-            <a:r>
-              <a:rPr lang="de-DE" dirty="0" err="1" smtClean="0">
-                <a:solidFill>
-                  <a:srgbClr val="0000C0"/>
-                </a:solidFill>
-                <a:latin typeface="Consolas" pitchFamily="49" charset="0"/>
-              </a:rPr>
-              <a:t>personsTable</a:t>
-            </a:r>
-            <a:r>
-              <a:rPr lang="de-DE" dirty="0" err="1" smtClean="0">
-                <a:solidFill>
-                  <a:srgbClr val="000000"/>
-                </a:solidFill>
-                <a:latin typeface="Consolas" pitchFamily="49" charset="0"/>
-              </a:rPr>
-              <a:t>.rows</a:t>
-            </a:r>
-            <a:r>
-              <a:rPr lang="de-DE" dirty="0" smtClean="0">
-                <a:solidFill>
-                  <a:srgbClr val="000000"/>
-                </a:solidFill>
-                <a:latin typeface="Consolas" pitchFamily="49" charset="0"/>
-              </a:rPr>
-              <a:t> {</a:t>
-            </a:r>
-          </a:p>
-          <a:p>
-            <a:r>
-              <a:rPr lang="de-DE" dirty="0" smtClean="0">
-                <a:solidFill>
-                  <a:srgbClr val="000000"/>
-                </a:solidFill>
-                <a:latin typeface="Consolas" pitchFamily="49" charset="0"/>
-              </a:rPr>
-              <a:t>  </a:t>
-            </a:r>
-            <a:r>
-              <a:rPr lang="de-DE" dirty="0" smtClean="0">
-                <a:solidFill>
-                  <a:srgbClr val="0000C0"/>
-                </a:solidFill>
-                <a:latin typeface="Consolas" pitchFamily="49" charset="0"/>
-              </a:rPr>
-              <a:t>REF</a:t>
-            </a:r>
-            <a:r>
-              <a:rPr lang="de-DE" dirty="0" smtClean="0">
-                <a:solidFill>
-                  <a:srgbClr val="000000"/>
-                </a:solidFill>
-                <a:latin typeface="Consolas" pitchFamily="49" charset="0"/>
-              </a:rPr>
-              <a:t>        | </a:t>
-            </a:r>
-            <a:r>
-              <a:rPr lang="de-DE" dirty="0" err="1" smtClean="0">
-                <a:solidFill>
-                  <a:srgbClr val="0000C0"/>
-                </a:solidFill>
-                <a:latin typeface="Consolas" pitchFamily="49" charset="0"/>
-              </a:rPr>
-              <a:t>first_name</a:t>
-            </a:r>
-            <a:r>
-              <a:rPr lang="de-DE" dirty="0" smtClean="0">
-                <a:solidFill>
-                  <a:srgbClr val="000000"/>
-                </a:solidFill>
-                <a:latin typeface="Consolas" pitchFamily="49" charset="0"/>
-              </a:rPr>
-              <a:t>   | </a:t>
-            </a:r>
-            <a:r>
-              <a:rPr lang="de-DE" dirty="0" err="1" smtClean="0">
-                <a:solidFill>
-                  <a:srgbClr val="0000C0"/>
-                </a:solidFill>
-                <a:latin typeface="Consolas" pitchFamily="49" charset="0"/>
-              </a:rPr>
-              <a:t>name</a:t>
-            </a:r>
-            <a:endParaRPr lang="de-DE" dirty="0" smtClean="0">
+                <a:latin typeface="Consolas" panose="020B0609020204030204" pitchFamily="49" charset="0"/>
+              </a:rPr>
+              <a:t>team</a:t>
+            </a:r>
+            <a:endParaRPr lang="de-DE" dirty="0">
               <a:solidFill>
                 <a:srgbClr val="0000C0"/>
               </a:solidFill>
-              <a:latin typeface="Consolas" pitchFamily="49" charset="0"/>
+              <a:latin typeface="Consolas" panose="020B0609020204030204" pitchFamily="49" charset="0"/>
             </a:endParaRPr>
           </a:p>
           <a:p>
@@ -5962,25 +8493,162 @@
                 <a:solidFill>
                   <a:srgbClr val="000000"/>
                 </a:solidFill>
-                <a:latin typeface="Consolas" pitchFamily="49" charset="0"/>
+                <a:latin typeface="Consolas" panose="020B0609020204030204" pitchFamily="49" charset="0"/>
               </a:rPr>
               <a:t>  </a:t>
             </a:r>
             <a:r>
+              <a:rPr lang="de-DE" i="1" dirty="0">
+                <a:solidFill>
+                  <a:srgbClr val="0000C0"/>
+                </a:solidFill>
+                <a:latin typeface="Consolas" panose="020B0609020204030204" pitchFamily="49" charset="0"/>
+              </a:rPr>
+              <a:t>KAULBERSCH</a:t>
+            </a:r>
+            <a:r>
+              <a:rPr lang="de-DE" i="1" dirty="0">
+                <a:solidFill>
+                  <a:srgbClr val="000000"/>
+                </a:solidFill>
+                <a:latin typeface="Consolas" panose="020B0609020204030204" pitchFamily="49" charset="0"/>
+              </a:rPr>
+              <a:t> </a:t>
+            </a:r>
+            <a:r>
               <a:rPr lang="de-DE" i="1" dirty="0" smtClean="0">
                 <a:solidFill>
+                  <a:srgbClr val="000000"/>
+                </a:solidFill>
+                <a:latin typeface="Consolas" panose="020B0609020204030204" pitchFamily="49" charset="0"/>
+              </a:rPr>
+              <a:t> </a:t>
+            </a:r>
+            <a:r>
+              <a:rPr lang="de-DE" dirty="0" smtClean="0">
+                <a:solidFill>
+                  <a:srgbClr val="000000"/>
+                </a:solidFill>
+                <a:latin typeface="Consolas" panose="020B0609020204030204" pitchFamily="49" charset="0"/>
+              </a:rPr>
+              <a:t>| </a:t>
+            </a:r>
+            <a:r>
+              <a:rPr lang="de-DE" dirty="0">
+                <a:solidFill>
+                  <a:srgbClr val="FF00CC"/>
+                </a:solidFill>
+                <a:latin typeface="Consolas" panose="020B0609020204030204" pitchFamily="49" charset="0"/>
+              </a:rPr>
+              <a:t>"Dennis"</a:t>
+            </a:r>
+            <a:r>
+              <a:rPr lang="de-DE" dirty="0">
+                <a:solidFill>
+                  <a:srgbClr val="000000"/>
+                </a:solidFill>
+                <a:latin typeface="Consolas" panose="020B0609020204030204" pitchFamily="49" charset="0"/>
+              </a:rPr>
+              <a:t>      </a:t>
+            </a:r>
+            <a:r>
+              <a:rPr lang="de-DE" dirty="0" smtClean="0">
+                <a:solidFill>
+                  <a:srgbClr val="000000"/>
+                </a:solidFill>
+                <a:latin typeface="Consolas" panose="020B0609020204030204" pitchFamily="49" charset="0"/>
+              </a:rPr>
+              <a:t>| </a:t>
+            </a:r>
+            <a:r>
+              <a:rPr lang="de-DE" dirty="0">
+                <a:solidFill>
+                  <a:srgbClr val="FF00CC"/>
+                </a:solidFill>
+                <a:latin typeface="Consolas" panose="020B0609020204030204" pitchFamily="49" charset="0"/>
+              </a:rPr>
+              <a:t>"</a:t>
+            </a:r>
+            <a:r>
+              <a:rPr lang="de-DE" dirty="0" err="1">
+                <a:solidFill>
+                  <a:srgbClr val="FF00CC"/>
+                </a:solidFill>
+                <a:latin typeface="Consolas" panose="020B0609020204030204" pitchFamily="49" charset="0"/>
+              </a:rPr>
+              <a:t>Kaulbersch</a:t>
+            </a:r>
+            <a:r>
+              <a:rPr lang="de-DE" dirty="0">
+                <a:solidFill>
+                  <a:srgbClr val="FF00CC"/>
+                </a:solidFill>
+                <a:latin typeface="Consolas" panose="020B0609020204030204" pitchFamily="49" charset="0"/>
+              </a:rPr>
+              <a:t>"</a:t>
+            </a:r>
+            <a:r>
+              <a:rPr lang="de-DE" dirty="0">
+                <a:solidFill>
+                  <a:srgbClr val="000000"/>
+                </a:solidFill>
+                <a:latin typeface="Consolas" panose="020B0609020204030204" pitchFamily="49" charset="0"/>
+              </a:rPr>
+              <a:t> </a:t>
+            </a:r>
+            <a:r>
+              <a:rPr lang="de-DE" dirty="0" smtClean="0">
+                <a:solidFill>
+                  <a:srgbClr val="000000"/>
+                </a:solidFill>
+                <a:latin typeface="Consolas" panose="020B0609020204030204" pitchFamily="49" charset="0"/>
+              </a:rPr>
+              <a:t> | </a:t>
+            </a:r>
+            <a:r>
+              <a:rPr lang="de-DE" i="1" dirty="0">
+                <a:solidFill>
                   <a:srgbClr val="0000C0"/>
                 </a:solidFill>
-                <a:latin typeface="Consolas" pitchFamily="49" charset="0"/>
-              </a:rPr>
-              <a:t>KAULBERSCH</a:t>
+                <a:latin typeface="Consolas" panose="020B0609020204030204" pitchFamily="49" charset="0"/>
+              </a:rPr>
+              <a:t>QA</a:t>
+            </a:r>
+          </a:p>
+          <a:p>
+            <a:r>
+              <a:rPr lang="de-DE" dirty="0" smtClean="0">
+                <a:solidFill>
+                  <a:srgbClr val="000000"/>
+                </a:solidFill>
+                <a:latin typeface="Consolas" panose="020B0609020204030204" pitchFamily="49" charset="0"/>
+              </a:rPr>
+              <a:t>  </a:t>
+            </a:r>
+            <a:r>
+              <a:rPr lang="de-DE" i="1" dirty="0">
+                <a:solidFill>
+                  <a:srgbClr val="0000C0"/>
+                </a:solidFill>
+                <a:latin typeface="Consolas" panose="020B0609020204030204" pitchFamily="49" charset="0"/>
+              </a:rPr>
+              <a:t>GUITTON</a:t>
+            </a:r>
+            <a:r>
+              <a:rPr lang="de-DE" i="1" dirty="0">
+                <a:solidFill>
+                  <a:srgbClr val="000000"/>
+                </a:solidFill>
+                <a:latin typeface="Consolas" panose="020B0609020204030204" pitchFamily="49" charset="0"/>
+              </a:rPr>
+              <a:t>    </a:t>
             </a:r>
             <a:r>
               <a:rPr lang="de-DE" i="1" dirty="0" smtClean="0">
                 <a:solidFill>
                   <a:srgbClr val="000000"/>
                 </a:solidFill>
-                <a:latin typeface="Consolas" pitchFamily="49" charset="0"/>
+                <a:latin typeface="Consolas" panose="020B0609020204030204" pitchFamily="49" charset="0"/>
               </a:rPr>
               <a:t> </a:t>
             </a:r>
@@ -5989,55 +8657,198 @@
                 <a:solidFill>
                   <a:srgbClr val="000000"/>
                 </a:solidFill>
-                <a:latin typeface="Consolas" pitchFamily="49" charset="0"/>
+                <a:latin typeface="Consolas" panose="020B0609020204030204" pitchFamily="49" charset="0"/>
               </a:rPr>
               <a:t>| </a:t>
             </a:r>
             <a:r>
+              <a:rPr lang="de-DE" dirty="0">
+                <a:solidFill>
+                  <a:srgbClr val="FF00CC"/>
+                </a:solidFill>
+                <a:latin typeface="Consolas" panose="020B0609020204030204" pitchFamily="49" charset="0"/>
+              </a:rPr>
+              <a:t>"Julien"</a:t>
+            </a:r>
+            <a:r>
+              <a:rPr lang="de-DE" dirty="0">
+                <a:solidFill>
+                  <a:srgbClr val="000000"/>
+                </a:solidFill>
+                <a:latin typeface="Consolas" panose="020B0609020204030204" pitchFamily="49" charset="0"/>
+              </a:rPr>
+              <a:t>      </a:t>
+            </a:r>
+            <a:r>
               <a:rPr lang="de-DE" dirty="0" smtClean="0">
                 <a:solidFill>
+                  <a:srgbClr val="000000"/>
+                </a:solidFill>
+                <a:latin typeface="Consolas" panose="020B0609020204030204" pitchFamily="49" charset="0"/>
+              </a:rPr>
+              <a:t>| </a:t>
+            </a:r>
+            <a:r>
+              <a:rPr lang="de-DE" dirty="0">
+                <a:solidFill>
                   <a:srgbClr val="FF00CC"/>
                 </a:solidFill>
-                <a:latin typeface="Consolas" pitchFamily="49" charset="0"/>
-              </a:rPr>
-              <a:t>"Dennis"</a:t>
+                <a:latin typeface="Consolas" panose="020B0609020204030204" pitchFamily="49" charset="0"/>
+              </a:rPr>
+              <a:t>"Guitton"</a:t>
+            </a:r>
+            <a:r>
+              <a:rPr lang="de-DE" dirty="0">
+                <a:solidFill>
+                  <a:srgbClr val="000000"/>
+                </a:solidFill>
+                <a:latin typeface="Consolas" panose="020B0609020204030204" pitchFamily="49" charset="0"/>
+              </a:rPr>
+              <a:t>    </a:t>
             </a:r>
             <a:r>
               <a:rPr lang="de-DE" dirty="0" smtClean="0">
                 <a:solidFill>
                   <a:srgbClr val="000000"/>
                 </a:solidFill>
-                <a:latin typeface="Consolas" pitchFamily="49" charset="0"/>
-              </a:rPr>
-              <a:t>     | </a:t>
-            </a:r>
+                <a:latin typeface="Consolas" panose="020B0609020204030204" pitchFamily="49" charset="0"/>
+              </a:rPr>
+              <a:t> | </a:t>
+            </a:r>
+            <a:r>
+              <a:rPr lang="de-DE" i="1" dirty="0">
+                <a:solidFill>
+                  <a:srgbClr val="0000C0"/>
+                </a:solidFill>
+                <a:latin typeface="Consolas" panose="020B0609020204030204" pitchFamily="49" charset="0"/>
+              </a:rPr>
+              <a:t>QA</a:t>
+            </a:r>
+          </a:p>
+          <a:p>
             <a:r>
               <a:rPr lang="de-DE" dirty="0" smtClean="0">
                 <a:solidFill>
+                  <a:srgbClr val="000000"/>
+                </a:solidFill>
+                <a:latin typeface="Consolas" panose="020B0609020204030204" pitchFamily="49" charset="0"/>
+              </a:rPr>
+              <a:t>  </a:t>
+            </a:r>
+            <a:r>
+              <a:rPr lang="de-DE" i="1" dirty="0">
+                <a:solidFill>
+                  <a:srgbClr val="0000C0"/>
+                </a:solidFill>
+                <a:latin typeface="Consolas" panose="020B0609020204030204" pitchFamily="49" charset="0"/>
+              </a:rPr>
+              <a:t>BARANOWSKI</a:t>
+            </a:r>
+            <a:r>
+              <a:rPr lang="de-DE" i="1" dirty="0">
+                <a:solidFill>
+                  <a:srgbClr val="000000"/>
+                </a:solidFill>
+                <a:latin typeface="Consolas" panose="020B0609020204030204" pitchFamily="49" charset="0"/>
+              </a:rPr>
+              <a:t> </a:t>
+            </a:r>
+            <a:r>
+              <a:rPr lang="de-DE" i="1" dirty="0" smtClean="0">
+                <a:solidFill>
+                  <a:srgbClr val="000000"/>
+                </a:solidFill>
+                <a:latin typeface="Consolas" panose="020B0609020204030204" pitchFamily="49" charset="0"/>
+              </a:rPr>
+              <a:t> </a:t>
+            </a:r>
+            <a:r>
+              <a:rPr lang="de-DE" dirty="0" smtClean="0">
+                <a:solidFill>
+                  <a:srgbClr val="000000"/>
+                </a:solidFill>
+                <a:latin typeface="Consolas" panose="020B0609020204030204" pitchFamily="49" charset="0"/>
+              </a:rPr>
+              <a:t>| </a:t>
+            </a:r>
+            <a:r>
+              <a:rPr lang="de-DE" dirty="0">
+                <a:solidFill>
                   <a:srgbClr val="FF00CC"/>
                 </a:solidFill>
-                <a:latin typeface="Consolas" pitchFamily="49" charset="0"/>
-              </a:rPr>
-              <a:t>"</a:t>
-            </a:r>
-            <a:r>
-              <a:rPr lang="de-DE" dirty="0" err="1" smtClean="0">
+                <a:latin typeface="Consolas" panose="020B0609020204030204" pitchFamily="49" charset="0"/>
+              </a:rPr>
+              <a:t>"Christian"</a:t>
+            </a:r>
+            <a:r>
+              <a:rPr lang="de-DE" dirty="0">
+                <a:solidFill>
+                  <a:srgbClr val="000000"/>
+                </a:solidFill>
+                <a:latin typeface="Consolas" panose="020B0609020204030204" pitchFamily="49" charset="0"/>
+              </a:rPr>
+              <a:t>   </a:t>
+            </a:r>
+            <a:r>
+              <a:rPr lang="de-DE" dirty="0" smtClean="0">
+                <a:solidFill>
+                  <a:srgbClr val="000000"/>
+                </a:solidFill>
+                <a:latin typeface="Consolas" panose="020B0609020204030204" pitchFamily="49" charset="0"/>
+              </a:rPr>
+              <a:t>| </a:t>
+            </a:r>
+            <a:r>
+              <a:rPr lang="de-DE" dirty="0">
                 <a:solidFill>
                   <a:srgbClr val="FF00CC"/>
                 </a:solidFill>
-                <a:latin typeface="Consolas" pitchFamily="49" charset="0"/>
-              </a:rPr>
-              <a:t>Kaulbersch</a:t>
+                <a:latin typeface="Consolas" panose="020B0609020204030204" pitchFamily="49" charset="0"/>
+              </a:rPr>
+              <a:t>"Baranowski"</a:t>
+            </a:r>
+            <a:r>
+              <a:rPr lang="de-DE" dirty="0">
+                <a:solidFill>
+                  <a:srgbClr val="000000"/>
+                </a:solidFill>
+                <a:latin typeface="Consolas" panose="020B0609020204030204" pitchFamily="49" charset="0"/>
+              </a:rPr>
+              <a:t> </a:t>
             </a:r>
             <a:r>
               <a:rPr lang="de-DE" dirty="0" smtClean="0">
                 <a:solidFill>
-                  <a:srgbClr val="FF00CC"/>
-                </a:solidFill>
-                <a:latin typeface="Consolas" pitchFamily="49" charset="0"/>
-              </a:rPr>
-              <a:t>"</a:t>
-            </a:r>
+                  <a:srgbClr val="000000"/>
+                </a:solidFill>
+                <a:latin typeface="Consolas" panose="020B0609020204030204" pitchFamily="49" charset="0"/>
+              </a:rPr>
+              <a:t> |</a:t>
+            </a:r>
+            <a:r>
+              <a:rPr lang="de-DE" i="1" dirty="0" smtClean="0">
+                <a:solidFill>
+                  <a:srgbClr val="000000"/>
+                </a:solidFill>
+                <a:latin typeface="Consolas" panose="020B0609020204030204" pitchFamily="49" charset="0"/>
+              </a:rPr>
+              <a:t> </a:t>
+            </a:r>
+            <a:r>
+              <a:rPr lang="de-DE" i="1" dirty="0" smtClean="0">
+                <a:solidFill>
+                  <a:srgbClr val="0000C0"/>
+                </a:solidFill>
+                <a:latin typeface="Consolas" panose="020B0609020204030204" pitchFamily="49" charset="0"/>
+              </a:rPr>
+              <a:t>QA</a:t>
+            </a:r>
+            <a:endParaRPr lang="de-DE" i="1" dirty="0">
+              <a:solidFill>
+                <a:srgbClr val="0000C0"/>
+              </a:solidFill>
+              <a:latin typeface="Consolas" panose="020B0609020204030204" pitchFamily="49" charset="0"/>
+            </a:endParaRPr>
           </a:p>
           <a:p>
             <a:r>
@@ -6045,137 +8856,7 @@
                 <a:solidFill>
                   <a:srgbClr val="000000"/>
                 </a:solidFill>
-                <a:latin typeface="Consolas" pitchFamily="49" charset="0"/>
-              </a:rPr>
-              <a:t>  </a:t>
-            </a:r>
-            <a:r>
-              <a:rPr lang="de-DE" i="1" dirty="0" smtClean="0">
-                <a:solidFill>
-                  <a:srgbClr val="0000C0"/>
-                </a:solidFill>
-                <a:latin typeface="Consolas" pitchFamily="49" charset="0"/>
-              </a:rPr>
-              <a:t>GUITTON</a:t>
-            </a:r>
-            <a:r>
-              <a:rPr lang="de-DE" i="1" dirty="0" smtClean="0">
-                <a:solidFill>
-                  <a:srgbClr val="000000"/>
-                </a:solidFill>
-                <a:latin typeface="Consolas" pitchFamily="49" charset="0"/>
-              </a:rPr>
-              <a:t>    </a:t>
-            </a:r>
-            <a:r>
-              <a:rPr lang="de-DE" dirty="0" smtClean="0">
-                <a:solidFill>
-                  <a:srgbClr val="000000"/>
-                </a:solidFill>
-                <a:latin typeface="Consolas" pitchFamily="49" charset="0"/>
-              </a:rPr>
-              <a:t>| </a:t>
-            </a:r>
-            <a:r>
-              <a:rPr lang="de-DE" dirty="0" smtClean="0">
-                <a:solidFill>
-                  <a:srgbClr val="FF00CC"/>
-                </a:solidFill>
-                <a:latin typeface="Consolas" pitchFamily="49" charset="0"/>
-              </a:rPr>
-              <a:t>"Julien"</a:t>
-            </a:r>
-            <a:r>
-              <a:rPr lang="de-DE" dirty="0" smtClean="0">
-                <a:solidFill>
-                  <a:srgbClr val="000000"/>
-                </a:solidFill>
-                <a:latin typeface="Consolas" pitchFamily="49" charset="0"/>
-              </a:rPr>
-              <a:t>     | </a:t>
-            </a:r>
-            <a:r>
-              <a:rPr lang="de-DE" dirty="0" smtClean="0">
-                <a:solidFill>
-                  <a:srgbClr val="FF00CC"/>
-                </a:solidFill>
-                <a:latin typeface="Consolas" pitchFamily="49" charset="0"/>
-              </a:rPr>
-              <a:t>"Guitton"</a:t>
-            </a:r>
-          </a:p>
-          <a:p>
-            <a:r>
-              <a:rPr lang="de-DE" dirty="0" smtClean="0">
-                <a:solidFill>
-                  <a:srgbClr val="000000"/>
-                </a:solidFill>
-                <a:latin typeface="Consolas" pitchFamily="49" charset="0"/>
-              </a:rPr>
-              <a:t>  </a:t>
-            </a:r>
-            <a:r>
-              <a:rPr lang="de-DE" i="1" dirty="0" smtClean="0">
-                <a:solidFill>
-                  <a:srgbClr val="0000C0"/>
-                </a:solidFill>
-                <a:latin typeface="Consolas" pitchFamily="49" charset="0"/>
-              </a:rPr>
-              <a:t>BARANOWSKI</a:t>
-            </a:r>
-            <a:r>
-              <a:rPr lang="de-DE" i="1" dirty="0" smtClean="0">
-                <a:solidFill>
-                  <a:srgbClr val="000000"/>
-                </a:solidFill>
-                <a:latin typeface="Consolas" pitchFamily="49" charset="0"/>
-              </a:rPr>
-              <a:t> </a:t>
-            </a:r>
-            <a:r>
-              <a:rPr lang="de-DE" dirty="0" smtClean="0">
-                <a:solidFill>
-                  <a:srgbClr val="000000"/>
-                </a:solidFill>
-                <a:latin typeface="Consolas" pitchFamily="49" charset="0"/>
-              </a:rPr>
-              <a:t>| </a:t>
-            </a:r>
-            <a:r>
-              <a:rPr lang="de-DE" dirty="0" smtClean="0">
-                <a:solidFill>
-                  <a:srgbClr val="FF00CC"/>
-                </a:solidFill>
-                <a:latin typeface="Consolas" pitchFamily="49" charset="0"/>
-              </a:rPr>
-              <a:t>"Christian"</a:t>
-            </a:r>
-            <a:r>
-              <a:rPr lang="de-DE" dirty="0" smtClean="0">
-                <a:solidFill>
-                  <a:srgbClr val="000000"/>
-                </a:solidFill>
-                <a:latin typeface="Consolas" pitchFamily="49" charset="0"/>
-              </a:rPr>
-              <a:t>  | </a:t>
-            </a:r>
-            <a:r>
-              <a:rPr lang="de-DE" dirty="0" smtClean="0">
-                <a:solidFill>
-                  <a:srgbClr val="FF00CC"/>
-                </a:solidFill>
-                <a:latin typeface="Consolas" pitchFamily="49" charset="0"/>
-              </a:rPr>
-              <a:t>"Baranowski"</a:t>
-            </a:r>
-          </a:p>
-          <a:p>
-            <a:r>
-              <a:rPr lang="de-DE" dirty="0" smtClean="0">
-                <a:solidFill>
-                  <a:srgbClr val="000000"/>
-                </a:solidFill>
-                <a:latin typeface="Consolas" pitchFamily="49" charset="0"/>
+                <a:latin typeface="Consolas" panose="020B0609020204030204" pitchFamily="49" charset="0"/>
               </a:rPr>
               <a:t>}</a:t>
             </a:r>
@@ -6201,6 +8882,783 @@
 </file>
 
 <file path=ppt/slides/slide6.xml><?xml version="1.0" encoding="utf-8"?>
+<p:sld xmlns:a="http://schemas.openxmlformats.org/drawingml/2006/main" xmlns:r="http://schemas.openxmlformats.org/officeDocument/2006/relationships" xmlns:p="http://schemas.openxmlformats.org/presentationml/2006/main">
+  <p:cSld>
+    <p:spTree>
+      <p:nvGrpSpPr>
+        <p:cNvPr id="1" name=""/>
+        <p:cNvGrpSpPr/>
+        <p:nvPr/>
+      </p:nvGrpSpPr>
+      <p:grpSpPr>
+        <a:xfrm>
+          <a:off x="0" y="0"/>
+          <a:ext cx="0" cy="0"/>
+          <a:chOff x="0" y="0"/>
+          <a:chExt cx="0" cy="0"/>
+        </a:xfrm>
+      </p:grpSpPr>
+      <p:sp>
+        <p:nvSpPr>
+          <p:cNvPr id="2" name="Titel 1"/>
+          <p:cNvSpPr>
+            <a:spLocks noGrp="1"/>
+          </p:cNvSpPr>
+          <p:nvPr>
+            <p:ph type="title"/>
+          </p:nvPr>
+        </p:nvSpPr>
+        <p:spPr/>
+        <p:txBody>
+          <a:bodyPr/>
+          <a:lstStyle/>
+          <a:p>
+            <a:r>
+              <a:rPr lang="de-DE" dirty="0" smtClean="0"/>
+              <a:t>STU Table </a:t>
+            </a:r>
+            <a:r>
+              <a:rPr lang="de-DE" dirty="0" err="1" smtClean="0"/>
+              <a:t>Builder</a:t>
+            </a:r>
+            <a:r>
+              <a:rPr lang="de-DE" dirty="0" smtClean="0"/>
+              <a:t> DSL</a:t>
+            </a:r>
+            <a:endParaRPr lang="de-DE" dirty="0"/>
+          </a:p>
+        </p:txBody>
+      </p:sp>
+      <p:sp>
+        <p:nvSpPr>
+          <p:cNvPr id="3" name="Inhaltsplatzhalter 2"/>
+          <p:cNvSpPr>
+            <a:spLocks noGrp="1"/>
+          </p:cNvSpPr>
+          <p:nvPr>
+            <p:ph idx="1"/>
+          </p:nvPr>
+        </p:nvSpPr>
+        <p:spPr/>
+        <p:txBody>
+          <a:bodyPr/>
+          <a:lstStyle/>
+          <a:p>
+            <a:r>
+              <a:rPr lang="de-DE" dirty="0" smtClean="0"/>
+              <a:t>Inspiriert von Spock</a:t>
+            </a:r>
+          </a:p>
+        </p:txBody>
+      </p:sp>
+      <p:sp>
+        <p:nvSpPr>
+          <p:cNvPr id="4" name="Rechteck 3"/>
+          <p:cNvSpPr/>
+          <p:nvPr/>
+        </p:nvSpPr>
+        <p:spPr>
+          <a:xfrm>
+            <a:off x="899592" y="2327969"/>
+            <a:ext cx="7488832" cy="3693319"/>
+          </a:xfrm>
+          <a:prstGeom prst="rect">
+            <a:avLst/>
+          </a:prstGeom>
+        </p:spPr>
+        <p:txBody>
+          <a:bodyPr wrap="square">
+            <a:spAutoFit/>
+          </a:bodyPr>
+          <a:lstStyle/>
+          <a:p>
+            <a:r>
+              <a:rPr lang="de-DE" dirty="0" err="1" smtClean="0">
+                <a:solidFill>
+                  <a:srgbClr val="0000C0"/>
+                </a:solidFill>
+                <a:latin typeface="Consolas" panose="020B0609020204030204" pitchFamily="49" charset="0"/>
+              </a:rPr>
+              <a:t>teamsTable</a:t>
+            </a:r>
+            <a:r>
+              <a:rPr lang="de-DE" dirty="0" err="1" smtClean="0">
+                <a:solidFill>
+                  <a:srgbClr val="000000"/>
+                </a:solidFill>
+                <a:latin typeface="Consolas" panose="020B0609020204030204" pitchFamily="49" charset="0"/>
+              </a:rPr>
+              <a:t>.rows</a:t>
+            </a:r>
+            <a:r>
+              <a:rPr lang="de-DE" dirty="0" smtClean="0">
+                <a:solidFill>
+                  <a:srgbClr val="000000"/>
+                </a:solidFill>
+                <a:latin typeface="Consolas" panose="020B0609020204030204" pitchFamily="49" charset="0"/>
+              </a:rPr>
+              <a:t> </a:t>
+            </a:r>
+            <a:r>
+              <a:rPr lang="de-DE" dirty="0">
+                <a:solidFill>
+                  <a:srgbClr val="000000"/>
+                </a:solidFill>
+                <a:latin typeface="Consolas" panose="020B0609020204030204" pitchFamily="49" charset="0"/>
+              </a:rPr>
+              <a:t>{</a:t>
+            </a:r>
+          </a:p>
+          <a:p>
+            <a:r>
+              <a:rPr lang="de-DE" dirty="0" smtClean="0">
+                <a:solidFill>
+                  <a:srgbClr val="0000C0"/>
+                </a:solidFill>
+                <a:latin typeface="Consolas" panose="020B0609020204030204" pitchFamily="49" charset="0"/>
+              </a:rPr>
+              <a:t>  REF</a:t>
+            </a:r>
+            <a:r>
+              <a:rPr lang="de-DE" dirty="0" smtClean="0">
+                <a:solidFill>
+                  <a:srgbClr val="000000"/>
+                </a:solidFill>
+                <a:latin typeface="Consolas" panose="020B0609020204030204" pitchFamily="49" charset="0"/>
+              </a:rPr>
+              <a:t>  </a:t>
+            </a:r>
+            <a:r>
+              <a:rPr lang="de-DE" dirty="0">
+                <a:solidFill>
+                  <a:srgbClr val="000000"/>
+                </a:solidFill>
+                <a:latin typeface="Consolas" panose="020B0609020204030204" pitchFamily="49" charset="0"/>
+              </a:rPr>
+              <a:t>| </a:t>
+            </a:r>
+            <a:r>
+              <a:rPr lang="de-DE" dirty="0">
+                <a:solidFill>
+                  <a:srgbClr val="0000C0"/>
+                </a:solidFill>
+                <a:latin typeface="Consolas" panose="020B0609020204030204" pitchFamily="49" charset="0"/>
+              </a:rPr>
+              <a:t>title</a:t>
+            </a:r>
+            <a:r>
+              <a:rPr lang="de-DE" dirty="0">
+                <a:solidFill>
+                  <a:srgbClr val="000000"/>
+                </a:solidFill>
+                <a:latin typeface="Consolas" panose="020B0609020204030204" pitchFamily="49" charset="0"/>
+              </a:rPr>
+              <a:t>               </a:t>
+            </a:r>
+            <a:r>
+              <a:rPr lang="de-DE" dirty="0" smtClean="0">
+                <a:solidFill>
+                  <a:srgbClr val="000000"/>
+                </a:solidFill>
+                <a:latin typeface="Consolas" panose="020B0609020204030204" pitchFamily="49" charset="0"/>
+              </a:rPr>
+              <a:t>| </a:t>
+            </a:r>
+            <a:r>
+              <a:rPr lang="de-DE" dirty="0" err="1" smtClean="0">
+                <a:solidFill>
+                  <a:srgbClr val="0000C0"/>
+                </a:solidFill>
+                <a:latin typeface="Consolas" panose="020B0609020204030204" pitchFamily="49" charset="0"/>
+              </a:rPr>
+              <a:t>description</a:t>
+            </a:r>
+            <a:endParaRPr lang="de-DE" dirty="0" smtClean="0">
+              <a:solidFill>
+                <a:srgbClr val="0000C0"/>
+              </a:solidFill>
+              <a:latin typeface="Consolas" panose="020B0609020204030204" pitchFamily="49" charset="0"/>
+            </a:endParaRPr>
+          </a:p>
+          <a:p>
+            <a:r>
+              <a:rPr lang="en-US" dirty="0" smtClean="0">
+                <a:solidFill>
+                  <a:srgbClr val="000000"/>
+                </a:solidFill>
+                <a:latin typeface="Consolas" panose="020B0609020204030204" pitchFamily="49" charset="0"/>
+              </a:rPr>
+              <a:t>  </a:t>
+            </a:r>
+            <a:r>
+              <a:rPr lang="en-US" i="1" dirty="0" smtClean="0">
+                <a:solidFill>
+                  <a:srgbClr val="0000C0"/>
+                </a:solidFill>
+                <a:latin typeface="Consolas" panose="020B0609020204030204" pitchFamily="49" charset="0"/>
+              </a:rPr>
+              <a:t>QA</a:t>
+            </a:r>
+            <a:r>
+              <a:rPr lang="en-US" dirty="0" smtClean="0">
+                <a:solidFill>
+                  <a:srgbClr val="000000"/>
+                </a:solidFill>
+                <a:latin typeface="Consolas" panose="020B0609020204030204" pitchFamily="49" charset="0"/>
+              </a:rPr>
+              <a:t>   | </a:t>
+            </a:r>
+            <a:r>
+              <a:rPr lang="en-US" dirty="0" smtClean="0">
+                <a:solidFill>
+                  <a:srgbClr val="FF00CC"/>
+                </a:solidFill>
+                <a:latin typeface="Consolas" panose="020B0609020204030204" pitchFamily="49" charset="0"/>
+              </a:rPr>
+              <a:t>"Quality Assurance"</a:t>
+            </a:r>
+            <a:r>
+              <a:rPr lang="en-US" dirty="0" smtClean="0">
+                <a:solidFill>
+                  <a:srgbClr val="000000"/>
+                </a:solidFill>
+                <a:latin typeface="Consolas" panose="020B0609020204030204" pitchFamily="49" charset="0"/>
+              </a:rPr>
+              <a:t> | </a:t>
+            </a:r>
+            <a:r>
+              <a:rPr lang="en-US" dirty="0" smtClean="0">
+                <a:solidFill>
+                  <a:srgbClr val="FF00CC"/>
+                </a:solidFill>
+                <a:latin typeface="Consolas" panose="020B0609020204030204" pitchFamily="49" charset="0"/>
+              </a:rPr>
+              <a:t>"Verifies software"</a:t>
+            </a:r>
+            <a:endParaRPr lang="de-DE" dirty="0">
+              <a:solidFill>
+                <a:srgbClr val="000000"/>
+              </a:solidFill>
+              <a:latin typeface="Consolas" panose="020B0609020204030204" pitchFamily="49" charset="0"/>
+            </a:endParaRPr>
+          </a:p>
+          <a:p>
+            <a:r>
+              <a:rPr lang="de-DE" dirty="0" smtClean="0">
+                <a:solidFill>
+                  <a:srgbClr val="000000"/>
+                </a:solidFill>
+                <a:latin typeface="Consolas" panose="020B0609020204030204" pitchFamily="49" charset="0"/>
+              </a:rPr>
+              <a:t>}</a:t>
+            </a:r>
+          </a:p>
+          <a:p>
+            <a:endParaRPr lang="de-DE" dirty="0">
+              <a:latin typeface="Consolas" panose="020B0609020204030204" pitchFamily="49" charset="0"/>
+            </a:endParaRPr>
+          </a:p>
+          <a:p>
+            <a:r>
+              <a:rPr lang="de-DE" dirty="0" err="1" smtClean="0">
+                <a:solidFill>
+                  <a:srgbClr val="0000C0"/>
+                </a:solidFill>
+                <a:latin typeface="Consolas" panose="020B0609020204030204" pitchFamily="49" charset="0"/>
+              </a:rPr>
+              <a:t>personsTable</a:t>
+            </a:r>
+            <a:r>
+              <a:rPr lang="de-DE" dirty="0" err="1" smtClean="0">
+                <a:solidFill>
+                  <a:srgbClr val="000000"/>
+                </a:solidFill>
+                <a:latin typeface="Consolas" panose="020B0609020204030204" pitchFamily="49" charset="0"/>
+              </a:rPr>
+              <a:t>.rows</a:t>
+            </a:r>
+            <a:r>
+              <a:rPr lang="de-DE" dirty="0" smtClean="0">
+                <a:solidFill>
+                  <a:srgbClr val="000000"/>
+                </a:solidFill>
+                <a:latin typeface="Consolas" panose="020B0609020204030204" pitchFamily="49" charset="0"/>
+              </a:rPr>
+              <a:t> </a:t>
+            </a:r>
+            <a:r>
+              <a:rPr lang="de-DE" dirty="0">
+                <a:solidFill>
+                  <a:srgbClr val="000000"/>
+                </a:solidFill>
+                <a:latin typeface="Consolas" panose="020B0609020204030204" pitchFamily="49" charset="0"/>
+              </a:rPr>
+              <a:t>{</a:t>
+            </a:r>
+          </a:p>
+          <a:p>
+            <a:r>
+              <a:rPr lang="de-DE" dirty="0" smtClean="0">
+                <a:solidFill>
+                  <a:srgbClr val="000000"/>
+                </a:solidFill>
+                <a:latin typeface="Consolas" panose="020B0609020204030204" pitchFamily="49" charset="0"/>
+              </a:rPr>
+              <a:t>  </a:t>
+            </a:r>
+            <a:r>
+              <a:rPr lang="de-DE" dirty="0">
+                <a:solidFill>
+                  <a:srgbClr val="0000C0"/>
+                </a:solidFill>
+                <a:latin typeface="Consolas" panose="020B0609020204030204" pitchFamily="49" charset="0"/>
+              </a:rPr>
+              <a:t>REF</a:t>
+            </a:r>
+            <a:r>
+              <a:rPr lang="de-DE" dirty="0">
+                <a:solidFill>
+                  <a:srgbClr val="000000"/>
+                </a:solidFill>
+                <a:latin typeface="Consolas" panose="020B0609020204030204" pitchFamily="49" charset="0"/>
+              </a:rPr>
+              <a:t>        </a:t>
+            </a:r>
+            <a:r>
+              <a:rPr lang="de-DE" dirty="0" smtClean="0">
+                <a:solidFill>
+                  <a:srgbClr val="000000"/>
+                </a:solidFill>
+                <a:latin typeface="Consolas" panose="020B0609020204030204" pitchFamily="49" charset="0"/>
+              </a:rPr>
+              <a:t> | </a:t>
+            </a:r>
+            <a:r>
+              <a:rPr lang="de-DE" dirty="0" err="1">
+                <a:solidFill>
+                  <a:srgbClr val="0000C0"/>
+                </a:solidFill>
+                <a:latin typeface="Consolas" panose="020B0609020204030204" pitchFamily="49" charset="0"/>
+              </a:rPr>
+              <a:t>first_name</a:t>
+            </a:r>
+            <a:r>
+              <a:rPr lang="de-DE" dirty="0">
+                <a:solidFill>
+                  <a:srgbClr val="000000"/>
+                </a:solidFill>
+                <a:latin typeface="Consolas" panose="020B0609020204030204" pitchFamily="49" charset="0"/>
+              </a:rPr>
+              <a:t>    </a:t>
+            </a:r>
+            <a:r>
+              <a:rPr lang="de-DE" dirty="0" smtClean="0">
+                <a:solidFill>
+                  <a:srgbClr val="000000"/>
+                </a:solidFill>
+                <a:latin typeface="Consolas" panose="020B0609020204030204" pitchFamily="49" charset="0"/>
+              </a:rPr>
+              <a:t>| </a:t>
+            </a:r>
+            <a:r>
+              <a:rPr lang="de-DE" dirty="0" smtClean="0">
+                <a:solidFill>
+                  <a:srgbClr val="0000C0"/>
+                </a:solidFill>
+                <a:latin typeface="Consolas" panose="020B0609020204030204" pitchFamily="49" charset="0"/>
+              </a:rPr>
+              <a:t>name</a:t>
+            </a:r>
+          </a:p>
+          <a:p>
+            <a:r>
+              <a:rPr lang="de-DE" dirty="0" smtClean="0">
+                <a:solidFill>
+                  <a:srgbClr val="000000"/>
+                </a:solidFill>
+                <a:latin typeface="Consolas" panose="020B0609020204030204" pitchFamily="49" charset="0"/>
+              </a:rPr>
+              <a:t>  </a:t>
+            </a:r>
+            <a:r>
+              <a:rPr lang="de-DE" i="1" dirty="0" smtClean="0">
+                <a:solidFill>
+                  <a:srgbClr val="0000C0"/>
+                </a:solidFill>
+                <a:latin typeface="Consolas" panose="020B0609020204030204" pitchFamily="49" charset="0"/>
+              </a:rPr>
+              <a:t>KAULBERSCH</a:t>
+            </a:r>
+            <a:r>
+              <a:rPr lang="de-DE" i="1" dirty="0" smtClean="0">
+                <a:solidFill>
+                  <a:srgbClr val="000000"/>
+                </a:solidFill>
+                <a:latin typeface="Consolas" panose="020B0609020204030204" pitchFamily="49" charset="0"/>
+              </a:rPr>
+              <a:t>  </a:t>
+            </a:r>
+            <a:r>
+              <a:rPr lang="de-DE" dirty="0" smtClean="0">
+                <a:solidFill>
+                  <a:srgbClr val="000000"/>
+                </a:solidFill>
+                <a:latin typeface="Consolas" panose="020B0609020204030204" pitchFamily="49" charset="0"/>
+              </a:rPr>
+              <a:t>| </a:t>
+            </a:r>
+            <a:r>
+              <a:rPr lang="de-DE" dirty="0" smtClean="0">
+                <a:solidFill>
+                  <a:srgbClr val="FF00CC"/>
+                </a:solidFill>
+                <a:latin typeface="Consolas" panose="020B0609020204030204" pitchFamily="49" charset="0"/>
+              </a:rPr>
+              <a:t>"Dennis"</a:t>
+            </a:r>
+            <a:r>
+              <a:rPr lang="de-DE" dirty="0" smtClean="0">
+                <a:solidFill>
+                  <a:srgbClr val="000000"/>
+                </a:solidFill>
+                <a:latin typeface="Consolas" panose="020B0609020204030204" pitchFamily="49" charset="0"/>
+              </a:rPr>
+              <a:t>      | </a:t>
+            </a:r>
+            <a:r>
+              <a:rPr lang="de-DE" dirty="0" smtClean="0">
+                <a:solidFill>
+                  <a:srgbClr val="FF00CC"/>
+                </a:solidFill>
+                <a:latin typeface="Consolas" panose="020B0609020204030204" pitchFamily="49" charset="0"/>
+              </a:rPr>
+              <a:t>"</a:t>
+            </a:r>
+            <a:r>
+              <a:rPr lang="de-DE" dirty="0" err="1" smtClean="0">
+                <a:solidFill>
+                  <a:srgbClr val="FF00CC"/>
+                </a:solidFill>
+                <a:latin typeface="Consolas" panose="020B0609020204030204" pitchFamily="49" charset="0"/>
+              </a:rPr>
+              <a:t>Kaulbersch</a:t>
+            </a:r>
+            <a:r>
+              <a:rPr lang="de-DE" dirty="0" smtClean="0">
+                <a:solidFill>
+                  <a:srgbClr val="FF00CC"/>
+                </a:solidFill>
+                <a:latin typeface="Consolas" panose="020B0609020204030204" pitchFamily="49" charset="0"/>
+              </a:rPr>
+              <a:t>"</a:t>
+            </a:r>
+            <a:endParaRPr lang="de-DE" i="1" dirty="0" smtClean="0">
+              <a:solidFill>
+                <a:srgbClr val="0000C0"/>
+              </a:solidFill>
+              <a:latin typeface="Consolas" panose="020B0609020204030204" pitchFamily="49" charset="0"/>
+            </a:endParaRPr>
+          </a:p>
+          <a:p>
+            <a:r>
+              <a:rPr lang="de-DE" dirty="0" smtClean="0">
+                <a:solidFill>
+                  <a:srgbClr val="000000"/>
+                </a:solidFill>
+                <a:latin typeface="Consolas" panose="020B0609020204030204" pitchFamily="49" charset="0"/>
+              </a:rPr>
+              <a:t>  </a:t>
+            </a:r>
+            <a:r>
+              <a:rPr lang="de-DE" i="1" dirty="0" smtClean="0">
+                <a:solidFill>
+                  <a:srgbClr val="0000C0"/>
+                </a:solidFill>
+                <a:latin typeface="Consolas" panose="020B0609020204030204" pitchFamily="49" charset="0"/>
+              </a:rPr>
+              <a:t>GUITTON</a:t>
+            </a:r>
+            <a:r>
+              <a:rPr lang="de-DE" i="1" dirty="0" smtClean="0">
+                <a:solidFill>
+                  <a:srgbClr val="000000"/>
+                </a:solidFill>
+                <a:latin typeface="Consolas" panose="020B0609020204030204" pitchFamily="49" charset="0"/>
+              </a:rPr>
+              <a:t>     </a:t>
+            </a:r>
+            <a:r>
+              <a:rPr lang="de-DE" dirty="0" smtClean="0">
+                <a:solidFill>
+                  <a:srgbClr val="000000"/>
+                </a:solidFill>
+                <a:latin typeface="Consolas" panose="020B0609020204030204" pitchFamily="49" charset="0"/>
+              </a:rPr>
+              <a:t>| </a:t>
+            </a:r>
+            <a:r>
+              <a:rPr lang="de-DE" dirty="0" smtClean="0">
+                <a:solidFill>
+                  <a:srgbClr val="FF00CC"/>
+                </a:solidFill>
+                <a:latin typeface="Consolas" panose="020B0609020204030204" pitchFamily="49" charset="0"/>
+              </a:rPr>
+              <a:t>"Julien"</a:t>
+            </a:r>
+            <a:r>
+              <a:rPr lang="de-DE" dirty="0" smtClean="0">
+                <a:solidFill>
+                  <a:srgbClr val="000000"/>
+                </a:solidFill>
+                <a:latin typeface="Consolas" panose="020B0609020204030204" pitchFamily="49" charset="0"/>
+              </a:rPr>
+              <a:t>      | </a:t>
+            </a:r>
+            <a:r>
+              <a:rPr lang="de-DE" dirty="0" smtClean="0">
+                <a:solidFill>
+                  <a:srgbClr val="FF00CC"/>
+                </a:solidFill>
+                <a:latin typeface="Consolas" panose="020B0609020204030204" pitchFamily="49" charset="0"/>
+              </a:rPr>
+              <a:t>"Guitton"</a:t>
+            </a:r>
+            <a:endParaRPr lang="de-DE" i="1" dirty="0" smtClean="0">
+              <a:solidFill>
+                <a:srgbClr val="0000C0"/>
+              </a:solidFill>
+              <a:latin typeface="Consolas" panose="020B0609020204030204" pitchFamily="49" charset="0"/>
+            </a:endParaRPr>
+          </a:p>
+          <a:p>
+            <a:r>
+              <a:rPr lang="de-DE" dirty="0" smtClean="0">
+                <a:solidFill>
+                  <a:srgbClr val="000000"/>
+                </a:solidFill>
+                <a:latin typeface="Consolas" panose="020B0609020204030204" pitchFamily="49" charset="0"/>
+              </a:rPr>
+              <a:t>  </a:t>
+            </a:r>
+            <a:r>
+              <a:rPr lang="de-DE" i="1" dirty="0">
+                <a:solidFill>
+                  <a:srgbClr val="0000C0"/>
+                </a:solidFill>
+                <a:latin typeface="Consolas" panose="020B0609020204030204" pitchFamily="49" charset="0"/>
+              </a:rPr>
+              <a:t>BARANOWSKI</a:t>
+            </a:r>
+            <a:r>
+              <a:rPr lang="de-DE" i="1" dirty="0">
+                <a:solidFill>
+                  <a:srgbClr val="000000"/>
+                </a:solidFill>
+                <a:latin typeface="Consolas" panose="020B0609020204030204" pitchFamily="49" charset="0"/>
+              </a:rPr>
+              <a:t> </a:t>
+            </a:r>
+            <a:r>
+              <a:rPr lang="de-DE" i="1" dirty="0" smtClean="0">
+                <a:solidFill>
+                  <a:srgbClr val="000000"/>
+                </a:solidFill>
+                <a:latin typeface="Consolas" panose="020B0609020204030204" pitchFamily="49" charset="0"/>
+              </a:rPr>
+              <a:t> </a:t>
+            </a:r>
+            <a:r>
+              <a:rPr lang="de-DE" dirty="0" smtClean="0">
+                <a:solidFill>
+                  <a:srgbClr val="000000"/>
+                </a:solidFill>
+                <a:latin typeface="Consolas" panose="020B0609020204030204" pitchFamily="49" charset="0"/>
+              </a:rPr>
+              <a:t>| </a:t>
+            </a:r>
+            <a:r>
+              <a:rPr lang="de-DE" dirty="0">
+                <a:solidFill>
+                  <a:srgbClr val="FF00CC"/>
+                </a:solidFill>
+                <a:latin typeface="Consolas" panose="020B0609020204030204" pitchFamily="49" charset="0"/>
+              </a:rPr>
+              <a:t>"Christian"</a:t>
+            </a:r>
+            <a:r>
+              <a:rPr lang="de-DE" dirty="0">
+                <a:solidFill>
+                  <a:srgbClr val="000000"/>
+                </a:solidFill>
+                <a:latin typeface="Consolas" panose="020B0609020204030204" pitchFamily="49" charset="0"/>
+              </a:rPr>
+              <a:t>   </a:t>
+            </a:r>
+            <a:r>
+              <a:rPr lang="de-DE" dirty="0" smtClean="0">
+                <a:solidFill>
+                  <a:srgbClr val="000000"/>
+                </a:solidFill>
+                <a:latin typeface="Consolas" panose="020B0609020204030204" pitchFamily="49" charset="0"/>
+              </a:rPr>
+              <a:t>| </a:t>
+            </a:r>
+            <a:r>
+              <a:rPr lang="de-DE" dirty="0">
+                <a:solidFill>
+                  <a:srgbClr val="FF00CC"/>
+                </a:solidFill>
+                <a:latin typeface="Consolas" panose="020B0609020204030204" pitchFamily="49" charset="0"/>
+              </a:rPr>
+              <a:t>"Baranowski</a:t>
+            </a:r>
+            <a:r>
+              <a:rPr lang="de-DE" dirty="0" smtClean="0">
+                <a:solidFill>
+                  <a:srgbClr val="FF00CC"/>
+                </a:solidFill>
+                <a:latin typeface="Consolas" panose="020B0609020204030204" pitchFamily="49" charset="0"/>
+              </a:rPr>
+              <a:t>"</a:t>
+            </a:r>
+            <a:endParaRPr lang="de-DE" i="1" dirty="0">
+              <a:solidFill>
+                <a:srgbClr val="0000C0"/>
+              </a:solidFill>
+              <a:latin typeface="Consolas" panose="020B0609020204030204" pitchFamily="49" charset="0"/>
+            </a:endParaRPr>
+          </a:p>
+          <a:p>
+            <a:r>
+              <a:rPr lang="de-DE" dirty="0" smtClean="0">
+                <a:solidFill>
+                  <a:srgbClr val="000000"/>
+                </a:solidFill>
+                <a:latin typeface="Consolas" panose="020B0609020204030204" pitchFamily="49" charset="0"/>
+              </a:rPr>
+              <a:t>}</a:t>
+            </a:r>
+          </a:p>
+          <a:p>
+            <a:endParaRPr lang="de-DE" dirty="0">
+              <a:solidFill>
+                <a:srgbClr val="000000"/>
+              </a:solidFill>
+              <a:latin typeface="Consolas" panose="020B0609020204030204" pitchFamily="49" charset="0"/>
+            </a:endParaRPr>
+          </a:p>
+          <a:p>
+            <a:r>
+              <a:rPr lang="de-DE" i="1" dirty="0" err="1" smtClean="0">
+                <a:solidFill>
+                  <a:srgbClr val="0000C0"/>
+                </a:solidFill>
+                <a:latin typeface="Consolas" panose="020B0609020204030204" pitchFamily="49" charset="0"/>
+              </a:rPr>
+              <a:t>QA</a:t>
+            </a:r>
+            <a:r>
+              <a:rPr lang="de-DE" dirty="0" err="1" smtClean="0">
+                <a:solidFill>
+                  <a:srgbClr val="000000"/>
+                </a:solidFill>
+                <a:latin typeface="Consolas" panose="020B0609020204030204" pitchFamily="49" charset="0"/>
+              </a:rPr>
+              <a:t>.hasMembers</a:t>
+            </a:r>
+            <a:r>
+              <a:rPr lang="de-DE" dirty="0" smtClean="0">
+                <a:solidFill>
+                  <a:srgbClr val="000000"/>
+                </a:solidFill>
+                <a:latin typeface="Consolas" panose="020B0609020204030204" pitchFamily="49" charset="0"/>
+              </a:rPr>
+              <a:t>(</a:t>
+            </a:r>
+            <a:r>
+              <a:rPr lang="de-DE" i="1" dirty="0" smtClean="0">
+                <a:solidFill>
+                  <a:srgbClr val="0000C0"/>
+                </a:solidFill>
+                <a:latin typeface="Consolas" panose="020B0609020204030204" pitchFamily="49" charset="0"/>
+              </a:rPr>
+              <a:t>KAULBERSCH</a:t>
+            </a:r>
+            <a:r>
+              <a:rPr lang="de-DE" i="1" dirty="0">
+                <a:solidFill>
+                  <a:srgbClr val="000000"/>
+                </a:solidFill>
+                <a:latin typeface="Consolas" panose="020B0609020204030204" pitchFamily="49" charset="0"/>
+              </a:rPr>
+              <a:t>, </a:t>
+            </a:r>
+            <a:r>
+              <a:rPr lang="de-DE" i="1" dirty="0">
+                <a:solidFill>
+                  <a:srgbClr val="0000C0"/>
+                </a:solidFill>
+                <a:latin typeface="Consolas" panose="020B0609020204030204" pitchFamily="49" charset="0"/>
+              </a:rPr>
+              <a:t>GUITTON</a:t>
+            </a:r>
+            <a:r>
+              <a:rPr lang="de-DE" i="1" dirty="0">
+                <a:solidFill>
+                  <a:srgbClr val="000000"/>
+                </a:solidFill>
+                <a:latin typeface="Consolas" panose="020B0609020204030204" pitchFamily="49" charset="0"/>
+              </a:rPr>
+              <a:t>, </a:t>
+            </a:r>
+            <a:r>
+              <a:rPr lang="de-DE" i="1" dirty="0">
+                <a:solidFill>
+                  <a:srgbClr val="0000C0"/>
+                </a:solidFill>
+                <a:latin typeface="Consolas" panose="020B0609020204030204" pitchFamily="49" charset="0"/>
+              </a:rPr>
+              <a:t>BARANOWSKI</a:t>
+            </a:r>
+            <a:r>
+              <a:rPr lang="de-DE" dirty="0" smtClean="0">
+                <a:solidFill>
+                  <a:srgbClr val="000000"/>
+                </a:solidFill>
+                <a:latin typeface="Consolas" panose="020B0609020204030204" pitchFamily="49" charset="0"/>
+              </a:rPr>
+              <a:t>)</a:t>
+            </a:r>
+            <a:endParaRPr lang="de-DE" dirty="0">
+              <a:solidFill>
+                <a:srgbClr val="000000"/>
+              </a:solidFill>
+              <a:latin typeface="Consolas" panose="020B0609020204030204" pitchFamily="49" charset="0"/>
+            </a:endParaRPr>
+          </a:p>
+        </p:txBody>
+      </p:sp>
+    </p:spTree>
+    <p:extLst>
+      <p:ext uri="{BB962C8B-B14F-4D97-AF65-F5344CB8AC3E}">
+        <p14:creationId xmlns:p14="http://schemas.microsoft.com/office/powerpoint/2010/main" val="1325685626"/>
+      </p:ext>
+    </p:extLst>
+  </p:cSld>
+  <p:clrMapOvr>
+    <a:masterClrMapping/>
+  </p:clrMapOvr>
+  <p:timing>
+    <p:tnLst>
+      <p:par>
+        <p:cTn id="1" dur="indefinite" restart="never" nodeType="tmRoot"/>
+      </p:par>
+    </p:tnLst>
+  </p:timing>
+</p:sld>
+</file>
+
+<file path=ppt/slides/slide7.xml><?xml version="1.0" encoding="utf-8"?>
 <p:sld xmlns:a="http://schemas.openxmlformats.org/drawingml/2006/main" xmlns:r="http://schemas.openxmlformats.org/officeDocument/2006/relationships" xmlns:p="http://schemas.openxmlformats.org/presentationml/2006/main">
   <p:cSld>
     <p:spTree>
@@ -6304,7 +9762,7 @@
 </p:sld>
 </file>
 
-<file path=ppt/slides/slide7.xml><?xml version="1.0" encoding="utf-8"?>
+<file path=ppt/slides/slide8.xml><?xml version="1.0" encoding="utf-8"?>
 <p:sld xmlns:a="http://schemas.openxmlformats.org/drawingml/2006/main" xmlns:r="http://schemas.openxmlformats.org/officeDocument/2006/relationships" xmlns:p="http://schemas.openxmlformats.org/presentationml/2006/main">
   <p:cSld>
     <p:spTree>
@@ -6440,7 +9898,7 @@
 </p:sld>
 </file>
 
-<file path=ppt/slides/slide8.xml><?xml version="1.0" encoding="utf-8"?>
+<file path=ppt/slides/slide9.xml><?xml version="1.0" encoding="utf-8"?>
 <p:sld xmlns:a="http://schemas.openxmlformats.org/drawingml/2006/main" xmlns:r="http://schemas.openxmlformats.org/officeDocument/2006/relationships" xmlns:p="http://schemas.openxmlformats.org/presentationml/2006/main">
   <p:cSld>
     <p:spTree>
@@ -6540,114 +9998,6 @@
     <p:extLst>
       <p:ext uri="{BB962C8B-B14F-4D97-AF65-F5344CB8AC3E}">
         <p14:creationId xmlns:p14="http://schemas.microsoft.com/office/powerpoint/2010/main" val="311227683"/>
-      </p:ext>
-    </p:extLst>
-  </p:cSld>
-  <p:clrMapOvr>
-    <a:masterClrMapping/>
-  </p:clrMapOvr>
-  <p:timing>
-    <p:tnLst>
-      <p:par>
-        <p:cTn id="1" dur="indefinite" restart="never" nodeType="tmRoot"/>
-      </p:par>
-    </p:tnLst>
-  </p:timing>
-</p:sld>
-</file>
-
-<file path=ppt/slides/slide9.xml><?xml version="1.0" encoding="utf-8"?>
-<p:sld xmlns:a="http://schemas.openxmlformats.org/drawingml/2006/main" xmlns:r="http://schemas.openxmlformats.org/officeDocument/2006/relationships" xmlns:p="http://schemas.openxmlformats.org/presentationml/2006/main">
-  <p:cSld>
-    <p:spTree>
-      <p:nvGrpSpPr>
-        <p:cNvPr id="1" name=""/>
-        <p:cNvGrpSpPr/>
-        <p:nvPr/>
-      </p:nvGrpSpPr>
-      <p:grpSpPr>
-        <a:xfrm>
-          <a:off x="0" y="0"/>
-          <a:ext cx="0" cy="0"/>
-          <a:chOff x="0" y="0"/>
-          <a:chExt cx="0" cy="0"/>
-        </a:xfrm>
-      </p:grpSpPr>
-      <p:sp>
-        <p:nvSpPr>
-          <p:cNvPr id="2" name="Titel 1"/>
-          <p:cNvSpPr>
-            <a:spLocks noGrp="1"/>
-          </p:cNvSpPr>
-          <p:nvPr>
-            <p:ph type="title"/>
-          </p:nvPr>
-        </p:nvSpPr>
-        <p:spPr/>
-        <p:txBody>
-          <a:bodyPr>
-            <a:noAutofit/>
-          </a:bodyPr>
-          <a:lstStyle/>
-          <a:p>
-            <a:r>
-              <a:rPr lang="de-DE" dirty="0" smtClean="0"/>
-              <a:t>Features: Auto-Typ-Konvertierung</a:t>
-            </a:r>
-            <a:endParaRPr lang="de-DE" dirty="0"/>
-          </a:p>
-        </p:txBody>
-      </p:sp>
-      <p:sp>
-        <p:nvSpPr>
-          <p:cNvPr id="3" name="Inhaltsplatzhalter 2"/>
-          <p:cNvSpPr>
-            <a:spLocks noGrp="1"/>
-          </p:cNvSpPr>
-          <p:nvPr>
-            <p:ph idx="1"/>
-          </p:nvPr>
-        </p:nvSpPr>
-        <p:spPr/>
-        <p:txBody>
-          <a:bodyPr/>
-          <a:lstStyle/>
-          <a:p>
-            <a:endParaRPr lang="de-DE" dirty="0" smtClean="0"/>
-          </a:p>
-          <a:p>
-            <a:endParaRPr lang="de-DE" dirty="0"/>
-          </a:p>
-        </p:txBody>
-      </p:sp>
-      <p:pic>
-        <p:nvPicPr>
-          <p:cNvPr id="4" name="Grafik 3"/>
-          <p:cNvPicPr>
-            <a:picLocks noChangeAspect="1"/>
-          </p:cNvPicPr>
-          <p:nvPr/>
-        </p:nvPicPr>
-        <p:blipFill>
-          <a:blip r:embed="rId2"/>
-          <a:stretch>
-            <a:fillRect/>
-          </a:stretch>
-        </p:blipFill>
-        <p:spPr>
-          <a:xfrm>
-            <a:off x="539552" y="1600200"/>
-            <a:ext cx="3219450" cy="1362075"/>
-          </a:xfrm>
-          <a:prstGeom prst="rect">
-            <a:avLst/>
-          </a:prstGeom>
-        </p:spPr>
-      </p:pic>
-    </p:spTree>
-    <p:extLst>
-      <p:ext uri="{BB962C8B-B14F-4D97-AF65-F5344CB8AC3E}">
-        <p14:creationId xmlns:p14="http://schemas.microsoft.com/office/powerpoint/2010/main" val="1441127023"/>
       </p:ext>
     </p:extLst>
   </p:cSld>
@@ -6945,4 +10295,265 @@
   <a:objectDefaults/>
   <a:extraClrSchemeLst/>
 </a:theme>
+</file>
+
+<file path=ppt/theme/theme2.xml><?xml version="1.0" encoding="utf-8"?>
+<a:theme xmlns:a="http://schemas.openxmlformats.org/drawingml/2006/main" name="Office Theme">
+  <a:themeElements>
+    <a:clrScheme name="Office">
+      <a:dk1>
+        <a:sysClr val="windowText" lastClr="000000"/>
+      </a:dk1>
+      <a:lt1>
+        <a:sysClr val="window" lastClr="FFFFFF"/>
+      </a:lt1>
+      <a:dk2>
+        <a:srgbClr val="44546A"/>
+      </a:dk2>
+      <a:lt2>
+        <a:srgbClr val="E7E6E6"/>
+      </a:lt2>
+      <a:accent1>
+        <a:srgbClr val="5B9BD5"/>
+      </a:accent1>
+      <a:accent2>
+        <a:srgbClr val="ED7D31"/>
+      </a:accent2>
+      <a:accent3>
+        <a:srgbClr val="A5A5A5"/>
+      </a:accent3>
+      <a:accent4>
+        <a:srgbClr val="FFC000"/>
+      </a:accent4>
+      <a:accent5>
+        <a:srgbClr val="4472C4"/>
+      </a:accent5>
+      <a:accent6>
+        <a:srgbClr val="70AD47"/>
+      </a:accent6>
+      <a:hlink>
+        <a:srgbClr val="0563C1"/>
+      </a:hlink>
+      <a:folHlink>
+        <a:srgbClr val="954F72"/>
+      </a:folHlink>
+    </a:clrScheme>
+    <a:fontScheme name="Office">
+      <a:majorFont>
+        <a:latin typeface="Calibri Light" panose="020F0302020204030204"/>
+        <a:ea typeface=""/>
+        <a:cs typeface=""/>
+        <a:font script="Jpan" typeface="ＭＳ Ｐゴシック"/>
+        <a:font script="Hang" typeface="맑은 고딕"/>
+        <a:font script="Hans" typeface="宋体"/>
+        <a:font script="Hant" typeface="新細明體"/>
+        <a:font script="Arab" typeface="Times New Roman"/>
+        <a:font script="Hebr" typeface="Times New Roman"/>
+        <a:font script="Thai" typeface="Angsana New"/>
+        <a:font script="Ethi" typeface="Nyala"/>
+        <a:font script="Beng" typeface="Vrinda"/>
+        <a:font script="Gujr" typeface="Shruti"/>
+        <a:font script="Khmr" typeface="MoolBoran"/>
+        <a:font script="Knda" typeface="Tunga"/>
+        <a:font script="Guru" typeface="Raavi"/>
+        <a:font script="Cans" typeface="Euphemia"/>
+        <a:font script="Cher" typeface="Plantagenet Cherokee"/>
+        <a:font script="Yiii" typeface="Microsoft Yi Baiti"/>
+        <a:font script="Tibt" typeface="Microsoft Himalaya"/>
+        <a:font script="Thaa" typeface="MV Boli"/>
+        <a:font script="Deva" typeface="Mangal"/>
+        <a:font script="Telu" typeface="Gautami"/>
+        <a:font script="Taml" typeface="Latha"/>
+        <a:font script="Syrc" typeface="Estrangelo Edessa"/>
+        <a:font script="Orya" typeface="Kalinga"/>
+        <a:font script="Mlym" typeface="Kartika"/>
+        <a:font script="Laoo" typeface="DokChampa"/>
+        <a:font script="Sinh" typeface="Iskoola Pota"/>
+        <a:font script="Mong" typeface="Mongolian Baiti"/>
+        <a:font script="Viet" typeface="Times New Roman"/>
+        <a:font script="Uigh" typeface="Microsoft Uighur"/>
+        <a:font script="Geor" typeface="Sylfaen"/>
+      </a:majorFont>
+      <a:minorFont>
+        <a:latin typeface="Calibri" panose="020F0502020204030204"/>
+        <a:ea typeface=""/>
+        <a:cs typeface=""/>
+        <a:font script="Jpan" typeface="ＭＳ Ｐゴシック"/>
+        <a:font script="Hang" typeface="맑은 고딕"/>
+        <a:font script="Hans" typeface="宋体"/>
+        <a:font script="Hant" typeface="新細明體"/>
+        <a:font script="Arab" typeface="Arial"/>
+        <a:font script="Hebr" typeface="Arial"/>
+        <a:font script="Thai" typeface="Cordia New"/>
+        <a:font script="Ethi" typeface="Nyala"/>
+        <a:font script="Beng" typeface="Vrinda"/>
+        <a:font script="Gujr" typeface="Shruti"/>
+        <a:font script="Khmr" typeface="DaunPenh"/>
+        <a:font script="Knda" typeface="Tunga"/>
+        <a:font script="Guru" typeface="Raavi"/>
+        <a:font script="Cans" typeface="Euphemia"/>
+        <a:font script="Cher" typeface="Plantagenet Cherokee"/>
+        <a:font script="Yiii" typeface="Microsoft Yi Baiti"/>
+        <a:font script="Tibt" typeface="Microsoft Himalaya"/>
+        <a:font script="Thaa" typeface="MV Boli"/>
+        <a:font script="Deva" typeface="Mangal"/>
+        <a:font script="Telu" typeface="Gautami"/>
+        <a:font script="Taml" typeface="Latha"/>
+        <a:font script="Syrc" typeface="Estrangelo Edessa"/>
+        <a:font script="Orya" typeface="Kalinga"/>
+        <a:font script="Mlym" typeface="Kartika"/>
+        <a:font script="Laoo" typeface="DokChampa"/>
+        <a:font script="Sinh" typeface="Iskoola Pota"/>
+        <a:font script="Mong" typeface="Mongolian Baiti"/>
+        <a:font script="Viet" typeface="Arial"/>
+        <a:font script="Uigh" typeface="Microsoft Uighur"/>
+        <a:font script="Geor" typeface="Sylfaen"/>
+      </a:minorFont>
+    </a:fontScheme>
+    <a:fmtScheme name="Office">
+      <a:fillStyleLst>
+        <a:solidFill>
+          <a:schemeClr val="phClr"/>
+        </a:solidFill>
+        <a:gradFill rotWithShape="1">
+          <a:gsLst>
+            <a:gs pos="0">
+              <a:schemeClr val="phClr">
+                <a:lumMod val="110000"/>
+                <a:satMod val="105000"/>
+                <a:tint val="67000"/>
+              </a:schemeClr>
+            </a:gs>
+            <a:gs pos="50000">
+              <a:schemeClr val="phClr">
+                <a:lumMod val="105000"/>
+                <a:satMod val="103000"/>
+                <a:tint val="73000"/>
+              </a:schemeClr>
+            </a:gs>
+            <a:gs pos="100000">
+              <a:schemeClr val="phClr">
+                <a:lumMod val="105000"/>
+                <a:satMod val="109000"/>
+                <a:tint val="81000"/>
+              </a:schemeClr>
+            </a:gs>
+          </a:gsLst>
+          <a:lin ang="5400000" scaled="0"/>
+        </a:gradFill>
+        <a:gradFill rotWithShape="1">
+          <a:gsLst>
+            <a:gs pos="0">
+              <a:schemeClr val="phClr">
+                <a:satMod val="103000"/>
+                <a:lumMod val="102000"/>
+                <a:tint val="94000"/>
+              </a:schemeClr>
+            </a:gs>
+            <a:gs pos="50000">
+              <a:schemeClr val="phClr">
+                <a:satMod val="110000"/>
+                <a:lumMod val="100000"/>
+                <a:shade val="100000"/>
+              </a:schemeClr>
+            </a:gs>
+            <a:gs pos="100000">
+              <a:schemeClr val="phClr">
+                <a:lumMod val="99000"/>
+                <a:satMod val="120000"/>
+                <a:shade val="78000"/>
+              </a:schemeClr>
+            </a:gs>
+          </a:gsLst>
+          <a:lin ang="5400000" scaled="0"/>
+        </a:gradFill>
+      </a:fillStyleLst>
+      <a:lnStyleLst>
+        <a:ln w="6350" cap="flat" cmpd="sng" algn="ctr">
+          <a:solidFill>
+            <a:schemeClr val="phClr"/>
+          </a:solidFill>
+          <a:prstDash val="solid"/>
+          <a:miter lim="800000"/>
+        </a:ln>
+        <a:ln w="12700" cap="flat" cmpd="sng" algn="ctr">
+          <a:solidFill>
+            <a:schemeClr val="phClr"/>
+          </a:solidFill>
+          <a:prstDash val="solid"/>
+          <a:miter lim="800000"/>
+        </a:ln>
+        <a:ln w="19050" cap="flat" cmpd="sng" algn="ctr">
+          <a:solidFill>
+            <a:schemeClr val="phClr"/>
+          </a:solidFill>
+          <a:prstDash val="solid"/>
+          <a:miter lim="800000"/>
+        </a:ln>
+      </a:lnStyleLst>
+      <a:effectStyleLst>
+        <a:effectStyle>
+          <a:effectLst/>
+        </a:effectStyle>
+        <a:effectStyle>
+          <a:effectLst/>
+        </a:effectStyle>
+        <a:effectStyle>
+          <a:effectLst>
+            <a:outerShdw blurRad="57150" dist="19050" dir="5400000" algn="ctr" rotWithShape="0">
+              <a:srgbClr val="000000">
+                <a:alpha val="63000"/>
+              </a:srgbClr>
+            </a:outerShdw>
+          </a:effectLst>
+        </a:effectStyle>
+      </a:effectStyleLst>
+      <a:bgFillStyleLst>
+        <a:solidFill>
+          <a:schemeClr val="phClr"/>
+        </a:solidFill>
+        <a:solidFill>
+          <a:schemeClr val="phClr">
+            <a:tint val="95000"/>
+            <a:satMod val="170000"/>
+          </a:schemeClr>
+        </a:solidFill>
+        <a:gradFill rotWithShape="1">
+          <a:gsLst>
+            <a:gs pos="0">
+              <a:schemeClr val="phClr">
+                <a:tint val="93000"/>
+                <a:satMod val="150000"/>
+                <a:shade val="98000"/>
+                <a:lumMod val="102000"/>
+              </a:schemeClr>
+            </a:gs>
+            <a:gs pos="50000">
+              <a:schemeClr val="phClr">
+                <a:tint val="98000"/>
+                <a:satMod val="130000"/>
+                <a:shade val="90000"/>
+                <a:lumMod val="103000"/>
+              </a:schemeClr>
+            </a:gs>
+            <a:gs pos="100000">
+              <a:schemeClr val="phClr">
+                <a:shade val="63000"/>
+                <a:satMod val="120000"/>
+              </a:schemeClr>
+            </a:gs>
+          </a:gsLst>
+          <a:lin ang="5400000" scaled="0"/>
+        </a:gradFill>
+      </a:bgFillStyleLst>
+    </a:fmtScheme>
+  </a:themeElements>
+  <a:objectDefaults/>
+  <a:extraClrSchemeLst/>
+  <a:extLst>
+    <a:ext uri="{05A4C25C-085E-4340-85A3-A5531E510DB2}">
+      <thm15:themeFamily xmlns:thm15="http://schemas.microsoft.com/office/thememl/2012/main" name="Office Theme" id="{62F939B6-93AF-4DB8-9C6B-D6C7DFDC589F}" vid="{4A3C46E8-61CC-4603-A589-7422A47A8E4A}"/>
+    </a:ext>
+  </a:extLst>
+</a:theme>
 </file>
--- a/documentation/seitenbau/praesentation.pptx
+++ b/documentation/seitenbau/praesentation.pptx
@@ -679,6 +679,342 @@
           <a:p>
             <a:fld id="{F681B938-1D02-4746-A681-047B6BA98D88}" type="slidenum">
               <a:rPr lang="de-DE" smtClean="0"/>
+              <a:t>7</a:t>
+            </a:fld>
+            <a:endParaRPr lang="de-DE"/>
+          </a:p>
+        </p:txBody>
+      </p:sp>
+    </p:spTree>
+    <p:extLst>
+      <p:ext uri="{BB962C8B-B14F-4D97-AF65-F5344CB8AC3E}">
+        <p14:creationId xmlns:p14="http://schemas.microsoft.com/office/powerpoint/2010/main" val="3671088149"/>
+      </p:ext>
+    </p:extLst>
+  </p:cSld>
+  <p:clrMapOvr>
+    <a:masterClrMapping/>
+  </p:clrMapOvr>
+</p:notes>
+</file>
+
+<file path=ppt/notesSlides/notesSlide3.xml><?xml version="1.0" encoding="utf-8"?>
+<p:notes xmlns:a="http://schemas.openxmlformats.org/drawingml/2006/main" xmlns:r="http://schemas.openxmlformats.org/officeDocument/2006/relationships" xmlns:p="http://schemas.openxmlformats.org/presentationml/2006/main">
+  <p:cSld>
+    <p:spTree>
+      <p:nvGrpSpPr>
+        <p:cNvPr id="1" name=""/>
+        <p:cNvGrpSpPr/>
+        <p:nvPr/>
+      </p:nvGrpSpPr>
+      <p:grpSpPr>
+        <a:xfrm>
+          <a:off x="0" y="0"/>
+          <a:ext cx="0" cy="0"/>
+          <a:chOff x="0" y="0"/>
+          <a:chExt cx="0" cy="0"/>
+        </a:xfrm>
+      </p:grpSpPr>
+      <p:sp>
+        <p:nvSpPr>
+          <p:cNvPr id="2" name="Folienbildplatzhalter 1"/>
+          <p:cNvSpPr>
+            <a:spLocks noGrp="1" noRot="1" noChangeAspect="1"/>
+          </p:cNvSpPr>
+          <p:nvPr>
+            <p:ph type="sldImg"/>
+          </p:nvPr>
+        </p:nvSpPr>
+        <p:spPr/>
+      </p:sp>
+      <p:sp>
+        <p:nvSpPr>
+          <p:cNvPr id="3" name="Notizenplatzhalter 2"/>
+          <p:cNvSpPr>
+            <a:spLocks noGrp="1"/>
+          </p:cNvSpPr>
+          <p:nvPr>
+            <p:ph type="body" idx="1"/>
+          </p:nvPr>
+        </p:nvSpPr>
+        <p:spPr/>
+        <p:txBody>
+          <a:bodyPr/>
+          <a:lstStyle/>
+          <a:p>
+            <a:endParaRPr lang="de-DE" dirty="0"/>
+          </a:p>
+        </p:txBody>
+      </p:sp>
+      <p:sp>
+        <p:nvSpPr>
+          <p:cNvPr id="4" name="Foliennummernplatzhalter 3"/>
+          <p:cNvSpPr>
+            <a:spLocks noGrp="1"/>
+          </p:cNvSpPr>
+          <p:nvPr>
+            <p:ph type="sldNum" sz="quarter" idx="10"/>
+          </p:nvPr>
+        </p:nvSpPr>
+        <p:spPr/>
+        <p:txBody>
+          <a:bodyPr/>
+          <a:lstStyle/>
+          <a:p>
+            <a:fld id="{F681B938-1D02-4746-A681-047B6BA98D88}" type="slidenum">
+              <a:rPr lang="de-DE" smtClean="0"/>
+              <a:t>8</a:t>
+            </a:fld>
+            <a:endParaRPr lang="de-DE"/>
+          </a:p>
+        </p:txBody>
+      </p:sp>
+    </p:spTree>
+    <p:extLst>
+      <p:ext uri="{BB962C8B-B14F-4D97-AF65-F5344CB8AC3E}">
+        <p14:creationId xmlns:p14="http://schemas.microsoft.com/office/powerpoint/2010/main" val="2671364921"/>
+      </p:ext>
+    </p:extLst>
+  </p:cSld>
+  <p:clrMapOvr>
+    <a:masterClrMapping/>
+  </p:clrMapOvr>
+</p:notes>
+</file>
+
+<file path=ppt/notesSlides/notesSlide4.xml><?xml version="1.0" encoding="utf-8"?>
+<p:notes xmlns:a="http://schemas.openxmlformats.org/drawingml/2006/main" xmlns:r="http://schemas.openxmlformats.org/officeDocument/2006/relationships" xmlns:p="http://schemas.openxmlformats.org/presentationml/2006/main">
+  <p:cSld>
+    <p:spTree>
+      <p:nvGrpSpPr>
+        <p:cNvPr id="1" name=""/>
+        <p:cNvGrpSpPr/>
+        <p:nvPr/>
+      </p:nvGrpSpPr>
+      <p:grpSpPr>
+        <a:xfrm>
+          <a:off x="0" y="0"/>
+          <a:ext cx="0" cy="0"/>
+          <a:chOff x="0" y="0"/>
+          <a:chExt cx="0" cy="0"/>
+        </a:xfrm>
+      </p:grpSpPr>
+      <p:sp>
+        <p:nvSpPr>
+          <p:cNvPr id="2" name="Folienbildplatzhalter 1"/>
+          <p:cNvSpPr>
+            <a:spLocks noGrp="1" noRot="1" noChangeAspect="1"/>
+          </p:cNvSpPr>
+          <p:nvPr>
+            <p:ph type="sldImg"/>
+          </p:nvPr>
+        </p:nvSpPr>
+        <p:spPr/>
+      </p:sp>
+      <p:sp>
+        <p:nvSpPr>
+          <p:cNvPr id="3" name="Notizenplatzhalter 2"/>
+          <p:cNvSpPr>
+            <a:spLocks noGrp="1"/>
+          </p:cNvSpPr>
+          <p:nvPr>
+            <p:ph type="body" idx="1"/>
+          </p:nvPr>
+        </p:nvSpPr>
+        <p:spPr/>
+        <p:txBody>
+          <a:bodyPr/>
+          <a:lstStyle/>
+          <a:p>
+            <a:endParaRPr lang="de-DE" dirty="0"/>
+          </a:p>
+        </p:txBody>
+      </p:sp>
+      <p:sp>
+        <p:nvSpPr>
+          <p:cNvPr id="4" name="Foliennummernplatzhalter 3"/>
+          <p:cNvSpPr>
+            <a:spLocks noGrp="1"/>
+          </p:cNvSpPr>
+          <p:nvPr>
+            <p:ph type="sldNum" sz="quarter" idx="10"/>
+          </p:nvPr>
+        </p:nvSpPr>
+        <p:spPr/>
+        <p:txBody>
+          <a:bodyPr/>
+          <a:lstStyle/>
+          <a:p>
+            <a:fld id="{F681B938-1D02-4746-A681-047B6BA98D88}" type="slidenum">
+              <a:rPr lang="de-DE" smtClean="0"/>
+              <a:t>9</a:t>
+            </a:fld>
+            <a:endParaRPr lang="de-DE"/>
+          </a:p>
+        </p:txBody>
+      </p:sp>
+    </p:spTree>
+    <p:extLst>
+      <p:ext uri="{BB962C8B-B14F-4D97-AF65-F5344CB8AC3E}">
+        <p14:creationId xmlns:p14="http://schemas.microsoft.com/office/powerpoint/2010/main" val="3940262520"/>
+      </p:ext>
+    </p:extLst>
+  </p:cSld>
+  <p:clrMapOvr>
+    <a:masterClrMapping/>
+  </p:clrMapOvr>
+</p:notes>
+</file>
+
+<file path=ppt/notesSlides/notesSlide5.xml><?xml version="1.0" encoding="utf-8"?>
+<p:notes xmlns:a="http://schemas.openxmlformats.org/drawingml/2006/main" xmlns:r="http://schemas.openxmlformats.org/officeDocument/2006/relationships" xmlns:p="http://schemas.openxmlformats.org/presentationml/2006/main">
+  <p:cSld>
+    <p:spTree>
+      <p:nvGrpSpPr>
+        <p:cNvPr id="1" name=""/>
+        <p:cNvGrpSpPr/>
+        <p:nvPr/>
+      </p:nvGrpSpPr>
+      <p:grpSpPr>
+        <a:xfrm>
+          <a:off x="0" y="0"/>
+          <a:ext cx="0" cy="0"/>
+          <a:chOff x="0" y="0"/>
+          <a:chExt cx="0" cy="0"/>
+        </a:xfrm>
+      </p:grpSpPr>
+      <p:sp>
+        <p:nvSpPr>
+          <p:cNvPr id="2" name="Folienbildplatzhalter 1"/>
+          <p:cNvSpPr>
+            <a:spLocks noGrp="1" noRot="1" noChangeAspect="1"/>
+          </p:cNvSpPr>
+          <p:nvPr>
+            <p:ph type="sldImg"/>
+          </p:nvPr>
+        </p:nvSpPr>
+        <p:spPr/>
+      </p:sp>
+      <p:sp>
+        <p:nvSpPr>
+          <p:cNvPr id="3" name="Notizenplatzhalter 2"/>
+          <p:cNvSpPr>
+            <a:spLocks noGrp="1"/>
+          </p:cNvSpPr>
+          <p:nvPr>
+            <p:ph type="body" idx="1"/>
+          </p:nvPr>
+        </p:nvSpPr>
+        <p:spPr/>
+        <p:txBody>
+          <a:bodyPr/>
+          <a:lstStyle/>
+          <a:p>
+            <a:endParaRPr lang="de-DE" dirty="0"/>
+          </a:p>
+        </p:txBody>
+      </p:sp>
+      <p:sp>
+        <p:nvSpPr>
+          <p:cNvPr id="4" name="Foliennummernplatzhalter 3"/>
+          <p:cNvSpPr>
+            <a:spLocks noGrp="1"/>
+          </p:cNvSpPr>
+          <p:nvPr>
+            <p:ph type="sldNum" sz="quarter" idx="10"/>
+          </p:nvPr>
+        </p:nvSpPr>
+        <p:spPr/>
+        <p:txBody>
+          <a:bodyPr/>
+          <a:lstStyle/>
+          <a:p>
+            <a:fld id="{F681B938-1D02-4746-A681-047B6BA98D88}" type="slidenum">
+              <a:rPr lang="de-DE" smtClean="0"/>
+              <a:t>11</a:t>
+            </a:fld>
+            <a:endParaRPr lang="de-DE"/>
+          </a:p>
+        </p:txBody>
+      </p:sp>
+    </p:spTree>
+    <p:extLst>
+      <p:ext uri="{BB962C8B-B14F-4D97-AF65-F5344CB8AC3E}">
+        <p14:creationId xmlns:p14="http://schemas.microsoft.com/office/powerpoint/2010/main" val="1182838135"/>
+      </p:ext>
+    </p:extLst>
+  </p:cSld>
+  <p:clrMapOvr>
+    <a:masterClrMapping/>
+  </p:clrMapOvr>
+</p:notes>
+</file>
+
+<file path=ppt/notesSlides/notesSlide6.xml><?xml version="1.0" encoding="utf-8"?>
+<p:notes xmlns:a="http://schemas.openxmlformats.org/drawingml/2006/main" xmlns:r="http://schemas.openxmlformats.org/officeDocument/2006/relationships" xmlns:p="http://schemas.openxmlformats.org/presentationml/2006/main">
+  <p:cSld>
+    <p:spTree>
+      <p:nvGrpSpPr>
+        <p:cNvPr id="1" name=""/>
+        <p:cNvGrpSpPr/>
+        <p:nvPr/>
+      </p:nvGrpSpPr>
+      <p:grpSpPr>
+        <a:xfrm>
+          <a:off x="0" y="0"/>
+          <a:ext cx="0" cy="0"/>
+          <a:chOff x="0" y="0"/>
+          <a:chExt cx="0" cy="0"/>
+        </a:xfrm>
+      </p:grpSpPr>
+      <p:sp>
+        <p:nvSpPr>
+          <p:cNvPr id="2" name="Folienbildplatzhalter 1"/>
+          <p:cNvSpPr>
+            <a:spLocks noGrp="1" noRot="1" noChangeAspect="1"/>
+          </p:cNvSpPr>
+          <p:nvPr>
+            <p:ph type="sldImg"/>
+          </p:nvPr>
+        </p:nvSpPr>
+        <p:spPr/>
+      </p:sp>
+      <p:sp>
+        <p:nvSpPr>
+          <p:cNvPr id="3" name="Notizenplatzhalter 2"/>
+          <p:cNvSpPr>
+            <a:spLocks noGrp="1"/>
+          </p:cNvSpPr>
+          <p:nvPr>
+            <p:ph type="body" idx="1"/>
+          </p:nvPr>
+        </p:nvSpPr>
+        <p:spPr/>
+        <p:txBody>
+          <a:bodyPr/>
+          <a:lstStyle/>
+          <a:p>
+            <a:endParaRPr lang="de-DE" dirty="0"/>
+          </a:p>
+        </p:txBody>
+      </p:sp>
+      <p:sp>
+        <p:nvSpPr>
+          <p:cNvPr id="4" name="Foliennummernplatzhalter 3"/>
+          <p:cNvSpPr>
+            <a:spLocks noGrp="1"/>
+          </p:cNvSpPr>
+          <p:nvPr>
+            <p:ph type="sldNum" sz="quarter" idx="10"/>
+          </p:nvPr>
+        </p:nvSpPr>
+        <p:spPr/>
+        <p:txBody>
+          <a:bodyPr/>
+          <a:lstStyle/>
+          <a:p>
+            <a:fld id="{F681B938-1D02-4746-A681-047B6BA98D88}" type="slidenum">
+              <a:rPr lang="de-DE" smtClean="0"/>
               <a:t>14</a:t>
             </a:fld>
             <a:endParaRPr lang="de-DE"/>
@@ -698,7 +1034,7 @@
 </p:notes>
 </file>
 
-<file path=ppt/notesSlides/notesSlide3.xml><?xml version="1.0" encoding="utf-8"?>
+<file path=ppt/notesSlides/notesSlide7.xml><?xml version="1.0" encoding="utf-8"?>
 <p:notes xmlns:a="http://schemas.openxmlformats.org/drawingml/2006/main" xmlns:r="http://schemas.openxmlformats.org/officeDocument/2006/relationships" xmlns:p="http://schemas.openxmlformats.org/presentationml/2006/main">
   <p:cSld>
     <p:spTree>
@@ -3750,7 +4086,7 @@
           <a:bodyPr/>
           <a:lstStyle/>
           <a:p>
-            <a:endParaRPr lang="de-DE"/>
+            <a:endParaRPr lang="de-DE" dirty="0"/>
           </a:p>
         </p:txBody>
       </p:sp>
@@ -3788,6 +4124,46 @@
       </p:grpSpPr>
       <p:sp>
         <p:nvSpPr>
+          <p:cNvPr id="7" name="Inhaltsplatzhalter 6"/>
+          <p:cNvSpPr>
+            <a:spLocks noGrp="1"/>
+          </p:cNvSpPr>
+          <p:nvPr>
+            <p:ph idx="1"/>
+          </p:nvPr>
+        </p:nvSpPr>
+        <p:spPr/>
+        <p:txBody>
+          <a:bodyPr/>
+          <a:lstStyle/>
+          <a:p>
+            <a:r>
+              <a:rPr lang="de-DE" dirty="0" smtClean="0"/>
+              <a:t>Z.B. automatische Umwandlung von Integer- zu Long-Werten:</a:t>
+            </a:r>
+          </a:p>
+          <a:p>
+            <a:endParaRPr lang="de-DE" dirty="0"/>
+          </a:p>
+          <a:p>
+            <a:endParaRPr lang="de-DE" dirty="0" smtClean="0"/>
+          </a:p>
+          <a:p>
+            <a:endParaRPr lang="de-DE" dirty="0"/>
+          </a:p>
+          <a:p>
+            <a:endParaRPr lang="de-DE" dirty="0" smtClean="0"/>
+          </a:p>
+          <a:p>
+            <a:r>
+              <a:rPr lang="de-DE" dirty="0" smtClean="0"/>
+              <a:t>Weitere Möglichkeiten: Ganz-Zahl zu Fließkomma-Zahl, String zu Datum, …</a:t>
+            </a:r>
+          </a:p>
+        </p:txBody>
+      </p:sp>
+      <p:sp>
+        <p:nvSpPr>
           <p:cNvPr id="2" name="Titel 1"/>
           <p:cNvSpPr>
             <a:spLocks noGrp="1"/>
@@ -3811,31 +4187,9 @@
           </a:p>
         </p:txBody>
       </p:sp>
-      <p:sp>
-        <p:nvSpPr>
-          <p:cNvPr id="3" name="Inhaltsplatzhalter 2"/>
-          <p:cNvSpPr>
-            <a:spLocks noGrp="1"/>
-          </p:cNvSpPr>
-          <p:nvPr>
-            <p:ph idx="1"/>
-          </p:nvPr>
-        </p:nvSpPr>
-        <p:spPr/>
-        <p:txBody>
-          <a:bodyPr/>
-          <a:lstStyle/>
-          <a:p>
-            <a:endParaRPr lang="de-DE" dirty="0" smtClean="0"/>
-          </a:p>
-          <a:p>
-            <a:endParaRPr lang="de-DE" dirty="0"/>
-          </a:p>
-        </p:txBody>
-      </p:sp>
       <p:pic>
         <p:nvPicPr>
-          <p:cNvPr id="4" name="Grafik 3"/>
+          <p:cNvPr id="8" name="Grafik 7"/>
           <p:cNvPicPr>
             <a:picLocks noChangeAspect="1"/>
           </p:cNvPicPr>
@@ -3849,8 +4203,8 @@
         </p:blipFill>
         <p:spPr>
           <a:xfrm>
-            <a:off x="539552" y="1600200"/>
-            <a:ext cx="3219450" cy="1362075"/>
+            <a:off x="827584" y="2780928"/>
+            <a:ext cx="4829175" cy="2043113"/>
           </a:xfrm>
           <a:prstGeom prst="rect">
             <a:avLst/>
@@ -3946,21 +4300,22 @@
       </p:sp>
       <p:pic>
         <p:nvPicPr>
-          <p:cNvPr id="4" name="Grafik 3"/>
+          <p:cNvPr id="8" name="Grafik 7"/>
           <p:cNvPicPr>
             <a:picLocks noChangeAspect="1"/>
           </p:cNvPicPr>
           <p:nvPr/>
         </p:nvPicPr>
-        <p:blipFill rotWithShape="1">
-          <a:blip r:embed="rId2"/>
-          <a:srcRect l="1" r="7981"/>
-          <a:stretch/>
+        <p:blipFill>
+          <a:blip r:embed="rId3"/>
+          <a:stretch>
+            <a:fillRect/>
+          </a:stretch>
         </p:blipFill>
         <p:spPr>
           <a:xfrm>
-            <a:off x="323528" y="1763074"/>
-            <a:ext cx="8136000" cy="4200214"/>
+            <a:off x="238761" y="1796351"/>
+            <a:ext cx="8666478" cy="4133660"/>
           </a:xfrm>
           <a:prstGeom prst="rect">
             <a:avLst/>
@@ -4168,11 +4523,7 @@
           <a:p>
             <a:r>
               <a:rPr lang="de-DE" dirty="0" smtClean="0"/>
-              <a:t>Wird passend zu einem Datenbank-Schema </a:t>
-            </a:r>
-            <a:r>
-              <a:rPr lang="de-DE" dirty="0" smtClean="0"/>
-              <a:t>erzeugt</a:t>
+              <a:t>Wird passend zu einem Datenbank-Schema erzeugt</a:t>
             </a:r>
           </a:p>
           <a:p>
@@ -4188,7 +4539,6 @@
               <a:rPr lang="de-DE" dirty="0" smtClean="0"/>
               <a:t>-System</a:t>
             </a:r>
-            <a:endParaRPr lang="de-DE" dirty="0" smtClean="0"/>
           </a:p>
           <a:p>
             <a:pPr marL="0" indent="0">
@@ -4268,7 +4618,7 @@
           <a:bodyPr/>
           <a:lstStyle/>
           <a:p>
-            <a:endParaRPr lang="de-DE"/>
+            <a:endParaRPr lang="de-DE" dirty="0"/>
           </a:p>
         </p:txBody>
       </p:sp>
@@ -4288,7 +4638,7 @@
         </p:blipFill>
         <p:spPr>
           <a:xfrm>
-            <a:off x="1632000" y="3126038"/>
+            <a:off x="1632000" y="3717032"/>
             <a:ext cx="5880000" cy="1474286"/>
           </a:xfrm>
           <a:prstGeom prst="rect">
@@ -4684,12 +5034,6 @@
               </a:rPr>
               <a:t>()</a:t>
             </a:r>
-            <a:endParaRPr lang="de-DE" dirty="0">
-              <a:solidFill>
-                <a:srgbClr val="000000"/>
-              </a:solidFill>
-              <a:latin typeface="Consolas" panose="020B0609020204030204" pitchFamily="49" charset="0"/>
-            </a:endParaRPr>
           </a:p>
           <a:p>
             <a:pPr marL="0" indent="0">
@@ -5627,7 +5971,11 @@
           <a:p>
             <a:r>
               <a:rPr lang="de-DE" dirty="0" smtClean="0"/>
-              <a:t>Besonderer Fokus auf Beziehungen</a:t>
+              <a:t>Besonderer </a:t>
+            </a:r>
+            <a:r>
+              <a:rPr lang="de-DE" dirty="0" smtClean="0"/>
+              <a:t>Fokus auf Beziehungen</a:t>
             </a:r>
           </a:p>
           <a:p>
@@ -5749,11 +6097,7 @@
           <a:p>
             <a:r>
               <a:rPr lang="de-DE" dirty="0" smtClean="0"/>
-              <a:t>Einfaches </a:t>
-            </a:r>
-            <a:r>
-              <a:rPr lang="de-DE" dirty="0" smtClean="0"/>
-              <a:t>Beispiel-Modell</a:t>
+              <a:t>Einfaches Beispiel-Modell</a:t>
             </a:r>
             <a:endParaRPr lang="de-DE" dirty="0"/>
           </a:p>
@@ -6002,11 +6346,7 @@
           <a:p>
             <a:r>
               <a:rPr lang="de-DE" dirty="0" smtClean="0"/>
-              <a:t>Varianten bei </a:t>
-            </a:r>
-            <a:r>
-              <a:rPr lang="de-DE" dirty="0" smtClean="0"/>
-              <a:t>der Modellierung der Daten</a:t>
+              <a:t>Varianten bei der Modellierung der Daten</a:t>
             </a:r>
           </a:p>
           <a:p>
@@ -8045,8 +8385,19 @@
           <a:p>
             <a:r>
               <a:rPr lang="de-DE" dirty="0" smtClean="0"/>
-              <a:t>Beziehungen übersichtlich modellieren</a:t>
-            </a:r>
+              <a:t>Beziehungen übersichtlich </a:t>
+            </a:r>
+            <a:r>
+              <a:rPr lang="de-DE" dirty="0" smtClean="0"/>
+              <a:t>beschreiben</a:t>
+            </a:r>
+          </a:p>
+          <a:p>
+            <a:r>
+              <a:rPr lang="de-DE" dirty="0" smtClean="0"/>
+              <a:t>Typsicherheit beim Beschreiben von Beziehungen</a:t>
+            </a:r>
+            <a:endParaRPr lang="de-DE" dirty="0" smtClean="0"/>
           </a:p>
         </p:txBody>
       </p:sp>
@@ -8130,7 +8481,11 @@
           <a:p>
             <a:r>
               <a:rPr lang="de-DE" dirty="0" smtClean="0"/>
-              <a:t>Inspiriert von Spock</a:t>
+              <a:t>Syntax inspiriert </a:t>
+            </a:r>
+            <a:r>
+              <a:rPr lang="de-DE" dirty="0" smtClean="0"/>
+              <a:t>von Spock</a:t>
             </a:r>
           </a:p>
         </p:txBody>
@@ -8946,8 +9301,9 @@
           <a:p>
             <a:r>
               <a:rPr lang="de-DE" dirty="0" smtClean="0"/>
-              <a:t>Inspiriert von Spock</a:t>
-            </a:r>
+              <a:t>Beschreibung von Beziehungen auf unterschiedlichen Ebenen möglich</a:t>
+            </a:r>
+            <a:endParaRPr lang="de-DE" dirty="0" smtClean="0"/>
           </a:p>
         </p:txBody>
       </p:sp>
@@ -8960,7 +9316,7 @@
         <p:spPr>
           <a:xfrm>
             <a:off x="899592" y="2327969"/>
-            <a:ext cx="7488832" cy="3693319"/>
+            <a:ext cx="7488832" cy="3139321"/>
           </a:xfrm>
           <a:prstGeom prst="rect">
             <a:avLst/>
@@ -8972,107 +9328,6 @@
           </a:bodyPr>
           <a:lstStyle/>
           <a:p>
-            <a:r>
-              <a:rPr lang="de-DE" dirty="0" err="1" smtClean="0">
-                <a:solidFill>
-                  <a:srgbClr val="0000C0"/>
-                </a:solidFill>
-                <a:latin typeface="Consolas" panose="020B0609020204030204" pitchFamily="49" charset="0"/>
-              </a:rPr>
-              <a:t>teamsTable</a:t>
-            </a:r>
-            <a:r>
-              <a:rPr lang="de-DE" dirty="0" err="1" smtClean="0">
-                <a:solidFill>
-                  <a:srgbClr val="000000"/>
-                </a:solidFill>
-                <a:latin typeface="Consolas" panose="020B0609020204030204" pitchFamily="49" charset="0"/>
-              </a:rPr>
-              <a:t>.rows</a:t>
-            </a:r>
-            <a:r>
-              <a:rPr lang="de-DE" dirty="0" smtClean="0">
-                <a:solidFill>
-                  <a:srgbClr val="000000"/>
-                </a:solidFill>
-                <a:latin typeface="Consolas" panose="020B0609020204030204" pitchFamily="49" charset="0"/>
-              </a:rPr>
-              <a:t> </a:t>
-            </a:r>
-            <a:r>
-              <a:rPr lang="de-DE" dirty="0">
-                <a:solidFill>
-                  <a:srgbClr val="000000"/>
-                </a:solidFill>
-                <a:latin typeface="Consolas" panose="020B0609020204030204" pitchFamily="49" charset="0"/>
-              </a:rPr>
-              <a:t>{</a:t>
-            </a:r>
-          </a:p>
-          <a:p>
-            <a:r>
-              <a:rPr lang="de-DE" dirty="0" smtClean="0">
-                <a:solidFill>
-                  <a:srgbClr val="0000C0"/>
-                </a:solidFill>
-                <a:latin typeface="Consolas" panose="020B0609020204030204" pitchFamily="49" charset="0"/>
-              </a:rPr>
-              <a:t>  REF</a:t>
-            </a:r>
-            <a:r>
-              <a:rPr lang="de-DE" dirty="0" smtClean="0">
-                <a:solidFill>
-                  <a:srgbClr val="000000"/>
-                </a:solidFill>
-                <a:latin typeface="Consolas" panose="020B0609020204030204" pitchFamily="49" charset="0"/>
-              </a:rPr>
-              <a:t>  </a:t>
-            </a:r>
-            <a:r>
-              <a:rPr lang="de-DE" dirty="0">
-                <a:solidFill>
-                  <a:srgbClr val="000000"/>
-                </a:solidFill>
-                <a:latin typeface="Consolas" panose="020B0609020204030204" pitchFamily="49" charset="0"/>
-              </a:rPr>
-              <a:t>| </a:t>
-            </a:r>
-            <a:r>
-              <a:rPr lang="de-DE" dirty="0">
-                <a:solidFill>
-                  <a:srgbClr val="0000C0"/>
-                </a:solidFill>
-                <a:latin typeface="Consolas" panose="020B0609020204030204" pitchFamily="49" charset="0"/>
-              </a:rPr>
-              <a:t>title</a:t>
-            </a:r>
-            <a:r>
-              <a:rPr lang="de-DE" dirty="0">
-                <a:solidFill>
-                  <a:srgbClr val="000000"/>
-                </a:solidFill>
-                <a:latin typeface="Consolas" panose="020B0609020204030204" pitchFamily="49" charset="0"/>
-              </a:rPr>
-              <a:t>               </a:t>
-            </a:r>
-            <a:r>
-              <a:rPr lang="de-DE" dirty="0" smtClean="0">
-                <a:solidFill>
-                  <a:srgbClr val="000000"/>
-                </a:solidFill>
-                <a:latin typeface="Consolas" panose="020B0609020204030204" pitchFamily="49" charset="0"/>
-              </a:rPr>
-              <a:t>| </a:t>
-            </a:r>
-            <a:r>
-              <a:rPr lang="de-DE" dirty="0" err="1" smtClean="0">
-                <a:solidFill>
-                  <a:srgbClr val="0000C0"/>
-                </a:solidFill>
-                <a:latin typeface="Consolas" panose="020B0609020204030204" pitchFamily="49" charset="0"/>
-              </a:rPr>
-              <a:t>description</a:t>
-            </a:r>
             <a:endParaRPr lang="de-DE" dirty="0" smtClean="0">
               <a:solidFill>
                 <a:srgbClr val="0000C0"/>
@@ -9081,77 +9336,100 @@
             </a:endParaRPr>
           </a:p>
           <a:p>
-            <a:r>
-              <a:rPr lang="en-US" dirty="0" smtClean="0">
-                <a:solidFill>
-                  <a:srgbClr val="000000"/>
-                </a:solidFill>
-                <a:latin typeface="Consolas" panose="020B0609020204030204" pitchFamily="49" charset="0"/>
-              </a:rPr>
-              <a:t>  </a:t>
-            </a:r>
-            <a:r>
-              <a:rPr lang="en-US" i="1" dirty="0" smtClean="0">
-                <a:solidFill>
-                  <a:srgbClr val="0000C0"/>
-                </a:solidFill>
-                <a:latin typeface="Consolas" panose="020B0609020204030204" pitchFamily="49" charset="0"/>
-              </a:rPr>
-              <a:t>QA</a:t>
-            </a:r>
-            <a:r>
-              <a:rPr lang="en-US" dirty="0" smtClean="0">
-                <a:solidFill>
-                  <a:srgbClr val="000000"/>
-                </a:solidFill>
-                <a:latin typeface="Consolas" panose="020B0609020204030204" pitchFamily="49" charset="0"/>
-              </a:rPr>
-              <a:t>   | </a:t>
-            </a:r>
-            <a:r>
-              <a:rPr lang="en-US" dirty="0" smtClean="0">
-                <a:solidFill>
-                  <a:srgbClr val="FF00CC"/>
-                </a:solidFill>
-                <a:latin typeface="Consolas" panose="020B0609020204030204" pitchFamily="49" charset="0"/>
-              </a:rPr>
-              <a:t>"Quality Assurance"</a:t>
-            </a:r>
-            <a:r>
-              <a:rPr lang="en-US" dirty="0" smtClean="0">
-                <a:solidFill>
-                  <a:srgbClr val="000000"/>
-                </a:solidFill>
-                <a:latin typeface="Consolas" panose="020B0609020204030204" pitchFamily="49" charset="0"/>
-              </a:rPr>
-              <a:t> | </a:t>
-            </a:r>
-            <a:r>
-              <a:rPr lang="en-US" dirty="0" smtClean="0">
-                <a:solidFill>
-                  <a:srgbClr val="FF00CC"/>
-                </a:solidFill>
-                <a:latin typeface="Consolas" panose="020B0609020204030204" pitchFamily="49" charset="0"/>
-              </a:rPr>
-              <a:t>"Verifies software"</a:t>
-            </a:r>
             <a:endParaRPr lang="de-DE" dirty="0">
               <a:solidFill>
-                <a:srgbClr val="000000"/>
+                <a:srgbClr val="0000C0"/>
               </a:solidFill>
               <a:latin typeface="Consolas" panose="020B0609020204030204" pitchFamily="49" charset="0"/>
             </a:endParaRPr>
           </a:p>
           <a:p>
             <a:r>
+              <a:rPr lang="de-DE" i="1" dirty="0" err="1" smtClean="0">
+                <a:solidFill>
+                  <a:srgbClr val="0000C0"/>
+                </a:solidFill>
+                <a:latin typeface="Consolas" panose="020B0609020204030204" pitchFamily="49" charset="0"/>
+              </a:rPr>
+              <a:t>QA</a:t>
+            </a:r>
+            <a:r>
+              <a:rPr lang="de-DE" dirty="0" err="1" smtClean="0">
+                <a:solidFill>
+                  <a:srgbClr val="000000"/>
+                </a:solidFill>
+                <a:latin typeface="Consolas" panose="020B0609020204030204" pitchFamily="49" charset="0"/>
+              </a:rPr>
+              <a:t>.hasMembers</a:t>
+            </a:r>
+            <a:r>
               <a:rPr lang="de-DE" dirty="0" smtClean="0">
                 <a:solidFill>
                   <a:srgbClr val="000000"/>
                 </a:solidFill>
                 <a:latin typeface="Consolas" panose="020B0609020204030204" pitchFamily="49" charset="0"/>
               </a:rPr>
-              <a:t>}</a:t>
-            </a:r>
+              <a:t>(</a:t>
+            </a:r>
+            <a:r>
+              <a:rPr lang="de-DE" i="1" dirty="0" smtClean="0">
+                <a:solidFill>
+                  <a:srgbClr val="0000C0"/>
+                </a:solidFill>
+                <a:latin typeface="Consolas" panose="020B0609020204030204" pitchFamily="49" charset="0"/>
+              </a:rPr>
+              <a:t>KAULBERSCH</a:t>
+            </a:r>
+            <a:r>
+              <a:rPr lang="de-DE" i="1" dirty="0">
+                <a:solidFill>
+                  <a:srgbClr val="000000"/>
+                </a:solidFill>
+                <a:latin typeface="Consolas" panose="020B0609020204030204" pitchFamily="49" charset="0"/>
+              </a:rPr>
+              <a:t>, </a:t>
+            </a:r>
+            <a:r>
+              <a:rPr lang="de-DE" i="1" dirty="0">
+                <a:solidFill>
+                  <a:srgbClr val="0000C0"/>
+                </a:solidFill>
+                <a:latin typeface="Consolas" panose="020B0609020204030204" pitchFamily="49" charset="0"/>
+              </a:rPr>
+              <a:t>GUITTON</a:t>
+            </a:r>
+            <a:r>
+              <a:rPr lang="de-DE" i="1" dirty="0">
+                <a:solidFill>
+                  <a:srgbClr val="000000"/>
+                </a:solidFill>
+                <a:latin typeface="Consolas" panose="020B0609020204030204" pitchFamily="49" charset="0"/>
+              </a:rPr>
+              <a:t>, </a:t>
+            </a:r>
+            <a:r>
+              <a:rPr lang="de-DE" i="1" dirty="0">
+                <a:solidFill>
+                  <a:srgbClr val="0000C0"/>
+                </a:solidFill>
+                <a:latin typeface="Consolas" panose="020B0609020204030204" pitchFamily="49" charset="0"/>
+              </a:rPr>
+              <a:t>BARANOWSKI</a:t>
+            </a:r>
+            <a:r>
+              <a:rPr lang="de-DE" dirty="0">
+                <a:solidFill>
+                  <a:srgbClr val="000000"/>
+                </a:solidFill>
+                <a:latin typeface="Consolas" panose="020B0609020204030204" pitchFamily="49" charset="0"/>
+              </a:rPr>
+              <a:t>)</a:t>
+            </a:r>
+          </a:p>
+          <a:p>
+            <a:endParaRPr lang="de-DE" dirty="0" smtClean="0">
+              <a:latin typeface="Consolas" panose="020B0609020204030204" pitchFamily="49" charset="0"/>
+            </a:endParaRPr>
           </a:p>
           <a:p>
             <a:endParaRPr lang="de-DE" dirty="0">
@@ -9538,98 +9816,7 @@
               </a:rPr>
               <a:t>}</a:t>
             </a:r>
-          </a:p>
-          <a:p>
-            <a:endParaRPr lang="de-DE" dirty="0">
-              <a:solidFill>
-                <a:srgbClr val="000000"/>
-              </a:solidFill>
-              <a:latin typeface="Consolas" panose="020B0609020204030204" pitchFamily="49" charset="0"/>
-            </a:endParaRPr>
-          </a:p>
-          <a:p>
-            <a:r>
-              <a:rPr lang="de-DE" i="1" dirty="0" err="1" smtClean="0">
-                <a:solidFill>
-                  <a:srgbClr val="0000C0"/>
-                </a:solidFill>
-                <a:latin typeface="Consolas" panose="020B0609020204030204" pitchFamily="49" charset="0"/>
-              </a:rPr>
-              <a:t>QA</a:t>
-            </a:r>
-            <a:r>
-              <a:rPr lang="de-DE" dirty="0" err="1" smtClean="0">
-                <a:solidFill>
-                  <a:srgbClr val="000000"/>
-                </a:solidFill>
-                <a:latin typeface="Consolas" panose="020B0609020204030204" pitchFamily="49" charset="0"/>
-              </a:rPr>
-              <a:t>.hasMembers</a:t>
-            </a:r>
-            <a:r>
-              <a:rPr lang="de-DE" dirty="0" smtClean="0">
-                <a:solidFill>
-                  <a:srgbClr val="000000"/>
-                </a:solidFill>
-                <a:latin typeface="Consolas" panose="020B0609020204030204" pitchFamily="49" charset="0"/>
-              </a:rPr>
-              <a:t>(</a:t>
-            </a:r>
-            <a:r>
-              <a:rPr lang="de-DE" i="1" dirty="0" smtClean="0">
-                <a:solidFill>
-                  <a:srgbClr val="0000C0"/>
-                </a:solidFill>
-                <a:latin typeface="Consolas" panose="020B0609020204030204" pitchFamily="49" charset="0"/>
-              </a:rPr>
-              <a:t>KAULBERSCH</a:t>
-            </a:r>
-            <a:r>
-              <a:rPr lang="de-DE" i="1" dirty="0">
-                <a:solidFill>
-                  <a:srgbClr val="000000"/>
-                </a:solidFill>
-                <a:latin typeface="Consolas" panose="020B0609020204030204" pitchFamily="49" charset="0"/>
-              </a:rPr>
-              <a:t>, </a:t>
-            </a:r>
-            <a:r>
-              <a:rPr lang="de-DE" i="1" dirty="0">
-                <a:solidFill>
-                  <a:srgbClr val="0000C0"/>
-                </a:solidFill>
-                <a:latin typeface="Consolas" panose="020B0609020204030204" pitchFamily="49" charset="0"/>
-              </a:rPr>
-              <a:t>GUITTON</a:t>
-            </a:r>
-            <a:r>
-              <a:rPr lang="de-DE" i="1" dirty="0">
-                <a:solidFill>
-                  <a:srgbClr val="000000"/>
-                </a:solidFill>
-                <a:latin typeface="Consolas" panose="020B0609020204030204" pitchFamily="49" charset="0"/>
-              </a:rPr>
-              <a:t>, </a:t>
-            </a:r>
-            <a:r>
-              <a:rPr lang="de-DE" i="1" dirty="0">
-                <a:solidFill>
-                  <a:srgbClr val="0000C0"/>
-                </a:solidFill>
-                <a:latin typeface="Consolas" panose="020B0609020204030204" pitchFamily="49" charset="0"/>
-              </a:rPr>
-              <a:t>BARANOWSKI</a:t>
-            </a:r>
-            <a:r>
-              <a:rPr lang="de-DE" dirty="0" smtClean="0">
-                <a:solidFill>
-                  <a:srgbClr val="000000"/>
-                </a:solidFill>
-                <a:latin typeface="Consolas" panose="020B0609020204030204" pitchFamily="49" charset="0"/>
-              </a:rPr>
-              <a:t>)</a:t>
-            </a:r>
-            <a:endParaRPr lang="de-DE" dirty="0">
+            <a:endParaRPr lang="de-DE" dirty="0" smtClean="0">
               <a:solidFill>
                 <a:srgbClr val="000000"/>
               </a:solidFill>
@@ -9732,7 +9919,7 @@
           <p:nvPr/>
         </p:nvPicPr>
         <p:blipFill>
-          <a:blip r:embed="rId2"/>
+          <a:blip r:embed="rId3"/>
           <a:stretch>
             <a:fillRect/>
           </a:stretch>
@@ -9781,6 +9968,41 @@
       </p:grpSpPr>
       <p:sp>
         <p:nvSpPr>
+          <p:cNvPr id="5" name="Inhaltsplatzhalter 4"/>
+          <p:cNvSpPr>
+            <a:spLocks noGrp="1"/>
+          </p:cNvSpPr>
+          <p:nvPr>
+            <p:ph idx="1"/>
+          </p:nvPr>
+        </p:nvSpPr>
+        <p:spPr/>
+        <p:txBody>
+          <a:bodyPr/>
+          <a:lstStyle/>
+          <a:p>
+            <a:r>
+              <a:rPr lang="de-DE" dirty="0" smtClean="0"/>
+              <a:t>Beschreibungen von Beziehungen:</a:t>
+            </a:r>
+          </a:p>
+          <a:p>
+            <a:endParaRPr lang="de-DE" dirty="0"/>
+          </a:p>
+          <a:p>
+            <a:endParaRPr lang="de-DE" sz="2400" dirty="0" smtClean="0"/>
+          </a:p>
+          <a:p>
+            <a:r>
+              <a:rPr lang="de-DE" dirty="0" smtClean="0"/>
+              <a:t>Nutzung in Tests:</a:t>
+            </a:r>
+            <a:endParaRPr lang="de-DE" dirty="0"/>
+          </a:p>
+        </p:txBody>
+      </p:sp>
+      <p:sp>
+        <p:nvSpPr>
           <p:cNvPr id="2" name="Titel 1"/>
           <p:cNvSpPr>
             <a:spLocks noGrp="1"/>
@@ -9804,28 +10026,6 @@
               <a:rPr lang="de-DE" dirty="0" smtClean="0"/>
               <a:t>Scopes</a:t>
             </a:r>
-            <a:endParaRPr lang="de-DE" dirty="0"/>
-          </a:p>
-        </p:txBody>
-      </p:sp>
-      <p:sp>
-        <p:nvSpPr>
-          <p:cNvPr id="3" name="Inhaltsplatzhalter 2"/>
-          <p:cNvSpPr>
-            <a:spLocks noGrp="1"/>
-          </p:cNvSpPr>
-          <p:nvPr>
-            <p:ph idx="1"/>
-          </p:nvPr>
-        </p:nvSpPr>
-        <p:spPr/>
-        <p:txBody>
-          <a:bodyPr/>
-          <a:lstStyle/>
-          <a:p>
-            <a:endParaRPr lang="de-DE" dirty="0" smtClean="0"/>
-          </a:p>
-          <a:p>
             <a:endParaRPr lang="de-DE" dirty="0"/>
           </a:p>
         </p:txBody>
@@ -9839,15 +10039,15 @@
           <p:nvPr/>
         </p:nvPicPr>
         <p:blipFill>
-          <a:blip r:embed="rId2"/>
+          <a:blip r:embed="rId3"/>
           <a:stretch>
             <a:fillRect/>
           </a:stretch>
         </p:blipFill>
         <p:spPr>
           <a:xfrm>
-            <a:off x="457200" y="1417638"/>
-            <a:ext cx="5362575" cy="581025"/>
+            <a:off x="1194092" y="2274203"/>
+            <a:ext cx="6755815" cy="731980"/>
           </a:xfrm>
           <a:prstGeom prst="rect">
             <a:avLst/>
@@ -9863,15 +10063,15 @@
           <p:nvPr/>
         </p:nvPicPr>
         <p:blipFill>
-          <a:blip r:embed="rId3"/>
+          <a:blip r:embed="rId4"/>
           <a:stretch>
             <a:fillRect/>
           </a:stretch>
         </p:blipFill>
         <p:spPr>
           <a:xfrm>
-            <a:off x="457200" y="2181225"/>
-            <a:ext cx="4476750" cy="2076450"/>
+            <a:off x="2123728" y="3762262"/>
+            <a:ext cx="5639843" cy="2615927"/>
           </a:xfrm>
           <a:prstGeom prst="rect">
             <a:avLst/>
@@ -9917,6 +10117,46 @@
       </p:grpSpPr>
       <p:sp>
         <p:nvSpPr>
+          <p:cNvPr id="11" name="Inhaltsplatzhalter 10"/>
+          <p:cNvSpPr>
+            <a:spLocks noGrp="1"/>
+          </p:cNvSpPr>
+          <p:nvPr>
+            <p:ph idx="1"/>
+          </p:nvPr>
+        </p:nvSpPr>
+        <p:spPr/>
+        <p:txBody>
+          <a:bodyPr/>
+          <a:lstStyle/>
+          <a:p>
+            <a:r>
+              <a:rPr lang="de-DE" dirty="0"/>
+              <a:t>Einfach-Vererbung:</a:t>
+            </a:r>
+          </a:p>
+          <a:p>
+            <a:endParaRPr lang="de-DE" dirty="0"/>
+          </a:p>
+          <a:p>
+            <a:endParaRPr lang="de-DE" dirty="0"/>
+          </a:p>
+          <a:p>
+            <a:endParaRPr lang="de-DE" dirty="0"/>
+          </a:p>
+          <a:p>
+            <a:r>
+              <a:rPr lang="de-DE" dirty="0"/>
+              <a:t>Mehrfach-Vererbung:</a:t>
+            </a:r>
+          </a:p>
+          <a:p>
+            <a:endParaRPr lang="de-DE" dirty="0"/>
+          </a:p>
+        </p:txBody>
+      </p:sp>
+      <p:sp>
+        <p:nvSpPr>
           <p:cNvPr id="2" name="Titel 1"/>
           <p:cNvSpPr>
             <a:spLocks noGrp="1"/>
@@ -9948,45 +10188,47 @@
           </a:p>
         </p:txBody>
       </p:sp>
-      <p:sp>
-        <p:nvSpPr>
-          <p:cNvPr id="3" name="Inhaltsplatzhalter 2"/>
-          <p:cNvSpPr>
-            <a:spLocks noGrp="1"/>
-          </p:cNvSpPr>
-          <p:nvPr>
-            <p:ph idx="1"/>
-          </p:nvPr>
-        </p:nvSpPr>
-        <p:spPr/>
-        <p:txBody>
-          <a:bodyPr/>
-          <a:lstStyle/>
-          <a:p>
-            <a:endParaRPr lang="de-DE" dirty="0" smtClean="0"/>
-          </a:p>
-          <a:p>
-            <a:endParaRPr lang="de-DE" dirty="0"/>
-          </a:p>
-        </p:txBody>
-      </p:sp>
       <p:pic>
         <p:nvPicPr>
-          <p:cNvPr id="4" name="Grafik 3"/>
+          <p:cNvPr id="5" name="Grafik 4"/>
           <p:cNvPicPr>
             <a:picLocks noChangeAspect="1"/>
           </p:cNvPicPr>
           <p:nvPr/>
         </p:nvPicPr>
         <p:blipFill>
-          <a:blip r:embed="rId2"/>
+          <a:blip r:embed="rId3"/>
           <a:stretch>
             <a:fillRect/>
           </a:stretch>
         </p:blipFill>
         <p:spPr>
           <a:xfrm>
-            <a:off x="457200" y="1600200"/>
+            <a:off x="1466849" y="4541572"/>
+            <a:ext cx="6210300" cy="1752600"/>
+          </a:xfrm>
+          <a:prstGeom prst="rect">
+            <a:avLst/>
+          </a:prstGeom>
+        </p:spPr>
+      </p:pic>
+      <p:pic>
+        <p:nvPicPr>
+          <p:cNvPr id="8" name="Grafik 7"/>
+          <p:cNvPicPr>
+            <a:picLocks noChangeAspect="1"/>
+          </p:cNvPicPr>
+          <p:nvPr/>
+        </p:nvPicPr>
+        <p:blipFill>
+          <a:blip r:embed="rId4"/>
+          <a:stretch>
+            <a:fillRect/>
+          </a:stretch>
+        </p:blipFill>
+        <p:spPr>
+          <a:xfrm>
+            <a:off x="2224087" y="2237319"/>
             <a:ext cx="4695825" cy="1800225"/>
           </a:xfrm>
           <a:prstGeom prst="rect">

--- a/documentation/seitenbau/praesentation.pptx
+++ b/documentation/seitenbau/praesentation.pptx
@@ -13,9 +13,9 @@
     <p:sldId id="269" r:id="rId4"/>
     <p:sldId id="258" r:id="rId5"/>
     <p:sldId id="259" r:id="rId6"/>
-    <p:sldId id="276" r:id="rId7"/>
-    <p:sldId id="260" r:id="rId8"/>
-    <p:sldId id="270" r:id="rId9"/>
+    <p:sldId id="270" r:id="rId7"/>
+    <p:sldId id="284" r:id="rId8"/>
+    <p:sldId id="260" r:id="rId9"/>
     <p:sldId id="271" r:id="rId10"/>
     <p:sldId id="273" r:id="rId11"/>
     <p:sldId id="272" r:id="rId12"/>
@@ -235,7 +235,7 @@
           <a:p>
             <a:fld id="{43C08B2D-10D7-454A-8AB6-5BBBD7142FDB}" type="datetimeFigureOut">
               <a:rPr lang="de-DE" smtClean="0"/>
-              <a:t>17.12.2013</a:t>
+              <a:t>18.12.2013</a:t>
             </a:fld>
             <a:endParaRPr lang="de-DE"/>
           </a:p>
@@ -679,7 +679,7 @@
           <a:p>
             <a:fld id="{F681B938-1D02-4746-A681-047B6BA98D88}" type="slidenum">
               <a:rPr lang="de-DE" smtClean="0"/>
-              <a:t>7</a:t>
+              <a:t>6</a:t>
             </a:fld>
             <a:endParaRPr lang="de-DE"/>
           </a:p>
@@ -688,7 +688,7 @@
     </p:spTree>
     <p:extLst>
       <p:ext uri="{BB962C8B-B14F-4D97-AF65-F5344CB8AC3E}">
-        <p14:creationId xmlns:p14="http://schemas.microsoft.com/office/powerpoint/2010/main" val="3671088149"/>
+        <p14:creationId xmlns:p14="http://schemas.microsoft.com/office/powerpoint/2010/main" val="2671364921"/>
       </p:ext>
     </p:extLst>
   </p:cSld>
@@ -763,7 +763,7 @@
           <a:p>
             <a:fld id="{F681B938-1D02-4746-A681-047B6BA98D88}" type="slidenum">
               <a:rPr lang="de-DE" smtClean="0"/>
-              <a:t>8</a:t>
+              <a:t>7</a:t>
             </a:fld>
             <a:endParaRPr lang="de-DE"/>
           </a:p>
@@ -772,7 +772,7 @@
     </p:spTree>
     <p:extLst>
       <p:ext uri="{BB962C8B-B14F-4D97-AF65-F5344CB8AC3E}">
-        <p14:creationId xmlns:p14="http://schemas.microsoft.com/office/powerpoint/2010/main" val="2671364921"/>
+        <p14:creationId xmlns:p14="http://schemas.microsoft.com/office/powerpoint/2010/main" val="2393374165"/>
       </p:ext>
     </p:extLst>
   </p:cSld>
@@ -847,7 +847,7 @@
           <a:p>
             <a:fld id="{F681B938-1D02-4746-A681-047B6BA98D88}" type="slidenum">
               <a:rPr lang="de-DE" smtClean="0"/>
-              <a:t>9</a:t>
+              <a:t>8</a:t>
             </a:fld>
             <a:endParaRPr lang="de-DE"/>
           </a:p>
@@ -856,7 +856,7 @@
     </p:spTree>
     <p:extLst>
       <p:ext uri="{BB962C8B-B14F-4D97-AF65-F5344CB8AC3E}">
-        <p14:creationId xmlns:p14="http://schemas.microsoft.com/office/powerpoint/2010/main" val="3940262520"/>
+        <p14:creationId xmlns:p14="http://schemas.microsoft.com/office/powerpoint/2010/main" val="3671088149"/>
       </p:ext>
     </p:extLst>
   </p:cSld>
@@ -931,7 +931,7 @@
           <a:p>
             <a:fld id="{F681B938-1D02-4746-A681-047B6BA98D88}" type="slidenum">
               <a:rPr lang="de-DE" smtClean="0"/>
-              <a:t>11</a:t>
+              <a:t>9</a:t>
             </a:fld>
             <a:endParaRPr lang="de-DE"/>
           </a:p>
@@ -940,7 +940,7 @@
     </p:spTree>
     <p:extLst>
       <p:ext uri="{BB962C8B-B14F-4D97-AF65-F5344CB8AC3E}">
-        <p14:creationId xmlns:p14="http://schemas.microsoft.com/office/powerpoint/2010/main" val="1182838135"/>
+        <p14:creationId xmlns:p14="http://schemas.microsoft.com/office/powerpoint/2010/main" val="3940262520"/>
       </p:ext>
     </p:extLst>
   </p:cSld>
@@ -1015,6 +1015,90 @@
           <a:p>
             <a:fld id="{F681B938-1D02-4746-A681-047B6BA98D88}" type="slidenum">
               <a:rPr lang="de-DE" smtClean="0"/>
+              <a:t>11</a:t>
+            </a:fld>
+            <a:endParaRPr lang="de-DE"/>
+          </a:p>
+        </p:txBody>
+      </p:sp>
+    </p:spTree>
+    <p:extLst>
+      <p:ext uri="{BB962C8B-B14F-4D97-AF65-F5344CB8AC3E}">
+        <p14:creationId xmlns:p14="http://schemas.microsoft.com/office/powerpoint/2010/main" val="1182838135"/>
+      </p:ext>
+    </p:extLst>
+  </p:cSld>
+  <p:clrMapOvr>
+    <a:masterClrMapping/>
+  </p:clrMapOvr>
+</p:notes>
+</file>
+
+<file path=ppt/notesSlides/notesSlide7.xml><?xml version="1.0" encoding="utf-8"?>
+<p:notes xmlns:a="http://schemas.openxmlformats.org/drawingml/2006/main" xmlns:r="http://schemas.openxmlformats.org/officeDocument/2006/relationships" xmlns:p="http://schemas.openxmlformats.org/presentationml/2006/main">
+  <p:cSld>
+    <p:spTree>
+      <p:nvGrpSpPr>
+        <p:cNvPr id="1" name=""/>
+        <p:cNvGrpSpPr/>
+        <p:nvPr/>
+      </p:nvGrpSpPr>
+      <p:grpSpPr>
+        <a:xfrm>
+          <a:off x="0" y="0"/>
+          <a:ext cx="0" cy="0"/>
+          <a:chOff x="0" y="0"/>
+          <a:chExt cx="0" cy="0"/>
+        </a:xfrm>
+      </p:grpSpPr>
+      <p:sp>
+        <p:nvSpPr>
+          <p:cNvPr id="2" name="Folienbildplatzhalter 1"/>
+          <p:cNvSpPr>
+            <a:spLocks noGrp="1" noRot="1" noChangeAspect="1"/>
+          </p:cNvSpPr>
+          <p:nvPr>
+            <p:ph type="sldImg"/>
+          </p:nvPr>
+        </p:nvSpPr>
+        <p:spPr/>
+      </p:sp>
+      <p:sp>
+        <p:nvSpPr>
+          <p:cNvPr id="3" name="Notizenplatzhalter 2"/>
+          <p:cNvSpPr>
+            <a:spLocks noGrp="1"/>
+          </p:cNvSpPr>
+          <p:nvPr>
+            <p:ph type="body" idx="1"/>
+          </p:nvPr>
+        </p:nvSpPr>
+        <p:spPr/>
+        <p:txBody>
+          <a:bodyPr/>
+          <a:lstStyle/>
+          <a:p>
+            <a:endParaRPr lang="de-DE" dirty="0"/>
+          </a:p>
+        </p:txBody>
+      </p:sp>
+      <p:sp>
+        <p:nvSpPr>
+          <p:cNvPr id="4" name="Foliennummernplatzhalter 3"/>
+          <p:cNvSpPr>
+            <a:spLocks noGrp="1"/>
+          </p:cNvSpPr>
+          <p:nvPr>
+            <p:ph type="sldNum" sz="quarter" idx="10"/>
+          </p:nvPr>
+        </p:nvSpPr>
+        <p:spPr/>
+        <p:txBody>
+          <a:bodyPr/>
+          <a:lstStyle/>
+          <a:p>
+            <a:fld id="{F681B938-1D02-4746-A681-047B6BA98D88}" type="slidenum">
+              <a:rPr lang="de-DE" smtClean="0"/>
               <a:t>14</a:t>
             </a:fld>
             <a:endParaRPr lang="de-DE"/>
@@ -1034,7 +1118,7 @@
 </p:notes>
 </file>
 
-<file path=ppt/notesSlides/notesSlide7.xml><?xml version="1.0" encoding="utf-8"?>
+<file path=ppt/notesSlides/notesSlide8.xml><?xml version="1.0" encoding="utf-8"?>
 <p:notes xmlns:a="http://schemas.openxmlformats.org/drawingml/2006/main" xmlns:r="http://schemas.openxmlformats.org/officeDocument/2006/relationships" xmlns:p="http://schemas.openxmlformats.org/presentationml/2006/main">
   <p:cSld>
     <p:spTree>
@@ -1299,7 +1383,7 @@
           <a:p>
             <a:fld id="{3D3F076A-37B1-4513-9F6B-CFB0CEF8E9AA}" type="datetimeFigureOut">
               <a:rPr lang="de-DE" smtClean="0"/>
-              <a:t>17.12.2013</a:t>
+              <a:t>18.12.2013</a:t>
             </a:fld>
             <a:endParaRPr lang="de-DE"/>
           </a:p>
@@ -1464,7 +1548,7 @@
           <a:p>
             <a:fld id="{3D3F076A-37B1-4513-9F6B-CFB0CEF8E9AA}" type="datetimeFigureOut">
               <a:rPr lang="de-DE" smtClean="0"/>
-              <a:t>17.12.2013</a:t>
+              <a:t>18.12.2013</a:t>
             </a:fld>
             <a:endParaRPr lang="de-DE"/>
           </a:p>
@@ -1639,7 +1723,7 @@
           <a:p>
             <a:fld id="{3D3F076A-37B1-4513-9F6B-CFB0CEF8E9AA}" type="datetimeFigureOut">
               <a:rPr lang="de-DE" smtClean="0"/>
-              <a:t>17.12.2013</a:t>
+              <a:t>18.12.2013</a:t>
             </a:fld>
             <a:endParaRPr lang="de-DE"/>
           </a:p>
@@ -1804,7 +1888,7 @@
           <a:p>
             <a:fld id="{3D3F076A-37B1-4513-9F6B-CFB0CEF8E9AA}" type="datetimeFigureOut">
               <a:rPr lang="de-DE" smtClean="0"/>
-              <a:t>17.12.2013</a:t>
+              <a:t>18.12.2013</a:t>
             </a:fld>
             <a:endParaRPr lang="de-DE"/>
           </a:p>
@@ -2045,7 +2129,7 @@
           <a:p>
             <a:fld id="{3D3F076A-37B1-4513-9F6B-CFB0CEF8E9AA}" type="datetimeFigureOut">
               <a:rPr lang="de-DE" smtClean="0"/>
-              <a:t>17.12.2013</a:t>
+              <a:t>18.12.2013</a:t>
             </a:fld>
             <a:endParaRPr lang="de-DE"/>
           </a:p>
@@ -2328,7 +2412,7 @@
           <a:p>
             <a:fld id="{3D3F076A-37B1-4513-9F6B-CFB0CEF8E9AA}" type="datetimeFigureOut">
               <a:rPr lang="de-DE" smtClean="0"/>
-              <a:t>17.12.2013</a:t>
+              <a:t>18.12.2013</a:t>
             </a:fld>
             <a:endParaRPr lang="de-DE"/>
           </a:p>
@@ -2745,7 +2829,7 @@
           <a:p>
             <a:fld id="{3D3F076A-37B1-4513-9F6B-CFB0CEF8E9AA}" type="datetimeFigureOut">
               <a:rPr lang="de-DE" smtClean="0"/>
-              <a:t>17.12.2013</a:t>
+              <a:t>18.12.2013</a:t>
             </a:fld>
             <a:endParaRPr lang="de-DE"/>
           </a:p>
@@ -2858,7 +2942,7 @@
           <a:p>
             <a:fld id="{3D3F076A-37B1-4513-9F6B-CFB0CEF8E9AA}" type="datetimeFigureOut">
               <a:rPr lang="de-DE" smtClean="0"/>
-              <a:t>17.12.2013</a:t>
+              <a:t>18.12.2013</a:t>
             </a:fld>
             <a:endParaRPr lang="de-DE"/>
           </a:p>
@@ -2948,7 +3032,7 @@
           <a:p>
             <a:fld id="{3D3F076A-37B1-4513-9F6B-CFB0CEF8E9AA}" type="datetimeFigureOut">
               <a:rPr lang="de-DE" smtClean="0"/>
-              <a:t>17.12.2013</a:t>
+              <a:t>18.12.2013</a:t>
             </a:fld>
             <a:endParaRPr lang="de-DE"/>
           </a:p>
@@ -3220,7 +3304,7 @@
           <a:p>
             <a:fld id="{3D3F076A-37B1-4513-9F6B-CFB0CEF8E9AA}" type="datetimeFigureOut">
               <a:rPr lang="de-DE" smtClean="0"/>
-              <a:t>17.12.2013</a:t>
+              <a:t>18.12.2013</a:t>
             </a:fld>
             <a:endParaRPr lang="de-DE"/>
           </a:p>
@@ -3468,7 +3552,7 @@
           <a:p>
             <a:fld id="{3D3F076A-37B1-4513-9F6B-CFB0CEF8E9AA}" type="datetimeFigureOut">
               <a:rPr lang="de-DE" smtClean="0"/>
-              <a:t>17.12.2013</a:t>
+              <a:t>18.12.2013</a:t>
             </a:fld>
             <a:endParaRPr lang="de-DE"/>
           </a:p>
@@ -3676,7 +3760,7 @@
           <a:p>
             <a:fld id="{3D3F076A-37B1-4513-9F6B-CFB0CEF8E9AA}" type="datetimeFigureOut">
               <a:rPr lang="de-DE" smtClean="0"/>
-              <a:t>17.12.2013</a:t>
+              <a:t>18.12.2013</a:t>
             </a:fld>
             <a:endParaRPr lang="de-DE"/>
           </a:p>
@@ -4108,6 +4192,11 @@
 <file path=ppt/slides/slide10.xml><?xml version="1.0" encoding="utf-8"?>
 <p:sld xmlns:a="http://schemas.openxmlformats.org/drawingml/2006/main" xmlns:r="http://schemas.openxmlformats.org/officeDocument/2006/relationships" xmlns:p="http://schemas.openxmlformats.org/presentationml/2006/main">
   <p:cSld>
+    <p:bg>
+      <p:bgRef idx="1001">
+        <a:schemeClr val="bg1"/>
+      </p:bgRef>
+    </p:bg>
     <p:spTree>
       <p:nvGrpSpPr>
         <p:cNvPr id="1" name=""/>
@@ -4124,46 +4213,6 @@
       </p:grpSpPr>
       <p:sp>
         <p:nvSpPr>
-          <p:cNvPr id="7" name="Inhaltsplatzhalter 6"/>
-          <p:cNvSpPr>
-            <a:spLocks noGrp="1"/>
-          </p:cNvSpPr>
-          <p:nvPr>
-            <p:ph idx="1"/>
-          </p:nvPr>
-        </p:nvSpPr>
-        <p:spPr/>
-        <p:txBody>
-          <a:bodyPr/>
-          <a:lstStyle/>
-          <a:p>
-            <a:r>
-              <a:rPr lang="de-DE" dirty="0" smtClean="0"/>
-              <a:t>Z.B. automatische Umwandlung von Integer- zu Long-Werten:</a:t>
-            </a:r>
-          </a:p>
-          <a:p>
-            <a:endParaRPr lang="de-DE" dirty="0"/>
-          </a:p>
-          <a:p>
-            <a:endParaRPr lang="de-DE" dirty="0" smtClean="0"/>
-          </a:p>
-          <a:p>
-            <a:endParaRPr lang="de-DE" dirty="0"/>
-          </a:p>
-          <a:p>
-            <a:endParaRPr lang="de-DE" dirty="0" smtClean="0"/>
-          </a:p>
-          <a:p>
-            <a:r>
-              <a:rPr lang="de-DE" dirty="0" smtClean="0"/>
-              <a:t>Weitere Möglichkeiten: Ganz-Zahl zu Fließkomma-Zahl, String zu Datum, …</a:t>
-            </a:r>
-          </a:p>
-        </p:txBody>
-      </p:sp>
-      <p:sp>
-        <p:nvSpPr>
           <p:cNvPr id="2" name="Titel 1"/>
           <p:cNvSpPr>
             <a:spLocks noGrp="1"/>
@@ -4184,6 +4233,46 @@
               <a:t>Features: Auto-Typ-Konvertierung</a:t>
             </a:r>
             <a:endParaRPr lang="de-DE" dirty="0"/>
+          </a:p>
+        </p:txBody>
+      </p:sp>
+      <p:sp>
+        <p:nvSpPr>
+          <p:cNvPr id="7" name="Inhaltsplatzhalter 6"/>
+          <p:cNvSpPr>
+            <a:spLocks noGrp="1"/>
+          </p:cNvSpPr>
+          <p:nvPr>
+            <p:ph idx="1"/>
+          </p:nvPr>
+        </p:nvSpPr>
+        <p:spPr/>
+        <p:txBody>
+          <a:bodyPr/>
+          <a:lstStyle/>
+          <a:p>
+            <a:r>
+              <a:rPr lang="de-DE" dirty="0" smtClean="0"/>
+              <a:t>Z.B. automatische Umwandlung von Integer- zu Long-Werten:</a:t>
+            </a:r>
+          </a:p>
+          <a:p>
+            <a:endParaRPr lang="de-DE" dirty="0"/>
+          </a:p>
+          <a:p>
+            <a:endParaRPr lang="de-DE" dirty="0" smtClean="0"/>
+          </a:p>
+          <a:p>
+            <a:endParaRPr lang="de-DE" dirty="0"/>
+          </a:p>
+          <a:p>
+            <a:endParaRPr lang="de-DE" dirty="0" smtClean="0"/>
+          </a:p>
+          <a:p>
+            <a:r>
+              <a:rPr lang="de-DE" dirty="0" smtClean="0"/>
+              <a:t>Weitere Möglichkeiten: Ganz-Zahl zu Fließkomma-Zahl, String zu Datum, …</a:t>
+            </a:r>
           </a:p>
         </p:txBody>
       </p:sp>
@@ -4196,19 +4285,26 @@
           <p:nvPr/>
         </p:nvPicPr>
         <p:blipFill>
-          <a:blip r:embed="rId2"/>
+          <a:blip r:embed="rId3"/>
           <a:stretch>
             <a:fillRect/>
           </a:stretch>
         </p:blipFill>
         <p:spPr>
           <a:xfrm>
-            <a:off x="827584" y="2780928"/>
+            <a:off x="2157412" y="2708920"/>
             <a:ext cx="4829175" cy="2043113"/>
           </a:xfrm>
           <a:prstGeom prst="rect">
             <a:avLst/>
           </a:prstGeom>
+          <a:ln>
+            <a:solidFill>
+              <a:schemeClr val="bg1">
+                <a:lumMod val="50000"/>
+              </a:schemeClr>
+            </a:solidFill>
+          </a:ln>
         </p:spPr>
       </p:pic>
     </p:spTree>
@@ -4219,7 +4315,7 @@
     </p:extLst>
   </p:cSld>
   <p:clrMapOvr>
-    <a:masterClrMapping/>
+    <a:overrideClrMapping bg1="lt1" tx1="dk1" bg2="lt2" tx2="dk2" accent1="accent1" accent2="accent2" accent3="accent3" accent4="accent4" accent5="accent5" accent6="accent6" hlink="hlink" folHlink="folHlink"/>
   </p:clrMapOvr>
   <p:timing>
     <p:tnLst>
@@ -4541,6 +4637,13 @@
             </a:r>
           </a:p>
           <a:p>
+            <a:r>
+              <a:rPr lang="de-DE" dirty="0" smtClean="0"/>
+              <a:t>Nutzbar als Maven-Artefakt</a:t>
+            </a:r>
+            <a:endParaRPr lang="de-DE" dirty="0" smtClean="0"/>
+          </a:p>
+          <a:p>
             <a:pPr marL="0" indent="0">
               <a:buNone/>
             </a:pPr>
@@ -4618,6 +4721,16 @@
           <a:bodyPr/>
           <a:lstStyle/>
           <a:p>
+            <a:r>
+              <a:rPr lang="de-DE" dirty="0" smtClean="0"/>
+              <a:t>Zu einer Datenbank wird ein STU-Modell erzeugt</a:t>
+            </a:r>
+          </a:p>
+          <a:p>
+            <a:r>
+              <a:rPr lang="de-DE" dirty="0" smtClean="0"/>
+              <a:t>Aus dem STU-Modell erzeugt ein Generator die DSL-Klassen</a:t>
+            </a:r>
             <a:endParaRPr lang="de-DE" dirty="0"/>
           </a:p>
         </p:txBody>
@@ -4638,7 +4751,7 @@
         </p:blipFill>
         <p:spPr>
           <a:xfrm>
-            <a:off x="1632000" y="3717032"/>
+            <a:off x="1632000" y="3970938"/>
             <a:ext cx="5880000" cy="1474286"/>
           </a:xfrm>
           <a:prstGeom prst="rect">
@@ -4716,7 +4829,19 @@
             <p:ph idx="1"/>
           </p:nvPr>
         </p:nvSpPr>
-        <p:spPr/>
+        <p:spPr>
+          <a:xfrm>
+            <a:off x="786408" y="1628800"/>
+            <a:ext cx="7571184" cy="3989040"/>
+          </a:xfrm>
+          <a:ln>
+            <a:solidFill>
+              <a:schemeClr val="bg1">
+                <a:lumMod val="50000"/>
+              </a:schemeClr>
+            </a:solidFill>
+          </a:ln>
+        </p:spPr>
         <p:txBody>
           <a:bodyPr>
             <a:normAutofit fontScale="47500" lnSpcReduction="20000"/>
@@ -5971,11 +6096,7 @@
           <a:p>
             <a:r>
               <a:rPr lang="de-DE" dirty="0" smtClean="0"/>
-              <a:t>Besonderer </a:t>
-            </a:r>
-            <a:r>
-              <a:rPr lang="de-DE" dirty="0" smtClean="0"/>
-              <a:t>Fokus auf Beziehungen</a:t>
+              <a:t>Besonderer Fokus auf Beziehungen</a:t>
             </a:r>
           </a:p>
           <a:p>
@@ -6272,6 +6393,13 @@
   <p:clrMapOvr>
     <a:masterClrMapping/>
   </p:clrMapOvr>
+  <p:timing>
+    <p:tnLst>
+      <p:par>
+        <p:cTn id="1" dur="indefinite" restart="never" nodeType="tmRoot"/>
+      </p:par>
+    </p:tnLst>
+  </p:timing>
 </p:sld>
 </file>
 
@@ -6403,51 +6531,9 @@
           <a:chExt cx="0" cy="0"/>
         </a:xfrm>
       </p:grpSpPr>
-      <p:sp>
-        <p:nvSpPr>
-          <p:cNvPr id="2" name="Titel 1"/>
-          <p:cNvSpPr>
-            <a:spLocks noGrp="1"/>
-          </p:cNvSpPr>
-          <p:nvPr>
-            <p:ph type="title"/>
-          </p:nvPr>
-        </p:nvSpPr>
-        <p:spPr/>
-        <p:txBody>
-          <a:bodyPr/>
-          <a:lstStyle/>
-          <a:p>
-            <a:r>
-              <a:rPr lang="de-DE" dirty="0" smtClean="0"/>
-              <a:t>Kante Buch-Verlag</a:t>
-            </a:r>
-            <a:endParaRPr lang="de-DE" dirty="0"/>
-          </a:p>
-        </p:txBody>
-      </p:sp>
-      <p:sp>
-        <p:nvSpPr>
-          <p:cNvPr id="3" name="Inhaltsplatzhalter 2"/>
-          <p:cNvSpPr>
-            <a:spLocks noGrp="1"/>
-          </p:cNvSpPr>
-          <p:nvPr>
-            <p:ph idx="1"/>
-          </p:nvPr>
-        </p:nvSpPr>
-        <p:spPr/>
-        <p:txBody>
-          <a:bodyPr/>
-          <a:lstStyle/>
-          <a:p>
-            <a:endParaRPr lang="de-DE" dirty="0"/>
-          </a:p>
-        </p:txBody>
-      </p:sp>
       <p:pic>
         <p:nvPicPr>
-          <p:cNvPr id="4" name="Grafik 3"/>
+          <p:cNvPr id="5" name="Grafik 4"/>
           <p:cNvPicPr>
             <a:picLocks noChangeAspect="1"/>
           </p:cNvPicPr>
@@ -6461,14 +6547,37 @@
         </p:blipFill>
         <p:spPr>
           <a:xfrm>
-            <a:off x="1144905" y="1752917"/>
-            <a:ext cx="6854190" cy="4220528"/>
+            <a:off x="1122428" y="1752917"/>
+            <a:ext cx="6876667" cy="4383333"/>
           </a:xfrm>
           <a:prstGeom prst="rect">
             <a:avLst/>
           </a:prstGeom>
         </p:spPr>
       </p:pic>
+      <p:sp>
+        <p:nvSpPr>
+          <p:cNvPr id="2" name="Titel 1"/>
+          <p:cNvSpPr>
+            <a:spLocks noGrp="1"/>
+          </p:cNvSpPr>
+          <p:nvPr>
+            <p:ph type="title"/>
+          </p:nvPr>
+        </p:nvSpPr>
+        <p:spPr/>
+        <p:txBody>
+          <a:bodyPr/>
+          <a:lstStyle/>
+          <a:p>
+            <a:r>
+              <a:rPr lang="de-DE" dirty="0" smtClean="0"/>
+              <a:t>Kante Buch-Verlag</a:t>
+            </a:r>
+            <a:endParaRPr lang="de-DE" dirty="0"/>
+          </a:p>
+        </p:txBody>
+      </p:sp>
     </p:spTree>
   </p:cSld>
   <p:clrMapOvr>
@@ -6501,51 +6610,9 @@
           <a:chExt cx="0" cy="0"/>
         </a:xfrm>
       </p:grpSpPr>
-      <p:sp>
-        <p:nvSpPr>
-          <p:cNvPr id="2" name="Titel 1"/>
-          <p:cNvSpPr>
-            <a:spLocks noGrp="1"/>
-          </p:cNvSpPr>
-          <p:nvPr>
-            <p:ph type="title"/>
-          </p:nvPr>
-        </p:nvSpPr>
-        <p:spPr/>
-        <p:txBody>
-          <a:bodyPr/>
-          <a:lstStyle/>
-          <a:p>
-            <a:r>
-              <a:rPr lang="de-DE" dirty="0" smtClean="0"/>
-              <a:t>Assoziative Tabelle BuchAutor</a:t>
-            </a:r>
-            <a:endParaRPr lang="de-DE" dirty="0"/>
-          </a:p>
-        </p:txBody>
-      </p:sp>
-      <p:sp>
-        <p:nvSpPr>
-          <p:cNvPr id="3" name="Inhaltsplatzhalter 2"/>
-          <p:cNvSpPr>
-            <a:spLocks noGrp="1"/>
-          </p:cNvSpPr>
-          <p:nvPr>
-            <p:ph idx="1"/>
-          </p:nvPr>
-        </p:nvSpPr>
-        <p:spPr/>
-        <p:txBody>
-          <a:bodyPr/>
-          <a:lstStyle/>
-          <a:p>
-            <a:endParaRPr lang="de-DE" dirty="0"/>
-          </a:p>
-        </p:txBody>
-      </p:sp>
       <p:pic>
         <p:nvPicPr>
-          <p:cNvPr id="4" name="Grafik 3"/>
+          <p:cNvPr id="7" name="Grafik 6"/>
           <p:cNvPicPr>
             <a:picLocks noChangeAspect="1"/>
           </p:cNvPicPr>
@@ -6559,14 +6626,37 @@
         </p:blipFill>
         <p:spPr>
           <a:xfrm>
-            <a:off x="1144905" y="1752917"/>
-            <a:ext cx="6854190" cy="4220528"/>
+            <a:off x="1144904" y="1756163"/>
+            <a:ext cx="6899956" cy="4384800"/>
           </a:xfrm>
           <a:prstGeom prst="rect">
             <a:avLst/>
           </a:prstGeom>
         </p:spPr>
       </p:pic>
+      <p:sp>
+        <p:nvSpPr>
+          <p:cNvPr id="2" name="Titel 1"/>
+          <p:cNvSpPr>
+            <a:spLocks noGrp="1"/>
+          </p:cNvSpPr>
+          <p:nvPr>
+            <p:ph type="title"/>
+          </p:nvPr>
+        </p:nvSpPr>
+        <p:spPr/>
+        <p:txBody>
+          <a:bodyPr/>
+          <a:lstStyle/>
+          <a:p>
+            <a:r>
+              <a:rPr lang="de-DE" dirty="0" smtClean="0"/>
+              <a:t>Assoziative Tabelle BuchAutor</a:t>
+            </a:r>
+            <a:endParaRPr lang="de-DE" dirty="0"/>
+          </a:p>
+        </p:txBody>
+      </p:sp>
     </p:spTree>
   </p:cSld>
   <p:clrMapOvr>
@@ -6599,51 +6689,9 @@
           <a:chExt cx="0" cy="0"/>
         </a:xfrm>
       </p:grpSpPr>
-      <p:sp>
-        <p:nvSpPr>
-          <p:cNvPr id="2" name="Titel 1"/>
-          <p:cNvSpPr>
-            <a:spLocks noGrp="1"/>
-          </p:cNvSpPr>
-          <p:nvPr>
-            <p:ph type="title"/>
-          </p:nvPr>
-        </p:nvSpPr>
-        <p:spPr/>
-        <p:txBody>
-          <a:bodyPr/>
-          <a:lstStyle/>
-          <a:p>
-            <a:r>
-              <a:rPr lang="de-DE" dirty="0" smtClean="0"/>
-              <a:t>Validierung des Ergebnisses</a:t>
-            </a:r>
-            <a:endParaRPr lang="de-DE" dirty="0"/>
-          </a:p>
-        </p:txBody>
-      </p:sp>
-      <p:sp>
-        <p:nvSpPr>
-          <p:cNvPr id="6" name="Inhaltsplatzhalter 5"/>
-          <p:cNvSpPr>
-            <a:spLocks noGrp="1"/>
-          </p:cNvSpPr>
-          <p:nvPr>
-            <p:ph idx="1"/>
-          </p:nvPr>
-        </p:nvSpPr>
-        <p:spPr/>
-        <p:txBody>
-          <a:bodyPr/>
-          <a:lstStyle/>
-          <a:p>
-            <a:endParaRPr lang="de-DE"/>
-          </a:p>
-        </p:txBody>
-      </p:sp>
       <p:pic>
         <p:nvPicPr>
-          <p:cNvPr id="7" name="Grafik 6"/>
+          <p:cNvPr id="3" name="Grafik 2"/>
           <p:cNvPicPr>
             <a:picLocks noChangeAspect="1"/>
           </p:cNvPicPr>
@@ -6658,13 +6706,36 @@
         <p:spPr>
           <a:xfrm>
             <a:off x="1144905" y="1752917"/>
-            <a:ext cx="6854190" cy="4220528"/>
+            <a:ext cx="6876667" cy="4383333"/>
           </a:xfrm>
           <a:prstGeom prst="rect">
             <a:avLst/>
           </a:prstGeom>
         </p:spPr>
       </p:pic>
+      <p:sp>
+        <p:nvSpPr>
+          <p:cNvPr id="2" name="Titel 1"/>
+          <p:cNvSpPr>
+            <a:spLocks noGrp="1"/>
+          </p:cNvSpPr>
+          <p:nvPr>
+            <p:ph type="title"/>
+          </p:nvPr>
+        </p:nvSpPr>
+        <p:spPr/>
+        <p:txBody>
+          <a:bodyPr/>
+          <a:lstStyle/>
+          <a:p>
+            <a:r>
+              <a:rPr lang="de-DE" dirty="0" smtClean="0"/>
+              <a:t>Validierung des Ergebnisses</a:t>
+            </a:r>
+            <a:endParaRPr lang="de-DE" dirty="0"/>
+          </a:p>
+        </p:txBody>
+      </p:sp>
     </p:spTree>
   </p:cSld>
   <p:clrMapOvr>
@@ -6809,6 +6880,16 @@
           <a:bodyPr/>
           <a:lstStyle/>
           <a:p>
+            <a:r>
+              <a:rPr lang="de-DE" dirty="0" smtClean="0"/>
+              <a:t>Hilft beim Erstellen des STU-Modells</a:t>
+            </a:r>
+          </a:p>
+          <a:p>
+            <a:r>
+              <a:rPr lang="de-DE" dirty="0" smtClean="0"/>
+              <a:t>Zeigt generierte Test-Daten an</a:t>
+            </a:r>
             <a:endParaRPr lang="de-DE" dirty="0"/>
           </a:p>
         </p:txBody>
@@ -6829,7 +6910,7 @@
         </p:blipFill>
         <p:spPr>
           <a:xfrm>
-            <a:off x="1632000" y="3126038"/>
+            <a:off x="1632000" y="3322866"/>
             <a:ext cx="5880000" cy="1474286"/>
           </a:xfrm>
           <a:prstGeom prst="rect">
@@ -6847,6 +6928,13 @@
   <p:clrMapOvr>
     <a:masterClrMapping/>
   </p:clrMapOvr>
+  <p:timing>
+    <p:tnLst>
+      <p:par>
+        <p:cTn id="1" dur="indefinite" restart="never" nodeType="tmRoot"/>
+      </p:par>
+    </p:tnLst>
+  </p:timing>
 </p:sld>
 </file>
 
@@ -7032,6 +7120,13 @@
   <p:clrMapOvr>
     <a:masterClrMapping/>
   </p:clrMapOvr>
+  <p:timing>
+    <p:tnLst>
+      <p:par>
+        <p:cTn id="1" dur="indefinite" restart="never" nodeType="tmRoot"/>
+      </p:par>
+    </p:tnLst>
+  </p:timing>
 </p:sld>
 </file>
 
@@ -7157,6 +7252,13 @@
   <p:clrMapOvr>
     <a:masterClrMapping/>
   </p:clrMapOvr>
+  <p:timing>
+    <p:tnLst>
+      <p:par>
+        <p:cTn id="1" dur="indefinite" restart="never" nodeType="tmRoot"/>
+      </p:par>
+    </p:tnLst>
+  </p:timing>
 </p:sld>
 </file>
 
@@ -7243,6 +7345,13 @@
   <p:clrMapOvr>
     <a:masterClrMapping/>
   </p:clrMapOvr>
+  <p:timing>
+    <p:tnLst>
+      <p:par>
+        <p:cTn id="1" dur="indefinite" restart="never" nodeType="tmRoot"/>
+      </p:par>
+    </p:tnLst>
+  </p:timing>
 </p:sld>
 </file>
 
@@ -7308,6 +7417,13 @@
           <a:prstGeom prst="rect">
             <a:avLst/>
           </a:prstGeom>
+          <a:ln>
+            <a:solidFill>
+              <a:schemeClr val="bg1">
+                <a:lumMod val="50000"/>
+              </a:schemeClr>
+            </a:solidFill>
+          </a:ln>
         </p:spPr>
         <p:txBody>
           <a:bodyPr wrap="square">
@@ -8385,11 +8501,7 @@
           <a:p>
             <a:r>
               <a:rPr lang="de-DE" dirty="0" smtClean="0"/>
-              <a:t>Beziehungen übersichtlich </a:t>
-            </a:r>
-            <a:r>
-              <a:rPr lang="de-DE" dirty="0" smtClean="0"/>
-              <a:t>beschreiben</a:t>
+              <a:t>Beziehungen übersichtlich beschreiben</a:t>
             </a:r>
           </a:p>
           <a:p>
@@ -8397,7 +8509,6 @@
               <a:rPr lang="de-DE" dirty="0" smtClean="0"/>
               <a:t>Typsicherheit beim Beschreiben von Beziehungen</a:t>
             </a:r>
-            <a:endParaRPr lang="de-DE" dirty="0" smtClean="0"/>
           </a:p>
         </p:txBody>
       </p:sp>
@@ -8481,11 +8592,7 @@
           <a:p>
             <a:r>
               <a:rPr lang="de-DE" dirty="0" smtClean="0"/>
-              <a:t>Syntax inspiriert </a:t>
-            </a:r>
-            <a:r>
-              <a:rPr lang="de-DE" dirty="0" smtClean="0"/>
-              <a:t>von Spock</a:t>
+              <a:t>Syntax inspiriert von Spock</a:t>
             </a:r>
           </a:p>
         </p:txBody>
@@ -8504,6 +8611,13 @@
           <a:prstGeom prst="rect">
             <a:avLst/>
           </a:prstGeom>
+          <a:ln>
+            <a:solidFill>
+              <a:schemeClr val="bg1">
+                <a:lumMod val="50000"/>
+              </a:schemeClr>
+            </a:solidFill>
+          </a:ln>
         </p:spPr>
         <p:txBody>
           <a:bodyPr wrap="square">
@@ -9255,12 +9369,12 @@
       </p:grpSpPr>
       <p:sp>
         <p:nvSpPr>
-          <p:cNvPr id="2" name="Titel 1"/>
-          <p:cNvSpPr>
-            <a:spLocks noGrp="1"/>
-          </p:cNvSpPr>
-          <p:nvPr>
-            <p:ph type="title"/>
+          <p:cNvPr id="5" name="Inhaltsplatzhalter 4"/>
+          <p:cNvSpPr>
+            <a:spLocks noGrp="1"/>
+          </p:cNvSpPr>
+          <p:nvPr>
+            <p:ph idx="1"/>
           </p:nvPr>
         </p:nvSpPr>
         <p:spPr/>
@@ -9270,553 +9384,37 @@
           <a:p>
             <a:r>
               <a:rPr lang="de-DE" dirty="0" smtClean="0"/>
-              <a:t>STU Table </a:t>
-            </a:r>
-            <a:r>
-              <a:rPr lang="de-DE" dirty="0" err="1" smtClean="0"/>
-              <a:t>Builder</a:t>
-            </a:r>
+              <a:t>Referenzen repräsentieren eine Tabellenzeile</a:t>
+            </a:r>
+          </a:p>
+          <a:p>
             <a:r>
               <a:rPr lang="de-DE" dirty="0" smtClean="0"/>
-              <a:t> DSL</a:t>
-            </a:r>
+              <a:t>Beschreibungen </a:t>
+            </a:r>
+            <a:r>
+              <a:rPr lang="de-DE" dirty="0" smtClean="0"/>
+              <a:t>von </a:t>
+            </a:r>
+            <a:r>
+              <a:rPr lang="de-DE" dirty="0" smtClean="0"/>
+              <a:t>Beziehungen (auf Entit</a:t>
+            </a:r>
+            <a:r>
+              <a:rPr lang="de-DE" dirty="0" smtClean="0"/>
+              <a:t>äten-Ebene)</a:t>
+            </a:r>
+            <a:r>
+              <a:rPr lang="de-DE" dirty="0" smtClean="0"/>
+              <a:t>:</a:t>
+            </a:r>
+            <a:endParaRPr lang="de-DE" dirty="0" smtClean="0"/>
+          </a:p>
+          <a:p>
             <a:endParaRPr lang="de-DE" dirty="0"/>
           </a:p>
-        </p:txBody>
-      </p:sp>
-      <p:sp>
-        <p:nvSpPr>
-          <p:cNvPr id="3" name="Inhaltsplatzhalter 2"/>
-          <p:cNvSpPr>
-            <a:spLocks noGrp="1"/>
-          </p:cNvSpPr>
-          <p:nvPr>
-            <p:ph idx="1"/>
-          </p:nvPr>
-        </p:nvSpPr>
-        <p:spPr/>
-        <p:txBody>
-          <a:bodyPr/>
-          <a:lstStyle/>
-          <a:p>
-            <a:r>
-              <a:rPr lang="de-DE" dirty="0" smtClean="0"/>
-              <a:t>Beschreibung von Beziehungen auf unterschiedlichen Ebenen möglich</a:t>
-            </a:r>
-            <a:endParaRPr lang="de-DE" dirty="0" smtClean="0"/>
-          </a:p>
-        </p:txBody>
-      </p:sp>
-      <p:sp>
-        <p:nvSpPr>
-          <p:cNvPr id="4" name="Rechteck 3"/>
-          <p:cNvSpPr/>
-          <p:nvPr/>
-        </p:nvSpPr>
-        <p:spPr>
-          <a:xfrm>
-            <a:off x="899592" y="2327969"/>
-            <a:ext cx="7488832" cy="3139321"/>
-          </a:xfrm>
-          <a:prstGeom prst="rect">
-            <a:avLst/>
-          </a:prstGeom>
-        </p:spPr>
-        <p:txBody>
-          <a:bodyPr wrap="square">
-            <a:spAutoFit/>
-          </a:bodyPr>
-          <a:lstStyle/>
-          <a:p>
-            <a:endParaRPr lang="de-DE" dirty="0" smtClean="0">
-              <a:solidFill>
-                <a:srgbClr val="0000C0"/>
-              </a:solidFill>
-              <a:latin typeface="Consolas" panose="020B0609020204030204" pitchFamily="49" charset="0"/>
-            </a:endParaRPr>
-          </a:p>
-          <a:p>
-            <a:endParaRPr lang="de-DE" dirty="0">
-              <a:solidFill>
-                <a:srgbClr val="0000C0"/>
-              </a:solidFill>
-              <a:latin typeface="Consolas" panose="020B0609020204030204" pitchFamily="49" charset="0"/>
-            </a:endParaRPr>
-          </a:p>
-          <a:p>
-            <a:r>
-              <a:rPr lang="de-DE" i="1" dirty="0" err="1" smtClean="0">
-                <a:solidFill>
-                  <a:srgbClr val="0000C0"/>
-                </a:solidFill>
-                <a:latin typeface="Consolas" panose="020B0609020204030204" pitchFamily="49" charset="0"/>
-              </a:rPr>
-              <a:t>QA</a:t>
-            </a:r>
-            <a:r>
-              <a:rPr lang="de-DE" dirty="0" err="1" smtClean="0">
-                <a:solidFill>
-                  <a:srgbClr val="000000"/>
-                </a:solidFill>
-                <a:latin typeface="Consolas" panose="020B0609020204030204" pitchFamily="49" charset="0"/>
-              </a:rPr>
-              <a:t>.hasMembers</a:t>
-            </a:r>
-            <a:r>
-              <a:rPr lang="de-DE" dirty="0" smtClean="0">
-                <a:solidFill>
-                  <a:srgbClr val="000000"/>
-                </a:solidFill>
-                <a:latin typeface="Consolas" panose="020B0609020204030204" pitchFamily="49" charset="0"/>
-              </a:rPr>
-              <a:t>(</a:t>
-            </a:r>
-            <a:r>
-              <a:rPr lang="de-DE" i="1" dirty="0" smtClean="0">
-                <a:solidFill>
-                  <a:srgbClr val="0000C0"/>
-                </a:solidFill>
-                <a:latin typeface="Consolas" panose="020B0609020204030204" pitchFamily="49" charset="0"/>
-              </a:rPr>
-              <a:t>KAULBERSCH</a:t>
-            </a:r>
-            <a:r>
-              <a:rPr lang="de-DE" i="1" dirty="0">
-                <a:solidFill>
-                  <a:srgbClr val="000000"/>
-                </a:solidFill>
-                <a:latin typeface="Consolas" panose="020B0609020204030204" pitchFamily="49" charset="0"/>
-              </a:rPr>
-              <a:t>, </a:t>
-            </a:r>
-            <a:r>
-              <a:rPr lang="de-DE" i="1" dirty="0">
-                <a:solidFill>
-                  <a:srgbClr val="0000C0"/>
-                </a:solidFill>
-                <a:latin typeface="Consolas" panose="020B0609020204030204" pitchFamily="49" charset="0"/>
-              </a:rPr>
-              <a:t>GUITTON</a:t>
-            </a:r>
-            <a:r>
-              <a:rPr lang="de-DE" i="1" dirty="0">
-                <a:solidFill>
-                  <a:srgbClr val="000000"/>
-                </a:solidFill>
-                <a:latin typeface="Consolas" panose="020B0609020204030204" pitchFamily="49" charset="0"/>
-              </a:rPr>
-              <a:t>, </a:t>
-            </a:r>
-            <a:r>
-              <a:rPr lang="de-DE" i="1" dirty="0">
-                <a:solidFill>
-                  <a:srgbClr val="0000C0"/>
-                </a:solidFill>
-                <a:latin typeface="Consolas" panose="020B0609020204030204" pitchFamily="49" charset="0"/>
-              </a:rPr>
-              <a:t>BARANOWSKI</a:t>
-            </a:r>
-            <a:r>
-              <a:rPr lang="de-DE" dirty="0">
-                <a:solidFill>
-                  <a:srgbClr val="000000"/>
-                </a:solidFill>
-                <a:latin typeface="Consolas" panose="020B0609020204030204" pitchFamily="49" charset="0"/>
-              </a:rPr>
-              <a:t>)</a:t>
-            </a:r>
-          </a:p>
-          <a:p>
-            <a:endParaRPr lang="de-DE" dirty="0" smtClean="0">
-              <a:latin typeface="Consolas" panose="020B0609020204030204" pitchFamily="49" charset="0"/>
-            </a:endParaRPr>
-          </a:p>
-          <a:p>
-            <a:endParaRPr lang="de-DE" dirty="0">
-              <a:latin typeface="Consolas" panose="020B0609020204030204" pitchFamily="49" charset="0"/>
-            </a:endParaRPr>
-          </a:p>
-          <a:p>
-            <a:r>
-              <a:rPr lang="de-DE" dirty="0" err="1" smtClean="0">
-                <a:solidFill>
-                  <a:srgbClr val="0000C0"/>
-                </a:solidFill>
-                <a:latin typeface="Consolas" panose="020B0609020204030204" pitchFamily="49" charset="0"/>
-              </a:rPr>
-              <a:t>personsTable</a:t>
-            </a:r>
-            <a:r>
-              <a:rPr lang="de-DE" dirty="0" err="1" smtClean="0">
-                <a:solidFill>
-                  <a:srgbClr val="000000"/>
-                </a:solidFill>
-                <a:latin typeface="Consolas" panose="020B0609020204030204" pitchFamily="49" charset="0"/>
-              </a:rPr>
-              <a:t>.rows</a:t>
-            </a:r>
-            <a:r>
-              <a:rPr lang="de-DE" dirty="0" smtClean="0">
-                <a:solidFill>
-                  <a:srgbClr val="000000"/>
-                </a:solidFill>
-                <a:latin typeface="Consolas" panose="020B0609020204030204" pitchFamily="49" charset="0"/>
-              </a:rPr>
-              <a:t> </a:t>
-            </a:r>
-            <a:r>
-              <a:rPr lang="de-DE" dirty="0">
-                <a:solidFill>
-                  <a:srgbClr val="000000"/>
-                </a:solidFill>
-                <a:latin typeface="Consolas" panose="020B0609020204030204" pitchFamily="49" charset="0"/>
-              </a:rPr>
-              <a:t>{</a:t>
-            </a:r>
-          </a:p>
-          <a:p>
-            <a:r>
-              <a:rPr lang="de-DE" dirty="0" smtClean="0">
-                <a:solidFill>
-                  <a:srgbClr val="000000"/>
-                </a:solidFill>
-                <a:latin typeface="Consolas" panose="020B0609020204030204" pitchFamily="49" charset="0"/>
-              </a:rPr>
-              <a:t>  </a:t>
-            </a:r>
-            <a:r>
-              <a:rPr lang="de-DE" dirty="0">
-                <a:solidFill>
-                  <a:srgbClr val="0000C0"/>
-                </a:solidFill>
-                <a:latin typeface="Consolas" panose="020B0609020204030204" pitchFamily="49" charset="0"/>
-              </a:rPr>
-              <a:t>REF</a:t>
-            </a:r>
-            <a:r>
-              <a:rPr lang="de-DE" dirty="0">
-                <a:solidFill>
-                  <a:srgbClr val="000000"/>
-                </a:solidFill>
-                <a:latin typeface="Consolas" panose="020B0609020204030204" pitchFamily="49" charset="0"/>
-              </a:rPr>
-              <a:t>        </a:t>
-            </a:r>
-            <a:r>
-              <a:rPr lang="de-DE" dirty="0" smtClean="0">
-                <a:solidFill>
-                  <a:srgbClr val="000000"/>
-                </a:solidFill>
-                <a:latin typeface="Consolas" panose="020B0609020204030204" pitchFamily="49" charset="0"/>
-              </a:rPr>
-              <a:t> | </a:t>
-            </a:r>
-            <a:r>
-              <a:rPr lang="de-DE" dirty="0" err="1">
-                <a:solidFill>
-                  <a:srgbClr val="0000C0"/>
-                </a:solidFill>
-                <a:latin typeface="Consolas" panose="020B0609020204030204" pitchFamily="49" charset="0"/>
-              </a:rPr>
-              <a:t>first_name</a:t>
-            </a:r>
-            <a:r>
-              <a:rPr lang="de-DE" dirty="0">
-                <a:solidFill>
-                  <a:srgbClr val="000000"/>
-                </a:solidFill>
-                <a:latin typeface="Consolas" panose="020B0609020204030204" pitchFamily="49" charset="0"/>
-              </a:rPr>
-              <a:t>    </a:t>
-            </a:r>
-            <a:r>
-              <a:rPr lang="de-DE" dirty="0" smtClean="0">
-                <a:solidFill>
-                  <a:srgbClr val="000000"/>
-                </a:solidFill>
-                <a:latin typeface="Consolas" panose="020B0609020204030204" pitchFamily="49" charset="0"/>
-              </a:rPr>
-              <a:t>| </a:t>
-            </a:r>
-            <a:r>
-              <a:rPr lang="de-DE" dirty="0" smtClean="0">
-                <a:solidFill>
-                  <a:srgbClr val="0000C0"/>
-                </a:solidFill>
-                <a:latin typeface="Consolas" panose="020B0609020204030204" pitchFamily="49" charset="0"/>
-              </a:rPr>
-              <a:t>name</a:t>
-            </a:r>
-          </a:p>
-          <a:p>
-            <a:r>
-              <a:rPr lang="de-DE" dirty="0" smtClean="0">
-                <a:solidFill>
-                  <a:srgbClr val="000000"/>
-                </a:solidFill>
-                <a:latin typeface="Consolas" panose="020B0609020204030204" pitchFamily="49" charset="0"/>
-              </a:rPr>
-              <a:t>  </a:t>
-            </a:r>
-            <a:r>
-              <a:rPr lang="de-DE" i="1" dirty="0" smtClean="0">
-                <a:solidFill>
-                  <a:srgbClr val="0000C0"/>
-                </a:solidFill>
-                <a:latin typeface="Consolas" panose="020B0609020204030204" pitchFamily="49" charset="0"/>
-              </a:rPr>
-              <a:t>KAULBERSCH</a:t>
-            </a:r>
-            <a:r>
-              <a:rPr lang="de-DE" i="1" dirty="0" smtClean="0">
-                <a:solidFill>
-                  <a:srgbClr val="000000"/>
-                </a:solidFill>
-                <a:latin typeface="Consolas" panose="020B0609020204030204" pitchFamily="49" charset="0"/>
-              </a:rPr>
-              <a:t>  </a:t>
-            </a:r>
-            <a:r>
-              <a:rPr lang="de-DE" dirty="0" smtClean="0">
-                <a:solidFill>
-                  <a:srgbClr val="000000"/>
-                </a:solidFill>
-                <a:latin typeface="Consolas" panose="020B0609020204030204" pitchFamily="49" charset="0"/>
-              </a:rPr>
-              <a:t>| </a:t>
-            </a:r>
-            <a:r>
-              <a:rPr lang="de-DE" dirty="0" smtClean="0">
-                <a:solidFill>
-                  <a:srgbClr val="FF00CC"/>
-                </a:solidFill>
-                <a:latin typeface="Consolas" panose="020B0609020204030204" pitchFamily="49" charset="0"/>
-              </a:rPr>
-              <a:t>"Dennis"</a:t>
-            </a:r>
-            <a:r>
-              <a:rPr lang="de-DE" dirty="0" smtClean="0">
-                <a:solidFill>
-                  <a:srgbClr val="000000"/>
-                </a:solidFill>
-                <a:latin typeface="Consolas" panose="020B0609020204030204" pitchFamily="49" charset="0"/>
-              </a:rPr>
-              <a:t>      | </a:t>
-            </a:r>
-            <a:r>
-              <a:rPr lang="de-DE" dirty="0" smtClean="0">
-                <a:solidFill>
-                  <a:srgbClr val="FF00CC"/>
-                </a:solidFill>
-                <a:latin typeface="Consolas" panose="020B0609020204030204" pitchFamily="49" charset="0"/>
-              </a:rPr>
-              <a:t>"</a:t>
-            </a:r>
-            <a:r>
-              <a:rPr lang="de-DE" dirty="0" err="1" smtClean="0">
-                <a:solidFill>
-                  <a:srgbClr val="FF00CC"/>
-                </a:solidFill>
-                <a:latin typeface="Consolas" panose="020B0609020204030204" pitchFamily="49" charset="0"/>
-              </a:rPr>
-              <a:t>Kaulbersch</a:t>
-            </a:r>
-            <a:r>
-              <a:rPr lang="de-DE" dirty="0" smtClean="0">
-                <a:solidFill>
-                  <a:srgbClr val="FF00CC"/>
-                </a:solidFill>
-                <a:latin typeface="Consolas" panose="020B0609020204030204" pitchFamily="49" charset="0"/>
-              </a:rPr>
-              <a:t>"</a:t>
-            </a:r>
-            <a:endParaRPr lang="de-DE" i="1" dirty="0" smtClean="0">
-              <a:solidFill>
-                <a:srgbClr val="0000C0"/>
-              </a:solidFill>
-              <a:latin typeface="Consolas" panose="020B0609020204030204" pitchFamily="49" charset="0"/>
-            </a:endParaRPr>
-          </a:p>
-          <a:p>
-            <a:r>
-              <a:rPr lang="de-DE" dirty="0" smtClean="0">
-                <a:solidFill>
-                  <a:srgbClr val="000000"/>
-                </a:solidFill>
-                <a:latin typeface="Consolas" panose="020B0609020204030204" pitchFamily="49" charset="0"/>
-              </a:rPr>
-              <a:t>  </a:t>
-            </a:r>
-            <a:r>
-              <a:rPr lang="de-DE" i="1" dirty="0" smtClean="0">
-                <a:solidFill>
-                  <a:srgbClr val="0000C0"/>
-                </a:solidFill>
-                <a:latin typeface="Consolas" panose="020B0609020204030204" pitchFamily="49" charset="0"/>
-              </a:rPr>
-              <a:t>GUITTON</a:t>
-            </a:r>
-            <a:r>
-              <a:rPr lang="de-DE" i="1" dirty="0" smtClean="0">
-                <a:solidFill>
-                  <a:srgbClr val="000000"/>
-                </a:solidFill>
-                <a:latin typeface="Consolas" panose="020B0609020204030204" pitchFamily="49" charset="0"/>
-              </a:rPr>
-              <a:t>     </a:t>
-            </a:r>
-            <a:r>
-              <a:rPr lang="de-DE" dirty="0" smtClean="0">
-                <a:solidFill>
-                  <a:srgbClr val="000000"/>
-                </a:solidFill>
-                <a:latin typeface="Consolas" panose="020B0609020204030204" pitchFamily="49" charset="0"/>
-              </a:rPr>
-              <a:t>| </a:t>
-            </a:r>
-            <a:r>
-              <a:rPr lang="de-DE" dirty="0" smtClean="0">
-                <a:solidFill>
-                  <a:srgbClr val="FF00CC"/>
-                </a:solidFill>
-                <a:latin typeface="Consolas" panose="020B0609020204030204" pitchFamily="49" charset="0"/>
-              </a:rPr>
-              <a:t>"Julien"</a:t>
-            </a:r>
-            <a:r>
-              <a:rPr lang="de-DE" dirty="0" smtClean="0">
-                <a:solidFill>
-                  <a:srgbClr val="000000"/>
-                </a:solidFill>
-                <a:latin typeface="Consolas" panose="020B0609020204030204" pitchFamily="49" charset="0"/>
-              </a:rPr>
-              <a:t>      | </a:t>
-            </a:r>
-            <a:r>
-              <a:rPr lang="de-DE" dirty="0" smtClean="0">
-                <a:solidFill>
-                  <a:srgbClr val="FF00CC"/>
-                </a:solidFill>
-                <a:latin typeface="Consolas" panose="020B0609020204030204" pitchFamily="49" charset="0"/>
-              </a:rPr>
-              <a:t>"Guitton"</a:t>
-            </a:r>
-            <a:endParaRPr lang="de-DE" i="1" dirty="0" smtClean="0">
-              <a:solidFill>
-                <a:srgbClr val="0000C0"/>
-              </a:solidFill>
-              <a:latin typeface="Consolas" panose="020B0609020204030204" pitchFamily="49" charset="0"/>
-            </a:endParaRPr>
-          </a:p>
-          <a:p>
-            <a:r>
-              <a:rPr lang="de-DE" dirty="0" smtClean="0">
-                <a:solidFill>
-                  <a:srgbClr val="000000"/>
-                </a:solidFill>
-                <a:latin typeface="Consolas" panose="020B0609020204030204" pitchFamily="49" charset="0"/>
-              </a:rPr>
-              <a:t>  </a:t>
-            </a:r>
-            <a:r>
-              <a:rPr lang="de-DE" i="1" dirty="0">
-                <a:solidFill>
-                  <a:srgbClr val="0000C0"/>
-                </a:solidFill>
-                <a:latin typeface="Consolas" panose="020B0609020204030204" pitchFamily="49" charset="0"/>
-              </a:rPr>
-              <a:t>BARANOWSKI</a:t>
-            </a:r>
-            <a:r>
-              <a:rPr lang="de-DE" i="1" dirty="0">
-                <a:solidFill>
-                  <a:srgbClr val="000000"/>
-                </a:solidFill>
-                <a:latin typeface="Consolas" panose="020B0609020204030204" pitchFamily="49" charset="0"/>
-              </a:rPr>
-              <a:t> </a:t>
-            </a:r>
-            <a:r>
-              <a:rPr lang="de-DE" i="1" dirty="0" smtClean="0">
-                <a:solidFill>
-                  <a:srgbClr val="000000"/>
-                </a:solidFill>
-                <a:latin typeface="Consolas" panose="020B0609020204030204" pitchFamily="49" charset="0"/>
-              </a:rPr>
-              <a:t> </a:t>
-            </a:r>
-            <a:r>
-              <a:rPr lang="de-DE" dirty="0" smtClean="0">
-                <a:solidFill>
-                  <a:srgbClr val="000000"/>
-                </a:solidFill>
-                <a:latin typeface="Consolas" panose="020B0609020204030204" pitchFamily="49" charset="0"/>
-              </a:rPr>
-              <a:t>| </a:t>
-            </a:r>
-            <a:r>
-              <a:rPr lang="de-DE" dirty="0">
-                <a:solidFill>
-                  <a:srgbClr val="FF00CC"/>
-                </a:solidFill>
-                <a:latin typeface="Consolas" panose="020B0609020204030204" pitchFamily="49" charset="0"/>
-              </a:rPr>
-              <a:t>"Christian"</a:t>
-            </a:r>
-            <a:r>
-              <a:rPr lang="de-DE" dirty="0">
-                <a:solidFill>
-                  <a:srgbClr val="000000"/>
-                </a:solidFill>
-                <a:latin typeface="Consolas" panose="020B0609020204030204" pitchFamily="49" charset="0"/>
-              </a:rPr>
-              <a:t>   </a:t>
-            </a:r>
-            <a:r>
-              <a:rPr lang="de-DE" dirty="0" smtClean="0">
-                <a:solidFill>
-                  <a:srgbClr val="000000"/>
-                </a:solidFill>
-                <a:latin typeface="Consolas" panose="020B0609020204030204" pitchFamily="49" charset="0"/>
-              </a:rPr>
-              <a:t>| </a:t>
-            </a:r>
-            <a:r>
-              <a:rPr lang="de-DE" dirty="0">
-                <a:solidFill>
-                  <a:srgbClr val="FF00CC"/>
-                </a:solidFill>
-                <a:latin typeface="Consolas" panose="020B0609020204030204" pitchFamily="49" charset="0"/>
-              </a:rPr>
-              <a:t>"Baranowski</a:t>
-            </a:r>
-            <a:r>
-              <a:rPr lang="de-DE" dirty="0" smtClean="0">
-                <a:solidFill>
-                  <a:srgbClr val="FF00CC"/>
-                </a:solidFill>
-                <a:latin typeface="Consolas" panose="020B0609020204030204" pitchFamily="49" charset="0"/>
-              </a:rPr>
-              <a:t>"</a:t>
-            </a:r>
-            <a:endParaRPr lang="de-DE" i="1" dirty="0">
-              <a:solidFill>
-                <a:srgbClr val="0000C0"/>
-              </a:solidFill>
-              <a:latin typeface="Consolas" panose="020B0609020204030204" pitchFamily="49" charset="0"/>
-            </a:endParaRPr>
-          </a:p>
-          <a:p>
-            <a:r>
-              <a:rPr lang="de-DE" dirty="0" smtClean="0">
-                <a:solidFill>
-                  <a:srgbClr val="000000"/>
-                </a:solidFill>
-                <a:latin typeface="Consolas" panose="020B0609020204030204" pitchFamily="49" charset="0"/>
-              </a:rPr>
-              <a:t>}</a:t>
-            </a:r>
-            <a:endParaRPr lang="de-DE" dirty="0" smtClean="0">
+          <a:p>
+            <a:endParaRPr lang="de-DE" sz="1800" dirty="0">
               <a:solidFill>
                 <a:srgbClr val="000000"/>
               </a:solidFill>
@@ -9825,10 +9423,374 @@
           </a:p>
         </p:txBody>
       </p:sp>
+      <p:sp>
+        <p:nvSpPr>
+          <p:cNvPr id="2" name="Titel 1"/>
+          <p:cNvSpPr>
+            <a:spLocks noGrp="1"/>
+          </p:cNvSpPr>
+          <p:nvPr>
+            <p:ph type="title"/>
+          </p:nvPr>
+        </p:nvSpPr>
+        <p:spPr/>
+        <p:txBody>
+          <a:bodyPr>
+            <a:normAutofit/>
+          </a:bodyPr>
+          <a:lstStyle/>
+          <a:p>
+            <a:r>
+              <a:rPr lang="de-DE" dirty="0"/>
+              <a:t>Features: </a:t>
+            </a:r>
+            <a:r>
+              <a:rPr lang="de-DE" dirty="0" smtClean="0"/>
+              <a:t>Referenzen</a:t>
+            </a:r>
+            <a:endParaRPr lang="de-DE" dirty="0"/>
+          </a:p>
+        </p:txBody>
+      </p:sp>
+      <p:sp>
+        <p:nvSpPr>
+          <p:cNvPr id="3" name="Rechteck 2"/>
+          <p:cNvSpPr/>
+          <p:nvPr/>
+        </p:nvSpPr>
+        <p:spPr>
+          <a:xfrm>
+            <a:off x="1023020" y="3501008"/>
+            <a:ext cx="7097960" cy="1754326"/>
+          </a:xfrm>
+          <a:prstGeom prst="rect">
+            <a:avLst/>
+          </a:prstGeom>
+          <a:ln>
+            <a:solidFill>
+              <a:schemeClr val="bg1">
+                <a:lumMod val="50000"/>
+              </a:schemeClr>
+            </a:solidFill>
+          </a:ln>
+        </p:spPr>
+        <p:txBody>
+          <a:bodyPr wrap="square">
+            <a:spAutoFit/>
+          </a:bodyPr>
+          <a:lstStyle/>
+          <a:p>
+            <a:r>
+              <a:rPr lang="de-DE" dirty="0" err="1">
+                <a:solidFill>
+                  <a:srgbClr val="2A00FF"/>
+                </a:solidFill>
+                <a:latin typeface="Consolas" panose="020B0609020204030204" pitchFamily="49" charset="0"/>
+              </a:rPr>
+              <a:t>def</a:t>
+            </a:r>
+            <a:r>
+              <a:rPr lang="de-DE" dirty="0">
+                <a:solidFill>
+                  <a:srgbClr val="2A00FF"/>
+                </a:solidFill>
+                <a:latin typeface="Consolas" panose="020B0609020204030204" pitchFamily="49" charset="0"/>
+              </a:rPr>
+              <a:t> </a:t>
+            </a:r>
+            <a:r>
+              <a:rPr lang="de-DE" dirty="0" err="1">
+                <a:solidFill>
+                  <a:srgbClr val="2A00FF"/>
+                </a:solidFill>
+                <a:latin typeface="Consolas" panose="020B0609020204030204" pitchFamily="49" charset="0"/>
+              </a:rPr>
+              <a:t>relations</a:t>
+            </a:r>
+            <a:r>
+              <a:rPr lang="de-DE" dirty="0">
+                <a:solidFill>
+                  <a:srgbClr val="2A00FF"/>
+                </a:solidFill>
+                <a:latin typeface="Consolas" panose="020B0609020204030204" pitchFamily="49" charset="0"/>
+              </a:rPr>
+              <a:t>() {</a:t>
+            </a:r>
+          </a:p>
+          <a:p>
+            <a:r>
+              <a:rPr lang="de-DE" dirty="0">
+                <a:solidFill>
+                  <a:srgbClr val="2A00FF"/>
+                </a:solidFill>
+                <a:latin typeface="Consolas" panose="020B0609020204030204" pitchFamily="49" charset="0"/>
+              </a:rPr>
+              <a:t>  </a:t>
+            </a:r>
+            <a:r>
+              <a:rPr lang="de-DE" dirty="0" err="1">
+                <a:solidFill>
+                  <a:srgbClr val="2A00FF"/>
+                </a:solidFill>
+                <a:latin typeface="Consolas" panose="020B0609020204030204" pitchFamily="49" charset="0"/>
+              </a:rPr>
+              <a:t>QA.hasMembers</a:t>
+            </a:r>
+            <a:r>
+              <a:rPr lang="de-DE" dirty="0">
+                <a:solidFill>
+                  <a:srgbClr val="2A00FF"/>
+                </a:solidFill>
+                <a:latin typeface="Consolas" panose="020B0609020204030204" pitchFamily="49" charset="0"/>
+              </a:rPr>
+              <a:t>(KAULBERSCH, GUITTON, BARANOWSKI</a:t>
+            </a:r>
+            <a:r>
+              <a:rPr lang="de-DE" dirty="0">
+                <a:solidFill>
+                  <a:srgbClr val="2A00FF"/>
+                </a:solidFill>
+                <a:latin typeface="Consolas" panose="020B0609020204030204" pitchFamily="49" charset="0"/>
+              </a:rPr>
+              <a:t>)</a:t>
+            </a:r>
+          </a:p>
+          <a:p>
+            <a:r>
+              <a:rPr lang="de-DE" dirty="0">
+                <a:solidFill>
+                  <a:srgbClr val="2A00FF"/>
+                </a:solidFill>
+                <a:latin typeface="Consolas" panose="020B0609020204030204" pitchFamily="49" charset="0"/>
+              </a:rPr>
+              <a:t>  </a:t>
+            </a:r>
+            <a:r>
+              <a:rPr lang="de-DE" dirty="0" err="1">
+                <a:solidFill>
+                  <a:srgbClr val="2A00FF"/>
+                </a:solidFill>
+                <a:latin typeface="Consolas" panose="020B0609020204030204" pitchFamily="49" charset="0"/>
+              </a:rPr>
+              <a:t>KAULBERSCH</a:t>
+            </a:r>
+            <a:r>
+              <a:rPr lang="de-DE" dirty="0" err="1">
+                <a:solidFill>
+                  <a:srgbClr val="2A00FF"/>
+                </a:solidFill>
+                <a:latin typeface="Consolas" panose="020B0609020204030204" pitchFamily="49" charset="0"/>
+              </a:rPr>
+              <a:t>.worksAs</a:t>
+            </a:r>
+            <a:r>
+              <a:rPr lang="de-DE" dirty="0">
+                <a:solidFill>
+                  <a:srgbClr val="2A00FF"/>
+                </a:solidFill>
+                <a:latin typeface="Consolas" panose="020B0609020204030204" pitchFamily="49" charset="0"/>
+              </a:rPr>
+              <a:t>(</a:t>
+            </a:r>
+            <a:r>
+              <a:rPr lang="de-DE" dirty="0">
+                <a:solidFill>
+                  <a:srgbClr val="2A00FF"/>
+                </a:solidFill>
+                <a:latin typeface="Consolas" panose="020B0609020204030204" pitchFamily="49" charset="0"/>
+              </a:rPr>
+              <a:t>SWD</a:t>
+            </a:r>
+            <a:r>
+              <a:rPr lang="de-DE" dirty="0">
+                <a:solidFill>
+                  <a:srgbClr val="2A00FF"/>
+                </a:solidFill>
+                <a:latin typeface="Consolas" panose="020B0609020204030204" pitchFamily="49" charset="0"/>
+              </a:rPr>
+              <a:t>)</a:t>
+            </a:r>
+            <a:r>
+              <a:rPr lang="de-DE" dirty="0">
+                <a:solidFill>
+                  <a:srgbClr val="2A00FF"/>
+                </a:solidFill>
+                <a:latin typeface="Consolas" panose="020B0609020204030204" pitchFamily="49" charset="0"/>
+              </a:rPr>
+              <a:t>.</a:t>
+            </a:r>
+            <a:r>
+              <a:rPr lang="de-DE" dirty="0" err="1">
+                <a:solidFill>
+                  <a:srgbClr val="2A00FF"/>
+                </a:solidFill>
+                <a:latin typeface="Consolas" panose="020B0609020204030204" pitchFamily="49" charset="0"/>
+              </a:rPr>
+              <a:t>engagementStart</a:t>
+            </a:r>
+            <a:r>
+              <a:rPr lang="de-DE" dirty="0">
+                <a:solidFill>
+                  <a:srgbClr val="2A00FF"/>
+                </a:solidFill>
+                <a:latin typeface="Consolas" panose="020B0609020204030204" pitchFamily="49" charset="0"/>
+              </a:rPr>
+              <a:t>(</a:t>
+            </a:r>
+            <a:r>
+              <a:rPr lang="de-DE" dirty="0">
+                <a:solidFill>
+                  <a:srgbClr val="2A00FF"/>
+                </a:solidFill>
+                <a:latin typeface="Consolas" panose="020B0609020204030204" pitchFamily="49" charset="0"/>
+              </a:rPr>
+              <a:t>"</a:t>
+            </a:r>
+            <a:r>
+              <a:rPr lang="de-DE" dirty="0">
+                <a:solidFill>
+                  <a:srgbClr val="2A00FF"/>
+                </a:solidFill>
+                <a:latin typeface="Consolas" panose="020B0609020204030204" pitchFamily="49" charset="0"/>
+              </a:rPr>
+              <a:t>01.04.2013")</a:t>
+            </a:r>
+            <a:endParaRPr lang="de-DE" dirty="0">
+              <a:solidFill>
+                <a:srgbClr val="2A00FF"/>
+              </a:solidFill>
+              <a:latin typeface="Consolas" panose="020B0609020204030204" pitchFamily="49" charset="0"/>
+            </a:endParaRPr>
+          </a:p>
+          <a:p>
+            <a:r>
+              <a:rPr lang="de-DE" dirty="0">
+                <a:solidFill>
+                  <a:srgbClr val="2A00FF"/>
+                </a:solidFill>
+                <a:latin typeface="Consolas" panose="020B0609020204030204" pitchFamily="49" charset="0"/>
+              </a:rPr>
+              <a:t>  </a:t>
+            </a:r>
+            <a:r>
+              <a:rPr lang="de-DE" dirty="0" err="1">
+                <a:solidFill>
+                  <a:srgbClr val="2A00FF"/>
+                </a:solidFill>
+                <a:latin typeface="Consolas" panose="020B0609020204030204" pitchFamily="49" charset="0"/>
+              </a:rPr>
+              <a:t>GUITTON</a:t>
+            </a:r>
+            <a:r>
+              <a:rPr lang="de-DE" dirty="0" err="1">
+                <a:solidFill>
+                  <a:srgbClr val="2A00FF"/>
+                </a:solidFill>
+                <a:latin typeface="Consolas" panose="020B0609020204030204" pitchFamily="49" charset="0"/>
+              </a:rPr>
+              <a:t>.worksAs</a:t>
+            </a:r>
+            <a:r>
+              <a:rPr lang="de-DE" dirty="0">
+                <a:solidFill>
+                  <a:srgbClr val="2A00FF"/>
+                </a:solidFill>
+                <a:latin typeface="Consolas" panose="020B0609020204030204" pitchFamily="49" charset="0"/>
+              </a:rPr>
+              <a:t>(</a:t>
+            </a:r>
+            <a:r>
+              <a:rPr lang="de-DE" dirty="0">
+                <a:solidFill>
+                  <a:srgbClr val="2A00FF"/>
+                </a:solidFill>
+                <a:latin typeface="Consolas" panose="020B0609020204030204" pitchFamily="49" charset="0"/>
+              </a:rPr>
+              <a:t>SWT</a:t>
+            </a:r>
+            <a:r>
+              <a:rPr lang="de-DE" dirty="0">
+                <a:solidFill>
+                  <a:srgbClr val="2A00FF"/>
+                </a:solidFill>
+                <a:latin typeface="Consolas" panose="020B0609020204030204" pitchFamily="49" charset="0"/>
+              </a:rPr>
+              <a:t>)</a:t>
+            </a:r>
+          </a:p>
+          <a:p>
+            <a:r>
+              <a:rPr lang="de-DE" dirty="0">
+                <a:solidFill>
+                  <a:srgbClr val="2A00FF"/>
+                </a:solidFill>
+                <a:latin typeface="Consolas" panose="020B0609020204030204" pitchFamily="49" charset="0"/>
+              </a:rPr>
+              <a:t>  </a:t>
+            </a:r>
+            <a:r>
+              <a:rPr lang="de-DE" dirty="0" err="1">
+                <a:solidFill>
+                  <a:srgbClr val="2A00FF"/>
+                </a:solidFill>
+                <a:latin typeface="Consolas" panose="020B0609020204030204" pitchFamily="49" charset="0"/>
+              </a:rPr>
+              <a:t>BARANOWSKI</a:t>
+            </a:r>
+            <a:r>
+              <a:rPr lang="de-DE" dirty="0" err="1">
+                <a:solidFill>
+                  <a:srgbClr val="2A00FF"/>
+                </a:solidFill>
+                <a:latin typeface="Consolas" panose="020B0609020204030204" pitchFamily="49" charset="0"/>
+              </a:rPr>
+              <a:t>.worksAs</a:t>
+            </a:r>
+            <a:r>
+              <a:rPr lang="de-DE" dirty="0">
+                <a:solidFill>
+                  <a:srgbClr val="2A00FF"/>
+                </a:solidFill>
+                <a:latin typeface="Consolas" panose="020B0609020204030204" pitchFamily="49" charset="0"/>
+              </a:rPr>
+              <a:t>(</a:t>
+            </a:r>
+            <a:r>
+              <a:rPr lang="de-DE" dirty="0">
+                <a:solidFill>
+                  <a:srgbClr val="2A00FF"/>
+                </a:solidFill>
+                <a:latin typeface="Consolas" panose="020B0609020204030204" pitchFamily="49" charset="0"/>
+              </a:rPr>
+              <a:t>TM</a:t>
+            </a:r>
+            <a:r>
+              <a:rPr lang="de-DE" dirty="0">
+                <a:solidFill>
+                  <a:srgbClr val="2A00FF"/>
+                </a:solidFill>
+                <a:latin typeface="Consolas" panose="020B0609020204030204" pitchFamily="49" charset="0"/>
+              </a:rPr>
+              <a:t>)</a:t>
+            </a:r>
+          </a:p>
+          <a:p>
+            <a:r>
+              <a:rPr lang="de-DE" dirty="0">
+                <a:solidFill>
+                  <a:srgbClr val="2A00FF"/>
+                </a:solidFill>
+                <a:latin typeface="Consolas" panose="020B0609020204030204" pitchFamily="49" charset="0"/>
+              </a:rPr>
+              <a:t>}</a:t>
+            </a:r>
+          </a:p>
+        </p:txBody>
+      </p:sp>
     </p:spTree>
     <p:extLst>
       <p:ext uri="{BB962C8B-B14F-4D97-AF65-F5344CB8AC3E}">
-        <p14:creationId xmlns:p14="http://schemas.microsoft.com/office/powerpoint/2010/main" val="1325685626"/>
+        <p14:creationId xmlns:p14="http://schemas.microsoft.com/office/powerpoint/2010/main" val="1787581415"/>
       </p:ext>
     </p:extLst>
   </p:cSld>
@@ -9846,6 +9808,687 @@
 </file>
 
 <file path=ppt/slides/slide7.xml><?xml version="1.0" encoding="utf-8"?>
+<p:sld xmlns:a="http://schemas.openxmlformats.org/drawingml/2006/main" xmlns:r="http://schemas.openxmlformats.org/officeDocument/2006/relationships" xmlns:p="http://schemas.openxmlformats.org/presentationml/2006/main">
+  <p:cSld>
+    <p:spTree>
+      <p:nvGrpSpPr>
+        <p:cNvPr id="1" name=""/>
+        <p:cNvGrpSpPr/>
+        <p:nvPr/>
+      </p:nvGrpSpPr>
+      <p:grpSpPr>
+        <a:xfrm>
+          <a:off x="0" y="0"/>
+          <a:ext cx="0" cy="0"/>
+          <a:chOff x="0" y="0"/>
+          <a:chExt cx="0" cy="0"/>
+        </a:xfrm>
+      </p:grpSpPr>
+      <p:sp>
+        <p:nvSpPr>
+          <p:cNvPr id="5" name="Inhaltsplatzhalter 4"/>
+          <p:cNvSpPr>
+            <a:spLocks noGrp="1"/>
+          </p:cNvSpPr>
+          <p:nvPr>
+            <p:ph idx="1"/>
+          </p:nvPr>
+        </p:nvSpPr>
+        <p:spPr/>
+        <p:txBody>
+          <a:bodyPr/>
+          <a:lstStyle/>
+          <a:p>
+            <a:r>
+              <a:rPr lang="de-DE" dirty="0" err="1" smtClean="0"/>
+              <a:t>DataSets</a:t>
+            </a:r>
+            <a:r>
+              <a:rPr lang="de-DE" dirty="0" smtClean="0"/>
+              <a:t> können als Scopes genutzt werden</a:t>
+            </a:r>
+          </a:p>
+          <a:p>
+            <a:r>
+              <a:rPr lang="de-DE" dirty="0" smtClean="0"/>
+              <a:t>Zugriff auf Daten in aktuellem </a:t>
+            </a:r>
+            <a:r>
+              <a:rPr lang="de-DE" dirty="0" err="1" smtClean="0"/>
+              <a:t>Scope</a:t>
+            </a:r>
+            <a:r>
+              <a:rPr lang="de-DE" dirty="0" smtClean="0"/>
+              <a:t>:</a:t>
+            </a:r>
+            <a:endParaRPr lang="de-DE" dirty="0" smtClean="0"/>
+          </a:p>
+        </p:txBody>
+      </p:sp>
+      <p:sp>
+        <p:nvSpPr>
+          <p:cNvPr id="2" name="Titel 1"/>
+          <p:cNvSpPr>
+            <a:spLocks noGrp="1"/>
+          </p:cNvSpPr>
+          <p:nvPr>
+            <p:ph type="title"/>
+          </p:nvPr>
+        </p:nvSpPr>
+        <p:spPr/>
+        <p:txBody>
+          <a:bodyPr>
+            <a:normAutofit/>
+          </a:bodyPr>
+          <a:lstStyle/>
+          <a:p>
+            <a:r>
+              <a:rPr lang="de-DE" dirty="0"/>
+              <a:t>Features: </a:t>
+            </a:r>
+            <a:r>
+              <a:rPr lang="de-DE" dirty="0" smtClean="0"/>
+              <a:t>Scopes</a:t>
+            </a:r>
+            <a:endParaRPr lang="de-DE" dirty="0"/>
+          </a:p>
+        </p:txBody>
+      </p:sp>
+      <p:sp>
+        <p:nvSpPr>
+          <p:cNvPr id="3" name="Rechteck 2"/>
+          <p:cNvSpPr/>
+          <p:nvPr/>
+        </p:nvSpPr>
+        <p:spPr>
+          <a:xfrm>
+            <a:off x="354360" y="2924944"/>
+            <a:ext cx="8435280" cy="3693319"/>
+          </a:xfrm>
+          <a:prstGeom prst="rect">
+            <a:avLst/>
+          </a:prstGeom>
+          <a:ln>
+            <a:solidFill>
+              <a:schemeClr val="bg1">
+                <a:lumMod val="50000"/>
+              </a:schemeClr>
+            </a:solidFill>
+          </a:ln>
+        </p:spPr>
+        <p:txBody>
+          <a:bodyPr wrap="square">
+            <a:spAutoFit/>
+          </a:bodyPr>
+          <a:lstStyle/>
+          <a:p>
+            <a:r>
+              <a:rPr lang="de-DE" dirty="0">
+                <a:solidFill>
+                  <a:srgbClr val="2A00FF"/>
+                </a:solidFill>
+                <a:latin typeface="Consolas" panose="020B0609020204030204" pitchFamily="49" charset="0"/>
+              </a:rPr>
+              <a:t>@Test</a:t>
+            </a:r>
+          </a:p>
+          <a:p>
+            <a:r>
+              <a:rPr lang="de-DE" dirty="0">
+                <a:solidFill>
+                  <a:srgbClr val="2A00FF"/>
+                </a:solidFill>
+                <a:latin typeface="Consolas" panose="020B0609020204030204" pitchFamily="49" charset="0"/>
+              </a:rPr>
+              <a:t>@</a:t>
+            </a:r>
+            <a:r>
+              <a:rPr lang="de-DE" dirty="0" err="1">
+                <a:solidFill>
+                  <a:srgbClr val="2A00FF"/>
+                </a:solidFill>
+                <a:latin typeface="Consolas" panose="020B0609020204030204" pitchFamily="49" charset="0"/>
+              </a:rPr>
+              <a:t>DatabaseSetup</a:t>
+            </a:r>
+            <a:r>
+              <a:rPr lang="de-DE" dirty="0">
+                <a:solidFill>
+                  <a:srgbClr val="2A00FF"/>
+                </a:solidFill>
+                <a:latin typeface="Consolas" panose="020B0609020204030204" pitchFamily="49" charset="0"/>
+              </a:rPr>
+              <a:t>(</a:t>
+            </a:r>
+            <a:r>
+              <a:rPr lang="de-DE" dirty="0" err="1">
+                <a:solidFill>
+                  <a:srgbClr val="2A00FF"/>
+                </a:solidFill>
+                <a:latin typeface="Consolas" panose="020B0609020204030204" pitchFamily="49" charset="0"/>
+              </a:rPr>
+              <a:t>prepare</a:t>
+            </a:r>
+            <a:r>
+              <a:rPr lang="de-DE" dirty="0">
+                <a:solidFill>
+                  <a:srgbClr val="2A00FF"/>
+                </a:solidFill>
+                <a:latin typeface="Consolas" panose="020B0609020204030204" pitchFamily="49" charset="0"/>
+              </a:rPr>
+              <a:t> = </a:t>
+            </a:r>
+            <a:r>
+              <a:rPr lang="de-DE" dirty="0" err="1">
+                <a:solidFill>
+                  <a:srgbClr val="2A00FF"/>
+                </a:solidFill>
+                <a:latin typeface="Consolas" panose="020B0609020204030204" pitchFamily="49" charset="0"/>
+              </a:rPr>
+              <a:t>DemoGroovyDataSet</a:t>
+            </a:r>
+            <a:r>
+              <a:rPr lang="de-DE" dirty="0">
+                <a:solidFill>
+                  <a:srgbClr val="2A00FF"/>
+                </a:solidFill>
+                <a:latin typeface="Consolas" panose="020B0609020204030204" pitchFamily="49" charset="0"/>
+              </a:rPr>
+              <a:t>)</a:t>
+            </a:r>
+          </a:p>
+          <a:p>
+            <a:r>
+              <a:rPr lang="de-DE" dirty="0" err="1">
+                <a:solidFill>
+                  <a:srgbClr val="2A00FF"/>
+                </a:solidFill>
+                <a:latin typeface="Consolas" panose="020B0609020204030204" pitchFamily="49" charset="0"/>
+              </a:rPr>
+              <a:t>void</a:t>
+            </a:r>
+            <a:r>
+              <a:rPr lang="de-DE" dirty="0">
+                <a:solidFill>
+                  <a:srgbClr val="2A00FF"/>
+                </a:solidFill>
+                <a:latin typeface="Consolas" panose="020B0609020204030204" pitchFamily="49" charset="0"/>
+              </a:rPr>
+              <a:t> </a:t>
+            </a:r>
+            <a:r>
+              <a:rPr lang="de-DE" dirty="0" err="1">
+                <a:solidFill>
+                  <a:srgbClr val="2A00FF"/>
+                </a:solidFill>
+                <a:latin typeface="Consolas" panose="020B0609020204030204" pitchFamily="49" charset="0"/>
+              </a:rPr>
+              <a:t>findPersonsForTeam</a:t>
+            </a:r>
+            <a:r>
+              <a:rPr lang="de-DE" dirty="0">
+                <a:solidFill>
+                  <a:srgbClr val="2A00FF"/>
+                </a:solidFill>
+                <a:latin typeface="Consolas" panose="020B0609020204030204" pitchFamily="49" charset="0"/>
+              </a:rPr>
+              <a:t>() {</a:t>
+            </a:r>
+          </a:p>
+          <a:p>
+            <a:r>
+              <a:rPr lang="de-DE" dirty="0">
+                <a:solidFill>
+                  <a:srgbClr val="2A00FF"/>
+                </a:solidFill>
+                <a:latin typeface="Consolas" panose="020B0609020204030204" pitchFamily="49" charset="0"/>
+              </a:rPr>
+              <a:t>  Team </a:t>
+            </a:r>
+            <a:r>
+              <a:rPr lang="de-DE" dirty="0" err="1">
+                <a:solidFill>
+                  <a:srgbClr val="2A00FF"/>
+                </a:solidFill>
+                <a:latin typeface="Consolas" panose="020B0609020204030204" pitchFamily="49" charset="0"/>
+              </a:rPr>
+              <a:t>team</a:t>
+            </a:r>
+            <a:r>
+              <a:rPr lang="de-DE" dirty="0">
+                <a:solidFill>
+                  <a:srgbClr val="2A00FF"/>
+                </a:solidFill>
+                <a:latin typeface="Consolas" panose="020B0609020204030204" pitchFamily="49" charset="0"/>
+              </a:rPr>
+              <a:t> = </a:t>
+            </a:r>
+            <a:r>
+              <a:rPr lang="de-DE" dirty="0" err="1">
+                <a:solidFill>
+                  <a:srgbClr val="2A00FF"/>
+                </a:solidFill>
+                <a:latin typeface="Consolas" panose="020B0609020204030204" pitchFamily="49" charset="0"/>
+              </a:rPr>
+              <a:t>new</a:t>
+            </a:r>
+            <a:r>
+              <a:rPr lang="de-DE" dirty="0">
+                <a:solidFill>
+                  <a:srgbClr val="2A00FF"/>
+                </a:solidFill>
+                <a:latin typeface="Consolas" panose="020B0609020204030204" pitchFamily="49" charset="0"/>
+              </a:rPr>
+              <a:t> Team()</a:t>
+            </a:r>
+          </a:p>
+          <a:p>
+            <a:r>
+              <a:rPr lang="de-DE" dirty="0">
+                <a:solidFill>
+                  <a:srgbClr val="2A00FF"/>
+                </a:solidFill>
+                <a:latin typeface="Consolas" panose="020B0609020204030204" pitchFamily="49" charset="0"/>
+              </a:rPr>
+              <a:t>  </a:t>
+            </a:r>
+            <a:r>
+              <a:rPr lang="de-DE" dirty="0" err="1">
+                <a:solidFill>
+                  <a:srgbClr val="2A00FF"/>
+                </a:solidFill>
+                <a:latin typeface="Consolas" panose="020B0609020204030204" pitchFamily="49" charset="0"/>
+              </a:rPr>
+              <a:t>team.setId</a:t>
+            </a:r>
+            <a:r>
+              <a:rPr lang="de-DE" dirty="0">
+                <a:solidFill>
+                  <a:srgbClr val="2A00FF"/>
+                </a:solidFill>
+                <a:latin typeface="Consolas" panose="020B0609020204030204" pitchFamily="49" charset="0"/>
+              </a:rPr>
+              <a:t>(QA</a:t>
+            </a:r>
+            <a:r>
+              <a:rPr lang="de-DE" dirty="0">
+                <a:solidFill>
+                  <a:srgbClr val="2A00FF"/>
+                </a:solidFill>
+                <a:latin typeface="Consolas" panose="020B0609020204030204" pitchFamily="49" charset="0"/>
+              </a:rPr>
+              <a:t>.id</a:t>
+            </a:r>
+            <a:r>
+              <a:rPr lang="de-DE" dirty="0">
+                <a:solidFill>
+                  <a:srgbClr val="2A00FF"/>
+                </a:solidFill>
+                <a:latin typeface="Consolas" panose="020B0609020204030204" pitchFamily="49" charset="0"/>
+              </a:rPr>
+              <a:t>)</a:t>
+            </a:r>
+          </a:p>
+          <a:p>
+            <a:r>
+              <a:rPr lang="de-DE" dirty="0">
+                <a:solidFill>
+                  <a:srgbClr val="2A00FF"/>
+                </a:solidFill>
+                <a:latin typeface="Consolas" panose="020B0609020204030204" pitchFamily="49" charset="0"/>
+              </a:rPr>
+              <a:t>  </a:t>
+            </a:r>
+            <a:r>
+              <a:rPr lang="de-DE" dirty="0" err="1">
+                <a:solidFill>
+                  <a:srgbClr val="2A00FF"/>
+                </a:solidFill>
+                <a:latin typeface="Consolas" panose="020B0609020204030204" pitchFamily="49" charset="0"/>
+              </a:rPr>
+              <a:t>team.setTitle</a:t>
+            </a:r>
+            <a:r>
+              <a:rPr lang="de-DE" dirty="0">
+                <a:solidFill>
+                  <a:srgbClr val="2A00FF"/>
+                </a:solidFill>
+                <a:latin typeface="Consolas" panose="020B0609020204030204" pitchFamily="49" charset="0"/>
+              </a:rPr>
+              <a:t>(</a:t>
+            </a:r>
+            <a:r>
+              <a:rPr lang="de-DE" dirty="0" err="1">
+                <a:solidFill>
+                  <a:srgbClr val="2A00FF"/>
+                </a:solidFill>
+                <a:latin typeface="Consolas" panose="020B0609020204030204" pitchFamily="49" charset="0"/>
+              </a:rPr>
+              <a:t>QA.title</a:t>
+            </a:r>
+            <a:r>
+              <a:rPr lang="de-DE" dirty="0">
+                <a:solidFill>
+                  <a:srgbClr val="2A00FF"/>
+                </a:solidFill>
+                <a:latin typeface="Consolas" panose="020B0609020204030204" pitchFamily="49" charset="0"/>
+              </a:rPr>
+              <a:t>)</a:t>
+            </a:r>
+          </a:p>
+          <a:p>
+            <a:r>
+              <a:rPr lang="de-DE" dirty="0">
+                <a:solidFill>
+                  <a:srgbClr val="2A00FF"/>
+                </a:solidFill>
+                <a:latin typeface="Consolas" panose="020B0609020204030204" pitchFamily="49" charset="0"/>
+              </a:rPr>
+              <a:t>  </a:t>
+            </a:r>
+            <a:r>
+              <a:rPr lang="de-DE" dirty="0" err="1">
+                <a:solidFill>
+                  <a:srgbClr val="2A00FF"/>
+                </a:solidFill>
+                <a:latin typeface="Consolas" panose="020B0609020204030204" pitchFamily="49" charset="0"/>
+              </a:rPr>
+              <a:t>team.setDescription</a:t>
+            </a:r>
+            <a:r>
+              <a:rPr lang="de-DE" dirty="0">
+                <a:solidFill>
+                  <a:srgbClr val="2A00FF"/>
+                </a:solidFill>
+                <a:latin typeface="Consolas" panose="020B0609020204030204" pitchFamily="49" charset="0"/>
+              </a:rPr>
+              <a:t>(</a:t>
+            </a:r>
+            <a:r>
+              <a:rPr lang="de-DE" dirty="0" err="1">
+                <a:solidFill>
+                  <a:srgbClr val="2A00FF"/>
+                </a:solidFill>
+                <a:latin typeface="Consolas" panose="020B0609020204030204" pitchFamily="49" charset="0"/>
+              </a:rPr>
+              <a:t>QA.description</a:t>
+            </a:r>
+            <a:r>
+              <a:rPr lang="de-DE" dirty="0">
+                <a:solidFill>
+                  <a:srgbClr val="2A00FF"/>
+                </a:solidFill>
+                <a:latin typeface="Consolas" panose="020B0609020204030204" pitchFamily="49" charset="0"/>
+              </a:rPr>
+              <a:t>)</a:t>
+            </a:r>
+          </a:p>
+          <a:p>
+            <a:r>
+              <a:rPr lang="de-DE" dirty="0">
+                <a:solidFill>
+                  <a:srgbClr val="2A00FF"/>
+                </a:solidFill>
+                <a:latin typeface="Consolas" panose="020B0609020204030204" pitchFamily="49" charset="0"/>
+              </a:rPr>
+              <a:t>  </a:t>
+            </a:r>
+            <a:r>
+              <a:rPr lang="de-DE" dirty="0" err="1">
+                <a:solidFill>
+                  <a:srgbClr val="2A00FF"/>
+                </a:solidFill>
+                <a:latin typeface="Consolas" panose="020B0609020204030204" pitchFamily="49" charset="0"/>
+              </a:rPr>
+              <a:t>team.setMembersize</a:t>
+            </a:r>
+            <a:r>
+              <a:rPr lang="de-DE" dirty="0">
+                <a:solidFill>
+                  <a:srgbClr val="2A00FF"/>
+                </a:solidFill>
+                <a:latin typeface="Consolas" panose="020B0609020204030204" pitchFamily="49" charset="0"/>
+              </a:rPr>
+              <a:t>(</a:t>
+            </a:r>
+            <a:r>
+              <a:rPr lang="de-DE" dirty="0" err="1">
+                <a:solidFill>
+                  <a:srgbClr val="2A00FF"/>
+                </a:solidFill>
+                <a:latin typeface="Consolas" panose="020B0609020204030204" pitchFamily="49" charset="0"/>
+              </a:rPr>
+              <a:t>QA.membersize</a:t>
+            </a:r>
+            <a:r>
+              <a:rPr lang="de-DE" dirty="0">
+                <a:solidFill>
+                  <a:srgbClr val="2A00FF"/>
+                </a:solidFill>
+                <a:latin typeface="Consolas" panose="020B0609020204030204" pitchFamily="49" charset="0"/>
+              </a:rPr>
+              <a:t>)</a:t>
+            </a:r>
+          </a:p>
+          <a:p>
+            <a:r>
+              <a:rPr lang="de-DE" dirty="0">
+                <a:solidFill>
+                  <a:srgbClr val="2A00FF"/>
+                </a:solidFill>
+                <a:latin typeface="Consolas" panose="020B0609020204030204" pitchFamily="49" charset="0"/>
+              </a:rPr>
+              <a:t>    </a:t>
+            </a:r>
+          </a:p>
+          <a:p>
+            <a:r>
+              <a:rPr lang="de-DE" dirty="0">
+                <a:solidFill>
+                  <a:srgbClr val="2A00FF"/>
+                </a:solidFill>
+                <a:latin typeface="Consolas" panose="020B0609020204030204" pitchFamily="49" charset="0"/>
+              </a:rPr>
+              <a:t>  </a:t>
+            </a:r>
+            <a:r>
+              <a:rPr lang="de-DE" dirty="0" err="1">
+                <a:solidFill>
+                  <a:srgbClr val="2A00FF"/>
+                </a:solidFill>
+                <a:latin typeface="Consolas" panose="020B0609020204030204" pitchFamily="49" charset="0"/>
+              </a:rPr>
+              <a:t>def</a:t>
+            </a:r>
+            <a:r>
+              <a:rPr lang="de-DE" dirty="0">
+                <a:solidFill>
+                  <a:srgbClr val="2A00FF"/>
+                </a:solidFill>
+                <a:latin typeface="Consolas" panose="020B0609020204030204" pitchFamily="49" charset="0"/>
+              </a:rPr>
+              <a:t> </a:t>
+            </a:r>
+            <a:r>
+              <a:rPr lang="de-DE" dirty="0" err="1">
+                <a:solidFill>
+                  <a:srgbClr val="2A00FF"/>
+                </a:solidFill>
+                <a:latin typeface="Consolas" panose="020B0609020204030204" pitchFamily="49" charset="0"/>
+              </a:rPr>
+              <a:t>persons</a:t>
+            </a:r>
+            <a:r>
+              <a:rPr lang="de-DE" dirty="0">
+                <a:solidFill>
+                  <a:srgbClr val="2A00FF"/>
+                </a:solidFill>
+                <a:latin typeface="Consolas" panose="020B0609020204030204" pitchFamily="49" charset="0"/>
+              </a:rPr>
+              <a:t> = </a:t>
+            </a:r>
+            <a:r>
+              <a:rPr lang="de-DE" dirty="0" err="1">
+                <a:solidFill>
+                  <a:srgbClr val="2A00FF"/>
+                </a:solidFill>
+                <a:latin typeface="Consolas" panose="020B0609020204030204" pitchFamily="49" charset="0"/>
+              </a:rPr>
+              <a:t>sut.findPersons</a:t>
+            </a:r>
+            <a:r>
+              <a:rPr lang="de-DE" dirty="0">
+                <a:solidFill>
+                  <a:srgbClr val="2A00FF"/>
+                </a:solidFill>
+                <a:latin typeface="Consolas" panose="020B0609020204030204" pitchFamily="49" charset="0"/>
+              </a:rPr>
+              <a:t>(</a:t>
+            </a:r>
+            <a:r>
+              <a:rPr lang="de-DE" dirty="0" err="1">
+                <a:solidFill>
+                  <a:srgbClr val="2A00FF"/>
+                </a:solidFill>
+                <a:latin typeface="Consolas" panose="020B0609020204030204" pitchFamily="49" charset="0"/>
+              </a:rPr>
+              <a:t>team</a:t>
+            </a:r>
+            <a:r>
+              <a:rPr lang="de-DE" dirty="0">
+                <a:solidFill>
+                  <a:srgbClr val="2A00FF"/>
+                </a:solidFill>
+                <a:latin typeface="Consolas" panose="020B0609020204030204" pitchFamily="49" charset="0"/>
+              </a:rPr>
+              <a:t>)</a:t>
+            </a:r>
+          </a:p>
+          <a:p>
+            <a:endParaRPr lang="de-DE" dirty="0">
+              <a:solidFill>
+                <a:srgbClr val="2A00FF"/>
+              </a:solidFill>
+              <a:latin typeface="Consolas" panose="020B0609020204030204" pitchFamily="49" charset="0"/>
+            </a:endParaRPr>
+          </a:p>
+          <a:p>
+            <a:r>
+              <a:rPr lang="de-DE" dirty="0">
+                <a:solidFill>
+                  <a:srgbClr val="2A00FF"/>
+                </a:solidFill>
+                <a:latin typeface="Consolas" panose="020B0609020204030204" pitchFamily="49" charset="0"/>
+              </a:rPr>
+              <a:t>  </a:t>
+            </a:r>
+            <a:r>
+              <a:rPr lang="de-DE" dirty="0" err="1">
+                <a:solidFill>
+                  <a:srgbClr val="2A00FF"/>
+                </a:solidFill>
+                <a:latin typeface="Consolas" panose="020B0609020204030204" pitchFamily="49" charset="0"/>
+              </a:rPr>
+              <a:t>assertThat</a:t>
+            </a:r>
+            <a:r>
+              <a:rPr lang="de-DE" dirty="0">
+                <a:solidFill>
+                  <a:srgbClr val="2A00FF"/>
+                </a:solidFill>
+                <a:latin typeface="Consolas" panose="020B0609020204030204" pitchFamily="49" charset="0"/>
+              </a:rPr>
+              <a:t>(</a:t>
+            </a:r>
+            <a:r>
+              <a:rPr lang="de-DE" dirty="0" err="1">
+                <a:solidFill>
+                  <a:srgbClr val="2A00FF"/>
+                </a:solidFill>
+                <a:latin typeface="Consolas" panose="020B0609020204030204" pitchFamily="49" charset="0"/>
+              </a:rPr>
+              <a:t>persons</a:t>
+            </a:r>
+            <a:r>
+              <a:rPr lang="de-DE" dirty="0">
+                <a:solidFill>
+                  <a:srgbClr val="2A00FF"/>
+                </a:solidFill>
+                <a:latin typeface="Consolas" panose="020B0609020204030204" pitchFamily="49" charset="0"/>
+              </a:rPr>
+              <a:t>).</a:t>
+            </a:r>
+            <a:r>
+              <a:rPr lang="de-DE" dirty="0" err="1">
+                <a:solidFill>
+                  <a:srgbClr val="2A00FF"/>
+                </a:solidFill>
+                <a:latin typeface="Consolas" panose="020B0609020204030204" pitchFamily="49" charset="0"/>
+              </a:rPr>
+              <a:t>hasSize</a:t>
+            </a:r>
+            <a:r>
+              <a:rPr lang="de-DE" dirty="0">
+                <a:solidFill>
+                  <a:srgbClr val="2A00FF"/>
+                </a:solidFill>
+                <a:latin typeface="Consolas" panose="020B0609020204030204" pitchFamily="49" charset="0"/>
+              </a:rPr>
+              <a:t>(</a:t>
+            </a:r>
+            <a:r>
+              <a:rPr lang="de-DE" dirty="0" err="1">
+                <a:solidFill>
+                  <a:srgbClr val="2A00FF"/>
+                </a:solidFill>
+                <a:latin typeface="Consolas" panose="020B0609020204030204" pitchFamily="49" charset="0"/>
+              </a:rPr>
+              <a:t>dataSet.personsTable.getRowCount</a:t>
+            </a:r>
+            <a:r>
+              <a:rPr lang="de-DE" dirty="0">
+                <a:solidFill>
+                  <a:srgbClr val="2A00FF"/>
+                </a:solidFill>
+                <a:latin typeface="Consolas" panose="020B0609020204030204" pitchFamily="49" charset="0"/>
+              </a:rPr>
+              <a:t>())</a:t>
+            </a:r>
+          </a:p>
+          <a:p>
+            <a:r>
+              <a:rPr lang="de-DE" dirty="0">
+                <a:solidFill>
+                  <a:srgbClr val="2A00FF"/>
+                </a:solidFill>
+                <a:latin typeface="Consolas" panose="020B0609020204030204" pitchFamily="49" charset="0"/>
+              </a:rPr>
+              <a:t>}</a:t>
+            </a:r>
+          </a:p>
+        </p:txBody>
+      </p:sp>
+    </p:spTree>
+    <p:extLst>
+      <p:ext uri="{BB962C8B-B14F-4D97-AF65-F5344CB8AC3E}">
+        <p14:creationId xmlns:p14="http://schemas.microsoft.com/office/powerpoint/2010/main" val="1095665834"/>
+      </p:ext>
+    </p:extLst>
+  </p:cSld>
+  <p:clrMapOvr>
+    <a:masterClrMapping/>
+  </p:clrMapOvr>
+  <p:timing>
+    <p:tnLst>
+      <p:par>
+        <p:cTn id="1" dur="indefinite" restart="never" nodeType="tmRoot"/>
+      </p:par>
+    </p:tnLst>
+  </p:timing>
+</p:sld>
+</file>
+
+<file path=ppt/slides/slide8.xml><?xml version="1.0" encoding="utf-8"?>
 <p:sld xmlns:a="http://schemas.openxmlformats.org/drawingml/2006/main" xmlns:r="http://schemas.openxmlformats.org/officeDocument/2006/relationships" xmlns:p="http://schemas.openxmlformats.org/presentationml/2006/main">
   <p:cSld>
     <p:spTree>
@@ -9949,155 +10592,6 @@
 </p:sld>
 </file>
 
-<file path=ppt/slides/slide8.xml><?xml version="1.0" encoding="utf-8"?>
-<p:sld xmlns:a="http://schemas.openxmlformats.org/drawingml/2006/main" xmlns:r="http://schemas.openxmlformats.org/officeDocument/2006/relationships" xmlns:p="http://schemas.openxmlformats.org/presentationml/2006/main">
-  <p:cSld>
-    <p:spTree>
-      <p:nvGrpSpPr>
-        <p:cNvPr id="1" name=""/>
-        <p:cNvGrpSpPr/>
-        <p:nvPr/>
-      </p:nvGrpSpPr>
-      <p:grpSpPr>
-        <a:xfrm>
-          <a:off x="0" y="0"/>
-          <a:ext cx="0" cy="0"/>
-          <a:chOff x="0" y="0"/>
-          <a:chExt cx="0" cy="0"/>
-        </a:xfrm>
-      </p:grpSpPr>
-      <p:sp>
-        <p:nvSpPr>
-          <p:cNvPr id="5" name="Inhaltsplatzhalter 4"/>
-          <p:cNvSpPr>
-            <a:spLocks noGrp="1"/>
-          </p:cNvSpPr>
-          <p:nvPr>
-            <p:ph idx="1"/>
-          </p:nvPr>
-        </p:nvSpPr>
-        <p:spPr/>
-        <p:txBody>
-          <a:bodyPr/>
-          <a:lstStyle/>
-          <a:p>
-            <a:r>
-              <a:rPr lang="de-DE" dirty="0" smtClean="0"/>
-              <a:t>Beschreibungen von Beziehungen:</a:t>
-            </a:r>
-          </a:p>
-          <a:p>
-            <a:endParaRPr lang="de-DE" dirty="0"/>
-          </a:p>
-          <a:p>
-            <a:endParaRPr lang="de-DE" sz="2400" dirty="0" smtClean="0"/>
-          </a:p>
-          <a:p>
-            <a:r>
-              <a:rPr lang="de-DE" dirty="0" smtClean="0"/>
-              <a:t>Nutzung in Tests:</a:t>
-            </a:r>
-            <a:endParaRPr lang="de-DE" dirty="0"/>
-          </a:p>
-        </p:txBody>
-      </p:sp>
-      <p:sp>
-        <p:nvSpPr>
-          <p:cNvPr id="2" name="Titel 1"/>
-          <p:cNvSpPr>
-            <a:spLocks noGrp="1"/>
-          </p:cNvSpPr>
-          <p:nvPr>
-            <p:ph type="title"/>
-          </p:nvPr>
-        </p:nvSpPr>
-        <p:spPr/>
-        <p:txBody>
-          <a:bodyPr>
-            <a:normAutofit/>
-          </a:bodyPr>
-          <a:lstStyle/>
-          <a:p>
-            <a:r>
-              <a:rPr lang="de-DE" dirty="0"/>
-              <a:t>Features: Referenzen und </a:t>
-            </a:r>
-            <a:r>
-              <a:rPr lang="de-DE" dirty="0" smtClean="0"/>
-              <a:t>Scopes</a:t>
-            </a:r>
-            <a:endParaRPr lang="de-DE" dirty="0"/>
-          </a:p>
-        </p:txBody>
-      </p:sp>
-      <p:pic>
-        <p:nvPicPr>
-          <p:cNvPr id="4" name="Grafik 3"/>
-          <p:cNvPicPr>
-            <a:picLocks noChangeAspect="1"/>
-          </p:cNvPicPr>
-          <p:nvPr/>
-        </p:nvPicPr>
-        <p:blipFill>
-          <a:blip r:embed="rId3"/>
-          <a:stretch>
-            <a:fillRect/>
-          </a:stretch>
-        </p:blipFill>
-        <p:spPr>
-          <a:xfrm>
-            <a:off x="1194092" y="2274203"/>
-            <a:ext cx="6755815" cy="731980"/>
-          </a:xfrm>
-          <a:prstGeom prst="rect">
-            <a:avLst/>
-          </a:prstGeom>
-        </p:spPr>
-      </p:pic>
-      <p:pic>
-        <p:nvPicPr>
-          <p:cNvPr id="6" name="Grafik 5"/>
-          <p:cNvPicPr>
-            <a:picLocks noChangeAspect="1"/>
-          </p:cNvPicPr>
-          <p:nvPr/>
-        </p:nvPicPr>
-        <p:blipFill>
-          <a:blip r:embed="rId4"/>
-          <a:stretch>
-            <a:fillRect/>
-          </a:stretch>
-        </p:blipFill>
-        <p:spPr>
-          <a:xfrm>
-            <a:off x="2123728" y="3762262"/>
-            <a:ext cx="5639843" cy="2615927"/>
-          </a:xfrm>
-          <a:prstGeom prst="rect">
-            <a:avLst/>
-          </a:prstGeom>
-        </p:spPr>
-      </p:pic>
-    </p:spTree>
-    <p:extLst>
-      <p:ext uri="{BB962C8B-B14F-4D97-AF65-F5344CB8AC3E}">
-        <p14:creationId xmlns:p14="http://schemas.microsoft.com/office/powerpoint/2010/main" val="1787581415"/>
-      </p:ext>
-    </p:extLst>
-  </p:cSld>
-  <p:clrMapOvr>
-    <a:masterClrMapping/>
-  </p:clrMapOvr>
-  <p:timing>
-    <p:tnLst>
-      <p:par>
-        <p:cTn id="1" dur="indefinite" restart="never" nodeType="tmRoot"/>
-      </p:par>
-    </p:tnLst>
-  </p:timing>
-</p:sld>
-</file>
-
 <file path=ppt/slides/slide9.xml><?xml version="1.0" encoding="utf-8"?>
 <p:sld xmlns:a="http://schemas.openxmlformats.org/drawingml/2006/main" xmlns:r="http://schemas.openxmlformats.org/officeDocument/2006/relationships" xmlns:p="http://schemas.openxmlformats.org/presentationml/2006/main">
   <p:cSld>
@@ -10136,13 +10630,19 @@
             </a:r>
           </a:p>
           <a:p>
+            <a:endParaRPr lang="de-DE" dirty="0" smtClean="0"/>
+          </a:p>
+          <a:p>
             <a:endParaRPr lang="de-DE" dirty="0"/>
           </a:p>
           <a:p>
             <a:endParaRPr lang="de-DE" dirty="0"/>
           </a:p>
           <a:p>
-            <a:endParaRPr lang="de-DE" dirty="0"/>
+            <a:pPr marL="0" indent="0">
+              <a:buNone/>
+            </a:pPr>
+            <a:endParaRPr lang="de-DE" sz="4800" dirty="0"/>
           </a:p>
           <a:p>
             <a:r>
@@ -10188,54 +10688,486 @@
           </a:p>
         </p:txBody>
       </p:sp>
-      <p:pic>
-        <p:nvPicPr>
-          <p:cNvPr id="5" name="Grafik 4"/>
-          <p:cNvPicPr>
-            <a:picLocks noChangeAspect="1"/>
-          </p:cNvPicPr>
+      <p:sp>
+        <p:nvSpPr>
+          <p:cNvPr id="3" name="Rechteck 2"/>
+          <p:cNvSpPr/>
           <p:nvPr/>
-        </p:nvPicPr>
-        <p:blipFill>
-          <a:blip r:embed="rId3"/>
-          <a:stretch>
-            <a:fillRect/>
-          </a:stretch>
-        </p:blipFill>
+        </p:nvSpPr>
         <p:spPr>
           <a:xfrm>
-            <a:off x="1466849" y="4541572"/>
-            <a:ext cx="6210300" cy="1752600"/>
+            <a:off x="1258683" y="2139821"/>
+            <a:ext cx="6626633" cy="2585323"/>
           </a:xfrm>
           <a:prstGeom prst="rect">
             <a:avLst/>
           </a:prstGeom>
+          <a:ln>
+            <a:solidFill>
+              <a:schemeClr val="bg1">
+                <a:lumMod val="50000"/>
+              </a:schemeClr>
+            </a:solidFill>
+          </a:ln>
         </p:spPr>
-      </p:pic>
-      <p:pic>
-        <p:nvPicPr>
-          <p:cNvPr id="8" name="Grafik 7"/>
-          <p:cNvPicPr>
-            <a:picLocks noChangeAspect="1"/>
-          </p:cNvPicPr>
+        <p:txBody>
+          <a:bodyPr wrap="square">
+            <a:spAutoFit/>
+          </a:bodyPr>
+          <a:lstStyle/>
+          <a:p>
+            <a:r>
+              <a:rPr lang="de-DE" dirty="0" err="1">
+                <a:solidFill>
+                  <a:srgbClr val="2A00FF"/>
+                </a:solidFill>
+                <a:latin typeface="Consolas" panose="020B0609020204030204" pitchFamily="49" charset="0"/>
+              </a:rPr>
+              <a:t>class</a:t>
+            </a:r>
+            <a:r>
+              <a:rPr lang="de-DE" dirty="0">
+                <a:solidFill>
+                  <a:srgbClr val="2A00FF"/>
+                </a:solidFill>
+                <a:latin typeface="Consolas" panose="020B0609020204030204" pitchFamily="49" charset="0"/>
+              </a:rPr>
+              <a:t> </a:t>
+            </a:r>
+            <a:r>
+              <a:rPr lang="de-DE" dirty="0" err="1">
+                <a:solidFill>
+                  <a:srgbClr val="2A00FF"/>
+                </a:solidFill>
+                <a:latin typeface="Consolas" panose="020B0609020204030204" pitchFamily="49" charset="0"/>
+              </a:rPr>
+              <a:t>ExtendedDataSet</a:t>
+            </a:r>
+            <a:r>
+              <a:rPr lang="de-DE" dirty="0">
+                <a:solidFill>
+                  <a:srgbClr val="2A00FF"/>
+                </a:solidFill>
+                <a:latin typeface="Consolas" panose="020B0609020204030204" pitchFamily="49" charset="0"/>
+              </a:rPr>
+              <a:t> </a:t>
+            </a:r>
+            <a:r>
+              <a:rPr lang="de-DE" dirty="0" err="1">
+                <a:solidFill>
+                  <a:srgbClr val="2A00FF"/>
+                </a:solidFill>
+                <a:latin typeface="Consolas" panose="020B0609020204030204" pitchFamily="49" charset="0"/>
+              </a:rPr>
+              <a:t>extends</a:t>
+            </a:r>
+            <a:r>
+              <a:rPr lang="de-DE" dirty="0">
+                <a:solidFill>
+                  <a:srgbClr val="2A00FF"/>
+                </a:solidFill>
+                <a:latin typeface="Consolas" panose="020B0609020204030204" pitchFamily="49" charset="0"/>
+              </a:rPr>
+              <a:t> </a:t>
+            </a:r>
+            <a:r>
+              <a:rPr lang="de-DE" dirty="0" err="1">
+                <a:solidFill>
+                  <a:srgbClr val="2A00FF"/>
+                </a:solidFill>
+                <a:latin typeface="Consolas" panose="020B0609020204030204" pitchFamily="49" charset="0"/>
+              </a:rPr>
+              <a:t>PersonDatabaseBuilder</a:t>
+            </a:r>
+            <a:endParaRPr lang="de-DE" dirty="0">
+              <a:solidFill>
+                <a:srgbClr val="2A00FF"/>
+              </a:solidFill>
+              <a:latin typeface="Consolas" panose="020B0609020204030204" pitchFamily="49" charset="0"/>
+            </a:endParaRPr>
+          </a:p>
+          <a:p>
+            <a:r>
+              <a:rPr lang="de-DE" dirty="0">
+                <a:solidFill>
+                  <a:srgbClr val="2A00FF"/>
+                </a:solidFill>
+                <a:latin typeface="Consolas" panose="020B0609020204030204" pitchFamily="49" charset="0"/>
+              </a:rPr>
+              <a:t>{</a:t>
+            </a:r>
+          </a:p>
+          <a:p>
+            <a:r>
+              <a:rPr lang="de-DE" dirty="0">
+                <a:solidFill>
+                  <a:srgbClr val="2A00FF"/>
+                </a:solidFill>
+                <a:latin typeface="Consolas" panose="020B0609020204030204" pitchFamily="49" charset="0"/>
+              </a:rPr>
+              <a:t>  </a:t>
+            </a:r>
+            <a:r>
+              <a:rPr lang="de-DE" dirty="0" err="1">
+                <a:solidFill>
+                  <a:srgbClr val="2A00FF"/>
+                </a:solidFill>
+                <a:latin typeface="Consolas" panose="020B0609020204030204" pitchFamily="49" charset="0"/>
+              </a:rPr>
+              <a:t>def</a:t>
+            </a:r>
+            <a:r>
+              <a:rPr lang="de-DE" dirty="0">
+                <a:solidFill>
+                  <a:srgbClr val="2A00FF"/>
+                </a:solidFill>
+                <a:latin typeface="Consolas" panose="020B0609020204030204" pitchFamily="49" charset="0"/>
+              </a:rPr>
+              <a:t> </a:t>
+            </a:r>
+            <a:r>
+              <a:rPr lang="de-DE" dirty="0" err="1">
+                <a:solidFill>
+                  <a:srgbClr val="2A00FF"/>
+                </a:solidFill>
+                <a:latin typeface="Consolas" panose="020B0609020204030204" pitchFamily="49" charset="0"/>
+              </a:rPr>
+              <a:t>extendsDataSet</a:t>
+            </a:r>
+            <a:r>
+              <a:rPr lang="de-DE" dirty="0">
+                <a:solidFill>
+                  <a:srgbClr val="2A00FF"/>
+                </a:solidFill>
+                <a:latin typeface="Consolas" panose="020B0609020204030204" pitchFamily="49" charset="0"/>
+              </a:rPr>
+              <a:t>() { </a:t>
+            </a:r>
+            <a:r>
+              <a:rPr lang="de-DE" dirty="0" err="1">
+                <a:solidFill>
+                  <a:srgbClr val="2A00FF"/>
+                </a:solidFill>
+                <a:latin typeface="Consolas" panose="020B0609020204030204" pitchFamily="49" charset="0"/>
+              </a:rPr>
+              <a:t>DemoDataSet</a:t>
+            </a:r>
+            <a:r>
+              <a:rPr lang="de-DE" dirty="0">
+                <a:solidFill>
+                  <a:srgbClr val="2A00FF"/>
+                </a:solidFill>
+                <a:latin typeface="Consolas" panose="020B0609020204030204" pitchFamily="49" charset="0"/>
+              </a:rPr>
+              <a:t> }</a:t>
+            </a:r>
+          </a:p>
+          <a:p>
+            <a:endParaRPr lang="de-DE" dirty="0">
+              <a:solidFill>
+                <a:srgbClr val="2A00FF"/>
+              </a:solidFill>
+              <a:latin typeface="Consolas" panose="020B0609020204030204" pitchFamily="49" charset="0"/>
+            </a:endParaRPr>
+          </a:p>
+          <a:p>
+            <a:r>
+              <a:rPr lang="de-DE" dirty="0">
+                <a:solidFill>
+                  <a:srgbClr val="2A00FF"/>
+                </a:solidFill>
+                <a:latin typeface="Consolas" panose="020B0609020204030204" pitchFamily="49" charset="0"/>
+              </a:rPr>
+              <a:t>  </a:t>
+            </a:r>
+            <a:r>
+              <a:rPr lang="de-DE" dirty="0" err="1">
+                <a:solidFill>
+                  <a:srgbClr val="2A00FF"/>
+                </a:solidFill>
+                <a:latin typeface="Consolas" panose="020B0609020204030204" pitchFamily="49" charset="0"/>
+              </a:rPr>
+              <a:t>def</a:t>
+            </a:r>
+            <a:r>
+              <a:rPr lang="de-DE" dirty="0">
+                <a:solidFill>
+                  <a:srgbClr val="2A00FF"/>
+                </a:solidFill>
+                <a:latin typeface="Consolas" panose="020B0609020204030204" pitchFamily="49" charset="0"/>
+              </a:rPr>
+              <a:t> </a:t>
+            </a:r>
+            <a:r>
+              <a:rPr lang="de-DE" dirty="0" err="1">
+                <a:solidFill>
+                  <a:srgbClr val="2A00FF"/>
+                </a:solidFill>
+                <a:latin typeface="Consolas" panose="020B0609020204030204" pitchFamily="49" charset="0"/>
+              </a:rPr>
+              <a:t>relations</a:t>
+            </a:r>
+            <a:r>
+              <a:rPr lang="de-DE" dirty="0">
+                <a:solidFill>
+                  <a:srgbClr val="2A00FF"/>
+                </a:solidFill>
+                <a:latin typeface="Consolas" panose="020B0609020204030204" pitchFamily="49" charset="0"/>
+              </a:rPr>
+              <a:t>() {</a:t>
+            </a:r>
+          </a:p>
+          <a:p>
+            <a:r>
+              <a:rPr lang="de-DE" dirty="0">
+                <a:solidFill>
+                  <a:srgbClr val="2A00FF"/>
+                </a:solidFill>
+                <a:latin typeface="Consolas" panose="020B0609020204030204" pitchFamily="49" charset="0"/>
+              </a:rPr>
+              <a:t>    </a:t>
+            </a:r>
+            <a:r>
+              <a:rPr lang="de-DE" dirty="0" err="1">
+                <a:solidFill>
+                  <a:srgbClr val="2A00FF"/>
+                </a:solidFill>
+                <a:latin typeface="Consolas" panose="020B0609020204030204" pitchFamily="49" charset="0"/>
+              </a:rPr>
+              <a:t>HOCHLEITER.belongsTo</a:t>
+            </a:r>
+            <a:r>
+              <a:rPr lang="de-DE" dirty="0">
+                <a:solidFill>
+                  <a:srgbClr val="2A00FF"/>
+                </a:solidFill>
+                <a:latin typeface="Consolas" panose="020B0609020204030204" pitchFamily="49" charset="0"/>
+              </a:rPr>
+              <a:t>(QA)</a:t>
+            </a:r>
+          </a:p>
+          <a:p>
+            <a:r>
+              <a:rPr lang="de-DE" dirty="0">
+                <a:solidFill>
+                  <a:srgbClr val="2A00FF"/>
+                </a:solidFill>
+                <a:latin typeface="Consolas" panose="020B0609020204030204" pitchFamily="49" charset="0"/>
+              </a:rPr>
+              <a:t>    </a:t>
+            </a:r>
+            <a:r>
+              <a:rPr lang="de-DE" dirty="0" err="1">
+                <a:solidFill>
+                  <a:srgbClr val="2A00FF"/>
+                </a:solidFill>
+                <a:latin typeface="Consolas" panose="020B0609020204030204" pitchFamily="49" charset="0"/>
+              </a:rPr>
+              <a:t>HOCHLEITER.worksAs</a:t>
+            </a:r>
+            <a:r>
+              <a:rPr lang="de-DE" dirty="0">
+                <a:solidFill>
+                  <a:srgbClr val="2A00FF"/>
+                </a:solidFill>
+                <a:latin typeface="Consolas" panose="020B0609020204030204" pitchFamily="49" charset="0"/>
+              </a:rPr>
+              <a:t>(SWT)</a:t>
+            </a:r>
+          </a:p>
+          <a:p>
+            <a:r>
+              <a:rPr lang="de-DE" dirty="0">
+                <a:solidFill>
+                  <a:srgbClr val="2A00FF"/>
+                </a:solidFill>
+                <a:latin typeface="Consolas" panose="020B0609020204030204" pitchFamily="49" charset="0"/>
+              </a:rPr>
+              <a:t>  }</a:t>
+            </a:r>
+          </a:p>
+          <a:p>
+            <a:r>
+              <a:rPr lang="de-DE" dirty="0">
+                <a:solidFill>
+                  <a:srgbClr val="2A00FF"/>
+                </a:solidFill>
+                <a:latin typeface="Consolas" panose="020B0609020204030204" pitchFamily="49" charset="0"/>
+              </a:rPr>
+              <a:t>}</a:t>
+            </a:r>
+          </a:p>
+        </p:txBody>
+      </p:sp>
+      <p:sp>
+        <p:nvSpPr>
+          <p:cNvPr id="7" name="Rechteck 6"/>
+          <p:cNvSpPr/>
           <p:nvPr/>
-        </p:nvPicPr>
-        <p:blipFill>
-          <a:blip r:embed="rId4"/>
-          <a:stretch>
-            <a:fillRect/>
-          </a:stretch>
-        </p:blipFill>
+        </p:nvSpPr>
         <p:spPr>
           <a:xfrm>
-            <a:off x="2224087" y="2237319"/>
-            <a:ext cx="4695825" cy="1800225"/>
+            <a:off x="1403648" y="5397023"/>
+            <a:ext cx="6590628" cy="1200329"/>
           </a:xfrm>
           <a:prstGeom prst="rect">
             <a:avLst/>
           </a:prstGeom>
+          <a:ln>
+            <a:solidFill>
+              <a:schemeClr val="bg1">
+                <a:lumMod val="50000"/>
+              </a:schemeClr>
+            </a:solidFill>
+          </a:ln>
         </p:spPr>
-      </p:pic>
+        <p:txBody>
+          <a:bodyPr wrap="square">
+            <a:spAutoFit/>
+          </a:bodyPr>
+          <a:lstStyle/>
+          <a:p>
+            <a:r>
+              <a:rPr lang="de-DE" dirty="0" err="1">
+                <a:solidFill>
+                  <a:srgbClr val="2A00FF"/>
+                </a:solidFill>
+                <a:latin typeface="Consolas" panose="020B0609020204030204" pitchFamily="49" charset="0"/>
+              </a:rPr>
+              <a:t>class</a:t>
+            </a:r>
+            <a:r>
+              <a:rPr lang="de-DE" dirty="0">
+                <a:solidFill>
+                  <a:srgbClr val="2A00FF"/>
+                </a:solidFill>
+                <a:latin typeface="Consolas" panose="020B0609020204030204" pitchFamily="49" charset="0"/>
+              </a:rPr>
+              <a:t> </a:t>
+            </a:r>
+            <a:r>
+              <a:rPr lang="de-DE" dirty="0" err="1">
+                <a:solidFill>
+                  <a:srgbClr val="2A00FF"/>
+                </a:solidFill>
+                <a:latin typeface="Consolas" panose="020B0609020204030204" pitchFamily="49" charset="0"/>
+              </a:rPr>
+              <a:t>ComposedDataSet</a:t>
+            </a:r>
+            <a:r>
+              <a:rPr lang="de-DE" dirty="0">
+                <a:solidFill>
+                  <a:srgbClr val="2A00FF"/>
+                </a:solidFill>
+                <a:latin typeface="Consolas" panose="020B0609020204030204" pitchFamily="49" charset="0"/>
+              </a:rPr>
+              <a:t> </a:t>
+            </a:r>
+            <a:r>
+              <a:rPr lang="de-DE" dirty="0" err="1">
+                <a:solidFill>
+                  <a:srgbClr val="2A00FF"/>
+                </a:solidFill>
+                <a:latin typeface="Consolas" panose="020B0609020204030204" pitchFamily="49" charset="0"/>
+              </a:rPr>
+              <a:t>extends</a:t>
+            </a:r>
+            <a:r>
+              <a:rPr lang="de-DE" dirty="0">
+                <a:solidFill>
+                  <a:srgbClr val="2A00FF"/>
+                </a:solidFill>
+                <a:latin typeface="Consolas" panose="020B0609020204030204" pitchFamily="49" charset="0"/>
+              </a:rPr>
+              <a:t> </a:t>
+            </a:r>
+            <a:r>
+              <a:rPr lang="de-DE" dirty="0" err="1">
+                <a:solidFill>
+                  <a:srgbClr val="2A00FF"/>
+                </a:solidFill>
+                <a:latin typeface="Consolas" panose="020B0609020204030204" pitchFamily="49" charset="0"/>
+              </a:rPr>
+              <a:t>PersonDatabaseBuilder</a:t>
+            </a:r>
+            <a:endParaRPr lang="de-DE" dirty="0">
+              <a:solidFill>
+                <a:srgbClr val="2A00FF"/>
+              </a:solidFill>
+              <a:latin typeface="Consolas" panose="020B0609020204030204" pitchFamily="49" charset="0"/>
+            </a:endParaRPr>
+          </a:p>
+          <a:p>
+            <a:r>
+              <a:rPr lang="de-DE" dirty="0">
+                <a:solidFill>
+                  <a:srgbClr val="2A00FF"/>
+                </a:solidFill>
+                <a:latin typeface="Consolas" panose="020B0609020204030204" pitchFamily="49" charset="0"/>
+              </a:rPr>
+              <a:t>{</a:t>
+            </a:r>
+          </a:p>
+          <a:p>
+            <a:r>
+              <a:rPr lang="de-DE" dirty="0">
+                <a:solidFill>
+                  <a:srgbClr val="2A00FF"/>
+                </a:solidFill>
+                <a:latin typeface="Consolas" panose="020B0609020204030204" pitchFamily="49" charset="0"/>
+              </a:rPr>
+              <a:t>  </a:t>
+            </a:r>
+            <a:r>
+              <a:rPr lang="de-DE" dirty="0" err="1">
+                <a:solidFill>
+                  <a:srgbClr val="2A00FF"/>
+                </a:solidFill>
+                <a:latin typeface="Consolas" panose="020B0609020204030204" pitchFamily="49" charset="0"/>
+              </a:rPr>
+              <a:t>def</a:t>
+            </a:r>
+            <a:r>
+              <a:rPr lang="de-DE" dirty="0">
+                <a:solidFill>
+                  <a:srgbClr val="2A00FF"/>
+                </a:solidFill>
+                <a:latin typeface="Consolas" panose="020B0609020204030204" pitchFamily="49" charset="0"/>
+              </a:rPr>
+              <a:t> </a:t>
+            </a:r>
+            <a:r>
+              <a:rPr lang="de-DE" dirty="0" err="1">
+                <a:solidFill>
+                  <a:srgbClr val="2A00FF"/>
+                </a:solidFill>
+                <a:latin typeface="Consolas" panose="020B0609020204030204" pitchFamily="49" charset="0"/>
+              </a:rPr>
+              <a:t>extendsDataSets</a:t>
+            </a:r>
+            <a:r>
+              <a:rPr lang="de-DE" dirty="0">
+                <a:solidFill>
+                  <a:srgbClr val="2A00FF"/>
+                </a:solidFill>
+                <a:latin typeface="Consolas" panose="020B0609020204030204" pitchFamily="49" charset="0"/>
+              </a:rPr>
+              <a:t>() { [ DataSet1, DataSet2 ] }</a:t>
+            </a:r>
+          </a:p>
+          <a:p>
+            <a:r>
+              <a:rPr lang="de-DE" dirty="0">
+                <a:solidFill>
+                  <a:srgbClr val="2A00FF"/>
+                </a:solidFill>
+                <a:latin typeface="Consolas" panose="020B0609020204030204" pitchFamily="49" charset="0"/>
+              </a:rPr>
+              <a:t>}</a:t>
+            </a:r>
+          </a:p>
+        </p:txBody>
+      </p:sp>
     </p:spTree>
     <p:extLst>
       <p:ext uri="{BB962C8B-B14F-4D97-AF65-F5344CB8AC3E}">
@@ -10798,4 +11730,47 @@
     </a:ext>
   </a:extLst>
 </a:theme>
+</file>
+
+<file path=ppt/theme/themeOverride1.xml><?xml version="1.0" encoding="utf-8"?>
+<a:themeOverride xmlns:a="http://schemas.openxmlformats.org/drawingml/2006/main">
+  <a:clrScheme name="Larissa">
+    <a:dk1>
+      <a:sysClr val="windowText" lastClr="000000"/>
+    </a:dk1>
+    <a:lt1>
+      <a:sysClr val="window" lastClr="FFFFFF"/>
+    </a:lt1>
+    <a:dk2>
+      <a:srgbClr val="1F497D"/>
+    </a:dk2>
+    <a:lt2>
+      <a:srgbClr val="EEECE1"/>
+    </a:lt2>
+    <a:accent1>
+      <a:srgbClr val="4F81BD"/>
+    </a:accent1>
+    <a:accent2>
+      <a:srgbClr val="C0504D"/>
+    </a:accent2>
+    <a:accent3>
+      <a:srgbClr val="9BBB59"/>
+    </a:accent3>
+    <a:accent4>
+      <a:srgbClr val="8064A2"/>
+    </a:accent4>
+    <a:accent5>
+      <a:srgbClr val="4BACC6"/>
+    </a:accent5>
+    <a:accent6>
+      <a:srgbClr val="F79646"/>
+    </a:accent6>
+    <a:hlink>
+      <a:srgbClr val="0000FF"/>
+    </a:hlink>
+    <a:folHlink>
+      <a:srgbClr val="800080"/>
+    </a:folHlink>
+  </a:clrScheme>
+</a:themeOverride>
 </file>
--- a/documentation/seitenbau/praesentation.pptx
+++ b/documentation/seitenbau/praesentation.pptx
@@ -235,7 +235,7 @@
           <a:p>
             <a:fld id="{43C08B2D-10D7-454A-8AB6-5BBBD7142FDB}" type="datetimeFigureOut">
               <a:rPr lang="de-DE" smtClean="0"/>
-              <a:t>18.12.2013</a:t>
+              <a:t>08.01.2014</a:t>
             </a:fld>
             <a:endParaRPr lang="de-DE"/>
           </a:p>
@@ -1383,7 +1383,7 @@
           <a:p>
             <a:fld id="{3D3F076A-37B1-4513-9F6B-CFB0CEF8E9AA}" type="datetimeFigureOut">
               <a:rPr lang="de-DE" smtClean="0"/>
-              <a:t>18.12.2013</a:t>
+              <a:t>08.01.2014</a:t>
             </a:fld>
             <a:endParaRPr lang="de-DE"/>
           </a:p>
@@ -1548,7 +1548,7 @@
           <a:p>
             <a:fld id="{3D3F076A-37B1-4513-9F6B-CFB0CEF8E9AA}" type="datetimeFigureOut">
               <a:rPr lang="de-DE" smtClean="0"/>
-              <a:t>18.12.2013</a:t>
+              <a:t>08.01.2014</a:t>
             </a:fld>
             <a:endParaRPr lang="de-DE"/>
           </a:p>
@@ -1723,7 +1723,7 @@
           <a:p>
             <a:fld id="{3D3F076A-37B1-4513-9F6B-CFB0CEF8E9AA}" type="datetimeFigureOut">
               <a:rPr lang="de-DE" smtClean="0"/>
-              <a:t>18.12.2013</a:t>
+              <a:t>08.01.2014</a:t>
             </a:fld>
             <a:endParaRPr lang="de-DE"/>
           </a:p>
@@ -1888,7 +1888,7 @@
           <a:p>
             <a:fld id="{3D3F076A-37B1-4513-9F6B-CFB0CEF8E9AA}" type="datetimeFigureOut">
               <a:rPr lang="de-DE" smtClean="0"/>
-              <a:t>18.12.2013</a:t>
+              <a:t>08.01.2014</a:t>
             </a:fld>
             <a:endParaRPr lang="de-DE"/>
           </a:p>
@@ -2129,7 +2129,7 @@
           <a:p>
             <a:fld id="{3D3F076A-37B1-4513-9F6B-CFB0CEF8E9AA}" type="datetimeFigureOut">
               <a:rPr lang="de-DE" smtClean="0"/>
-              <a:t>18.12.2013</a:t>
+              <a:t>08.01.2014</a:t>
             </a:fld>
             <a:endParaRPr lang="de-DE"/>
           </a:p>
@@ -2412,7 +2412,7 @@
           <a:p>
             <a:fld id="{3D3F076A-37B1-4513-9F6B-CFB0CEF8E9AA}" type="datetimeFigureOut">
               <a:rPr lang="de-DE" smtClean="0"/>
-              <a:t>18.12.2013</a:t>
+              <a:t>08.01.2014</a:t>
             </a:fld>
             <a:endParaRPr lang="de-DE"/>
           </a:p>
@@ -2829,7 +2829,7 @@
           <a:p>
             <a:fld id="{3D3F076A-37B1-4513-9F6B-CFB0CEF8E9AA}" type="datetimeFigureOut">
               <a:rPr lang="de-DE" smtClean="0"/>
-              <a:t>18.12.2013</a:t>
+              <a:t>08.01.2014</a:t>
             </a:fld>
             <a:endParaRPr lang="de-DE"/>
           </a:p>
@@ -2942,7 +2942,7 @@
           <a:p>
             <a:fld id="{3D3F076A-37B1-4513-9F6B-CFB0CEF8E9AA}" type="datetimeFigureOut">
               <a:rPr lang="de-DE" smtClean="0"/>
-              <a:t>18.12.2013</a:t>
+              <a:t>08.01.2014</a:t>
             </a:fld>
             <a:endParaRPr lang="de-DE"/>
           </a:p>
@@ -3032,7 +3032,7 @@
           <a:p>
             <a:fld id="{3D3F076A-37B1-4513-9F6B-CFB0CEF8E9AA}" type="datetimeFigureOut">
               <a:rPr lang="de-DE" smtClean="0"/>
-              <a:t>18.12.2013</a:t>
+              <a:t>08.01.2014</a:t>
             </a:fld>
             <a:endParaRPr lang="de-DE"/>
           </a:p>
@@ -3304,7 +3304,7 @@
           <a:p>
             <a:fld id="{3D3F076A-37B1-4513-9F6B-CFB0CEF8E9AA}" type="datetimeFigureOut">
               <a:rPr lang="de-DE" smtClean="0"/>
-              <a:t>18.12.2013</a:t>
+              <a:t>08.01.2014</a:t>
             </a:fld>
             <a:endParaRPr lang="de-DE"/>
           </a:p>
@@ -3552,7 +3552,7 @@
           <a:p>
             <a:fld id="{3D3F076A-37B1-4513-9F6B-CFB0CEF8E9AA}" type="datetimeFigureOut">
               <a:rPr lang="de-DE" smtClean="0"/>
-              <a:t>18.12.2013</a:t>
+              <a:t>08.01.2014</a:t>
             </a:fld>
             <a:endParaRPr lang="de-DE"/>
           </a:p>
@@ -3760,7 +3760,7 @@
           <a:p>
             <a:fld id="{3D3F076A-37B1-4513-9F6B-CFB0CEF8E9AA}" type="datetimeFigureOut">
               <a:rPr lang="de-DE" smtClean="0"/>
-              <a:t>18.12.2013</a:t>
+              <a:t>08.01.2014</a:t>
             </a:fld>
             <a:endParaRPr lang="de-DE"/>
           </a:p>
@@ -4641,7 +4641,6 @@
               <a:rPr lang="de-DE" dirty="0" smtClean="0"/>
               <a:t>Nutzbar als Maven-Artefakt</a:t>
             </a:r>
-            <a:endParaRPr lang="de-DE" dirty="0" smtClean="0"/>
           </a:p>
           <a:p>
             <a:pPr marL="0" indent="0">
@@ -9390,25 +9389,8 @@
           <a:p>
             <a:r>
               <a:rPr lang="de-DE" dirty="0" smtClean="0"/>
-              <a:t>Beschreibungen </a:t>
-            </a:r>
-            <a:r>
-              <a:rPr lang="de-DE" dirty="0" smtClean="0"/>
-              <a:t>von </a:t>
-            </a:r>
-            <a:r>
-              <a:rPr lang="de-DE" dirty="0" smtClean="0"/>
-              <a:t>Beziehungen (auf Entit</a:t>
-            </a:r>
-            <a:r>
-              <a:rPr lang="de-DE" dirty="0" smtClean="0"/>
-              <a:t>äten-Ebene)</a:t>
-            </a:r>
-            <a:r>
-              <a:rPr lang="de-DE" dirty="0" smtClean="0"/>
-              <a:t>:</a:t>
-            </a:r>
-            <a:endParaRPr lang="de-DE" dirty="0" smtClean="0"/>
+              <a:t>Beschreibungen von Beziehungen (auf Entitäten-Ebene):</a:t>
+            </a:r>
           </a:p>
           <a:p>
             <a:endParaRPr lang="de-DE" dirty="0"/>
@@ -9481,304 +9463,376 @@
           <a:lstStyle/>
           <a:p>
             <a:r>
+              <a:rPr lang="de-DE" b="1" dirty="0" err="1" smtClean="0">
+                <a:solidFill>
+                  <a:srgbClr val="972C78"/>
+                </a:solidFill>
+                <a:latin typeface="Consolas" panose="020B0609020204030204" pitchFamily="49" charset="0"/>
+              </a:rPr>
+              <a:t>def</a:t>
+            </a:r>
+            <a:r>
+              <a:rPr lang="de-DE" dirty="0" smtClean="0">
+                <a:solidFill>
+                  <a:srgbClr val="000000"/>
+                </a:solidFill>
+                <a:latin typeface="Consolas" panose="020B0609020204030204" pitchFamily="49" charset="0"/>
+              </a:rPr>
+              <a:t> </a:t>
+            </a:r>
+            <a:r>
               <a:rPr lang="de-DE" dirty="0" err="1">
                 <a:solidFill>
+                  <a:srgbClr val="000000"/>
+                </a:solidFill>
+                <a:latin typeface="Consolas" panose="020B0609020204030204" pitchFamily="49" charset="0"/>
+              </a:rPr>
+              <a:t>relations</a:t>
+            </a:r>
+            <a:r>
+              <a:rPr lang="de-DE" dirty="0">
+                <a:solidFill>
+                  <a:srgbClr val="000000"/>
+                </a:solidFill>
+                <a:latin typeface="Consolas" panose="020B0609020204030204" pitchFamily="49" charset="0"/>
+              </a:rPr>
+              <a:t>() {</a:t>
+            </a:r>
+          </a:p>
+          <a:p>
+            <a:r>
+              <a:rPr lang="de-DE" dirty="0" smtClean="0">
+                <a:solidFill>
+                  <a:srgbClr val="000000"/>
+                </a:solidFill>
+                <a:latin typeface="Consolas" panose="020B0609020204030204" pitchFamily="49" charset="0"/>
+              </a:rPr>
+              <a:t>  </a:t>
+            </a:r>
+            <a:r>
+              <a:rPr lang="de-DE" i="1" dirty="0" err="1" smtClean="0">
+                <a:solidFill>
+                  <a:srgbClr val="0000C0"/>
+                </a:solidFill>
+                <a:latin typeface="Consolas" panose="020B0609020204030204" pitchFamily="49" charset="0"/>
+              </a:rPr>
+              <a:t>QA</a:t>
+            </a:r>
+            <a:r>
+              <a:rPr lang="de-DE" dirty="0" err="1" smtClean="0">
+                <a:solidFill>
+                  <a:srgbClr val="000000"/>
+                </a:solidFill>
+                <a:latin typeface="Consolas" panose="020B0609020204030204" pitchFamily="49" charset="0"/>
+              </a:rPr>
+              <a:t>.hasMembers</a:t>
+            </a:r>
+            <a:r>
+              <a:rPr lang="de-DE" dirty="0" smtClean="0">
+                <a:solidFill>
+                  <a:srgbClr val="000000"/>
+                </a:solidFill>
+                <a:latin typeface="Consolas" panose="020B0609020204030204" pitchFamily="49" charset="0"/>
+              </a:rPr>
+              <a:t>(</a:t>
+            </a:r>
+            <a:r>
+              <a:rPr lang="de-DE" i="1" dirty="0" smtClean="0">
+                <a:solidFill>
+                  <a:srgbClr val="0000C0"/>
+                </a:solidFill>
+                <a:latin typeface="Consolas" panose="020B0609020204030204" pitchFamily="49" charset="0"/>
+              </a:rPr>
+              <a:t>KAULBERSCH</a:t>
+            </a:r>
+            <a:r>
+              <a:rPr lang="de-DE" dirty="0" smtClean="0">
+                <a:solidFill>
+                  <a:srgbClr val="000000"/>
+                </a:solidFill>
+                <a:latin typeface="Consolas" panose="020B0609020204030204" pitchFamily="49" charset="0"/>
+              </a:rPr>
+              <a:t>,</a:t>
+            </a:r>
+            <a:r>
+              <a:rPr lang="de-DE" i="1" dirty="0" smtClean="0">
+                <a:solidFill>
+                  <a:srgbClr val="0000C0"/>
+                </a:solidFill>
+                <a:latin typeface="Consolas" panose="020B0609020204030204" pitchFamily="49" charset="0"/>
+              </a:rPr>
+              <a:t> GUITTON</a:t>
+            </a:r>
+            <a:r>
+              <a:rPr lang="de-DE" dirty="0" smtClean="0">
+                <a:solidFill>
+                  <a:srgbClr val="000000"/>
+                </a:solidFill>
+                <a:latin typeface="Consolas" panose="020B0609020204030204" pitchFamily="49" charset="0"/>
+              </a:rPr>
+              <a:t>,</a:t>
+            </a:r>
+            <a:r>
+              <a:rPr lang="de-DE" i="1" dirty="0" smtClean="0">
+                <a:solidFill>
+                  <a:srgbClr val="0000C0"/>
+                </a:solidFill>
+                <a:latin typeface="Consolas" panose="020B0609020204030204" pitchFamily="49" charset="0"/>
+              </a:rPr>
+              <a:t> </a:t>
+            </a:r>
+            <a:r>
+              <a:rPr lang="de-DE" i="1" dirty="0">
+                <a:solidFill>
+                  <a:srgbClr val="0000C0"/>
+                </a:solidFill>
+                <a:latin typeface="Consolas" panose="020B0609020204030204" pitchFamily="49" charset="0"/>
+              </a:rPr>
+              <a:t>BARANOWSKI</a:t>
+            </a:r>
+            <a:r>
+              <a:rPr lang="de-DE" dirty="0" smtClean="0">
+                <a:solidFill>
+                  <a:srgbClr val="000000"/>
+                </a:solidFill>
+                <a:latin typeface="Consolas" panose="020B0609020204030204" pitchFamily="49" charset="0"/>
+              </a:rPr>
+              <a:t>)</a:t>
+            </a:r>
+          </a:p>
+          <a:p>
+            <a:r>
+              <a:rPr lang="de-DE" dirty="0">
+                <a:solidFill>
+                  <a:srgbClr val="000000"/>
+                </a:solidFill>
+                <a:latin typeface="Consolas" panose="020B0609020204030204" pitchFamily="49" charset="0"/>
+              </a:rPr>
+              <a:t> </a:t>
+            </a:r>
+            <a:r>
+              <a:rPr lang="de-DE" dirty="0" smtClean="0">
+                <a:solidFill>
                   <a:srgbClr val="2A00FF"/>
                 </a:solidFill>
                 <a:latin typeface="Consolas" panose="020B0609020204030204" pitchFamily="49" charset="0"/>
               </a:rPr>
-              <a:t>def</a:t>
-            </a:r>
-            <a:r>
-              <a:rPr lang="de-DE" dirty="0">
-                <a:solidFill>
-                  <a:srgbClr val="2A00FF"/>
-                </a:solidFill>
-                <a:latin typeface="Consolas" panose="020B0609020204030204" pitchFamily="49" charset="0"/>
-              </a:rPr>
               <a:t> </a:t>
             </a:r>
             <a:r>
+              <a:rPr lang="de-DE" i="1" dirty="0" err="1" smtClean="0">
+                <a:solidFill>
+                  <a:srgbClr val="0000C0"/>
+                </a:solidFill>
+                <a:latin typeface="Consolas" panose="020B0609020204030204" pitchFamily="49" charset="0"/>
+              </a:rPr>
+              <a:t>KAULBERSCH</a:t>
+            </a:r>
+            <a:r>
+              <a:rPr lang="de-DE" dirty="0" err="1" smtClean="0">
+                <a:solidFill>
+                  <a:srgbClr val="000000"/>
+                </a:solidFill>
+                <a:latin typeface="Consolas" panose="020B0609020204030204" pitchFamily="49" charset="0"/>
+              </a:rPr>
+              <a:t>.worksAs</a:t>
+            </a:r>
+            <a:r>
+              <a:rPr lang="de-DE" dirty="0" smtClean="0">
+                <a:solidFill>
+                  <a:srgbClr val="000000"/>
+                </a:solidFill>
+                <a:latin typeface="Consolas" panose="020B0609020204030204" pitchFamily="49" charset="0"/>
+              </a:rPr>
+              <a:t>(</a:t>
+            </a:r>
+            <a:r>
+              <a:rPr lang="de-DE" i="1" dirty="0">
+                <a:solidFill>
+                  <a:srgbClr val="0000C0"/>
+                </a:solidFill>
+                <a:latin typeface="Consolas" panose="020B0609020204030204" pitchFamily="49" charset="0"/>
+              </a:rPr>
+              <a:t>SWD</a:t>
+            </a:r>
+            <a:r>
+              <a:rPr lang="de-DE" dirty="0">
+                <a:solidFill>
+                  <a:srgbClr val="000000"/>
+                </a:solidFill>
+                <a:latin typeface="Consolas" panose="020B0609020204030204" pitchFamily="49" charset="0"/>
+              </a:rPr>
+              <a:t>).</a:t>
+            </a:r>
+            <a:r>
               <a:rPr lang="de-DE" dirty="0" err="1">
                 <a:solidFill>
-                  <a:srgbClr val="2A00FF"/>
-                </a:solidFill>
-                <a:latin typeface="Consolas" panose="020B0609020204030204" pitchFamily="49" charset="0"/>
-              </a:rPr>
-              <a:t>relations</a:t>
-            </a:r>
-            <a:r>
-              <a:rPr lang="de-DE" dirty="0">
-                <a:solidFill>
-                  <a:srgbClr val="2A00FF"/>
-                </a:solidFill>
-                <a:latin typeface="Consolas" panose="020B0609020204030204" pitchFamily="49" charset="0"/>
-              </a:rPr>
-              <a:t>() {</a:t>
-            </a:r>
-          </a:p>
-          <a:p>
-            <a:r>
-              <a:rPr lang="de-DE" dirty="0">
-                <a:solidFill>
-                  <a:srgbClr val="2A00FF"/>
+                  <a:srgbClr val="000000"/>
+                </a:solidFill>
+                <a:latin typeface="Consolas" panose="020B0609020204030204" pitchFamily="49" charset="0"/>
+              </a:rPr>
+              <a:t>engagementStart</a:t>
+            </a:r>
+            <a:r>
+              <a:rPr lang="de-DE" dirty="0">
+                <a:solidFill>
+                  <a:srgbClr val="000000"/>
+                </a:solidFill>
+                <a:latin typeface="Consolas" panose="020B0609020204030204" pitchFamily="49" charset="0"/>
+              </a:rPr>
+              <a:t>(</a:t>
+            </a:r>
+            <a:r>
+              <a:rPr lang="de-DE" dirty="0">
+                <a:solidFill>
+                  <a:srgbClr val="FF00CC"/>
+                </a:solidFill>
+                <a:latin typeface="Consolas" panose="020B0609020204030204" pitchFamily="49" charset="0"/>
+              </a:rPr>
+              <a:t>"01.04.2013"</a:t>
+            </a:r>
+            <a:r>
+              <a:rPr lang="de-DE" dirty="0" smtClean="0">
+                <a:solidFill>
+                  <a:srgbClr val="000000"/>
+                </a:solidFill>
+                <a:latin typeface="Consolas" panose="020B0609020204030204" pitchFamily="49" charset="0"/>
+              </a:rPr>
+              <a:t>)</a:t>
+            </a:r>
+          </a:p>
+          <a:p>
+            <a:r>
+              <a:rPr lang="de-DE" i="1" dirty="0">
+                <a:solidFill>
+                  <a:srgbClr val="000000"/>
+                </a:solidFill>
+                <a:latin typeface="Consolas" panose="020B0609020204030204" pitchFamily="49" charset="0"/>
+              </a:rPr>
+              <a:t> </a:t>
+            </a:r>
+            <a:r>
+              <a:rPr lang="de-DE" i="1" dirty="0" smtClean="0">
+                <a:solidFill>
+                  <a:srgbClr val="000000"/>
+                </a:solidFill>
+                <a:latin typeface="Consolas" panose="020B0609020204030204" pitchFamily="49" charset="0"/>
+              </a:rPr>
+              <a:t> </a:t>
+            </a:r>
+            <a:r>
+              <a:rPr lang="de-DE" i="1" dirty="0" err="1" smtClean="0">
+                <a:solidFill>
+                  <a:srgbClr val="0000C0"/>
+                </a:solidFill>
+                <a:latin typeface="Consolas" panose="020B0609020204030204" pitchFamily="49" charset="0"/>
+              </a:rPr>
+              <a:t>GUITTON</a:t>
+            </a:r>
+            <a:r>
+              <a:rPr lang="de-DE" dirty="0" err="1" smtClean="0">
+                <a:solidFill>
+                  <a:srgbClr val="000000"/>
+                </a:solidFill>
+                <a:latin typeface="Consolas" panose="020B0609020204030204" pitchFamily="49" charset="0"/>
+              </a:rPr>
+              <a:t>.worksAs</a:t>
+            </a:r>
+            <a:r>
+              <a:rPr lang="de-DE" dirty="0" smtClean="0">
+                <a:solidFill>
+                  <a:srgbClr val="000000"/>
+                </a:solidFill>
+                <a:latin typeface="Consolas" panose="020B0609020204030204" pitchFamily="49" charset="0"/>
+              </a:rPr>
+              <a:t>(</a:t>
+            </a:r>
+            <a:r>
+              <a:rPr lang="de-DE" i="1" dirty="0" smtClean="0">
+                <a:solidFill>
+                  <a:srgbClr val="0000C0"/>
+                </a:solidFill>
+                <a:latin typeface="Consolas" panose="020B0609020204030204" pitchFamily="49" charset="0"/>
+              </a:rPr>
+              <a:t>SWT</a:t>
+            </a:r>
+            <a:r>
+              <a:rPr lang="de-DE" dirty="0" smtClean="0">
+                <a:solidFill>
+                  <a:srgbClr val="000000"/>
+                </a:solidFill>
+                <a:latin typeface="Consolas" panose="020B0609020204030204" pitchFamily="49" charset="0"/>
+              </a:rPr>
+              <a:t>)</a:t>
+            </a:r>
+          </a:p>
+          <a:p>
+            <a:r>
+              <a:rPr lang="de-DE" dirty="0" smtClean="0">
+                <a:solidFill>
+                  <a:srgbClr val="000000"/>
                 </a:solidFill>
                 <a:latin typeface="Consolas" panose="020B0609020204030204" pitchFamily="49" charset="0"/>
               </a:rPr>
               <a:t>  </a:t>
             </a:r>
             <a:r>
-              <a:rPr lang="de-DE" dirty="0" err="1">
-                <a:solidFill>
-                  <a:srgbClr val="2A00FF"/>
-                </a:solidFill>
-                <a:latin typeface="Consolas" panose="020B0609020204030204" pitchFamily="49" charset="0"/>
-              </a:rPr>
-              <a:t>QA.hasMembers</a:t>
-            </a:r>
-            <a:r>
-              <a:rPr lang="de-DE" dirty="0">
-                <a:solidFill>
-                  <a:srgbClr val="2A00FF"/>
-                </a:solidFill>
-                <a:latin typeface="Consolas" panose="020B0609020204030204" pitchFamily="49" charset="0"/>
-              </a:rPr>
-              <a:t>(KAULBERSCH, GUITTON, BARANOWSKI</a:t>
-            </a:r>
-            <a:r>
-              <a:rPr lang="de-DE" dirty="0">
-                <a:solidFill>
-                  <a:srgbClr val="2A00FF"/>
+              <a:rPr lang="de-DE" i="1" dirty="0" err="1" smtClean="0">
+                <a:solidFill>
+                  <a:srgbClr val="0000C0"/>
+                </a:solidFill>
+                <a:latin typeface="Consolas" panose="020B0609020204030204" pitchFamily="49" charset="0"/>
+              </a:rPr>
+              <a:t>BARANOWSKI</a:t>
+            </a:r>
+            <a:r>
+              <a:rPr lang="de-DE" dirty="0" err="1" smtClean="0">
+                <a:solidFill>
+                  <a:srgbClr val="000000"/>
+                </a:solidFill>
+                <a:latin typeface="Consolas" panose="020B0609020204030204" pitchFamily="49" charset="0"/>
+              </a:rPr>
+              <a:t>.worksAs</a:t>
+            </a:r>
+            <a:r>
+              <a:rPr lang="de-DE" dirty="0" smtClean="0">
+                <a:solidFill>
+                  <a:srgbClr val="000000"/>
+                </a:solidFill>
+                <a:latin typeface="Consolas" panose="020B0609020204030204" pitchFamily="49" charset="0"/>
+              </a:rPr>
+              <a:t>(</a:t>
+            </a:r>
+            <a:r>
+              <a:rPr lang="de-DE" i="1" dirty="0" smtClean="0">
+                <a:solidFill>
+                  <a:srgbClr val="0000C0"/>
+                </a:solidFill>
+                <a:latin typeface="Consolas" panose="020B0609020204030204" pitchFamily="49" charset="0"/>
+              </a:rPr>
+              <a:t>TM</a:t>
+            </a:r>
+            <a:r>
+              <a:rPr lang="de-DE" dirty="0" smtClean="0">
+                <a:solidFill>
+                  <a:srgbClr val="000000"/>
                 </a:solidFill>
                 <a:latin typeface="Consolas" panose="020B0609020204030204" pitchFamily="49" charset="0"/>
               </a:rPr>
               <a:t>)</a:t>
-            </a:r>
-          </a:p>
-          <a:p>
-            <a:r>
-              <a:rPr lang="de-DE" dirty="0">
-                <a:solidFill>
-                  <a:srgbClr val="2A00FF"/>
-                </a:solidFill>
-                <a:latin typeface="Consolas" panose="020B0609020204030204" pitchFamily="49" charset="0"/>
-              </a:rPr>
-              <a:t>  </a:t>
-            </a:r>
-            <a:r>
-              <a:rPr lang="de-DE" dirty="0" err="1">
-                <a:solidFill>
-                  <a:srgbClr val="2A00FF"/>
-                </a:solidFill>
-                <a:latin typeface="Consolas" panose="020B0609020204030204" pitchFamily="49" charset="0"/>
-              </a:rPr>
-              <a:t>KAULBERSCH</a:t>
-            </a:r>
-            <a:r>
-              <a:rPr lang="de-DE" dirty="0" err="1">
-                <a:solidFill>
-                  <a:srgbClr val="2A00FF"/>
-                </a:solidFill>
-                <a:latin typeface="Consolas" panose="020B0609020204030204" pitchFamily="49" charset="0"/>
-              </a:rPr>
-              <a:t>.worksAs</a:t>
-            </a:r>
-            <a:r>
-              <a:rPr lang="de-DE" dirty="0">
-                <a:solidFill>
-                  <a:srgbClr val="2A00FF"/>
-                </a:solidFill>
-                <a:latin typeface="Consolas" panose="020B0609020204030204" pitchFamily="49" charset="0"/>
-              </a:rPr>
-              <a:t>(</a:t>
-            </a:r>
-            <a:r>
-              <a:rPr lang="de-DE" dirty="0">
-                <a:solidFill>
-                  <a:srgbClr val="2A00FF"/>
-                </a:solidFill>
-                <a:latin typeface="Consolas" panose="020B0609020204030204" pitchFamily="49" charset="0"/>
-              </a:rPr>
-              <a:t>SWD</a:t>
-            </a:r>
-            <a:r>
-              <a:rPr lang="de-DE" dirty="0">
-                <a:solidFill>
-                  <a:srgbClr val="2A00FF"/>
-                </a:solidFill>
-                <a:latin typeface="Consolas" panose="020B0609020204030204" pitchFamily="49" charset="0"/>
-              </a:rPr>
-              <a:t>)</a:t>
-            </a:r>
-            <a:r>
-              <a:rPr lang="de-DE" dirty="0">
-                <a:solidFill>
-                  <a:srgbClr val="2A00FF"/>
-                </a:solidFill>
-                <a:latin typeface="Consolas" panose="020B0609020204030204" pitchFamily="49" charset="0"/>
-              </a:rPr>
-              <a:t>.</a:t>
-            </a:r>
-            <a:r>
-              <a:rPr lang="de-DE" dirty="0" err="1">
-                <a:solidFill>
-                  <a:srgbClr val="2A00FF"/>
-                </a:solidFill>
-                <a:latin typeface="Consolas" panose="020B0609020204030204" pitchFamily="49" charset="0"/>
-              </a:rPr>
-              <a:t>engagementStart</a:t>
-            </a:r>
-            <a:r>
-              <a:rPr lang="de-DE" dirty="0">
-                <a:solidFill>
-                  <a:srgbClr val="2A00FF"/>
-                </a:solidFill>
-                <a:latin typeface="Consolas" panose="020B0609020204030204" pitchFamily="49" charset="0"/>
-              </a:rPr>
-              <a:t>(</a:t>
-            </a:r>
-            <a:r>
-              <a:rPr lang="de-DE" dirty="0">
-                <a:solidFill>
-                  <a:srgbClr val="2A00FF"/>
-                </a:solidFill>
-                <a:latin typeface="Consolas" panose="020B0609020204030204" pitchFamily="49" charset="0"/>
-              </a:rPr>
-              <a:t>"</a:t>
-            </a:r>
-            <a:r>
-              <a:rPr lang="de-DE" dirty="0">
-                <a:solidFill>
-                  <a:srgbClr val="2A00FF"/>
-                </a:solidFill>
-                <a:latin typeface="Consolas" panose="020B0609020204030204" pitchFamily="49" charset="0"/>
-              </a:rPr>
-              <a:t>01.04.2013")</a:t>
             </a:r>
             <a:endParaRPr lang="de-DE" dirty="0">
               <a:solidFill>
-                <a:srgbClr val="2A00FF"/>
+                <a:srgbClr val="000000"/>
               </a:solidFill>
               <a:latin typeface="Consolas" panose="020B0609020204030204" pitchFamily="49" charset="0"/>
             </a:endParaRPr>
           </a:p>
           <a:p>
             <a:r>
-              <a:rPr lang="de-DE" dirty="0">
-                <a:solidFill>
-                  <a:srgbClr val="2A00FF"/>
-                </a:solidFill>
-                <a:latin typeface="Consolas" panose="020B0609020204030204" pitchFamily="49" charset="0"/>
-              </a:rPr>
-              <a:t>  </a:t>
-            </a:r>
-            <a:r>
-              <a:rPr lang="de-DE" dirty="0" err="1">
-                <a:solidFill>
-                  <a:srgbClr val="2A00FF"/>
-                </a:solidFill>
-                <a:latin typeface="Consolas" panose="020B0609020204030204" pitchFamily="49" charset="0"/>
-              </a:rPr>
-              <a:t>GUITTON</a:t>
-            </a:r>
-            <a:r>
-              <a:rPr lang="de-DE" dirty="0" err="1">
-                <a:solidFill>
-                  <a:srgbClr val="2A00FF"/>
-                </a:solidFill>
-                <a:latin typeface="Consolas" panose="020B0609020204030204" pitchFamily="49" charset="0"/>
-              </a:rPr>
-              <a:t>.worksAs</a:t>
-            </a:r>
-            <a:r>
-              <a:rPr lang="de-DE" dirty="0">
-                <a:solidFill>
-                  <a:srgbClr val="2A00FF"/>
-                </a:solidFill>
-                <a:latin typeface="Consolas" panose="020B0609020204030204" pitchFamily="49" charset="0"/>
-              </a:rPr>
-              <a:t>(</a:t>
-            </a:r>
-            <a:r>
-              <a:rPr lang="de-DE" dirty="0">
-                <a:solidFill>
-                  <a:srgbClr val="2A00FF"/>
-                </a:solidFill>
-                <a:latin typeface="Consolas" panose="020B0609020204030204" pitchFamily="49" charset="0"/>
-              </a:rPr>
-              <a:t>SWT</a:t>
-            </a:r>
-            <a:r>
-              <a:rPr lang="de-DE" dirty="0">
-                <a:solidFill>
-                  <a:srgbClr val="2A00FF"/>
-                </a:solidFill>
-                <a:latin typeface="Consolas" panose="020B0609020204030204" pitchFamily="49" charset="0"/>
-              </a:rPr>
-              <a:t>)</a:t>
-            </a:r>
-          </a:p>
-          <a:p>
-            <a:r>
-              <a:rPr lang="de-DE" dirty="0">
-                <a:solidFill>
-                  <a:srgbClr val="2A00FF"/>
-                </a:solidFill>
-                <a:latin typeface="Consolas" panose="020B0609020204030204" pitchFamily="49" charset="0"/>
-              </a:rPr>
-              <a:t>  </a:t>
-            </a:r>
-            <a:r>
-              <a:rPr lang="de-DE" dirty="0" err="1">
-                <a:solidFill>
-                  <a:srgbClr val="2A00FF"/>
-                </a:solidFill>
-                <a:latin typeface="Consolas" panose="020B0609020204030204" pitchFamily="49" charset="0"/>
-              </a:rPr>
-              <a:t>BARANOWSKI</a:t>
-            </a:r>
-            <a:r>
-              <a:rPr lang="de-DE" dirty="0" err="1">
-                <a:solidFill>
-                  <a:srgbClr val="2A00FF"/>
-                </a:solidFill>
-                <a:latin typeface="Consolas" panose="020B0609020204030204" pitchFamily="49" charset="0"/>
-              </a:rPr>
-              <a:t>.worksAs</a:t>
-            </a:r>
-            <a:r>
-              <a:rPr lang="de-DE" dirty="0">
-                <a:solidFill>
-                  <a:srgbClr val="2A00FF"/>
-                </a:solidFill>
-                <a:latin typeface="Consolas" panose="020B0609020204030204" pitchFamily="49" charset="0"/>
-              </a:rPr>
-              <a:t>(</a:t>
-            </a:r>
-            <a:r>
-              <a:rPr lang="de-DE" dirty="0">
-                <a:solidFill>
-                  <a:srgbClr val="2A00FF"/>
-                </a:solidFill>
-                <a:latin typeface="Consolas" panose="020B0609020204030204" pitchFamily="49" charset="0"/>
-              </a:rPr>
-              <a:t>TM</a:t>
-            </a:r>
-            <a:r>
-              <a:rPr lang="de-DE" dirty="0">
-                <a:solidFill>
-                  <a:srgbClr val="2A00FF"/>
-                </a:solidFill>
-                <a:latin typeface="Consolas" panose="020B0609020204030204" pitchFamily="49" charset="0"/>
-              </a:rPr>
-              <a:t>)</a:t>
-            </a:r>
-          </a:p>
-          <a:p>
-            <a:r>
-              <a:rPr lang="de-DE" dirty="0">
-                <a:solidFill>
-                  <a:srgbClr val="2A00FF"/>
+              <a:rPr lang="de-DE" dirty="0" smtClean="0">
+                <a:solidFill>
+                  <a:srgbClr val="000000"/>
                 </a:solidFill>
                 <a:latin typeface="Consolas" panose="020B0609020204030204" pitchFamily="49" charset="0"/>
               </a:rPr>
@@ -9861,7 +9915,6 @@
               <a:rPr lang="de-DE" dirty="0" smtClean="0"/>
               <a:t>:</a:t>
             </a:r>
-            <a:endParaRPr lang="de-DE" dirty="0" smtClean="0"/>
           </a:p>
         </p:txBody>
       </p:sp>
@@ -9925,72 +9978,278 @@
             <a:r>
               <a:rPr lang="de-DE" dirty="0">
                 <a:solidFill>
+                  <a:srgbClr val="464646"/>
+                </a:solidFill>
+                <a:latin typeface="Consolas" panose="020B0609020204030204" pitchFamily="49" charset="0"/>
+              </a:rPr>
+              <a:t>@Test</a:t>
+            </a:r>
+          </a:p>
+          <a:p>
+            <a:r>
+              <a:rPr lang="de-DE" dirty="0">
+                <a:solidFill>
+                  <a:srgbClr val="464646"/>
+                </a:solidFill>
+                <a:latin typeface="Consolas" panose="020B0609020204030204" pitchFamily="49" charset="0"/>
+              </a:rPr>
+              <a:t>@</a:t>
+            </a:r>
+            <a:r>
+              <a:rPr lang="de-DE" dirty="0" err="1">
+                <a:solidFill>
+                  <a:srgbClr val="464646"/>
+                </a:solidFill>
+                <a:latin typeface="Consolas" panose="020B0609020204030204" pitchFamily="49" charset="0"/>
+              </a:rPr>
+              <a:t>DatabaseSetup</a:t>
+            </a:r>
+            <a:r>
+              <a:rPr lang="de-DE" dirty="0">
+                <a:solidFill>
+                  <a:srgbClr val="000000"/>
+                </a:solidFill>
+                <a:latin typeface="Consolas" panose="020B0609020204030204" pitchFamily="49" charset="0"/>
+              </a:rPr>
+              <a:t>(</a:t>
+            </a:r>
+            <a:r>
+              <a:rPr lang="de-DE" dirty="0" err="1">
+                <a:solidFill>
+                  <a:srgbClr val="000000"/>
+                </a:solidFill>
+                <a:latin typeface="Consolas" panose="020B0609020204030204" pitchFamily="49" charset="0"/>
+              </a:rPr>
+              <a:t>prepare</a:t>
+            </a:r>
+            <a:r>
+              <a:rPr lang="de-DE" dirty="0">
+                <a:solidFill>
+                  <a:srgbClr val="000000"/>
+                </a:solidFill>
+                <a:latin typeface="Consolas" panose="020B0609020204030204" pitchFamily="49" charset="0"/>
+              </a:rPr>
+              <a:t> = </a:t>
+            </a:r>
+            <a:r>
+              <a:rPr lang="de-DE" dirty="0" err="1">
+                <a:solidFill>
+                  <a:srgbClr val="000000"/>
+                </a:solidFill>
+                <a:latin typeface="Consolas" panose="020B0609020204030204" pitchFamily="49" charset="0"/>
+              </a:rPr>
+              <a:t>DemoGroovyDataSet</a:t>
+            </a:r>
+            <a:r>
+              <a:rPr lang="de-DE" dirty="0">
+                <a:solidFill>
+                  <a:srgbClr val="000000"/>
+                </a:solidFill>
+                <a:latin typeface="Consolas" panose="020B0609020204030204" pitchFamily="49" charset="0"/>
+              </a:rPr>
+              <a:t>)</a:t>
+            </a:r>
+          </a:p>
+          <a:p>
+            <a:r>
+              <a:rPr lang="de-DE" b="1" dirty="0" err="1">
+                <a:solidFill>
+                  <a:srgbClr val="972C78"/>
+                </a:solidFill>
+                <a:latin typeface="Consolas" panose="020B0609020204030204" pitchFamily="49" charset="0"/>
+              </a:rPr>
+              <a:t>void</a:t>
+            </a:r>
+            <a:r>
+              <a:rPr lang="de-DE" dirty="0" smtClean="0">
+                <a:solidFill>
                   <a:srgbClr val="2A00FF"/>
                 </a:solidFill>
                 <a:latin typeface="Consolas" panose="020B0609020204030204" pitchFamily="49" charset="0"/>
               </a:rPr>
-              <a:t>@Test</a:t>
-            </a:r>
-          </a:p>
-          <a:p>
-            <a:r>
-              <a:rPr lang="de-DE" dirty="0">
-                <a:solidFill>
-                  <a:srgbClr val="2A00FF"/>
-                </a:solidFill>
-                <a:latin typeface="Consolas" panose="020B0609020204030204" pitchFamily="49" charset="0"/>
-              </a:rPr>
-              <a:t>@</a:t>
+              <a:t> </a:t>
             </a:r>
             <a:r>
               <a:rPr lang="de-DE" dirty="0" err="1">
                 <a:solidFill>
-                  <a:srgbClr val="2A00FF"/>
-                </a:solidFill>
-                <a:latin typeface="Consolas" panose="020B0609020204030204" pitchFamily="49" charset="0"/>
-              </a:rPr>
-              <a:t>DatabaseSetup</a:t>
-            </a:r>
-            <a:r>
-              <a:rPr lang="de-DE" dirty="0">
-                <a:solidFill>
-                  <a:srgbClr val="2A00FF"/>
+                  <a:srgbClr val="000000"/>
+                </a:solidFill>
+                <a:latin typeface="Consolas" panose="020B0609020204030204" pitchFamily="49" charset="0"/>
+              </a:rPr>
+              <a:t>findPersonsForTeam</a:t>
+            </a:r>
+            <a:r>
+              <a:rPr lang="de-DE" dirty="0">
+                <a:solidFill>
+                  <a:srgbClr val="000000"/>
+                </a:solidFill>
+                <a:latin typeface="Consolas" panose="020B0609020204030204" pitchFamily="49" charset="0"/>
+              </a:rPr>
+              <a:t>() {</a:t>
+            </a:r>
+          </a:p>
+          <a:p>
+            <a:r>
+              <a:rPr lang="de-DE" dirty="0" smtClean="0">
+                <a:solidFill>
+                  <a:srgbClr val="000000"/>
+                </a:solidFill>
+                <a:latin typeface="Consolas" panose="020B0609020204030204" pitchFamily="49" charset="0"/>
+              </a:rPr>
+              <a:t>  Team </a:t>
+            </a:r>
+            <a:r>
+              <a:rPr lang="de-DE" dirty="0" err="1">
+                <a:solidFill>
+                  <a:srgbClr val="000000"/>
+                </a:solidFill>
+                <a:latin typeface="Consolas" panose="020B0609020204030204" pitchFamily="49" charset="0"/>
+              </a:rPr>
+              <a:t>team</a:t>
+            </a:r>
+            <a:r>
+              <a:rPr lang="de-DE" dirty="0">
+                <a:solidFill>
+                  <a:srgbClr val="000000"/>
+                </a:solidFill>
+                <a:latin typeface="Consolas" panose="020B0609020204030204" pitchFamily="49" charset="0"/>
+              </a:rPr>
+              <a:t> = </a:t>
+            </a:r>
+            <a:r>
+              <a:rPr lang="de-DE" b="1" dirty="0" err="1">
+                <a:solidFill>
+                  <a:srgbClr val="972C78"/>
+                </a:solidFill>
+                <a:latin typeface="Consolas" panose="020B0609020204030204" pitchFamily="49" charset="0"/>
+              </a:rPr>
+              <a:t>new</a:t>
+            </a:r>
+            <a:r>
+              <a:rPr lang="de-DE" dirty="0">
+                <a:solidFill>
+                  <a:srgbClr val="000000"/>
+                </a:solidFill>
+                <a:latin typeface="Consolas" panose="020B0609020204030204" pitchFamily="49" charset="0"/>
+              </a:rPr>
+              <a:t> Team</a:t>
+            </a:r>
+            <a:r>
+              <a:rPr lang="de-DE" dirty="0" smtClean="0">
+                <a:solidFill>
+                  <a:srgbClr val="000000"/>
+                </a:solidFill>
+                <a:latin typeface="Consolas" panose="020B0609020204030204" pitchFamily="49" charset="0"/>
+              </a:rPr>
+              <a:t>()</a:t>
+            </a:r>
+          </a:p>
+          <a:p>
+            <a:r>
+              <a:rPr lang="de-DE" dirty="0" smtClean="0">
+                <a:solidFill>
+                  <a:srgbClr val="000000"/>
+                </a:solidFill>
+                <a:latin typeface="Consolas" panose="020B0609020204030204" pitchFamily="49" charset="0"/>
+              </a:rPr>
+              <a:t>  </a:t>
+            </a:r>
+            <a:r>
+              <a:rPr lang="de-DE" dirty="0" err="1">
+                <a:solidFill>
+                  <a:srgbClr val="000000"/>
+                </a:solidFill>
+                <a:latin typeface="Consolas" panose="020B0609020204030204" pitchFamily="49" charset="0"/>
+              </a:rPr>
+              <a:t>team.setId</a:t>
+            </a:r>
+            <a:r>
+              <a:rPr lang="de-DE" dirty="0">
+                <a:solidFill>
+                  <a:srgbClr val="000000"/>
                 </a:solidFill>
                 <a:latin typeface="Consolas" panose="020B0609020204030204" pitchFamily="49" charset="0"/>
               </a:rPr>
               <a:t>(</a:t>
             </a:r>
             <a:r>
+              <a:rPr lang="de-DE" i="1" dirty="0">
+                <a:solidFill>
+                  <a:srgbClr val="0000C0"/>
+                </a:solidFill>
+                <a:latin typeface="Consolas" panose="020B0609020204030204" pitchFamily="49" charset="0"/>
+              </a:rPr>
+              <a:t>QA</a:t>
+            </a:r>
+            <a:r>
+              <a:rPr lang="de-DE" dirty="0">
+                <a:solidFill>
+                  <a:srgbClr val="000000"/>
+                </a:solidFill>
+                <a:latin typeface="Consolas" panose="020B0609020204030204" pitchFamily="49" charset="0"/>
+              </a:rPr>
+              <a:t>.id)</a:t>
+            </a:r>
+          </a:p>
+          <a:p>
+            <a:r>
+              <a:rPr lang="de-DE" dirty="0">
+                <a:solidFill>
+                  <a:srgbClr val="000000"/>
+                </a:solidFill>
+                <a:latin typeface="Consolas" panose="020B0609020204030204" pitchFamily="49" charset="0"/>
+              </a:rPr>
+              <a:t> </a:t>
+            </a:r>
+            <a:r>
+              <a:rPr lang="de-DE" dirty="0" smtClean="0">
+                <a:solidFill>
+                  <a:srgbClr val="000000"/>
+                </a:solidFill>
+                <a:latin typeface="Consolas" panose="020B0609020204030204" pitchFamily="49" charset="0"/>
+              </a:rPr>
+              <a:t> </a:t>
+            </a:r>
+            <a:r>
               <a:rPr lang="de-DE" dirty="0" err="1">
                 <a:solidFill>
-                  <a:srgbClr val="2A00FF"/>
-                </a:solidFill>
-                <a:latin typeface="Consolas" panose="020B0609020204030204" pitchFamily="49" charset="0"/>
-              </a:rPr>
-              <a:t>prepare</a:t>
-            </a:r>
-            <a:r>
-              <a:rPr lang="de-DE" dirty="0">
-                <a:solidFill>
-                  <a:srgbClr val="2A00FF"/>
-                </a:solidFill>
-                <a:latin typeface="Consolas" panose="020B0609020204030204" pitchFamily="49" charset="0"/>
-              </a:rPr>
-              <a:t> = </a:t>
+                  <a:srgbClr val="000000"/>
+                </a:solidFill>
+                <a:latin typeface="Consolas" panose="020B0609020204030204" pitchFamily="49" charset="0"/>
+              </a:rPr>
+              <a:t>team.setTitle</a:t>
+            </a:r>
+            <a:r>
+              <a:rPr lang="de-DE" dirty="0">
+                <a:solidFill>
+                  <a:srgbClr val="000000"/>
+                </a:solidFill>
+                <a:latin typeface="Consolas" panose="020B0609020204030204" pitchFamily="49" charset="0"/>
+              </a:rPr>
+              <a:t>(</a:t>
+            </a:r>
+            <a:r>
+              <a:rPr lang="de-DE" i="1" dirty="0" err="1">
+                <a:solidFill>
+                  <a:srgbClr val="0000C0"/>
+                </a:solidFill>
+                <a:latin typeface="Consolas" panose="020B0609020204030204" pitchFamily="49" charset="0"/>
+              </a:rPr>
+              <a:t>QA</a:t>
             </a:r>
             <a:r>
               <a:rPr lang="de-DE" dirty="0" err="1">
                 <a:solidFill>
-                  <a:srgbClr val="2A00FF"/>
-                </a:solidFill>
-                <a:latin typeface="Consolas" panose="020B0609020204030204" pitchFamily="49" charset="0"/>
-              </a:rPr>
-              <a:t>DemoGroovyDataSet</a:t>
-            </a:r>
-            <a:r>
-              <a:rPr lang="de-DE" dirty="0">
-                <a:solidFill>
-                  <a:srgbClr val="2A00FF"/>
+                  <a:srgbClr val="000000"/>
+                </a:solidFill>
+                <a:latin typeface="Consolas" panose="020B0609020204030204" pitchFamily="49" charset="0"/>
+              </a:rPr>
+              <a:t>.title</a:t>
+            </a:r>
+            <a:r>
+              <a:rPr lang="de-DE" dirty="0">
+                <a:solidFill>
+                  <a:srgbClr val="000000"/>
                 </a:solidFill>
                 <a:latin typeface="Consolas" panose="020B0609020204030204" pitchFamily="49" charset="0"/>
               </a:rPr>
@@ -9999,372 +10258,133 @@
           </a:p>
           <a:p>
             <a:r>
+              <a:rPr lang="de-DE" dirty="0">
+                <a:solidFill>
+                  <a:srgbClr val="000000"/>
+                </a:solidFill>
+                <a:latin typeface="Consolas" panose="020B0609020204030204" pitchFamily="49" charset="0"/>
+              </a:rPr>
+              <a:t> </a:t>
+            </a:r>
+            <a:r>
+              <a:rPr lang="de-DE" dirty="0" smtClean="0">
+                <a:solidFill>
+                  <a:srgbClr val="000000"/>
+                </a:solidFill>
+                <a:latin typeface="Consolas" panose="020B0609020204030204" pitchFamily="49" charset="0"/>
+              </a:rPr>
+              <a:t> </a:t>
+            </a:r>
+            <a:r>
               <a:rPr lang="de-DE" dirty="0" err="1">
                 <a:solidFill>
-                  <a:srgbClr val="2A00FF"/>
-                </a:solidFill>
-                <a:latin typeface="Consolas" panose="020B0609020204030204" pitchFamily="49" charset="0"/>
-              </a:rPr>
-              <a:t>void</a:t>
-            </a:r>
-            <a:r>
-              <a:rPr lang="de-DE" dirty="0">
-                <a:solidFill>
-                  <a:srgbClr val="2A00FF"/>
+                  <a:srgbClr val="000000"/>
+                </a:solidFill>
+                <a:latin typeface="Consolas" panose="020B0609020204030204" pitchFamily="49" charset="0"/>
+              </a:rPr>
+              <a:t>team.setDescription</a:t>
+            </a:r>
+            <a:r>
+              <a:rPr lang="de-DE" dirty="0">
+                <a:solidFill>
+                  <a:srgbClr val="000000"/>
+                </a:solidFill>
+                <a:latin typeface="Consolas" panose="020B0609020204030204" pitchFamily="49" charset="0"/>
+              </a:rPr>
+              <a:t>(</a:t>
+            </a:r>
+            <a:r>
+              <a:rPr lang="de-DE" i="1" dirty="0" err="1">
+                <a:solidFill>
+                  <a:srgbClr val="0000C0"/>
+                </a:solidFill>
+                <a:latin typeface="Consolas" panose="020B0609020204030204" pitchFamily="49" charset="0"/>
+              </a:rPr>
+              <a:t>QA</a:t>
+            </a:r>
+            <a:r>
+              <a:rPr lang="de-DE" dirty="0" err="1">
+                <a:solidFill>
+                  <a:srgbClr val="000000"/>
+                </a:solidFill>
+                <a:latin typeface="Consolas" panose="020B0609020204030204" pitchFamily="49" charset="0"/>
+              </a:rPr>
+              <a:t>.description</a:t>
+            </a:r>
+            <a:r>
+              <a:rPr lang="de-DE" dirty="0">
+                <a:solidFill>
+                  <a:srgbClr val="000000"/>
+                </a:solidFill>
+                <a:latin typeface="Consolas" panose="020B0609020204030204" pitchFamily="49" charset="0"/>
+              </a:rPr>
+              <a:t>)</a:t>
+            </a:r>
+          </a:p>
+          <a:p>
+            <a:r>
+              <a:rPr lang="de-DE" dirty="0">
+                <a:solidFill>
+                  <a:srgbClr val="000000"/>
                 </a:solidFill>
                 <a:latin typeface="Consolas" panose="020B0609020204030204" pitchFamily="49" charset="0"/>
               </a:rPr>
               <a:t> </a:t>
             </a:r>
             <a:r>
+              <a:rPr lang="de-DE" dirty="0" smtClean="0">
+                <a:solidFill>
+                  <a:srgbClr val="000000"/>
+                </a:solidFill>
+                <a:latin typeface="Consolas" panose="020B0609020204030204" pitchFamily="49" charset="0"/>
+              </a:rPr>
+              <a:t> </a:t>
+            </a:r>
+            <a:r>
               <a:rPr lang="de-DE" dirty="0" err="1">
                 <a:solidFill>
-                  <a:srgbClr val="2A00FF"/>
-                </a:solidFill>
-                <a:latin typeface="Consolas" panose="020B0609020204030204" pitchFamily="49" charset="0"/>
-              </a:rPr>
-              <a:t>findPersonsForTeam</a:t>
-            </a:r>
-            <a:r>
-              <a:rPr lang="de-DE" dirty="0">
-                <a:solidFill>
-                  <a:srgbClr val="2A00FF"/>
-                </a:solidFill>
-                <a:latin typeface="Consolas" panose="020B0609020204030204" pitchFamily="49" charset="0"/>
-              </a:rPr>
-              <a:t>() {</a:t>
-            </a:r>
-          </a:p>
-          <a:p>
-            <a:r>
-              <a:rPr lang="de-DE" dirty="0">
-                <a:solidFill>
-                  <a:srgbClr val="2A00FF"/>
-                </a:solidFill>
-                <a:latin typeface="Consolas" panose="020B0609020204030204" pitchFamily="49" charset="0"/>
-              </a:rPr>
-              <a:t>  Team </a:t>
+                  <a:srgbClr val="000000"/>
+                </a:solidFill>
+                <a:latin typeface="Consolas" panose="020B0609020204030204" pitchFamily="49" charset="0"/>
+              </a:rPr>
+              <a:t>team.setMembersize</a:t>
+            </a:r>
+            <a:r>
+              <a:rPr lang="de-DE" dirty="0">
+                <a:solidFill>
+                  <a:srgbClr val="000000"/>
+                </a:solidFill>
+                <a:latin typeface="Consolas" panose="020B0609020204030204" pitchFamily="49" charset="0"/>
+              </a:rPr>
+              <a:t>(</a:t>
+            </a:r>
+            <a:r>
+              <a:rPr lang="de-DE" i="1" dirty="0" err="1">
+                <a:solidFill>
+                  <a:srgbClr val="0000C0"/>
+                </a:solidFill>
+                <a:latin typeface="Consolas" panose="020B0609020204030204" pitchFamily="49" charset="0"/>
+              </a:rPr>
+              <a:t>QA</a:t>
             </a:r>
             <a:r>
               <a:rPr lang="de-DE" dirty="0" err="1">
                 <a:solidFill>
-                  <a:srgbClr val="2A00FF"/>
-                </a:solidFill>
-                <a:latin typeface="Consolas" panose="020B0609020204030204" pitchFamily="49" charset="0"/>
-              </a:rPr>
-              <a:t>team</a:t>
-            </a:r>
-            <a:r>
-              <a:rPr lang="de-DE" dirty="0">
-                <a:solidFill>
-                  <a:srgbClr val="2A00FF"/>
-                </a:solidFill>
-                <a:latin typeface="Consolas" panose="020B0609020204030204" pitchFamily="49" charset="0"/>
-              </a:rPr>
-              <a:t> = </a:t>
-            </a:r>
-            <a:r>
-              <a:rPr lang="de-DE" dirty="0" err="1">
-                <a:solidFill>
-                  <a:srgbClr val="2A00FF"/>
-                </a:solidFill>
-                <a:latin typeface="Consolas" panose="020B0609020204030204" pitchFamily="49" charset="0"/>
-              </a:rPr>
-              <a:t>new</a:t>
-            </a:r>
-            <a:r>
-              <a:rPr lang="de-DE" dirty="0">
-                <a:solidFill>
-                  <a:srgbClr val="2A00FF"/>
-                </a:solidFill>
-                <a:latin typeface="Consolas" panose="020B0609020204030204" pitchFamily="49" charset="0"/>
-              </a:rPr>
-              <a:t> Team()</a:t>
-            </a:r>
-          </a:p>
-          <a:p>
-            <a:r>
-              <a:rPr lang="de-DE" dirty="0">
-                <a:solidFill>
-                  <a:srgbClr val="2A00FF"/>
-                </a:solidFill>
-                <a:latin typeface="Consolas" panose="020B0609020204030204" pitchFamily="49" charset="0"/>
-              </a:rPr>
-              <a:t>  </a:t>
-            </a:r>
-            <a:r>
-              <a:rPr lang="de-DE" dirty="0" err="1">
-                <a:solidFill>
-                  <a:srgbClr val="2A00FF"/>
-                </a:solidFill>
-                <a:latin typeface="Consolas" panose="020B0609020204030204" pitchFamily="49" charset="0"/>
-              </a:rPr>
-              <a:t>team.setId</a:t>
-            </a:r>
-            <a:r>
-              <a:rPr lang="de-DE" dirty="0">
-                <a:solidFill>
-                  <a:srgbClr val="2A00FF"/>
-                </a:solidFill>
-                <a:latin typeface="Consolas" panose="020B0609020204030204" pitchFamily="49" charset="0"/>
-              </a:rPr>
-              <a:t>(QA</a:t>
-            </a:r>
-            <a:r>
-              <a:rPr lang="de-DE" dirty="0">
-                <a:solidFill>
-                  <a:srgbClr val="2A00FF"/>
-                </a:solidFill>
-                <a:latin typeface="Consolas" panose="020B0609020204030204" pitchFamily="49" charset="0"/>
-              </a:rPr>
-              <a:t>.id</a:t>
-            </a:r>
-            <a:r>
-              <a:rPr lang="de-DE" dirty="0">
-                <a:solidFill>
-                  <a:srgbClr val="2A00FF"/>
+                  <a:srgbClr val="000000"/>
+                </a:solidFill>
+                <a:latin typeface="Consolas" panose="020B0609020204030204" pitchFamily="49" charset="0"/>
+              </a:rPr>
+              <a:t>.membersize</a:t>
+            </a:r>
+            <a:r>
+              <a:rPr lang="de-DE" dirty="0" smtClean="0">
+                <a:solidFill>
+                  <a:srgbClr val="000000"/>
                 </a:solidFill>
                 <a:latin typeface="Consolas" panose="020B0609020204030204" pitchFamily="49" charset="0"/>
               </a:rPr>
               <a:t>)</a:t>
             </a:r>
-          </a:p>
-          <a:p>
-            <a:r>
-              <a:rPr lang="de-DE" dirty="0">
-                <a:solidFill>
-                  <a:srgbClr val="2A00FF"/>
-                </a:solidFill>
-                <a:latin typeface="Consolas" panose="020B0609020204030204" pitchFamily="49" charset="0"/>
-              </a:rPr>
-              <a:t>  </a:t>
-            </a:r>
-            <a:r>
-              <a:rPr lang="de-DE" dirty="0" err="1">
-                <a:solidFill>
-                  <a:srgbClr val="2A00FF"/>
-                </a:solidFill>
-                <a:latin typeface="Consolas" panose="020B0609020204030204" pitchFamily="49" charset="0"/>
-              </a:rPr>
-              <a:t>team.setTitle</a:t>
-            </a:r>
-            <a:r>
-              <a:rPr lang="de-DE" dirty="0">
-                <a:solidFill>
-                  <a:srgbClr val="2A00FF"/>
-                </a:solidFill>
-                <a:latin typeface="Consolas" panose="020B0609020204030204" pitchFamily="49" charset="0"/>
-              </a:rPr>
-              <a:t>(</a:t>
-            </a:r>
-            <a:r>
-              <a:rPr lang="de-DE" dirty="0" err="1">
-                <a:solidFill>
-                  <a:srgbClr val="2A00FF"/>
-                </a:solidFill>
-                <a:latin typeface="Consolas" panose="020B0609020204030204" pitchFamily="49" charset="0"/>
-              </a:rPr>
-              <a:t>QA.title</a:t>
-            </a:r>
-            <a:r>
-              <a:rPr lang="de-DE" dirty="0">
-                <a:solidFill>
-                  <a:srgbClr val="2A00FF"/>
-                </a:solidFill>
-                <a:latin typeface="Consolas" panose="020B0609020204030204" pitchFamily="49" charset="0"/>
-              </a:rPr>
-              <a:t>)</a:t>
-            </a:r>
-          </a:p>
-          <a:p>
-            <a:r>
-              <a:rPr lang="de-DE" dirty="0">
-                <a:solidFill>
-                  <a:srgbClr val="2A00FF"/>
-                </a:solidFill>
-                <a:latin typeface="Consolas" panose="020B0609020204030204" pitchFamily="49" charset="0"/>
-              </a:rPr>
-              <a:t>  </a:t>
-            </a:r>
-            <a:r>
-              <a:rPr lang="de-DE" dirty="0" err="1">
-                <a:solidFill>
-                  <a:srgbClr val="2A00FF"/>
-                </a:solidFill>
-                <a:latin typeface="Consolas" panose="020B0609020204030204" pitchFamily="49" charset="0"/>
-              </a:rPr>
-              <a:t>team.setDescription</a:t>
-            </a:r>
-            <a:r>
-              <a:rPr lang="de-DE" dirty="0">
-                <a:solidFill>
-                  <a:srgbClr val="2A00FF"/>
-                </a:solidFill>
-                <a:latin typeface="Consolas" panose="020B0609020204030204" pitchFamily="49" charset="0"/>
-              </a:rPr>
-              <a:t>(</a:t>
-            </a:r>
-            <a:r>
-              <a:rPr lang="de-DE" dirty="0" err="1">
-                <a:solidFill>
-                  <a:srgbClr val="2A00FF"/>
-                </a:solidFill>
-                <a:latin typeface="Consolas" panose="020B0609020204030204" pitchFamily="49" charset="0"/>
-              </a:rPr>
-              <a:t>QA.description</a:t>
-            </a:r>
-            <a:r>
-              <a:rPr lang="de-DE" dirty="0">
-                <a:solidFill>
-                  <a:srgbClr val="2A00FF"/>
-                </a:solidFill>
-                <a:latin typeface="Consolas" panose="020B0609020204030204" pitchFamily="49" charset="0"/>
-              </a:rPr>
-              <a:t>)</a:t>
-            </a:r>
-          </a:p>
-          <a:p>
-            <a:r>
-              <a:rPr lang="de-DE" dirty="0">
-                <a:solidFill>
-                  <a:srgbClr val="2A00FF"/>
-                </a:solidFill>
-                <a:latin typeface="Consolas" panose="020B0609020204030204" pitchFamily="49" charset="0"/>
-              </a:rPr>
-              <a:t>  </a:t>
-            </a:r>
-            <a:r>
-              <a:rPr lang="de-DE" dirty="0" err="1">
-                <a:solidFill>
-                  <a:srgbClr val="2A00FF"/>
-                </a:solidFill>
-                <a:latin typeface="Consolas" panose="020B0609020204030204" pitchFamily="49" charset="0"/>
-              </a:rPr>
-              <a:t>team.setMembersize</a:t>
-            </a:r>
-            <a:r>
-              <a:rPr lang="de-DE" dirty="0">
-                <a:solidFill>
-                  <a:srgbClr val="2A00FF"/>
-                </a:solidFill>
-                <a:latin typeface="Consolas" panose="020B0609020204030204" pitchFamily="49" charset="0"/>
-              </a:rPr>
-              <a:t>(</a:t>
-            </a:r>
-            <a:r>
-              <a:rPr lang="de-DE" dirty="0" err="1">
-                <a:solidFill>
-                  <a:srgbClr val="2A00FF"/>
-                </a:solidFill>
-                <a:latin typeface="Consolas" panose="020B0609020204030204" pitchFamily="49" charset="0"/>
-              </a:rPr>
-              <a:t>QA.membersize</a:t>
-            </a:r>
-            <a:r>
-              <a:rPr lang="de-DE" dirty="0">
-                <a:solidFill>
-                  <a:srgbClr val="2A00FF"/>
-                </a:solidFill>
-                <a:latin typeface="Consolas" panose="020B0609020204030204" pitchFamily="49" charset="0"/>
-              </a:rPr>
-              <a:t>)</a:t>
-            </a:r>
-          </a:p>
-          <a:p>
-            <a:r>
-              <a:rPr lang="de-DE" dirty="0">
-                <a:solidFill>
-                  <a:srgbClr val="2A00FF"/>
-                </a:solidFill>
-                <a:latin typeface="Consolas" panose="020B0609020204030204" pitchFamily="49" charset="0"/>
-              </a:rPr>
-              <a:t>    </a:t>
-            </a:r>
-          </a:p>
-          <a:p>
-            <a:r>
-              <a:rPr lang="de-DE" dirty="0">
-                <a:solidFill>
-                  <a:srgbClr val="2A00FF"/>
-                </a:solidFill>
-                <a:latin typeface="Consolas" panose="020B0609020204030204" pitchFamily="49" charset="0"/>
-              </a:rPr>
-              <a:t>  </a:t>
-            </a:r>
-            <a:r>
-              <a:rPr lang="de-DE" dirty="0" err="1">
-                <a:solidFill>
-                  <a:srgbClr val="2A00FF"/>
-                </a:solidFill>
-                <a:latin typeface="Consolas" panose="020B0609020204030204" pitchFamily="49" charset="0"/>
-              </a:rPr>
-              <a:t>def</a:t>
-            </a:r>
-            <a:r>
-              <a:rPr lang="de-DE" dirty="0">
-                <a:solidFill>
-                  <a:srgbClr val="2A00FF"/>
-                </a:solidFill>
-                <a:latin typeface="Consolas" panose="020B0609020204030204" pitchFamily="49" charset="0"/>
-              </a:rPr>
-              <a:t> </a:t>
-            </a:r>
-            <a:r>
-              <a:rPr lang="de-DE" dirty="0" err="1">
-                <a:solidFill>
-                  <a:srgbClr val="2A00FF"/>
-                </a:solidFill>
-                <a:latin typeface="Consolas" panose="020B0609020204030204" pitchFamily="49" charset="0"/>
-              </a:rPr>
-              <a:t>persons</a:t>
-            </a:r>
-            <a:r>
-              <a:rPr lang="de-DE" dirty="0">
-                <a:solidFill>
-                  <a:srgbClr val="2A00FF"/>
-                </a:solidFill>
-                <a:latin typeface="Consolas" panose="020B0609020204030204" pitchFamily="49" charset="0"/>
-              </a:rPr>
-              <a:t> = </a:t>
-            </a:r>
-            <a:r>
-              <a:rPr lang="de-DE" dirty="0" err="1">
-                <a:solidFill>
-                  <a:srgbClr val="2A00FF"/>
-                </a:solidFill>
-                <a:latin typeface="Consolas" panose="020B0609020204030204" pitchFamily="49" charset="0"/>
-              </a:rPr>
-              <a:t>sut.findPersons</a:t>
-            </a:r>
-            <a:r>
-              <a:rPr lang="de-DE" dirty="0">
-                <a:solidFill>
-                  <a:srgbClr val="2A00FF"/>
-                </a:solidFill>
-                <a:latin typeface="Consolas" panose="020B0609020204030204" pitchFamily="49" charset="0"/>
-              </a:rPr>
-              <a:t>(</a:t>
-            </a:r>
-            <a:r>
-              <a:rPr lang="de-DE" dirty="0" err="1">
-                <a:solidFill>
-                  <a:srgbClr val="2A00FF"/>
-                </a:solidFill>
-                <a:latin typeface="Consolas" panose="020B0609020204030204" pitchFamily="49" charset="0"/>
-              </a:rPr>
-              <a:t>team</a:t>
-            </a:r>
-            <a:r>
-              <a:rPr lang="de-DE" dirty="0">
-                <a:solidFill>
-                  <a:srgbClr val="2A00FF"/>
-                </a:solidFill>
-                <a:latin typeface="Consolas" panose="020B0609020204030204" pitchFamily="49" charset="0"/>
-              </a:rPr>
-              <a:t>)</a:t>
-            </a:r>
-          </a:p>
-          <a:p>
             <a:endParaRPr lang="de-DE" dirty="0">
               <a:solidFill>
                 <a:srgbClr val="2A00FF"/>
@@ -10373,82 +10393,241 @@
             </a:endParaRPr>
           </a:p>
           <a:p>
-            <a:r>
-              <a:rPr lang="de-DE" dirty="0">
-                <a:solidFill>
-                  <a:srgbClr val="2A00FF"/>
-                </a:solidFill>
-                <a:latin typeface="Consolas" panose="020B0609020204030204" pitchFamily="49" charset="0"/>
-              </a:rPr>
-              <a:t>  </a:t>
+            <a:endParaRPr lang="de-DE" dirty="0" smtClean="0">
+              <a:solidFill>
+                <a:srgbClr val="000000"/>
+              </a:solidFill>
+              <a:latin typeface="Consolas" panose="020B0609020204030204" pitchFamily="49" charset="0"/>
+            </a:endParaRPr>
+          </a:p>
+          <a:p>
+            <a:r>
+              <a:rPr lang="de-DE" dirty="0">
+                <a:solidFill>
+                  <a:srgbClr val="000000"/>
+                </a:solidFill>
+                <a:latin typeface="Consolas" panose="020B0609020204030204" pitchFamily="49" charset="0"/>
+              </a:rPr>
+              <a:t> </a:t>
+            </a:r>
+            <a:r>
+              <a:rPr lang="de-DE" dirty="0" smtClean="0">
+                <a:solidFill>
+                  <a:srgbClr val="000000"/>
+                </a:solidFill>
+                <a:latin typeface="Consolas" panose="020B0609020204030204" pitchFamily="49" charset="0"/>
+              </a:rPr>
+              <a:t> </a:t>
+            </a:r>
+            <a:r>
+              <a:rPr lang="de-DE" b="1" dirty="0" err="1">
+                <a:solidFill>
+                  <a:srgbClr val="972C78"/>
+                </a:solidFill>
+                <a:latin typeface="Consolas" panose="020B0609020204030204" pitchFamily="49" charset="0"/>
+              </a:rPr>
+              <a:t>def</a:t>
+            </a:r>
+            <a:r>
+              <a:rPr lang="de-DE" b="1" dirty="0">
+                <a:solidFill>
+                  <a:srgbClr val="000000"/>
+                </a:solidFill>
+                <a:latin typeface="Consolas" panose="020B0609020204030204" pitchFamily="49" charset="0"/>
+              </a:rPr>
+              <a:t> </a:t>
             </a:r>
             <a:r>
               <a:rPr lang="de-DE" dirty="0" err="1">
                 <a:solidFill>
-                  <a:srgbClr val="2A00FF"/>
+                  <a:srgbClr val="000000"/>
+                </a:solidFill>
+                <a:latin typeface="Consolas" panose="020B0609020204030204" pitchFamily="49" charset="0"/>
+              </a:rPr>
+              <a:t>persons</a:t>
+            </a:r>
+            <a:r>
+              <a:rPr lang="de-DE" dirty="0">
+                <a:solidFill>
+                  <a:srgbClr val="000000"/>
+                </a:solidFill>
+                <a:latin typeface="Consolas" panose="020B0609020204030204" pitchFamily="49" charset="0"/>
+              </a:rPr>
+              <a:t> = </a:t>
+            </a:r>
+            <a:r>
+              <a:rPr lang="de-DE" dirty="0" err="1">
+                <a:solidFill>
+                  <a:srgbClr val="0000C0"/>
+                </a:solidFill>
+                <a:latin typeface="Consolas" panose="020B0609020204030204" pitchFamily="49" charset="0"/>
+              </a:rPr>
+              <a:t>sut</a:t>
+            </a:r>
+            <a:r>
+              <a:rPr lang="de-DE" dirty="0" err="1">
+                <a:solidFill>
+                  <a:srgbClr val="000000"/>
+                </a:solidFill>
+                <a:latin typeface="Consolas" panose="020B0609020204030204" pitchFamily="49" charset="0"/>
+              </a:rPr>
+              <a:t>.findPersons</a:t>
+            </a:r>
+            <a:r>
+              <a:rPr lang="de-DE" dirty="0">
+                <a:solidFill>
+                  <a:srgbClr val="000000"/>
+                </a:solidFill>
+                <a:latin typeface="Consolas" panose="020B0609020204030204" pitchFamily="49" charset="0"/>
+              </a:rPr>
+              <a:t>(</a:t>
+            </a:r>
+            <a:r>
+              <a:rPr lang="de-DE" dirty="0" err="1">
+                <a:solidFill>
+                  <a:srgbClr val="000000"/>
+                </a:solidFill>
+                <a:latin typeface="Consolas" panose="020B0609020204030204" pitchFamily="49" charset="0"/>
+              </a:rPr>
+              <a:t>team</a:t>
+            </a:r>
+            <a:r>
+              <a:rPr lang="de-DE" dirty="0">
+                <a:solidFill>
+                  <a:srgbClr val="000000"/>
+                </a:solidFill>
+                <a:latin typeface="Consolas" panose="020B0609020204030204" pitchFamily="49" charset="0"/>
+              </a:rPr>
+              <a:t>)</a:t>
+            </a:r>
+            <a:endParaRPr lang="de-DE" dirty="0">
+              <a:solidFill>
+                <a:srgbClr val="2A00FF"/>
+              </a:solidFill>
+              <a:latin typeface="Consolas" panose="020B0609020204030204" pitchFamily="49" charset="0"/>
+            </a:endParaRPr>
+          </a:p>
+          <a:p>
+            <a:endParaRPr lang="de-DE" i="1" dirty="0" smtClean="0">
+              <a:solidFill>
+                <a:srgbClr val="000000"/>
+              </a:solidFill>
+              <a:latin typeface="Consolas" panose="020B0609020204030204" pitchFamily="49" charset="0"/>
+            </a:endParaRPr>
+          </a:p>
+          <a:p>
+            <a:r>
+              <a:rPr lang="de-DE" i="1" dirty="0">
+                <a:solidFill>
+                  <a:srgbClr val="000000"/>
+                </a:solidFill>
+                <a:latin typeface="Consolas" panose="020B0609020204030204" pitchFamily="49" charset="0"/>
+              </a:rPr>
+              <a:t> </a:t>
+            </a:r>
+            <a:r>
+              <a:rPr lang="de-DE" i="1" dirty="0" smtClean="0">
+                <a:solidFill>
+                  <a:srgbClr val="000000"/>
+                </a:solidFill>
+                <a:latin typeface="Consolas" panose="020B0609020204030204" pitchFamily="49" charset="0"/>
+              </a:rPr>
+              <a:t> </a:t>
+            </a:r>
+            <a:r>
+              <a:rPr lang="de-DE" i="1" dirty="0" err="1" smtClean="0">
+                <a:solidFill>
+                  <a:srgbClr val="000000"/>
                 </a:solidFill>
                 <a:latin typeface="Consolas" panose="020B0609020204030204" pitchFamily="49" charset="0"/>
               </a:rPr>
               <a:t>assertThat</a:t>
             </a:r>
             <a:r>
-              <a:rPr lang="de-DE" dirty="0">
-                <a:solidFill>
-                  <a:srgbClr val="2A00FF"/>
+              <a:rPr lang="de-DE" dirty="0" smtClean="0">
+                <a:solidFill>
+                  <a:srgbClr val="000000"/>
                 </a:solidFill>
                 <a:latin typeface="Consolas" panose="020B0609020204030204" pitchFamily="49" charset="0"/>
               </a:rPr>
               <a:t>(</a:t>
             </a:r>
             <a:r>
+              <a:rPr lang="de-DE" dirty="0" err="1" smtClean="0">
+                <a:solidFill>
+                  <a:srgbClr val="000000"/>
+                </a:solidFill>
+                <a:latin typeface="Consolas" panose="020B0609020204030204" pitchFamily="49" charset="0"/>
+              </a:rPr>
+              <a:t>persons</a:t>
+            </a:r>
+            <a:r>
+              <a:rPr lang="de-DE" dirty="0">
+                <a:solidFill>
+                  <a:srgbClr val="000000"/>
+                </a:solidFill>
+                <a:latin typeface="Consolas" panose="020B0609020204030204" pitchFamily="49" charset="0"/>
+              </a:rPr>
+              <a:t>).</a:t>
+            </a:r>
+            <a:r>
               <a:rPr lang="de-DE" dirty="0" err="1">
                 <a:solidFill>
-                  <a:srgbClr val="2A00FF"/>
-                </a:solidFill>
-                <a:latin typeface="Consolas" panose="020B0609020204030204" pitchFamily="49" charset="0"/>
-              </a:rPr>
-              <a:t>persons</a:t>
-            </a:r>
-            <a:r>
-              <a:rPr lang="de-DE" dirty="0">
-                <a:solidFill>
-                  <a:srgbClr val="2A00FF"/>
-                </a:solidFill>
-                <a:latin typeface="Consolas" panose="020B0609020204030204" pitchFamily="49" charset="0"/>
-              </a:rPr>
-              <a:t>).</a:t>
+                  <a:srgbClr val="000000"/>
+                </a:solidFill>
+                <a:latin typeface="Consolas" panose="020B0609020204030204" pitchFamily="49" charset="0"/>
+              </a:rPr>
+              <a:t>hasSize</a:t>
+            </a:r>
+            <a:r>
+              <a:rPr lang="de-DE" dirty="0">
+                <a:solidFill>
+                  <a:srgbClr val="000000"/>
+                </a:solidFill>
+                <a:latin typeface="Consolas" panose="020B0609020204030204" pitchFamily="49" charset="0"/>
+              </a:rPr>
+              <a:t>(</a:t>
             </a:r>
             <a:r>
               <a:rPr lang="de-DE" dirty="0" err="1">
                 <a:solidFill>
-                  <a:srgbClr val="2A00FF"/>
-                </a:solidFill>
-                <a:latin typeface="Consolas" panose="020B0609020204030204" pitchFamily="49" charset="0"/>
-              </a:rPr>
-              <a:t>hasSize</a:t>
-            </a:r>
-            <a:r>
-              <a:rPr lang="de-DE" dirty="0">
-                <a:solidFill>
-                  <a:srgbClr val="2A00FF"/>
-                </a:solidFill>
-                <a:latin typeface="Consolas" panose="020B0609020204030204" pitchFamily="49" charset="0"/>
-              </a:rPr>
-              <a:t>(</a:t>
+                  <a:srgbClr val="0000C0"/>
+                </a:solidFill>
+                <a:latin typeface="Consolas" panose="020B0609020204030204" pitchFamily="49" charset="0"/>
+              </a:rPr>
+              <a:t>dataSet</a:t>
             </a:r>
             <a:r>
               <a:rPr lang="de-DE" dirty="0" err="1">
                 <a:solidFill>
-                  <a:srgbClr val="2A00FF"/>
-                </a:solidFill>
-                <a:latin typeface="Consolas" panose="020B0609020204030204" pitchFamily="49" charset="0"/>
-              </a:rPr>
-              <a:t>dataSet.personsTable.getRowCount</a:t>
-            </a:r>
-            <a:r>
-              <a:rPr lang="de-DE" dirty="0">
-                <a:solidFill>
-                  <a:srgbClr val="2A00FF"/>
+                  <a:srgbClr val="000000"/>
+                </a:solidFill>
+                <a:latin typeface="Consolas" panose="020B0609020204030204" pitchFamily="49" charset="0"/>
+              </a:rPr>
+              <a:t>.</a:t>
+            </a:r>
+            <a:r>
+              <a:rPr lang="de-DE" dirty="0" err="1">
+                <a:solidFill>
+                  <a:srgbClr val="0000C0"/>
+                </a:solidFill>
+                <a:latin typeface="Consolas" panose="020B0609020204030204" pitchFamily="49" charset="0"/>
+              </a:rPr>
+              <a:t>personsTable</a:t>
+            </a:r>
+            <a:r>
+              <a:rPr lang="de-DE" dirty="0" err="1">
+                <a:solidFill>
+                  <a:srgbClr val="000000"/>
+                </a:solidFill>
+                <a:latin typeface="Consolas" panose="020B0609020204030204" pitchFamily="49" charset="0"/>
+              </a:rPr>
+              <a:t>.getRowCount</a:t>
+            </a:r>
+            <a:r>
+              <a:rPr lang="de-DE" dirty="0">
+                <a:solidFill>
+                  <a:srgbClr val="000000"/>
                 </a:solidFill>
                 <a:latin typeface="Consolas" panose="020B0609020204030204" pitchFamily="49" charset="0"/>
               </a:rPr>
@@ -10459,7 +10638,7 @@
             <a:r>
               <a:rPr lang="de-DE" dirty="0">
                 <a:solidFill>
-                  <a:srgbClr val="2A00FF"/>
+                  <a:srgbClr val="000000"/>
                 </a:solidFill>
                 <a:latin typeface="Consolas" panose="020B0609020204030204" pitchFamily="49" charset="0"/>
               </a:rPr>
@@ -10642,12 +10821,24 @@
             <a:pPr marL="0" indent="0">
               <a:buNone/>
             </a:pPr>
-            <a:endParaRPr lang="de-DE" sz="4800" dirty="0"/>
-          </a:p>
-          <a:p>
+            <a:endParaRPr lang="de-DE" sz="1800" dirty="0" smtClean="0">
+              <a:solidFill>
+                <a:srgbClr val="000000"/>
+              </a:solidFill>
+              <a:latin typeface="Consolas" panose="020B0609020204030204" pitchFamily="49" charset="0"/>
+            </a:endParaRPr>
+          </a:p>
+          <a:p>
+            <a:endParaRPr lang="de-DE" dirty="0"/>
+          </a:p>
+          <a:p>
+            <a:r>
+              <a:rPr lang="de-DE" dirty="0" smtClean="0"/>
+              <a:t>Mehrfach-Vererbung</a:t>
+            </a:r>
             <a:r>
               <a:rPr lang="de-DE" dirty="0"/>
-              <a:t>Mehrfach-Vererbung:</a:t>
+              <a:t>:</a:t>
             </a:r>
           </a:p>
           <a:p>
@@ -10717,13 +10908,49 @@
           <a:lstStyle/>
           <a:p>
             <a:r>
+              <a:rPr lang="de-DE" b="1" dirty="0" err="1">
+                <a:solidFill>
+                  <a:srgbClr val="972C78"/>
+                </a:solidFill>
+                <a:latin typeface="Consolas" panose="020B0609020204030204" pitchFamily="49" charset="0"/>
+              </a:rPr>
+              <a:t>class</a:t>
+            </a:r>
+            <a:r>
+              <a:rPr lang="de-DE" dirty="0">
+                <a:solidFill>
+                  <a:srgbClr val="2A00FF"/>
+                </a:solidFill>
+                <a:latin typeface="Consolas" panose="020B0609020204030204" pitchFamily="49" charset="0"/>
+              </a:rPr>
+              <a:t> </a:t>
+            </a:r>
+            <a:r>
               <a:rPr lang="de-DE" dirty="0" err="1">
                 <a:solidFill>
+                  <a:srgbClr val="000000"/>
+                </a:solidFill>
+                <a:latin typeface="Consolas" panose="020B0609020204030204" pitchFamily="49" charset="0"/>
+              </a:rPr>
+              <a:t>ExtendedDataSet</a:t>
+            </a:r>
+            <a:r>
+              <a:rPr lang="de-DE" dirty="0">
+                <a:solidFill>
                   <a:srgbClr val="2A00FF"/>
                 </a:solidFill>
                 <a:latin typeface="Consolas" panose="020B0609020204030204" pitchFamily="49" charset="0"/>
               </a:rPr>
-              <a:t>class</a:t>
+              <a:t> </a:t>
+            </a:r>
+            <a:r>
+              <a:rPr lang="de-DE" b="1" dirty="0" err="1">
+                <a:solidFill>
+                  <a:srgbClr val="972C78"/>
+                </a:solidFill>
+                <a:latin typeface="Consolas" panose="020B0609020204030204" pitchFamily="49" charset="0"/>
+              </a:rPr>
+              <a:t>extends</a:t>
             </a:r>
             <a:r>
               <a:rPr lang="de-DE" dirty="0">
@@ -10737,11 +10964,48 @@
             <a:r>
               <a:rPr lang="de-DE" dirty="0" err="1">
                 <a:solidFill>
+                  <a:srgbClr val="000000"/>
+                </a:solidFill>
+                <a:latin typeface="Consolas" panose="020B0609020204030204" pitchFamily="49" charset="0"/>
+              </a:rPr>
+              <a:t>PersonDatabaseBuilder</a:t>
+            </a:r>
+            <a:endParaRPr lang="de-DE" dirty="0">
+              <a:solidFill>
+                <a:srgbClr val="000000"/>
+              </a:solidFill>
+              <a:latin typeface="Consolas" panose="020B0609020204030204" pitchFamily="49" charset="0"/>
+            </a:endParaRPr>
+          </a:p>
+          <a:p>
+            <a:r>
+              <a:rPr lang="de-DE" dirty="0">
+                <a:solidFill>
+                  <a:srgbClr val="000000"/>
+                </a:solidFill>
+                <a:latin typeface="Consolas" panose="020B0609020204030204" pitchFamily="49" charset="0"/>
+              </a:rPr>
+              <a:t>{</a:t>
+            </a:r>
+          </a:p>
+          <a:p>
+            <a:r>
+              <a:rPr lang="de-DE" dirty="0">
+                <a:solidFill>
                   <a:srgbClr val="2A00FF"/>
                 </a:solidFill>
                 <a:latin typeface="Consolas" panose="020B0609020204030204" pitchFamily="49" charset="0"/>
               </a:rPr>
-              <a:t>ExtendedDataSet</a:t>
+              <a:t>  </a:t>
+            </a:r>
+            <a:r>
+              <a:rPr lang="de-DE" b="1" dirty="0" err="1">
+                <a:solidFill>
+                  <a:srgbClr val="972C78"/>
+                </a:solidFill>
+                <a:latin typeface="Consolas" panose="020B0609020204030204" pitchFamily="49" charset="0"/>
+              </a:rPr>
+              <a:t>def</a:t>
             </a:r>
             <a:r>
               <a:rPr lang="de-DE" dirty="0">
@@ -10755,30 +11019,41 @@
             <a:r>
               <a:rPr lang="de-DE" dirty="0" err="1">
                 <a:solidFill>
-                  <a:srgbClr val="2A00FF"/>
-                </a:solidFill>
-                <a:latin typeface="Consolas" panose="020B0609020204030204" pitchFamily="49" charset="0"/>
-              </a:rPr>
-              <a:t>extends</a:t>
-            </a:r>
-            <a:r>
-              <a:rPr lang="de-DE" dirty="0">
-                <a:solidFill>
-                  <a:srgbClr val="2A00FF"/>
-                </a:solidFill>
-                <a:latin typeface="Consolas" panose="020B0609020204030204" pitchFamily="49" charset="0"/>
-              </a:rPr>
-              <a:t> </a:t>
+                  <a:srgbClr val="000000"/>
+                </a:solidFill>
+                <a:latin typeface="Consolas" panose="020B0609020204030204" pitchFamily="49" charset="0"/>
+              </a:rPr>
+              <a:t>extendsDataSet</a:t>
+            </a:r>
+            <a:r>
+              <a:rPr lang="de-DE" dirty="0">
+                <a:solidFill>
+                  <a:srgbClr val="000000"/>
+                </a:solidFill>
+                <a:latin typeface="Consolas" panose="020B0609020204030204" pitchFamily="49" charset="0"/>
+              </a:rPr>
+              <a:t>() { </a:t>
             </a:r>
             <a:r>
               <a:rPr lang="de-DE" dirty="0" err="1">
                 <a:solidFill>
-                  <a:srgbClr val="2A00FF"/>
-                </a:solidFill>
-                <a:latin typeface="Consolas" panose="020B0609020204030204" pitchFamily="49" charset="0"/>
-              </a:rPr>
-              <a:t>PersonDatabaseBuilder</a:t>
-            </a:r>
+                  <a:srgbClr val="000000"/>
+                </a:solidFill>
+                <a:latin typeface="Consolas" panose="020B0609020204030204" pitchFamily="49" charset="0"/>
+              </a:rPr>
+              <a:t>DemoDataSet</a:t>
+            </a:r>
+            <a:r>
+              <a:rPr lang="de-DE" dirty="0">
+                <a:solidFill>
+                  <a:srgbClr val="000000"/>
+                </a:solidFill>
+                <a:latin typeface="Consolas" panose="020B0609020204030204" pitchFamily="49" charset="0"/>
+              </a:rPr>
+              <a:t> }</a:t>
+            </a:r>
+          </a:p>
+          <a:p>
             <a:endParaRPr lang="de-DE" dirty="0">
               <a:solidFill>
                 <a:srgbClr val="2A00FF"/>
@@ -10794,10 +11069,17 @@
                 </a:solidFill>
                 <a:latin typeface="Consolas" panose="020B0609020204030204" pitchFamily="49" charset="0"/>
               </a:rPr>
-              <a:t>{</a:t>
-            </a:r>
-          </a:p>
-          <a:p>
+              <a:t>  </a:t>
+            </a:r>
+            <a:r>
+              <a:rPr lang="de-DE" b="1" dirty="0" err="1">
+                <a:solidFill>
+                  <a:srgbClr val="972C78"/>
+                </a:solidFill>
+                <a:latin typeface="Consolas" panose="020B0609020204030204" pitchFamily="49" charset="0"/>
+              </a:rPr>
+              <a:t>def</a:t>
+            </a:r>
             <a:r>
               <a:rPr lang="de-DE" dirty="0">
                 <a:solidFill>
@@ -10805,17 +11087,84 @@
                 </a:solidFill>
                 <a:latin typeface="Consolas" panose="020B0609020204030204" pitchFamily="49" charset="0"/>
               </a:rPr>
-              <a:t>  </a:t>
+              <a:t> </a:t>
             </a:r>
             <a:r>
               <a:rPr lang="de-DE" dirty="0" err="1">
                 <a:solidFill>
+                  <a:srgbClr val="000000"/>
+                </a:solidFill>
+                <a:latin typeface="Consolas" panose="020B0609020204030204" pitchFamily="49" charset="0"/>
+              </a:rPr>
+              <a:t>relations</a:t>
+            </a:r>
+            <a:r>
+              <a:rPr lang="de-DE" dirty="0">
+                <a:solidFill>
+                  <a:srgbClr val="000000"/>
+                </a:solidFill>
+                <a:latin typeface="Consolas" panose="020B0609020204030204" pitchFamily="49" charset="0"/>
+              </a:rPr>
+              <a:t>() {</a:t>
+            </a:r>
+          </a:p>
+          <a:p>
+            <a:r>
+              <a:rPr lang="de-DE" dirty="0">
+                <a:solidFill>
                   <a:srgbClr val="2A00FF"/>
                 </a:solidFill>
                 <a:latin typeface="Consolas" panose="020B0609020204030204" pitchFamily="49" charset="0"/>
               </a:rPr>
-              <a:t>def</a:t>
-            </a:r>
+              <a:t>    </a:t>
+            </a:r>
+            <a:r>
+              <a:rPr lang="de-DE" i="1" dirty="0" err="1">
+                <a:solidFill>
+                  <a:srgbClr val="0000C0"/>
+                </a:solidFill>
+                <a:latin typeface="Consolas" panose="020B0609020204030204" pitchFamily="49" charset="0"/>
+              </a:rPr>
+              <a:t>HOCHLEITER</a:t>
+            </a:r>
+            <a:r>
+              <a:rPr lang="de-DE" dirty="0" err="1">
+                <a:solidFill>
+                  <a:srgbClr val="000000"/>
+                </a:solidFill>
+                <a:latin typeface="Consolas" panose="020B0609020204030204" pitchFamily="49" charset="0"/>
+              </a:rPr>
+              <a:t>.belongsTo</a:t>
+            </a:r>
+            <a:r>
+              <a:rPr lang="de-DE" dirty="0">
+                <a:solidFill>
+                  <a:srgbClr val="000000"/>
+                </a:solidFill>
+                <a:latin typeface="Consolas" panose="020B0609020204030204" pitchFamily="49" charset="0"/>
+              </a:rPr>
+              <a:t>(</a:t>
+            </a:r>
+            <a:r>
+              <a:rPr lang="de-DE" i="1" dirty="0">
+                <a:solidFill>
+                  <a:srgbClr val="0000C0"/>
+                </a:solidFill>
+                <a:latin typeface="Consolas" panose="020B0609020204030204" pitchFamily="49" charset="0"/>
+              </a:rPr>
+              <a:t>QA</a:t>
+            </a:r>
+            <a:r>
+              <a:rPr lang="de-DE" dirty="0">
+                <a:solidFill>
+                  <a:srgbClr val="000000"/>
+                </a:solidFill>
+                <a:latin typeface="Consolas" panose="020B0609020204030204" pitchFamily="49" charset="0"/>
+              </a:rPr>
+              <a:t>)</a:t>
+            </a:r>
+          </a:p>
+          <a:p>
             <a:r>
               <a:rPr lang="de-DE" dirty="0">
                 <a:solidFill>
@@ -10823,163 +11172,59 @@
                 </a:solidFill>
                 <a:latin typeface="Consolas" panose="020B0609020204030204" pitchFamily="49" charset="0"/>
               </a:rPr>
-              <a:t> </a:t>
+              <a:t>    </a:t>
+            </a:r>
+            <a:r>
+              <a:rPr lang="de-DE" i="1" dirty="0" err="1">
+                <a:solidFill>
+                  <a:srgbClr val="0000C0"/>
+                </a:solidFill>
+                <a:latin typeface="Consolas" panose="020B0609020204030204" pitchFamily="49" charset="0"/>
+              </a:rPr>
+              <a:t>HOCHLEITER</a:t>
             </a:r>
             <a:r>
               <a:rPr lang="de-DE" dirty="0" err="1">
                 <a:solidFill>
-                  <a:srgbClr val="2A00FF"/>
-                </a:solidFill>
-                <a:latin typeface="Consolas" panose="020B0609020204030204" pitchFamily="49" charset="0"/>
-              </a:rPr>
-              <a:t>extendsDataSet</a:t>
-            </a:r>
-            <a:r>
-              <a:rPr lang="de-DE" dirty="0">
-                <a:solidFill>
-                  <a:srgbClr val="2A00FF"/>
-                </a:solidFill>
-                <a:latin typeface="Consolas" panose="020B0609020204030204" pitchFamily="49" charset="0"/>
-              </a:rPr>
-              <a:t>() { </a:t>
-            </a:r>
-            <a:r>
-              <a:rPr lang="de-DE" dirty="0" err="1">
-                <a:solidFill>
-                  <a:srgbClr val="2A00FF"/>
-                </a:solidFill>
-                <a:latin typeface="Consolas" panose="020B0609020204030204" pitchFamily="49" charset="0"/>
-              </a:rPr>
-              <a:t>DemoDataSet</a:t>
-            </a:r>
-            <a:r>
-              <a:rPr lang="de-DE" dirty="0">
-                <a:solidFill>
-                  <a:srgbClr val="2A00FF"/>
-                </a:solidFill>
-                <a:latin typeface="Consolas" panose="020B0609020204030204" pitchFamily="49" charset="0"/>
-              </a:rPr>
-              <a:t> }</a:t>
-            </a:r>
-          </a:p>
-          <a:p>
-            <a:endParaRPr lang="de-DE" dirty="0">
-              <a:solidFill>
-                <a:srgbClr val="2A00FF"/>
-              </a:solidFill>
-              <a:latin typeface="Consolas" panose="020B0609020204030204" pitchFamily="49" charset="0"/>
-            </a:endParaRPr>
-          </a:p>
-          <a:p>
-            <a:r>
-              <a:rPr lang="de-DE" dirty="0">
-                <a:solidFill>
-                  <a:srgbClr val="2A00FF"/>
-                </a:solidFill>
-                <a:latin typeface="Consolas" panose="020B0609020204030204" pitchFamily="49" charset="0"/>
-              </a:rPr>
-              <a:t>  </a:t>
-            </a:r>
-            <a:r>
-              <a:rPr lang="de-DE" dirty="0" err="1">
-                <a:solidFill>
-                  <a:srgbClr val="2A00FF"/>
-                </a:solidFill>
-                <a:latin typeface="Consolas" panose="020B0609020204030204" pitchFamily="49" charset="0"/>
-              </a:rPr>
-              <a:t>def</a:t>
-            </a:r>
-            <a:r>
-              <a:rPr lang="de-DE" dirty="0">
-                <a:solidFill>
-                  <a:srgbClr val="2A00FF"/>
-                </a:solidFill>
-                <a:latin typeface="Consolas" panose="020B0609020204030204" pitchFamily="49" charset="0"/>
-              </a:rPr>
-              <a:t> </a:t>
-            </a:r>
-            <a:r>
-              <a:rPr lang="de-DE" dirty="0" err="1">
-                <a:solidFill>
-                  <a:srgbClr val="2A00FF"/>
-                </a:solidFill>
-                <a:latin typeface="Consolas" panose="020B0609020204030204" pitchFamily="49" charset="0"/>
-              </a:rPr>
-              <a:t>relations</a:t>
-            </a:r>
-            <a:r>
-              <a:rPr lang="de-DE" dirty="0">
-                <a:solidFill>
-                  <a:srgbClr val="2A00FF"/>
-                </a:solidFill>
-                <a:latin typeface="Consolas" panose="020B0609020204030204" pitchFamily="49" charset="0"/>
-              </a:rPr>
-              <a:t>() {</a:t>
-            </a:r>
-          </a:p>
-          <a:p>
-            <a:r>
-              <a:rPr lang="de-DE" dirty="0">
-                <a:solidFill>
-                  <a:srgbClr val="2A00FF"/>
-                </a:solidFill>
-                <a:latin typeface="Consolas" panose="020B0609020204030204" pitchFamily="49" charset="0"/>
-              </a:rPr>
-              <a:t>    </a:t>
-            </a:r>
-            <a:r>
-              <a:rPr lang="de-DE" dirty="0" err="1">
-                <a:solidFill>
-                  <a:srgbClr val="2A00FF"/>
-                </a:solidFill>
-                <a:latin typeface="Consolas" panose="020B0609020204030204" pitchFamily="49" charset="0"/>
-              </a:rPr>
-              <a:t>HOCHLEITER.belongsTo</a:t>
-            </a:r>
-            <a:r>
-              <a:rPr lang="de-DE" dirty="0">
-                <a:solidFill>
-                  <a:srgbClr val="2A00FF"/>
-                </a:solidFill>
-                <a:latin typeface="Consolas" panose="020B0609020204030204" pitchFamily="49" charset="0"/>
-              </a:rPr>
-              <a:t>(QA)</a:t>
-            </a:r>
-          </a:p>
-          <a:p>
-            <a:r>
-              <a:rPr lang="de-DE" dirty="0">
-                <a:solidFill>
-                  <a:srgbClr val="2A00FF"/>
-                </a:solidFill>
-                <a:latin typeface="Consolas" panose="020B0609020204030204" pitchFamily="49" charset="0"/>
-              </a:rPr>
-              <a:t>    </a:t>
-            </a:r>
-            <a:r>
-              <a:rPr lang="de-DE" dirty="0" err="1">
-                <a:solidFill>
-                  <a:srgbClr val="2A00FF"/>
-                </a:solidFill>
-                <a:latin typeface="Consolas" panose="020B0609020204030204" pitchFamily="49" charset="0"/>
-              </a:rPr>
-              <a:t>HOCHLEITER.worksAs</a:t>
-            </a:r>
-            <a:r>
-              <a:rPr lang="de-DE" dirty="0">
-                <a:solidFill>
-                  <a:srgbClr val="2A00FF"/>
-                </a:solidFill>
-                <a:latin typeface="Consolas" panose="020B0609020204030204" pitchFamily="49" charset="0"/>
-              </a:rPr>
-              <a:t>(SWT)</a:t>
-            </a:r>
-          </a:p>
-          <a:p>
-            <a:r>
-              <a:rPr lang="de-DE" dirty="0">
-                <a:solidFill>
-                  <a:srgbClr val="2A00FF"/>
+                  <a:srgbClr val="000000"/>
+                </a:solidFill>
+                <a:latin typeface="Consolas" panose="020B0609020204030204" pitchFamily="49" charset="0"/>
+              </a:rPr>
+              <a:t>.worksAs</a:t>
+            </a:r>
+            <a:r>
+              <a:rPr lang="de-DE" dirty="0">
+                <a:solidFill>
+                  <a:srgbClr val="000000"/>
+                </a:solidFill>
+                <a:latin typeface="Consolas" panose="020B0609020204030204" pitchFamily="49" charset="0"/>
+              </a:rPr>
+              <a:t>(</a:t>
+            </a:r>
+            <a:r>
+              <a:rPr lang="de-DE" i="1" dirty="0">
+                <a:solidFill>
+                  <a:srgbClr val="0000C0"/>
+                </a:solidFill>
+                <a:latin typeface="Consolas" panose="020B0609020204030204" pitchFamily="49" charset="0"/>
+              </a:rPr>
+              <a:t>SWT</a:t>
+            </a:r>
+            <a:r>
+              <a:rPr lang="de-DE" dirty="0">
+                <a:solidFill>
+                  <a:srgbClr val="000000"/>
+                </a:solidFill>
+                <a:latin typeface="Consolas" panose="020B0609020204030204" pitchFamily="49" charset="0"/>
+              </a:rPr>
+              <a:t>)</a:t>
+            </a:r>
+          </a:p>
+          <a:p>
+            <a:r>
+              <a:rPr lang="de-DE" dirty="0">
+                <a:solidFill>
+                  <a:srgbClr val="000000"/>
                 </a:solidFill>
                 <a:latin typeface="Consolas" panose="020B0609020204030204" pitchFamily="49" charset="0"/>
               </a:rPr>
@@ -10990,7 +11235,7 @@
             <a:r>
               <a:rPr lang="de-DE" dirty="0">
                 <a:solidFill>
-                  <a:srgbClr val="2A00FF"/>
+                  <a:srgbClr val="000000"/>
                 </a:solidFill>
                 <a:latin typeface="Consolas" panose="020B0609020204030204" pitchFamily="49" charset="0"/>
               </a:rPr>
@@ -11028,13 +11273,49 @@
           <a:lstStyle/>
           <a:p>
             <a:r>
+              <a:rPr lang="de-DE" b="1" dirty="0" err="1">
+                <a:solidFill>
+                  <a:srgbClr val="972C78"/>
+                </a:solidFill>
+                <a:latin typeface="Consolas" panose="020B0609020204030204" pitchFamily="49" charset="0"/>
+              </a:rPr>
+              <a:t>class</a:t>
+            </a:r>
+            <a:r>
+              <a:rPr lang="de-DE" dirty="0">
+                <a:solidFill>
+                  <a:srgbClr val="2A00FF"/>
+                </a:solidFill>
+                <a:latin typeface="Consolas" panose="020B0609020204030204" pitchFamily="49" charset="0"/>
+              </a:rPr>
+              <a:t> </a:t>
+            </a:r>
+            <a:r>
               <a:rPr lang="de-DE" dirty="0" err="1">
                 <a:solidFill>
+                  <a:srgbClr val="000000"/>
+                </a:solidFill>
+                <a:latin typeface="Consolas" panose="020B0609020204030204" pitchFamily="49" charset="0"/>
+              </a:rPr>
+              <a:t>ComposedDataSet</a:t>
+            </a:r>
+            <a:r>
+              <a:rPr lang="de-DE" dirty="0">
+                <a:solidFill>
                   <a:srgbClr val="2A00FF"/>
                 </a:solidFill>
                 <a:latin typeface="Consolas" panose="020B0609020204030204" pitchFamily="49" charset="0"/>
               </a:rPr>
-              <a:t>class</a:t>
+              <a:t> </a:t>
+            </a:r>
+            <a:r>
+              <a:rPr lang="de-DE" b="1" dirty="0" err="1">
+                <a:solidFill>
+                  <a:srgbClr val="972C78"/>
+                </a:solidFill>
+                <a:latin typeface="Consolas" panose="020B0609020204030204" pitchFamily="49" charset="0"/>
+              </a:rPr>
+              <a:t>extends</a:t>
             </a:r>
             <a:r>
               <a:rPr lang="de-DE" dirty="0">
@@ -11048,43 +11329,7 @@
             <a:r>
               <a:rPr lang="de-DE" dirty="0" err="1">
                 <a:solidFill>
-                  <a:srgbClr val="2A00FF"/>
-                </a:solidFill>
-                <a:latin typeface="Consolas" panose="020B0609020204030204" pitchFamily="49" charset="0"/>
-              </a:rPr>
-              <a:t>ComposedDataSet</a:t>
-            </a:r>
-            <a:r>
-              <a:rPr lang="de-DE" dirty="0">
-                <a:solidFill>
-                  <a:srgbClr val="2A00FF"/>
-                </a:solidFill>
-                <a:latin typeface="Consolas" panose="020B0609020204030204" pitchFamily="49" charset="0"/>
-              </a:rPr>
-              <a:t> </a:t>
-            </a:r>
-            <a:r>
-              <a:rPr lang="de-DE" dirty="0" err="1">
-                <a:solidFill>
-                  <a:srgbClr val="2A00FF"/>
-                </a:solidFill>
-                <a:latin typeface="Consolas" panose="020B0609020204030204" pitchFamily="49" charset="0"/>
-              </a:rPr>
-              <a:t>extends</a:t>
-            </a:r>
-            <a:r>
-              <a:rPr lang="de-DE" dirty="0">
-                <a:solidFill>
-                  <a:srgbClr val="2A00FF"/>
-                </a:solidFill>
-                <a:latin typeface="Consolas" panose="020B0609020204030204" pitchFamily="49" charset="0"/>
-              </a:rPr>
-              <a:t> </a:t>
-            </a:r>
-            <a:r>
-              <a:rPr lang="de-DE" dirty="0" err="1">
-                <a:solidFill>
-                  <a:srgbClr val="2A00FF"/>
+                  <a:srgbClr val="000000"/>
                 </a:solidFill>
                 <a:latin typeface="Consolas" panose="020B0609020204030204" pitchFamily="49" charset="0"/>
               </a:rPr>
@@ -11092,7 +11337,7 @@
             </a:r>
             <a:endParaRPr lang="de-DE" dirty="0">
               <a:solidFill>
-                <a:srgbClr val="2A00FF"/>
+                <a:srgbClr val="000000"/>
               </a:solidFill>
               <a:latin typeface="Consolas" panose="020B0609020204030204" pitchFamily="49" charset="0"/>
             </a:endParaRPr>
@@ -11101,14 +11346,32 @@
             <a:r>
               <a:rPr lang="de-DE" dirty="0">
                 <a:solidFill>
+                  <a:srgbClr val="000000"/>
+                </a:solidFill>
+                <a:latin typeface="Consolas" panose="020B0609020204030204" pitchFamily="49" charset="0"/>
+              </a:rPr>
+              <a:t>{</a:t>
+            </a:r>
+          </a:p>
+          <a:p>
+            <a:r>
+              <a:rPr lang="de-DE" dirty="0">
+                <a:solidFill>
                   <a:srgbClr val="2A00FF"/>
                 </a:solidFill>
                 <a:latin typeface="Consolas" panose="020B0609020204030204" pitchFamily="49" charset="0"/>
               </a:rPr>
-              <a:t>{</a:t>
-            </a:r>
-          </a:p>
-          <a:p>
+              <a:t>  </a:t>
+            </a:r>
+            <a:r>
+              <a:rPr lang="de-DE" b="1" dirty="0" err="1">
+                <a:solidFill>
+                  <a:srgbClr val="972C78"/>
+                </a:solidFill>
+                <a:latin typeface="Consolas" panose="020B0609020204030204" pitchFamily="49" charset="0"/>
+              </a:rPr>
+              <a:t>def</a:t>
+            </a:r>
             <a:r>
               <a:rPr lang="de-DE" dirty="0">
                 <a:solidFill>
@@ -11116,30 +11379,12 @@
                 </a:solidFill>
                 <a:latin typeface="Consolas" panose="020B0609020204030204" pitchFamily="49" charset="0"/>
               </a:rPr>
-              <a:t>  </a:t>
+              <a:t> </a:t>
             </a:r>
             <a:r>
               <a:rPr lang="de-DE" dirty="0" err="1">
                 <a:solidFill>
-                  <a:srgbClr val="2A00FF"/>
-                </a:solidFill>
-                <a:latin typeface="Consolas" panose="020B0609020204030204" pitchFamily="49" charset="0"/>
-              </a:rPr>
-              <a:t>def</a:t>
-            </a:r>
-            <a:r>
-              <a:rPr lang="de-DE" dirty="0">
-                <a:solidFill>
-                  <a:srgbClr val="2A00FF"/>
-                </a:solidFill>
-                <a:latin typeface="Consolas" panose="020B0609020204030204" pitchFamily="49" charset="0"/>
-              </a:rPr>
-              <a:t> </a:t>
-            </a:r>
-            <a:r>
-              <a:rPr lang="de-DE" dirty="0" err="1">
-                <a:solidFill>
-                  <a:srgbClr val="2A00FF"/>
+                  <a:srgbClr val="000000"/>
                 </a:solidFill>
                 <a:latin typeface="Consolas" panose="020B0609020204030204" pitchFamily="49" charset="0"/>
               </a:rPr>
@@ -11148,7 +11393,7 @@
             <a:r>
               <a:rPr lang="de-DE" dirty="0">
                 <a:solidFill>
-                  <a:srgbClr val="2A00FF"/>
+                  <a:srgbClr val="000000"/>
                 </a:solidFill>
                 <a:latin typeface="Consolas" panose="020B0609020204030204" pitchFamily="49" charset="0"/>
               </a:rPr>
@@ -11159,7 +11404,7 @@
             <a:r>
               <a:rPr lang="de-DE" dirty="0">
                 <a:solidFill>
-                  <a:srgbClr val="2A00FF"/>
+                  <a:srgbClr val="000000"/>
                 </a:solidFill>
                 <a:latin typeface="Consolas" panose="020B0609020204030204" pitchFamily="49" charset="0"/>
               </a:rPr>
